--- a/doc/V1.0_화면설계서 양식.pptx
+++ b/doc/V1.0_화면설계서 양식.pptx
@@ -351,7 +351,7 @@
           <a:p>
             <a:fld id="{98FBB39A-9110-43FD-8DF2-684D1523A0BC}" type="datetime1">
               <a:rPr lang="ko-KR" altLang="en-US" smtClean="0"/>
-              <a:t>2026-01-08</a:t>
+              <a:t>2026-01-20</a:t>
             </a:fld>
             <a:endParaRPr lang="ko-KR" altLang="en-US"/>
           </a:p>
@@ -1371,7 +1371,7 @@
           </a:ln>
           <a:extLst>
             <a:ext uri="{C572A759-6A51-4108-AA02-DFA0A04FC94B}">
-              <ma14:wrappingTextBoxFlag xmlns="" xmlns:m="http://schemas.openxmlformats.org/officeDocument/2006/math" xmlns:a14="http://schemas.microsoft.com/office/drawing/2010/main" xmlns:ma14="http://schemas.microsoft.com/office/mac/drawingml/2011/main" val="1"/>
+              <ma14:wrappingTextBoxFlag xmlns:ma14="http://schemas.microsoft.com/office/mac/drawingml/2011/main" xmlns:a14="http://schemas.microsoft.com/office/drawing/2010/main" xmlns:m="http://schemas.openxmlformats.org/officeDocument/2006/math" xmlns="" val="1"/>
             </a:ext>
           </a:extLst>
         </p:spPr>
@@ -1474,7 +1474,7 @@
           </a:ln>
           <a:extLst>
             <a:ext uri="{C572A759-6A51-4108-AA02-DFA0A04FC94B}">
-              <ma14:wrappingTextBoxFlag xmlns="" xmlns:m="http://schemas.openxmlformats.org/officeDocument/2006/math" xmlns:a14="http://schemas.microsoft.com/office/drawing/2010/main" xmlns:ma14="http://schemas.microsoft.com/office/mac/drawingml/2011/main" val="1"/>
+              <ma14:wrappingTextBoxFlag xmlns:ma14="http://schemas.microsoft.com/office/mac/drawingml/2011/main" xmlns:a14="http://schemas.microsoft.com/office/drawing/2010/main" xmlns:m="http://schemas.openxmlformats.org/officeDocument/2006/math" xmlns="" val="1"/>
             </a:ext>
           </a:extLst>
         </p:spPr>
@@ -1576,7 +1576,7 @@
           </a:ln>
           <a:extLst>
             <a:ext uri="{C572A759-6A51-4108-AA02-DFA0A04FC94B}">
-              <ma14:wrappingTextBoxFlag xmlns="" xmlns:m="http://schemas.openxmlformats.org/officeDocument/2006/math" xmlns:a14="http://schemas.microsoft.com/office/drawing/2010/main" xmlns:ma14="http://schemas.microsoft.com/office/mac/drawingml/2011/main" val="1"/>
+              <ma14:wrappingTextBoxFlag xmlns:ma14="http://schemas.microsoft.com/office/mac/drawingml/2011/main" xmlns:a14="http://schemas.microsoft.com/office/drawing/2010/main" xmlns:m="http://schemas.openxmlformats.org/officeDocument/2006/math" xmlns="" val="1"/>
             </a:ext>
           </a:extLst>
         </p:spPr>
@@ -4668,6 +4668,41 @@
               <a:t>1</a:t>
             </a:fld>
             <a:endParaRPr lang="ko-KR" altLang="en-US" sz="900" dirty="0"/>
+          </a:p>
+        </p:txBody>
+      </p:sp>
+      <p:sp>
+        <p:nvSpPr>
+          <p:cNvPr id="3" name="TextBox 2">
+            <a:extLst>
+              <a:ext uri="{FF2B5EF4-FFF2-40B4-BE49-F238E27FC236}">
+                <a16:creationId xmlns:a16="http://schemas.microsoft.com/office/drawing/2014/main" id="{AFFB7AC1-4F4D-81D4-E249-A85C2E3D2518}"/>
+              </a:ext>
+            </a:extLst>
+          </p:cNvPr>
+          <p:cNvSpPr txBox="1"/>
+          <p:nvPr/>
+        </p:nvSpPr>
+        <p:spPr>
+          <a:xfrm>
+            <a:off x="1415480" y="1844822"/>
+            <a:ext cx="6097554" cy="369332"/>
+          </a:xfrm>
+          <a:prstGeom prst="rect">
+            <a:avLst/>
+          </a:prstGeom>
+          <a:noFill/>
+        </p:spPr>
+        <p:txBody>
+          <a:bodyPr wrap="square">
+            <a:spAutoFit/>
+          </a:bodyPr>
+          <a:lstStyle/>
+          <a:p>
+            <a:r>
+              <a:rPr lang="ko-KR" altLang="en-US" dirty="0"/>
+              <a:t>https://m.blog.naver.com/soomichip_/223128859692</a:t>
+            </a:r>
           </a:p>
         </p:txBody>
       </p:sp>

--- a/doc/V1.0_화면설계서 양식.pptx
+++ b/doc/V1.0_화면설계서 양식.pptx
@@ -5,13 +5,15 @@
     <p:sldMasterId id="2147483648" r:id="rId1"/>
   </p:sldMasterIdLst>
   <p:notesMasterIdLst>
-    <p:notesMasterId r:id="rId3"/>
+    <p:notesMasterId r:id="rId5"/>
   </p:notesMasterIdLst>
   <p:handoutMasterIdLst>
-    <p:handoutMasterId r:id="rId4"/>
+    <p:handoutMasterId r:id="rId6"/>
   </p:handoutMasterIdLst>
   <p:sldIdLst>
-    <p:sldId id="274" r:id="rId2"/>
+    <p:sldId id="433" r:id="rId2"/>
+    <p:sldId id="439" r:id="rId3"/>
+    <p:sldId id="440" r:id="rId4"/>
   </p:sldIdLst>
   <p:sldSz cx="12192000" cy="6858000"/>
   <p:notesSz cx="6797675" cy="9926638"/>
@@ -111,18 +113,6 @@
     </a:lvl9pPr>
   </p:defaultTextStyle>
   <p:extLst>
-    <p:ext uri="{521415D9-36F7-43E2-AB2F-B90AF26B5E84}">
-      <p14:sectionLst xmlns:p14="http://schemas.microsoft.com/office/powerpoint/2010/main">
-        <p14:section name="Document Title." id="{B68C2B71-D818-4E74-B3D0-24D0F8C917E3}">
-          <p14:sldIdLst/>
-        </p14:section>
-        <p14:section name="document History." id="{FF903505-45CE-4FDE-900C-B7F30543DFE6}">
-          <p14:sldIdLst>
-            <p14:sldId id="274"/>
-          </p14:sldIdLst>
-        </p14:section>
-      </p14:sectionLst>
-    </p:ext>
     <p:ext uri="{EFAFB233-063F-42B5-8137-9DF3F51BA10A}">
       <p15:sldGuideLst xmlns:p15="http://schemas.microsoft.com/office/powerpoint/2012/main">
         <p15:guide id="1" orient="horz" pos="2160" userDrawn="1">
@@ -351,7 +341,7 @@
           <a:p>
             <a:fld id="{98FBB39A-9110-43FD-8DF2-684D1523A0BC}" type="datetime1">
               <a:rPr lang="ko-KR" altLang="en-US" smtClean="0"/>
-              <a:t>2026-01-20</a:t>
+              <a:t>2026-01-27</a:t>
             </a:fld>
             <a:endParaRPr lang="ko-KR" altLang="en-US"/>
           </a:p>
@@ -2846,6 +2836,1313 @@
 </p:sldLayout>
 </file>
 
+<file path=ppt/slideLayouts/slideLayout5.xml><?xml version="1.0" encoding="utf-8"?>
+<p:sldLayout xmlns:a="http://schemas.openxmlformats.org/drawingml/2006/main" xmlns:r="http://schemas.openxmlformats.org/officeDocument/2006/relationships" xmlns:p="http://schemas.openxmlformats.org/presentationml/2006/main" userDrawn="1">
+  <p:cSld name="2_제목 슬라이드">
+    <p:spTree>
+      <p:nvGrpSpPr>
+        <p:cNvPr id="1" name=""/>
+        <p:cNvGrpSpPr/>
+        <p:nvPr/>
+      </p:nvGrpSpPr>
+      <p:grpSpPr>
+        <a:xfrm>
+          <a:off x="0" y="0"/>
+          <a:ext cx="0" cy="0"/>
+          <a:chOff x="0" y="0"/>
+          <a:chExt cx="0" cy="0"/>
+        </a:xfrm>
+      </p:grpSpPr>
+      <p:sp>
+        <p:nvSpPr>
+          <p:cNvPr id="8" name="Rectangle 49"/>
+          <p:cNvSpPr>
+            <a:spLocks/>
+          </p:cNvSpPr>
+          <p:nvPr userDrawn="1"/>
+        </p:nvSpPr>
+        <p:spPr bwMode="auto">
+          <a:xfrm>
+            <a:off x="5786927" y="6649533"/>
+            <a:ext cx="609600" cy="123111"/>
+          </a:xfrm>
+          <a:prstGeom prst="rect">
+            <a:avLst/>
+          </a:prstGeom>
+          <a:noFill/>
+          <a:ln w="25400">
+            <a:noFill/>
+            <a:miter lim="800000"/>
+            <a:headEnd/>
+            <a:tailEnd/>
+          </a:ln>
+          <a:effectLst/>
+        </p:spPr>
+        <p:txBody>
+          <a:bodyPr wrap="square" lIns="0" tIns="0" rIns="0" bIns="0">
+            <a:spAutoFit/>
+          </a:bodyPr>
+          <a:lstStyle/>
+          <a:p>
+            <a:pPr algn="r" defTabSz="865188">
+              <a:defRPr/>
+            </a:pPr>
+            <a:fld id="{6FDFDBFA-678E-4CB6-9528-3A75FFBC609B}" type="slidenum">
+              <a:rPr lang="en-US" altLang="ko-KR" sz="800" smtClean="0">
+                <a:solidFill>
+                  <a:srgbClr val="EE2B2B"/>
+                </a:solidFill>
+                <a:latin typeface="Noto Sans CJK KR Bold" panose="020B0800000000000000" pitchFamily="34" charset="-127"/>
+                <a:ea typeface="Noto Sans CJK KR Bold" panose="020B0800000000000000" pitchFamily="34" charset="-127"/>
+              </a:rPr>
+              <a:pPr algn="r" defTabSz="865188">
+                <a:defRPr/>
+              </a:pPr>
+              <a:t>‹#›</a:t>
+            </a:fld>
+            <a:r>
+              <a:rPr lang="en-US" altLang="ko-KR" sz="800" dirty="0">
+                <a:solidFill>
+                  <a:srgbClr val="EE2B2B"/>
+                </a:solidFill>
+                <a:latin typeface="Noto Sans CJK KR Bold" panose="020B0800000000000000" pitchFamily="34" charset="-127"/>
+                <a:ea typeface="Noto Sans CJK KR Bold" panose="020B0800000000000000" pitchFamily="34" charset="-127"/>
+              </a:rPr>
+              <a:t> </a:t>
+            </a:r>
+            <a:r>
+              <a:rPr lang="en-US" altLang="ko-KR" sz="800" dirty="0">
+                <a:solidFill>
+                  <a:schemeClr val="tx1">
+                    <a:lumMod val="50000"/>
+                    <a:lumOff val="50000"/>
+                  </a:schemeClr>
+                </a:solidFill>
+                <a:latin typeface="Noto Sans CJK KR Bold" panose="020B0800000000000000" pitchFamily="34" charset="-127"/>
+                <a:ea typeface="Noto Sans CJK KR Bold" panose="020B0800000000000000" pitchFamily="34" charset="-127"/>
+              </a:rPr>
+              <a:t>page</a:t>
+            </a:r>
+            <a:r>
+              <a:rPr lang="ko-KR" altLang="en-US" sz="800" dirty="0">
+                <a:solidFill>
+                  <a:schemeClr val="tx1">
+                    <a:lumMod val="50000"/>
+                    <a:lumOff val="50000"/>
+                  </a:schemeClr>
+                </a:solidFill>
+                <a:latin typeface="Noto Sans CJK KR Bold" panose="020B0800000000000000" pitchFamily="34" charset="-127"/>
+                <a:ea typeface="Noto Sans CJK KR Bold" panose="020B0800000000000000" pitchFamily="34" charset="-127"/>
+              </a:rPr>
+              <a:t> </a:t>
+            </a:r>
+            <a:endParaRPr kumimoji="0" lang="en-US" altLang="ko-KR" sz="800" dirty="0">
+              <a:solidFill>
+                <a:schemeClr val="tx1">
+                  <a:lumMod val="50000"/>
+                  <a:lumOff val="50000"/>
+                </a:schemeClr>
+              </a:solidFill>
+              <a:latin typeface="Noto Sans CJK KR Bold" panose="020B0800000000000000" pitchFamily="34" charset="-127"/>
+              <a:ea typeface="Noto Sans CJK KR Bold" panose="020B0800000000000000" pitchFamily="34" charset="-127"/>
+              <a:sym typeface="Arial" charset="0"/>
+            </a:endParaRPr>
+          </a:p>
+        </p:txBody>
+      </p:sp>
+      <p:sp>
+        <p:nvSpPr>
+          <p:cNvPr id="10" name="직사각형 9"/>
+          <p:cNvSpPr/>
+          <p:nvPr userDrawn="1"/>
+        </p:nvSpPr>
+        <p:spPr>
+          <a:xfrm>
+            <a:off x="102499" y="60704"/>
+            <a:ext cx="6096000" cy="215444"/>
+          </a:xfrm>
+          <a:prstGeom prst="rect">
+            <a:avLst/>
+          </a:prstGeom>
+        </p:spPr>
+        <p:txBody>
+          <a:bodyPr>
+            <a:spAutoFit/>
+          </a:bodyPr>
+          <a:lstStyle/>
+          <a:p>
+            <a:r>
+              <a:rPr lang="ko-KR" altLang="en-US" sz="800" b="1" baseline="0" dirty="0">
+                <a:solidFill>
+                  <a:schemeClr val="bg1">
+                    <a:lumMod val="85000"/>
+                  </a:schemeClr>
+                </a:solidFill>
+                <a:latin typeface="Noto Sans CJK KR Bold" panose="020B0800000000000000" pitchFamily="34" charset="-127"/>
+                <a:ea typeface="Noto Sans CJK KR Bold" panose="020B0800000000000000" pitchFamily="34" charset="-127"/>
+              </a:rPr>
+              <a:t>프로젝트명</a:t>
+            </a:r>
+            <a:endParaRPr lang="en-US" altLang="ko-KR" sz="800" b="1" baseline="0" dirty="0">
+              <a:solidFill>
+                <a:schemeClr val="bg1">
+                  <a:lumMod val="85000"/>
+                </a:schemeClr>
+              </a:solidFill>
+              <a:latin typeface="Noto Sans CJK KR Bold" panose="020B0800000000000000" pitchFamily="34" charset="-127"/>
+              <a:ea typeface="Noto Sans CJK KR Bold" panose="020B0800000000000000" pitchFamily="34" charset="-127"/>
+            </a:endParaRPr>
+          </a:p>
+        </p:txBody>
+      </p:sp>
+      <p:sp>
+        <p:nvSpPr>
+          <p:cNvPr id="11" name="모서리가 둥근 직사각형 10"/>
+          <p:cNvSpPr/>
+          <p:nvPr userDrawn="1"/>
+        </p:nvSpPr>
+        <p:spPr bwMode="auto">
+          <a:xfrm>
+            <a:off x="123825" y="280988"/>
+            <a:ext cx="11979782" cy="288925"/>
+          </a:xfrm>
+          <a:prstGeom prst="roundRect">
+            <a:avLst>
+              <a:gd name="adj" fmla="val 10121"/>
+            </a:avLst>
+          </a:prstGeom>
+          <a:solidFill>
+            <a:schemeClr val="bg1">
+              <a:lumMod val="65000"/>
+            </a:schemeClr>
+          </a:solidFill>
+          <a:ln w="3175">
+            <a:noFill/>
+            <a:round/>
+            <a:headEnd/>
+            <a:tailEnd/>
+          </a:ln>
+          <a:effectLst/>
+        </p:spPr>
+        <p:txBody>
+          <a:bodyPr lIns="36000" tIns="18000" rIns="36000" bIns="18000" anchor="ctr"/>
+          <a:lstStyle/>
+          <a:p>
+            <a:pPr algn="ctr" defTabSz="793750" fontAlgn="auto" latinLnBrk="0">
+              <a:spcBef>
+                <a:spcPts val="0"/>
+              </a:spcBef>
+              <a:spcAft>
+                <a:spcPts val="0"/>
+              </a:spcAft>
+              <a:defRPr/>
+            </a:pPr>
+            <a:endParaRPr kumimoji="0" lang="ko-KR" altLang="en-US" sz="800" kern="0" dirty="0">
+              <a:solidFill>
+                <a:sysClr val="windowText" lastClr="000000"/>
+              </a:solidFill>
+              <a:latin typeface="맑은 고딕" pitchFamily="50" charset="-127"/>
+              <a:ea typeface="맑은 고딕" pitchFamily="50" charset="-127"/>
+            </a:endParaRPr>
+          </a:p>
+        </p:txBody>
+      </p:sp>
+      <p:sp>
+        <p:nvSpPr>
+          <p:cNvPr id="14" name="제목 1">
+            <a:extLst>
+              <a:ext uri="{FF2B5EF4-FFF2-40B4-BE49-F238E27FC236}">
+                <a16:creationId xmlns:a16="http://schemas.microsoft.com/office/drawing/2014/main" id="{6983F070-DE4D-4383-959D-72D16F6B6E2D}"/>
+              </a:ext>
+            </a:extLst>
+          </p:cNvPr>
+          <p:cNvSpPr txBox="1">
+            <a:spLocks/>
+          </p:cNvSpPr>
+          <p:nvPr userDrawn="1"/>
+        </p:nvSpPr>
+        <p:spPr>
+          <a:xfrm>
+            <a:off x="133824" y="279450"/>
+            <a:ext cx="6076754" cy="290463"/>
+          </a:xfrm>
+          <a:prstGeom prst="rect">
+            <a:avLst/>
+          </a:prstGeom>
+        </p:spPr>
+        <p:txBody>
+          <a:bodyPr vert="horz" lIns="91440" tIns="45720" rIns="91440" bIns="45720" rtlCol="0" anchor="ctr">
+            <a:normAutofit/>
+          </a:bodyPr>
+          <a:lstStyle>
+            <a:lvl1pPr algn="l" defTabSz="914400" rtl="0" eaLnBrk="1" latinLnBrk="1" hangingPunct="1">
+              <a:lnSpc>
+                <a:spcPct val="90000"/>
+              </a:lnSpc>
+              <a:spcBef>
+                <a:spcPct val="0"/>
+              </a:spcBef>
+              <a:buNone/>
+              <a:defRPr sz="1200" b="0" kern="1200">
+                <a:solidFill>
+                  <a:schemeClr val="bg1"/>
+                </a:solidFill>
+                <a:latin typeface="Noto Sans CJK KR Regular" panose="020B0500000000000000" pitchFamily="34" charset="-127"/>
+                <a:ea typeface="Noto Sans CJK KR Regular" panose="020B0500000000000000" pitchFamily="34" charset="-127"/>
+                <a:cs typeface="+mj-cs"/>
+              </a:defRPr>
+            </a:lvl1pPr>
+          </a:lstStyle>
+          <a:p>
+            <a:endParaRPr lang="ko-KR" altLang="en-US" dirty="0">
+              <a:latin typeface="맑은 고딕" panose="020B0503020000020004" pitchFamily="50" charset="-127"/>
+              <a:ea typeface="맑은 고딕" panose="020B0503020000020004" pitchFamily="50" charset="-127"/>
+            </a:endParaRPr>
+          </a:p>
+        </p:txBody>
+      </p:sp>
+      <p:sp>
+        <p:nvSpPr>
+          <p:cNvPr id="4" name="제목 3">
+            <a:extLst>
+              <a:ext uri="{FF2B5EF4-FFF2-40B4-BE49-F238E27FC236}">
+                <a16:creationId xmlns:a16="http://schemas.microsoft.com/office/drawing/2014/main" id="{67D9ED13-853E-4F36-B820-558FB0BAD84B}"/>
+              </a:ext>
+            </a:extLst>
+          </p:cNvPr>
+          <p:cNvSpPr>
+            <a:spLocks noGrp="1"/>
+          </p:cNvSpPr>
+          <p:nvPr>
+            <p:ph type="title"/>
+          </p:nvPr>
+        </p:nvSpPr>
+        <p:spPr>
+          <a:xfrm>
+            <a:off x="133824" y="296652"/>
+            <a:ext cx="6409928" cy="258532"/>
+          </a:xfrm>
+        </p:spPr>
+        <p:txBody>
+          <a:bodyPr wrap="square">
+            <a:spAutoFit/>
+          </a:bodyPr>
+          <a:lstStyle>
+            <a:lvl1pPr marL="0" algn="l" defTabSz="914400" rtl="0" eaLnBrk="1" latinLnBrk="1" hangingPunct="1">
+              <a:lnSpc>
+                <a:spcPct val="90000"/>
+              </a:lnSpc>
+              <a:spcBef>
+                <a:spcPct val="0"/>
+              </a:spcBef>
+              <a:buNone/>
+              <a:defRPr lang="ko-KR" altLang="en-US" sz="1200" b="0" kern="1200">
+                <a:solidFill>
+                  <a:schemeClr val="bg1"/>
+                </a:solidFill>
+                <a:latin typeface="맑은 고딕" panose="020B0503020000020004" pitchFamily="50" charset="-127"/>
+                <a:ea typeface="맑은 고딕" panose="020B0503020000020004" pitchFamily="50" charset="-127"/>
+                <a:cs typeface="+mj-cs"/>
+              </a:defRPr>
+            </a:lvl1pPr>
+          </a:lstStyle>
+          <a:p>
+            <a:r>
+              <a:rPr lang="ko-KR" altLang="en-US"/>
+              <a:t>마스터 제목 스타일 편집</a:t>
+            </a:r>
+          </a:p>
+        </p:txBody>
+      </p:sp>
+      <p:sp>
+        <p:nvSpPr>
+          <p:cNvPr id="2" name="직사각형 11">
+            <a:extLst>
+              <a:ext uri="{FF2B5EF4-FFF2-40B4-BE49-F238E27FC236}">
+                <a16:creationId xmlns:a16="http://schemas.microsoft.com/office/drawing/2014/main" id="{00ED1657-F293-987A-3264-E55BA8923D7D}"/>
+              </a:ext>
+            </a:extLst>
+          </p:cNvPr>
+          <p:cNvSpPr>
+            <a:spLocks noChangeArrowheads="1"/>
+          </p:cNvSpPr>
+          <p:nvPr userDrawn="1"/>
+        </p:nvSpPr>
+        <p:spPr bwMode="auto">
+          <a:xfrm>
+            <a:off x="8047020" y="6610911"/>
+            <a:ext cx="4056587" cy="219075"/>
+          </a:xfrm>
+          <a:prstGeom prst="rect">
+            <a:avLst/>
+          </a:prstGeom>
+          <a:noFill/>
+          <a:ln w="9525">
+            <a:noFill/>
+            <a:miter lim="800000"/>
+            <a:headEnd/>
+            <a:tailEnd/>
+          </a:ln>
+        </p:spPr>
+        <p:txBody>
+          <a:bodyPr wrap="square">
+            <a:spAutoFit/>
+          </a:bodyPr>
+          <a:lstStyle/>
+          <a:p>
+            <a:pPr algn="r" defTabSz="865188">
+              <a:spcBef>
+                <a:spcPct val="50000"/>
+              </a:spcBef>
+              <a:defRPr/>
+            </a:pPr>
+            <a:r>
+              <a:rPr lang="en-US" altLang="ko-KR" sz="800" b="1" i="0" dirty="0">
+                <a:solidFill>
+                  <a:schemeClr val="tx1">
+                    <a:lumMod val="50000"/>
+                    <a:lumOff val="50000"/>
+                  </a:schemeClr>
+                </a:solidFill>
+                <a:latin typeface="Malgun Gothic" panose="020B0503020000020004" pitchFamily="34" charset="-127"/>
+                <a:ea typeface="Malgun Gothic" panose="020B0503020000020004" pitchFamily="34" charset="-127"/>
+                <a:cs typeface="Tahoma" pitchFamily="34" charset="0"/>
+              </a:rPr>
+              <a:t>Notice</a:t>
+            </a:r>
+            <a:r>
+              <a:rPr lang="en-US" altLang="ko-KR" sz="800" b="0" i="0" dirty="0">
+                <a:solidFill>
+                  <a:schemeClr val="tx1">
+                    <a:lumMod val="50000"/>
+                    <a:lumOff val="50000"/>
+                  </a:schemeClr>
+                </a:solidFill>
+                <a:latin typeface="Malgun Gothic" panose="020B0503020000020004" pitchFamily="34" charset="-127"/>
+                <a:ea typeface="Malgun Gothic" panose="020B0503020000020004" pitchFamily="34" charset="-127"/>
+                <a:cs typeface="Tahoma" pitchFamily="34" charset="0"/>
+              </a:rPr>
+              <a:t>: The enclosed material is proprietary to (</a:t>
+            </a:r>
+            <a:r>
+              <a:rPr lang="ko-KR" altLang="en-US" sz="800" b="0" i="0" dirty="0">
+                <a:solidFill>
+                  <a:schemeClr val="tx1">
+                    <a:lumMod val="50000"/>
+                    <a:lumOff val="50000"/>
+                  </a:schemeClr>
+                </a:solidFill>
+                <a:latin typeface="Malgun Gothic" panose="020B0503020000020004" pitchFamily="34" charset="-127"/>
+                <a:ea typeface="Malgun Gothic" panose="020B0503020000020004" pitchFamily="34" charset="-127"/>
+                <a:cs typeface="Tahoma" pitchFamily="34" charset="0"/>
+              </a:rPr>
+              <a:t>제작자 이름</a:t>
+            </a:r>
+            <a:r>
+              <a:rPr lang="en-US" altLang="ko-KR" sz="800" b="0" i="0" dirty="0">
+                <a:solidFill>
+                  <a:schemeClr val="tx1">
+                    <a:lumMod val="50000"/>
+                    <a:lumOff val="50000"/>
+                  </a:schemeClr>
+                </a:solidFill>
+                <a:latin typeface="Malgun Gothic" panose="020B0503020000020004" pitchFamily="34" charset="-127"/>
+                <a:ea typeface="Malgun Gothic" panose="020B0503020000020004" pitchFamily="34" charset="-127"/>
+                <a:cs typeface="Tahoma" pitchFamily="34" charset="0"/>
+              </a:rPr>
+              <a:t>))</a:t>
+            </a:r>
+          </a:p>
+        </p:txBody>
+      </p:sp>
+    </p:spTree>
+    <p:extLst>
+      <p:ext uri="{BB962C8B-B14F-4D97-AF65-F5344CB8AC3E}">
+        <p14:creationId xmlns:p14="http://schemas.microsoft.com/office/powerpoint/2010/main" val="3591941976"/>
+      </p:ext>
+    </p:extLst>
+  </p:cSld>
+  <p:clrMapOvr>
+    <a:masterClrMapping/>
+  </p:clrMapOvr>
+  <p:extLst>
+    <p:ext uri="{DCECCB84-F9BA-43D5-87BE-67443E8EF086}">
+      <p15:sldGuideLst xmlns:p15="http://schemas.microsoft.com/office/powerpoint/2012/main">
+        <p15:guide id="1" pos="3840">
+          <p15:clr>
+            <a:srgbClr val="FBAE40"/>
+          </p15:clr>
+        </p15:guide>
+        <p15:guide id="2" orient="horz" pos="2273">
+          <p15:clr>
+            <a:srgbClr val="FBAE40"/>
+          </p15:clr>
+        </p15:guide>
+        <p15:guide id="3" orient="horz" pos="436">
+          <p15:clr>
+            <a:srgbClr val="FBAE40"/>
+          </p15:clr>
+        </p15:guide>
+        <p15:guide id="4" orient="horz" pos="4110">
+          <p15:clr>
+            <a:srgbClr val="FBAE40"/>
+          </p15:clr>
+        </p15:guide>
+        <p15:guide id="5" pos="75">
+          <p15:clr>
+            <a:srgbClr val="FBAE40"/>
+          </p15:clr>
+        </p15:guide>
+        <p15:guide id="6" pos="7605">
+          <p15:clr>
+            <a:srgbClr val="FBAE40"/>
+          </p15:clr>
+        </p15:guide>
+      </p15:sldGuideLst>
+    </p:ext>
+  </p:extLst>
+</p:sldLayout>
+</file>
+
+<file path=ppt/slideLayouts/slideLayout6.xml><?xml version="1.0" encoding="utf-8"?>
+<p:sldLayout xmlns:a="http://schemas.openxmlformats.org/drawingml/2006/main" xmlns:r="http://schemas.openxmlformats.org/officeDocument/2006/relationships" xmlns:p="http://schemas.openxmlformats.org/presentationml/2006/main" userDrawn="1">
+  <p:cSld name="16_제목 슬라이드">
+    <p:spTree>
+      <p:nvGrpSpPr>
+        <p:cNvPr id="1" name=""/>
+        <p:cNvGrpSpPr/>
+        <p:nvPr/>
+      </p:nvGrpSpPr>
+      <p:grpSpPr>
+        <a:xfrm>
+          <a:off x="0" y="0"/>
+          <a:ext cx="0" cy="0"/>
+          <a:chOff x="0" y="0"/>
+          <a:chExt cx="0" cy="0"/>
+        </a:xfrm>
+      </p:grpSpPr>
+      <p:sp>
+        <p:nvSpPr>
+          <p:cNvPr id="8" name="Rectangle 49"/>
+          <p:cNvSpPr>
+            <a:spLocks/>
+          </p:cNvSpPr>
+          <p:nvPr userDrawn="1"/>
+        </p:nvSpPr>
+        <p:spPr bwMode="auto">
+          <a:xfrm>
+            <a:off x="5786927" y="6649533"/>
+            <a:ext cx="609600" cy="123111"/>
+          </a:xfrm>
+          <a:prstGeom prst="rect">
+            <a:avLst/>
+          </a:prstGeom>
+          <a:noFill/>
+          <a:ln w="25400">
+            <a:noFill/>
+            <a:miter lim="800000"/>
+            <a:headEnd/>
+            <a:tailEnd/>
+          </a:ln>
+          <a:effectLst/>
+        </p:spPr>
+        <p:txBody>
+          <a:bodyPr wrap="square" lIns="0" tIns="0" rIns="0" bIns="0">
+            <a:spAutoFit/>
+          </a:bodyPr>
+          <a:lstStyle/>
+          <a:p>
+            <a:pPr algn="r" defTabSz="865188">
+              <a:defRPr/>
+            </a:pPr>
+            <a:fld id="{6FDFDBFA-678E-4CB6-9528-3A75FFBC609B}" type="slidenum">
+              <a:rPr lang="en-US" altLang="ko-KR" sz="800" smtClean="0">
+                <a:solidFill>
+                  <a:srgbClr val="EE2B2B"/>
+                </a:solidFill>
+                <a:latin typeface="Noto Sans CJK KR Bold" panose="020B0800000000000000" pitchFamily="34" charset="-127"/>
+                <a:ea typeface="Noto Sans CJK KR Bold" panose="020B0800000000000000" pitchFamily="34" charset="-127"/>
+              </a:rPr>
+              <a:pPr algn="r" defTabSz="865188">
+                <a:defRPr/>
+              </a:pPr>
+              <a:t>‹#›</a:t>
+            </a:fld>
+            <a:r>
+              <a:rPr lang="en-US" altLang="ko-KR" sz="800" dirty="0">
+                <a:solidFill>
+                  <a:srgbClr val="EE2B2B"/>
+                </a:solidFill>
+                <a:latin typeface="Noto Sans CJK KR Bold" panose="020B0800000000000000" pitchFamily="34" charset="-127"/>
+                <a:ea typeface="Noto Sans CJK KR Bold" panose="020B0800000000000000" pitchFamily="34" charset="-127"/>
+              </a:rPr>
+              <a:t> </a:t>
+            </a:r>
+            <a:r>
+              <a:rPr lang="en-US" altLang="ko-KR" sz="800" dirty="0">
+                <a:solidFill>
+                  <a:schemeClr val="tx1">
+                    <a:lumMod val="50000"/>
+                    <a:lumOff val="50000"/>
+                  </a:schemeClr>
+                </a:solidFill>
+                <a:latin typeface="Noto Sans CJK KR Bold" panose="020B0800000000000000" pitchFamily="34" charset="-127"/>
+                <a:ea typeface="Noto Sans CJK KR Bold" panose="020B0800000000000000" pitchFamily="34" charset="-127"/>
+              </a:rPr>
+              <a:t>page</a:t>
+            </a:r>
+            <a:r>
+              <a:rPr lang="ko-KR" altLang="en-US" sz="800" dirty="0">
+                <a:solidFill>
+                  <a:schemeClr val="tx1">
+                    <a:lumMod val="50000"/>
+                    <a:lumOff val="50000"/>
+                  </a:schemeClr>
+                </a:solidFill>
+                <a:latin typeface="Noto Sans CJK KR Bold" panose="020B0800000000000000" pitchFamily="34" charset="-127"/>
+                <a:ea typeface="Noto Sans CJK KR Bold" panose="020B0800000000000000" pitchFamily="34" charset="-127"/>
+              </a:rPr>
+              <a:t> </a:t>
+            </a:r>
+            <a:endParaRPr kumimoji="0" lang="en-US" altLang="ko-KR" sz="800" dirty="0">
+              <a:solidFill>
+                <a:schemeClr val="tx1">
+                  <a:lumMod val="50000"/>
+                  <a:lumOff val="50000"/>
+                </a:schemeClr>
+              </a:solidFill>
+              <a:latin typeface="Noto Sans CJK KR Bold" panose="020B0800000000000000" pitchFamily="34" charset="-127"/>
+              <a:ea typeface="Noto Sans CJK KR Bold" panose="020B0800000000000000" pitchFamily="34" charset="-127"/>
+              <a:sym typeface="Arial" charset="0"/>
+            </a:endParaRPr>
+          </a:p>
+        </p:txBody>
+      </p:sp>
+      <p:sp>
+        <p:nvSpPr>
+          <p:cNvPr id="10" name="직사각형 9"/>
+          <p:cNvSpPr/>
+          <p:nvPr userDrawn="1"/>
+        </p:nvSpPr>
+        <p:spPr>
+          <a:xfrm>
+            <a:off x="102499" y="60704"/>
+            <a:ext cx="6096000" cy="215444"/>
+          </a:xfrm>
+          <a:prstGeom prst="rect">
+            <a:avLst/>
+          </a:prstGeom>
+        </p:spPr>
+        <p:txBody>
+          <a:bodyPr>
+            <a:spAutoFit/>
+          </a:bodyPr>
+          <a:lstStyle/>
+          <a:p>
+            <a:r>
+              <a:rPr lang="ko-KR" altLang="en-US" sz="800" b="1" baseline="0" dirty="0">
+                <a:solidFill>
+                  <a:schemeClr val="bg1">
+                    <a:lumMod val="85000"/>
+                  </a:schemeClr>
+                </a:solidFill>
+                <a:latin typeface="Noto Sans CJK KR Bold" panose="020B0800000000000000" pitchFamily="34" charset="-127"/>
+                <a:ea typeface="Noto Sans CJK KR Bold" panose="020B0800000000000000" pitchFamily="34" charset="-127"/>
+              </a:rPr>
+              <a:t>프로젝트명</a:t>
+            </a:r>
+            <a:endParaRPr lang="en-US" altLang="ko-KR" sz="800" b="1" baseline="0" dirty="0">
+              <a:solidFill>
+                <a:schemeClr val="bg1">
+                  <a:lumMod val="85000"/>
+                </a:schemeClr>
+              </a:solidFill>
+              <a:latin typeface="Noto Sans CJK KR Bold" panose="020B0800000000000000" pitchFamily="34" charset="-127"/>
+              <a:ea typeface="Noto Sans CJK KR Bold" panose="020B0800000000000000" pitchFamily="34" charset="-127"/>
+            </a:endParaRPr>
+          </a:p>
+        </p:txBody>
+      </p:sp>
+      <p:sp>
+        <p:nvSpPr>
+          <p:cNvPr id="11" name="모서리가 둥근 직사각형 10"/>
+          <p:cNvSpPr/>
+          <p:nvPr userDrawn="1"/>
+        </p:nvSpPr>
+        <p:spPr bwMode="auto">
+          <a:xfrm>
+            <a:off x="123825" y="280988"/>
+            <a:ext cx="11979782" cy="288925"/>
+          </a:xfrm>
+          <a:prstGeom prst="roundRect">
+            <a:avLst>
+              <a:gd name="adj" fmla="val 10121"/>
+            </a:avLst>
+          </a:prstGeom>
+          <a:solidFill>
+            <a:schemeClr val="bg1">
+              <a:lumMod val="65000"/>
+            </a:schemeClr>
+          </a:solidFill>
+          <a:ln w="3175">
+            <a:noFill/>
+            <a:round/>
+            <a:headEnd/>
+            <a:tailEnd/>
+          </a:ln>
+          <a:effectLst/>
+        </p:spPr>
+        <p:txBody>
+          <a:bodyPr lIns="36000" tIns="18000" rIns="36000" bIns="18000" anchor="ctr"/>
+          <a:lstStyle/>
+          <a:p>
+            <a:pPr algn="ctr" defTabSz="793750" fontAlgn="auto" latinLnBrk="0">
+              <a:spcBef>
+                <a:spcPts val="0"/>
+              </a:spcBef>
+              <a:spcAft>
+                <a:spcPts val="0"/>
+              </a:spcAft>
+              <a:defRPr/>
+            </a:pPr>
+            <a:endParaRPr kumimoji="0" lang="ko-KR" altLang="en-US" sz="800" kern="0" dirty="0">
+              <a:solidFill>
+                <a:sysClr val="windowText" lastClr="000000"/>
+              </a:solidFill>
+              <a:latin typeface="맑은 고딕" pitchFamily="50" charset="-127"/>
+              <a:ea typeface="맑은 고딕" pitchFamily="50" charset="-127"/>
+            </a:endParaRPr>
+          </a:p>
+        </p:txBody>
+      </p:sp>
+      <p:sp>
+        <p:nvSpPr>
+          <p:cNvPr id="19" name="내용 개체 틀 2">
+            <a:extLst>
+              <a:ext uri="{FF2B5EF4-FFF2-40B4-BE49-F238E27FC236}">
+                <a16:creationId xmlns:a16="http://schemas.microsoft.com/office/drawing/2014/main" id="{D5248C09-216F-4017-890C-03AD365F3CC2}"/>
+              </a:ext>
+            </a:extLst>
+          </p:cNvPr>
+          <p:cNvSpPr>
+            <a:spLocks noGrp="1"/>
+          </p:cNvSpPr>
+          <p:nvPr>
+            <p:ph sz="half" idx="10" hasCustomPrompt="1"/>
+          </p:nvPr>
+        </p:nvSpPr>
+        <p:spPr>
+          <a:xfrm>
+            <a:off x="8688288" y="822232"/>
+            <a:ext cx="3387253" cy="5659487"/>
+          </a:xfrm>
+        </p:spPr>
+        <p:txBody>
+          <a:bodyPr>
+            <a:normAutofit/>
+          </a:bodyPr>
+          <a:lstStyle>
+            <a:lvl1pPr marL="0" indent="0">
+              <a:buNone/>
+              <a:defRPr sz="800">
+                <a:latin typeface="Noto Sans CJK KR Light" panose="020B0300000000000000" pitchFamily="34" charset="-127"/>
+                <a:ea typeface="Noto Sans CJK KR Light" panose="020B0300000000000000" pitchFamily="34" charset="-127"/>
+              </a:defRPr>
+            </a:lvl1pPr>
+            <a:lvl2pPr>
+              <a:defRPr sz="2400"/>
+            </a:lvl2pPr>
+            <a:lvl3pPr>
+              <a:defRPr sz="2000"/>
+            </a:lvl3pPr>
+            <a:lvl4pPr>
+              <a:defRPr sz="1800"/>
+            </a:lvl4pPr>
+            <a:lvl5pPr>
+              <a:defRPr sz="1800"/>
+            </a:lvl5pPr>
+            <a:lvl6pPr>
+              <a:defRPr sz="1800"/>
+            </a:lvl6pPr>
+            <a:lvl7pPr>
+              <a:defRPr sz="1800"/>
+            </a:lvl7pPr>
+            <a:lvl8pPr>
+              <a:defRPr sz="1800"/>
+            </a:lvl8pPr>
+            <a:lvl9pPr>
+              <a:defRPr sz="1800"/>
+            </a:lvl9pPr>
+          </a:lstStyle>
+          <a:p>
+            <a:pPr lvl="0"/>
+            <a:r>
+              <a:rPr lang="en-US" altLang="ko-KR" dirty="0"/>
+              <a:t>Description </a:t>
+            </a:r>
+            <a:r>
+              <a:rPr lang="ko-KR" altLang="en-US" dirty="0"/>
+              <a:t>입력하세요</a:t>
+            </a:r>
+          </a:p>
+        </p:txBody>
+      </p:sp>
+      <p:sp>
+        <p:nvSpPr>
+          <p:cNvPr id="20" name="모서리가 둥근 직사각형 16">
+            <a:extLst>
+              <a:ext uri="{FF2B5EF4-FFF2-40B4-BE49-F238E27FC236}">
+                <a16:creationId xmlns:a16="http://schemas.microsoft.com/office/drawing/2014/main" id="{E4C84FB5-784A-4EE6-8C03-56EC59DEC6F3}"/>
+              </a:ext>
+            </a:extLst>
+          </p:cNvPr>
+          <p:cNvSpPr/>
+          <p:nvPr userDrawn="1"/>
+        </p:nvSpPr>
+        <p:spPr bwMode="auto">
+          <a:xfrm>
+            <a:off x="8688074" y="642786"/>
+            <a:ext cx="3387254" cy="5838932"/>
+          </a:xfrm>
+          <a:prstGeom prst="roundRect">
+            <a:avLst>
+              <a:gd name="adj" fmla="val 0"/>
+            </a:avLst>
+          </a:prstGeom>
+          <a:noFill/>
+          <a:ln w="3175">
+            <a:solidFill>
+              <a:schemeClr val="bg1">
+                <a:lumMod val="65000"/>
+              </a:schemeClr>
+            </a:solidFill>
+            <a:round/>
+            <a:headEnd/>
+            <a:tailEnd/>
+          </a:ln>
+          <a:effectLst/>
+        </p:spPr>
+        <p:txBody>
+          <a:bodyPr lIns="36000" tIns="18000" rIns="36000" bIns="18000" anchor="ctr"/>
+          <a:lstStyle/>
+          <a:p>
+            <a:pPr algn="ctr" defTabSz="793750" fontAlgn="auto" latinLnBrk="0">
+              <a:spcBef>
+                <a:spcPts val="0"/>
+              </a:spcBef>
+              <a:spcAft>
+                <a:spcPts val="0"/>
+              </a:spcAft>
+              <a:defRPr/>
+            </a:pPr>
+            <a:endParaRPr kumimoji="0" lang="ko-KR" altLang="en-US" sz="800" b="1" kern="0" dirty="0">
+              <a:solidFill>
+                <a:schemeClr val="bg1"/>
+              </a:solidFill>
+              <a:latin typeface="맑은 고딕" pitchFamily="50" charset="-127"/>
+              <a:ea typeface="맑은 고딕" pitchFamily="50" charset="-127"/>
+            </a:endParaRPr>
+          </a:p>
+        </p:txBody>
+      </p:sp>
+      <p:sp>
+        <p:nvSpPr>
+          <p:cNvPr id="21" name="모서리가 둥근 직사각형 17">
+            <a:extLst>
+              <a:ext uri="{FF2B5EF4-FFF2-40B4-BE49-F238E27FC236}">
+                <a16:creationId xmlns:a16="http://schemas.microsoft.com/office/drawing/2014/main" id="{C2485F0E-517F-41A6-B6D3-898E1C7787FD}"/>
+              </a:ext>
+            </a:extLst>
+          </p:cNvPr>
+          <p:cNvSpPr/>
+          <p:nvPr userDrawn="1"/>
+        </p:nvSpPr>
+        <p:spPr bwMode="auto">
+          <a:xfrm>
+            <a:off x="8688066" y="642786"/>
+            <a:ext cx="3387294" cy="179446"/>
+          </a:xfrm>
+          <a:prstGeom prst="roundRect">
+            <a:avLst>
+              <a:gd name="adj" fmla="val 10121"/>
+            </a:avLst>
+          </a:prstGeom>
+          <a:solidFill>
+            <a:schemeClr val="bg1">
+              <a:lumMod val="65000"/>
+            </a:schemeClr>
+          </a:solidFill>
+          <a:ln w="3175">
+            <a:solidFill>
+              <a:schemeClr val="bg1">
+                <a:lumMod val="50000"/>
+              </a:schemeClr>
+            </a:solidFill>
+            <a:round/>
+            <a:headEnd/>
+            <a:tailEnd/>
+          </a:ln>
+          <a:effectLst/>
+        </p:spPr>
+        <p:txBody>
+          <a:bodyPr lIns="36000" tIns="18000" rIns="36000" bIns="18000" anchor="ctr"/>
+          <a:lstStyle/>
+          <a:p>
+            <a:pPr algn="ctr" defTabSz="793750" fontAlgn="auto" latinLnBrk="0">
+              <a:spcBef>
+                <a:spcPts val="0"/>
+              </a:spcBef>
+              <a:spcAft>
+                <a:spcPts val="0"/>
+              </a:spcAft>
+              <a:defRPr/>
+            </a:pPr>
+            <a:r>
+              <a:rPr kumimoji="0" lang="en-US" altLang="ko-KR" sz="800" b="1" kern="0" dirty="0">
+                <a:solidFill>
+                  <a:schemeClr val="bg1"/>
+                </a:solidFill>
+                <a:latin typeface="Noto Sans CJK KR Light" panose="020B0300000000000000" pitchFamily="34" charset="-127"/>
+                <a:ea typeface="Noto Sans CJK KR Light" panose="020B0300000000000000" pitchFamily="34" charset="-127"/>
+              </a:rPr>
+              <a:t>Descriptions</a:t>
+            </a:r>
+            <a:endParaRPr kumimoji="0" lang="ko-KR" altLang="en-US" sz="800" b="1" kern="0" dirty="0">
+              <a:solidFill>
+                <a:schemeClr val="bg1"/>
+              </a:solidFill>
+              <a:latin typeface="Noto Sans CJK KR Light" panose="020B0300000000000000" pitchFamily="34" charset="-127"/>
+              <a:ea typeface="Noto Sans CJK KR Light" panose="020B0300000000000000" pitchFamily="34" charset="-127"/>
+            </a:endParaRPr>
+          </a:p>
+        </p:txBody>
+      </p:sp>
+      <p:sp>
+        <p:nvSpPr>
+          <p:cNvPr id="9" name="직사각형 8">
+            <a:extLst>
+              <a:ext uri="{FF2B5EF4-FFF2-40B4-BE49-F238E27FC236}">
+                <a16:creationId xmlns:a16="http://schemas.microsoft.com/office/drawing/2014/main" id="{19E3BFE7-BA88-4ABA-9994-51F135AD0C98}"/>
+              </a:ext>
+            </a:extLst>
+          </p:cNvPr>
+          <p:cNvSpPr/>
+          <p:nvPr userDrawn="1"/>
+        </p:nvSpPr>
+        <p:spPr>
+          <a:xfrm>
+            <a:off x="10726176" y="315600"/>
+            <a:ext cx="1332000" cy="215444"/>
+          </a:xfrm>
+          <a:prstGeom prst="rect">
+            <a:avLst/>
+          </a:prstGeom>
+          <a:solidFill>
+            <a:schemeClr val="bg1"/>
+          </a:solidFill>
+          <a:ln>
+            <a:solidFill>
+              <a:schemeClr val="bg1"/>
+            </a:solidFill>
+          </a:ln>
+        </p:spPr>
+        <p:style>
+          <a:lnRef idx="2">
+            <a:schemeClr val="accent1">
+              <a:shade val="50000"/>
+            </a:schemeClr>
+          </a:lnRef>
+          <a:fillRef idx="1">
+            <a:schemeClr val="accent1"/>
+          </a:fillRef>
+          <a:effectRef idx="0">
+            <a:schemeClr val="accent1"/>
+          </a:effectRef>
+          <a:fontRef idx="minor">
+            <a:schemeClr val="lt1"/>
+          </a:fontRef>
+        </p:style>
+        <p:txBody>
+          <a:bodyPr rtlCol="0" anchor="ctr"/>
+          <a:lstStyle/>
+          <a:p>
+            <a:pPr algn="ctr"/>
+            <a:endParaRPr lang="ko-KR" altLang="en-US"/>
+          </a:p>
+        </p:txBody>
+      </p:sp>
+      <p:sp>
+        <p:nvSpPr>
+          <p:cNvPr id="12" name="텍스트 개체 틀 2">
+            <a:extLst>
+              <a:ext uri="{FF2B5EF4-FFF2-40B4-BE49-F238E27FC236}">
+                <a16:creationId xmlns:a16="http://schemas.microsoft.com/office/drawing/2014/main" id="{BA35D034-84FD-441D-8981-3FA3F5BCD845}"/>
+              </a:ext>
+            </a:extLst>
+          </p:cNvPr>
+          <p:cNvSpPr>
+            <a:spLocks noGrp="1"/>
+          </p:cNvSpPr>
+          <p:nvPr>
+            <p:ph type="body" idx="1"/>
+          </p:nvPr>
+        </p:nvSpPr>
+        <p:spPr>
+          <a:xfrm>
+            <a:off x="10718085" y="333264"/>
+            <a:ext cx="1353154" cy="204281"/>
+          </a:xfrm>
+        </p:spPr>
+        <p:txBody>
+          <a:bodyPr anchor="b">
+            <a:normAutofit/>
+          </a:bodyPr>
+          <a:lstStyle>
+            <a:lvl1pPr marL="0" indent="0">
+              <a:buNone/>
+              <a:defRPr sz="800" b="1">
+                <a:solidFill>
+                  <a:schemeClr val="bg2">
+                    <a:lumMod val="10000"/>
+                  </a:schemeClr>
+                </a:solidFill>
+                <a:latin typeface="Noto Sans CJK KR Bold" panose="020B0800000000000000" pitchFamily="34" charset="-127"/>
+                <a:ea typeface="Noto Sans CJK KR Bold" panose="020B0800000000000000" pitchFamily="34" charset="-127"/>
+              </a:defRPr>
+            </a:lvl1pPr>
+            <a:lvl2pPr marL="457200" indent="0">
+              <a:buNone/>
+              <a:defRPr sz="2000" b="1"/>
+            </a:lvl2pPr>
+            <a:lvl3pPr marL="914400" indent="0">
+              <a:buNone/>
+              <a:defRPr sz="1800" b="1"/>
+            </a:lvl3pPr>
+            <a:lvl4pPr marL="1371600" indent="0">
+              <a:buNone/>
+              <a:defRPr sz="1600" b="1"/>
+            </a:lvl4pPr>
+            <a:lvl5pPr marL="1828800" indent="0">
+              <a:buNone/>
+              <a:defRPr sz="1600" b="1"/>
+            </a:lvl5pPr>
+            <a:lvl6pPr marL="2286000" indent="0">
+              <a:buNone/>
+              <a:defRPr sz="1600" b="1"/>
+            </a:lvl6pPr>
+            <a:lvl7pPr marL="2743200" indent="0">
+              <a:buNone/>
+              <a:defRPr sz="1600" b="1"/>
+            </a:lvl7pPr>
+            <a:lvl8pPr marL="3200400" indent="0">
+              <a:buNone/>
+              <a:defRPr sz="1600" b="1"/>
+            </a:lvl8pPr>
+            <a:lvl9pPr marL="3657600" indent="0">
+              <a:buNone/>
+              <a:defRPr sz="1600" b="1"/>
+            </a:lvl9pPr>
+          </a:lstStyle>
+          <a:p>
+            <a:pPr lvl="0"/>
+            <a:r>
+              <a:rPr lang="ko-KR" altLang="en-US" dirty="0"/>
+              <a:t>마스터 텍스트 스타일 편집</a:t>
+            </a:r>
+          </a:p>
+        </p:txBody>
+      </p:sp>
+      <p:sp>
+        <p:nvSpPr>
+          <p:cNvPr id="13" name="TextBox 12">
+            <a:extLst>
+              <a:ext uri="{FF2B5EF4-FFF2-40B4-BE49-F238E27FC236}">
+                <a16:creationId xmlns:a16="http://schemas.microsoft.com/office/drawing/2014/main" id="{66BCA633-2BB7-4196-8ECE-210E856BEF80}"/>
+              </a:ext>
+            </a:extLst>
+          </p:cNvPr>
+          <p:cNvSpPr txBox="1"/>
+          <p:nvPr userDrawn="1"/>
+        </p:nvSpPr>
+        <p:spPr>
+          <a:xfrm>
+            <a:off x="10153392" y="315600"/>
+            <a:ext cx="590226" cy="215444"/>
+          </a:xfrm>
+          <a:prstGeom prst="rect">
+            <a:avLst/>
+          </a:prstGeom>
+          <a:noFill/>
+        </p:spPr>
+        <p:txBody>
+          <a:bodyPr wrap="none" rtlCol="0">
+            <a:spAutoFit/>
+          </a:bodyPr>
+          <a:lstStyle/>
+          <a:p>
+            <a:r>
+              <a:rPr lang="en-US" altLang="ko-KR" sz="800" b="0" dirty="0">
+                <a:latin typeface="Noto Sans CJK KR Bold" panose="020B0800000000000000" pitchFamily="34" charset="-127"/>
+                <a:ea typeface="Noto Sans CJK KR Bold" panose="020B0800000000000000" pitchFamily="34" charset="-127"/>
+              </a:rPr>
+              <a:t>Page ID </a:t>
+            </a:r>
+            <a:endParaRPr lang="ko-KR" altLang="en-US" sz="800" b="0" dirty="0">
+              <a:latin typeface="Noto Sans CJK KR Bold" panose="020B0800000000000000" pitchFamily="34" charset="-127"/>
+              <a:ea typeface="Noto Sans CJK KR Bold" panose="020B0800000000000000" pitchFamily="34" charset="-127"/>
+            </a:endParaRPr>
+          </a:p>
+        </p:txBody>
+      </p:sp>
+      <p:pic>
+        <p:nvPicPr>
+          <p:cNvPr id="15" name="그래픽 14">
+            <a:extLst>
+              <a:ext uri="{FF2B5EF4-FFF2-40B4-BE49-F238E27FC236}">
+                <a16:creationId xmlns:a16="http://schemas.microsoft.com/office/drawing/2014/main" id="{024A0117-8165-4535-9FE7-C6F26231C569}"/>
+              </a:ext>
+            </a:extLst>
+          </p:cNvPr>
+          <p:cNvPicPr>
+            <a:picLocks noChangeAspect="1"/>
+          </p:cNvPicPr>
+          <p:nvPr userDrawn="1"/>
+        </p:nvPicPr>
+        <p:blipFill>
+          <a:blip r:embed="rId2">
+            <a:extLst>
+              <a:ext uri="{96DAC541-7B7A-43D3-8B79-37D633B846F1}">
+                <asvg:svgBlip xmlns:asvg="http://schemas.microsoft.com/office/drawing/2016/SVG/main" r:embed="rId3"/>
+              </a:ext>
+            </a:extLst>
+          </a:blip>
+          <a:stretch>
+            <a:fillRect/>
+          </a:stretch>
+        </p:blipFill>
+        <p:spPr>
+          <a:xfrm>
+            <a:off x="123825" y="692150"/>
+            <a:ext cx="7988300" cy="4500563"/>
+          </a:xfrm>
+          <a:prstGeom prst="rect">
+            <a:avLst/>
+          </a:prstGeom>
+        </p:spPr>
+      </p:pic>
+      <p:sp>
+        <p:nvSpPr>
+          <p:cNvPr id="16" name="제목 3">
+            <a:extLst>
+              <a:ext uri="{FF2B5EF4-FFF2-40B4-BE49-F238E27FC236}">
+                <a16:creationId xmlns:a16="http://schemas.microsoft.com/office/drawing/2014/main" id="{A3047D47-3874-4A71-B506-B331AFBF5B99}"/>
+              </a:ext>
+            </a:extLst>
+          </p:cNvPr>
+          <p:cNvSpPr>
+            <a:spLocks noGrp="1"/>
+          </p:cNvSpPr>
+          <p:nvPr>
+            <p:ph type="title"/>
+          </p:nvPr>
+        </p:nvSpPr>
+        <p:spPr>
+          <a:xfrm>
+            <a:off x="133824" y="296652"/>
+            <a:ext cx="6409928" cy="258532"/>
+          </a:xfrm>
+        </p:spPr>
+        <p:txBody>
+          <a:bodyPr wrap="square">
+            <a:spAutoFit/>
+          </a:bodyPr>
+          <a:lstStyle>
+            <a:lvl1pPr marL="0" algn="l" defTabSz="914400" rtl="0" eaLnBrk="1" latinLnBrk="1" hangingPunct="1">
+              <a:lnSpc>
+                <a:spcPct val="90000"/>
+              </a:lnSpc>
+              <a:spcBef>
+                <a:spcPct val="0"/>
+              </a:spcBef>
+              <a:buNone/>
+              <a:defRPr lang="ko-KR" altLang="en-US" sz="1200" b="0" kern="1200">
+                <a:solidFill>
+                  <a:schemeClr val="bg1"/>
+                </a:solidFill>
+                <a:latin typeface="맑은 고딕" panose="020B0503020000020004" pitchFamily="50" charset="-127"/>
+                <a:ea typeface="맑은 고딕" panose="020B0503020000020004" pitchFamily="50" charset="-127"/>
+                <a:cs typeface="+mj-cs"/>
+              </a:defRPr>
+            </a:lvl1pPr>
+          </a:lstStyle>
+          <a:p>
+            <a:r>
+              <a:rPr lang="ko-KR" altLang="en-US"/>
+              <a:t>마스터 제목 스타일 편집</a:t>
+            </a:r>
+          </a:p>
+        </p:txBody>
+      </p:sp>
+      <p:sp>
+        <p:nvSpPr>
+          <p:cNvPr id="2" name="직사각형 11">
+            <a:extLst>
+              <a:ext uri="{FF2B5EF4-FFF2-40B4-BE49-F238E27FC236}">
+                <a16:creationId xmlns:a16="http://schemas.microsoft.com/office/drawing/2014/main" id="{89BA23A5-3980-B8D9-EB26-2BDB374826E8}"/>
+              </a:ext>
+            </a:extLst>
+          </p:cNvPr>
+          <p:cNvSpPr>
+            <a:spLocks noChangeArrowheads="1"/>
+          </p:cNvSpPr>
+          <p:nvPr userDrawn="1"/>
+        </p:nvSpPr>
+        <p:spPr bwMode="auto">
+          <a:xfrm>
+            <a:off x="8047020" y="6610911"/>
+            <a:ext cx="4056587" cy="219075"/>
+          </a:xfrm>
+          <a:prstGeom prst="rect">
+            <a:avLst/>
+          </a:prstGeom>
+          <a:noFill/>
+          <a:ln w="9525">
+            <a:noFill/>
+            <a:miter lim="800000"/>
+            <a:headEnd/>
+            <a:tailEnd/>
+          </a:ln>
+        </p:spPr>
+        <p:txBody>
+          <a:bodyPr wrap="square">
+            <a:spAutoFit/>
+          </a:bodyPr>
+          <a:lstStyle/>
+          <a:p>
+            <a:pPr algn="r" defTabSz="865188">
+              <a:spcBef>
+                <a:spcPct val="50000"/>
+              </a:spcBef>
+              <a:defRPr/>
+            </a:pPr>
+            <a:r>
+              <a:rPr lang="en-US" altLang="ko-KR" sz="800" b="1" i="0" dirty="0">
+                <a:solidFill>
+                  <a:schemeClr val="tx1">
+                    <a:lumMod val="50000"/>
+                    <a:lumOff val="50000"/>
+                  </a:schemeClr>
+                </a:solidFill>
+                <a:latin typeface="Malgun Gothic" panose="020B0503020000020004" pitchFamily="34" charset="-127"/>
+                <a:ea typeface="Malgun Gothic" panose="020B0503020000020004" pitchFamily="34" charset="-127"/>
+                <a:cs typeface="Tahoma" pitchFamily="34" charset="0"/>
+              </a:rPr>
+              <a:t>Notice</a:t>
+            </a:r>
+            <a:r>
+              <a:rPr lang="en-US" altLang="ko-KR" sz="800" b="0" i="0" dirty="0">
+                <a:solidFill>
+                  <a:schemeClr val="tx1">
+                    <a:lumMod val="50000"/>
+                    <a:lumOff val="50000"/>
+                  </a:schemeClr>
+                </a:solidFill>
+                <a:latin typeface="Malgun Gothic" panose="020B0503020000020004" pitchFamily="34" charset="-127"/>
+                <a:ea typeface="Malgun Gothic" panose="020B0503020000020004" pitchFamily="34" charset="-127"/>
+                <a:cs typeface="Tahoma" pitchFamily="34" charset="0"/>
+              </a:rPr>
+              <a:t>: The enclosed material is proprietary to (</a:t>
+            </a:r>
+            <a:r>
+              <a:rPr lang="ko-KR" altLang="en-US" sz="800" b="0" i="0" dirty="0">
+                <a:solidFill>
+                  <a:schemeClr val="tx1">
+                    <a:lumMod val="50000"/>
+                    <a:lumOff val="50000"/>
+                  </a:schemeClr>
+                </a:solidFill>
+                <a:latin typeface="Malgun Gothic" panose="020B0503020000020004" pitchFamily="34" charset="-127"/>
+                <a:ea typeface="Malgun Gothic" panose="020B0503020000020004" pitchFamily="34" charset="-127"/>
+                <a:cs typeface="Tahoma" pitchFamily="34" charset="0"/>
+              </a:rPr>
+              <a:t>제작자 이름</a:t>
+            </a:r>
+            <a:r>
+              <a:rPr lang="en-US" altLang="ko-KR" sz="800" b="0" i="0" dirty="0">
+                <a:solidFill>
+                  <a:schemeClr val="tx1">
+                    <a:lumMod val="50000"/>
+                    <a:lumOff val="50000"/>
+                  </a:schemeClr>
+                </a:solidFill>
+                <a:latin typeface="Malgun Gothic" panose="020B0503020000020004" pitchFamily="34" charset="-127"/>
+                <a:ea typeface="Malgun Gothic" panose="020B0503020000020004" pitchFamily="34" charset="-127"/>
+                <a:cs typeface="Tahoma" pitchFamily="34" charset="0"/>
+              </a:rPr>
+              <a:t>))</a:t>
+            </a:r>
+          </a:p>
+        </p:txBody>
+      </p:sp>
+    </p:spTree>
+    <p:extLst>
+      <p:ext uri="{BB962C8B-B14F-4D97-AF65-F5344CB8AC3E}">
+        <p14:creationId xmlns:p14="http://schemas.microsoft.com/office/powerpoint/2010/main" val="3457805633"/>
+      </p:ext>
+    </p:extLst>
+  </p:cSld>
+  <p:clrMapOvr>
+    <a:masterClrMapping/>
+  </p:clrMapOvr>
+  <p:extLst>
+    <p:ext uri="{DCECCB84-F9BA-43D5-87BE-67443E8EF086}">
+      <p15:sldGuideLst xmlns:p15="http://schemas.microsoft.com/office/powerpoint/2012/main">
+        <p15:guide id="1" pos="2593">
+          <p15:clr>
+            <a:srgbClr val="FBAE40"/>
+          </p15:clr>
+        </p15:guide>
+        <p15:guide id="2" orient="horz" pos="1842">
+          <p15:clr>
+            <a:srgbClr val="FBAE40"/>
+          </p15:clr>
+        </p15:guide>
+        <p15:guide id="3" orient="horz" pos="436">
+          <p15:clr>
+            <a:srgbClr val="000000"/>
+          </p15:clr>
+        </p15:guide>
+        <p15:guide id="4" orient="horz" pos="4110">
+          <p15:clr>
+            <a:srgbClr val="FBAE40"/>
+          </p15:clr>
+        </p15:guide>
+        <p15:guide id="6" pos="7605">
+          <p15:clr>
+            <a:srgbClr val="FBAE40"/>
+          </p15:clr>
+        </p15:guide>
+        <p15:guide id="7" pos="5110">
+          <p15:clr>
+            <a:srgbClr val="000000"/>
+          </p15:clr>
+        </p15:guide>
+        <p15:guide id="8" orient="horz" pos="3271">
+          <p15:clr>
+            <a:srgbClr val="000000"/>
+          </p15:clr>
+        </p15:guide>
+        <p15:guide id="9" pos="75">
+          <p15:clr>
+            <a:srgbClr val="000000"/>
+          </p15:clr>
+        </p15:guide>
+      </p15:sldGuideLst>
+    </p:ext>
+  </p:extLst>
+</p:sldLayout>
+</file>
+
 <file path=ppt/slideMasters/slideMaster1.xml><?xml version="1.0" encoding="utf-8"?>
 <p:sldMaster xmlns:a="http://schemas.openxmlformats.org/drawingml/2006/main" xmlns:r="http://schemas.openxmlformats.org/officeDocument/2006/relationships" xmlns:p="http://schemas.openxmlformats.org/presentationml/2006/main">
   <p:cSld>
@@ -2881,6 +4178,8 @@
     <p:sldLayoutId id="2147483651" r:id="rId2"/>
     <p:sldLayoutId id="2147483665" r:id="rId3"/>
     <p:sldLayoutId id="2147483650" r:id="rId4"/>
+    <p:sldLayoutId id="2147483666" r:id="rId5"/>
+    <p:sldLayoutId id="2147483667" r:id="rId6"/>
   </p:sldLayoutIdLst>
   <p:hf hdr="0" ftr="0" dt="0"/>
   <p:txStyles>
@@ -3155,10 +4454,10 @@
       </p:grpSpPr>
       <p:sp>
         <p:nvSpPr>
-          <p:cNvPr id="4" name="텍스트 개체 틀 3">
+          <p:cNvPr id="2" name="제목 1">
             <a:extLst>
               <a:ext uri="{FF2B5EF4-FFF2-40B4-BE49-F238E27FC236}">
-                <a16:creationId xmlns:a16="http://schemas.microsoft.com/office/drawing/2014/main" id="{32E285E0-25D1-4806-B9DF-3590BD92D435}"/>
+                <a16:creationId xmlns:a16="http://schemas.microsoft.com/office/drawing/2014/main" id="{B694B7AB-3DC3-DD69-47BA-908974745869}"/>
               </a:ext>
             </a:extLst>
           </p:cNvPr>
@@ -3166,7 +4465,7 @@
             <a:spLocks noGrp="1"/>
           </p:cNvSpPr>
           <p:nvPr>
-            <p:ph type="body" sz="quarter" idx="10"/>
+            <p:ph type="title"/>
           </p:nvPr>
         </p:nvSpPr>
         <p:spPr/>
@@ -3174,41 +4473,20 @@
           <a:bodyPr/>
           <a:lstStyle/>
           <a:p>
-            <a:endParaRPr lang="ko-KR" altLang="en-US"/>
-          </a:p>
-        </p:txBody>
-      </p:sp>
-      <p:sp>
-        <p:nvSpPr>
-          <p:cNvPr id="5" name="텍스트 개체 틀 4">
-            <a:extLst>
-              <a:ext uri="{FF2B5EF4-FFF2-40B4-BE49-F238E27FC236}">
-                <a16:creationId xmlns:a16="http://schemas.microsoft.com/office/drawing/2014/main" id="{181CE6EC-43A5-4409-9C12-1C3782E8CB22}"/>
-              </a:ext>
-            </a:extLst>
-          </p:cNvPr>
-          <p:cNvSpPr>
-            <a:spLocks noGrp="1"/>
-          </p:cNvSpPr>
-          <p:nvPr>
-            <p:ph type="body" sz="quarter" idx="11"/>
-          </p:nvPr>
-        </p:nvSpPr>
-        <p:spPr/>
-        <p:txBody>
-          <a:bodyPr/>
-          <a:lstStyle/>
-          <a:p>
-            <a:endParaRPr lang="ko-KR" altLang="en-US"/>
+            <a:r>
+              <a:rPr lang="en-US" altLang="ko-KR" dirty="0"/>
+              <a:t>Document History</a:t>
+            </a:r>
+            <a:endParaRPr kumimoji="1" lang="ko-KR" altLang="en-US" dirty="0"/>
           </a:p>
         </p:txBody>
       </p:sp>
       <p:graphicFrame>
         <p:nvGraphicFramePr>
-          <p:cNvPr id="7" name="표 6">
+          <p:cNvPr id="4" name="Group 3">
             <a:extLst>
               <a:ext uri="{FF2B5EF4-FFF2-40B4-BE49-F238E27FC236}">
-                <a16:creationId xmlns:a16="http://schemas.microsoft.com/office/drawing/2014/main" id="{EE672C9C-2796-4CD4-B138-FB14ECB9EFA6}"/>
+                <a16:creationId xmlns:a16="http://schemas.microsoft.com/office/drawing/2014/main" id="{7C6B2F5C-19B1-0FC2-953B-760928B8B8DD}"/>
               </a:ext>
             </a:extLst>
           </p:cNvPr>
@@ -3218,107 +4496,763 @@
           <p:nvPr>
             <p:extLst>
               <p:ext uri="{D42A27DB-BD31-4B8C-83A1-F6EECF244321}">
-                <p14:modId xmlns:p14="http://schemas.microsoft.com/office/powerpoint/2010/main" val="3163780911"/>
+                <p14:modId xmlns:p14="http://schemas.microsoft.com/office/powerpoint/2010/main" val="3216005173"/>
               </p:ext>
             </p:extLst>
           </p:nvPr>
         </p:nvGraphicFramePr>
         <p:xfrm>
-          <a:off x="8688288" y="476672"/>
-          <a:ext cx="3384376" cy="2736301"/>
+          <a:off x="273050" y="836613"/>
+          <a:ext cx="11690349" cy="3260493"/>
         </p:xfrm>
         <a:graphic>
           <a:graphicData uri="http://schemas.openxmlformats.org/drawingml/2006/table">
             <a:tbl>
-              <a:tblPr firstRow="1" bandRow="1">
-                <a:tableStyleId>{5C22544A-7EE6-4342-B048-85BDC9FD1C3A}</a:tableStyleId>
-              </a:tblPr>
+              <a:tblPr/>
               <a:tblGrid>
-                <a:gridCol w="403256">
+                <a:gridCol w="1193800">
                   <a:extLst>
                     <a:ext uri="{9D8B030D-6E8A-4147-A177-3AD203B41FA5}">
-                      <a16:colId xmlns:a16="http://schemas.microsoft.com/office/drawing/2014/main" val="74772085"/>
+                      <a16:colId xmlns:a16="http://schemas.microsoft.com/office/drawing/2014/main" val="20000"/>
                     </a:ext>
                   </a:extLst>
                 </a:gridCol>
-                <a:gridCol w="2981120">
+                <a:gridCol w="1257300">
                   <a:extLst>
                     <a:ext uri="{9D8B030D-6E8A-4147-A177-3AD203B41FA5}">
-                      <a16:colId xmlns:a16="http://schemas.microsoft.com/office/drawing/2014/main" val="2572474025"/>
+                      <a16:colId xmlns:a16="http://schemas.microsoft.com/office/drawing/2014/main" val="20001"/>
+                    </a:ext>
+                  </a:extLst>
+                </a:gridCol>
+                <a:gridCol w="7762875">
+                  <a:extLst>
+                    <a:ext uri="{9D8B030D-6E8A-4147-A177-3AD203B41FA5}">
+                      <a16:colId xmlns:a16="http://schemas.microsoft.com/office/drawing/2014/main" val="20002"/>
+                    </a:ext>
+                  </a:extLst>
+                </a:gridCol>
+                <a:gridCol w="1476374">
+                  <a:extLst>
+                    <a:ext uri="{9D8B030D-6E8A-4147-A177-3AD203B41FA5}">
+                      <a16:colId xmlns:a16="http://schemas.microsoft.com/office/drawing/2014/main" val="20003"/>
                     </a:ext>
                   </a:extLst>
                 </a:gridCol>
               </a:tblGrid>
-              <a:tr h="258850">
-                <a:tc gridSpan="2">
+              <a:tr h="155665">
+                <a:tc>
                   <a:txBody>
                     <a:bodyPr/>
                     <a:lstStyle/>
                     <a:p>
-                      <a:pPr marL="0" marR="0" lvl="0" indent="0" algn="l" defTabSz="914400" rtl="0" eaLnBrk="1" fontAlgn="auto" latinLnBrk="1" hangingPunct="1">
+                      <a:pPr marL="0" marR="0" lvl="0" indent="0" algn="ctr" defTabSz="914400" rtl="0" eaLnBrk="0" fontAlgn="base" latinLnBrk="1" hangingPunct="0">
                         <a:lnSpc>
-                          <a:spcPct val="100000"/>
+                          <a:spcPct val="110000"/>
                         </a:lnSpc>
                         <a:spcBef>
-                          <a:spcPts val="0"/>
+                          <a:spcPct val="20000"/>
                         </a:spcBef>
                         <a:spcAft>
-                          <a:spcPts val="0"/>
+                          <a:spcPct val="0"/>
                         </a:spcAft>
                         <a:buClrTx/>
                         <a:buSzTx/>
-                        <a:buFontTx/>
+                        <a:buFont typeface="산돌고딕 L" pitchFamily="18" charset="-127"/>
+                        <a:buNone/>
+                        <a:tabLst/>
+                      </a:pPr>
+                      <a:r>
+                        <a:rPr kumimoji="1" lang="en-US" altLang="ko-KR" sz="900" b="1" i="0" u="none" strike="noStrike" cap="none" normalizeH="0" baseline="0" dirty="0">
+                          <a:ln>
+                            <a:noFill/>
+                          </a:ln>
+                          <a:solidFill>
+                            <a:schemeClr val="tx1"/>
+                          </a:solidFill>
+                          <a:effectLst/>
+                          <a:latin typeface="맑은 고딕" pitchFamily="50" charset="-127"/>
+                          <a:ea typeface="맑은 고딕" pitchFamily="50" charset="-127"/>
+                          <a:sym typeface="Arial" charset="0"/>
+                        </a:rPr>
+                        <a:t>Date</a:t>
+                      </a:r>
+                    </a:p>
+                  </a:txBody>
+                  <a:tcPr marL="90000" marR="90000" marT="46800" marB="46800" anchor="ctr" horzOverflow="overflow">
+                    <a:lnL w="12700" cap="flat" cmpd="sng" algn="ctr">
+                      <a:solidFill>
+                        <a:srgbClr val="FFFFFF"/>
+                      </a:solidFill>
+                      <a:prstDash val="solid"/>
+                      <a:round/>
+                      <a:headEnd type="none" w="med" len="med"/>
+                      <a:tailEnd type="none" w="med" len="med"/>
+                    </a:lnL>
+                    <a:lnR w="12700" cap="flat" cmpd="sng" algn="ctr">
+                      <a:solidFill>
+                        <a:srgbClr val="FFFFFF"/>
+                      </a:solidFill>
+                      <a:prstDash val="solid"/>
+                      <a:round/>
+                      <a:headEnd type="none" w="med" len="med"/>
+                      <a:tailEnd type="none" w="med" len="med"/>
+                    </a:lnR>
+                    <a:lnT w="12700" cap="flat" cmpd="sng" algn="ctr">
+                      <a:solidFill>
+                        <a:srgbClr val="FFFFFF"/>
+                      </a:solidFill>
+                      <a:prstDash val="solid"/>
+                      <a:round/>
+                      <a:headEnd type="none" w="med" len="med"/>
+                      <a:tailEnd type="none" w="med" len="med"/>
+                    </a:lnT>
+                    <a:lnB w="12700" cap="flat" cmpd="sng" algn="ctr">
+                      <a:solidFill>
+                        <a:srgbClr val="FFFFFF"/>
+                      </a:solidFill>
+                      <a:prstDash val="solid"/>
+                      <a:round/>
+                      <a:headEnd type="none" w="med" len="med"/>
+                      <a:tailEnd type="none" w="med" len="med"/>
+                    </a:lnB>
+                    <a:lnTlToBr>
+                      <a:noFill/>
+                    </a:lnTlToBr>
+                    <a:lnBlToTr>
+                      <a:noFill/>
+                    </a:lnBlToTr>
+                    <a:solidFill>
+                      <a:srgbClr val="D9D9D9"/>
+                    </a:solidFill>
+                  </a:tcPr>
+                </a:tc>
+                <a:tc>
+                  <a:txBody>
+                    <a:bodyPr/>
+                    <a:lstStyle/>
+                    <a:p>
+                      <a:pPr marL="0" marR="0" lvl="0" indent="0" algn="ctr" defTabSz="914400" rtl="0" eaLnBrk="0" fontAlgn="base" latinLnBrk="1" hangingPunct="0">
+                        <a:lnSpc>
+                          <a:spcPct val="110000"/>
+                        </a:lnSpc>
+                        <a:spcBef>
+                          <a:spcPct val="20000"/>
+                        </a:spcBef>
+                        <a:spcAft>
+                          <a:spcPct val="0"/>
+                        </a:spcAft>
+                        <a:buClrTx/>
+                        <a:buSzTx/>
+                        <a:buFont typeface="산돌고딕 L" pitchFamily="18" charset="-127"/>
+                        <a:buNone/>
+                        <a:tabLst/>
+                      </a:pPr>
+                      <a:r>
+                        <a:rPr kumimoji="1" lang="en-US" altLang="ko-KR" sz="900" b="1" i="0" u="none" strike="noStrike" cap="none" normalizeH="0" baseline="0" dirty="0">
+                          <a:ln>
+                            <a:noFill/>
+                          </a:ln>
+                          <a:solidFill>
+                            <a:schemeClr val="tx1"/>
+                          </a:solidFill>
+                          <a:effectLst/>
+                          <a:latin typeface="맑은 고딕" pitchFamily="50" charset="-127"/>
+                          <a:ea typeface="맑은 고딕" pitchFamily="50" charset="-127"/>
+                          <a:sym typeface="Arial" charset="0"/>
+                        </a:rPr>
+                        <a:t>Version</a:t>
+                      </a:r>
+                    </a:p>
+                  </a:txBody>
+                  <a:tcPr marL="90000" marR="90000" marT="46800" marB="46800" anchor="ctr" horzOverflow="overflow">
+                    <a:lnL w="12700" cap="flat" cmpd="sng" algn="ctr">
+                      <a:solidFill>
+                        <a:srgbClr val="FFFFFF"/>
+                      </a:solidFill>
+                      <a:prstDash val="solid"/>
+                      <a:round/>
+                      <a:headEnd type="none" w="med" len="med"/>
+                      <a:tailEnd type="none" w="med" len="med"/>
+                    </a:lnL>
+                    <a:lnR w="12700" cap="flat" cmpd="sng" algn="ctr">
+                      <a:solidFill>
+                        <a:srgbClr val="FFFFFF"/>
+                      </a:solidFill>
+                      <a:prstDash val="solid"/>
+                      <a:round/>
+                      <a:headEnd type="none" w="med" len="med"/>
+                      <a:tailEnd type="none" w="med" len="med"/>
+                    </a:lnR>
+                    <a:lnT w="12700" cap="flat" cmpd="sng" algn="ctr">
+                      <a:solidFill>
+                        <a:srgbClr val="FFFFFF"/>
+                      </a:solidFill>
+                      <a:prstDash val="solid"/>
+                      <a:round/>
+                      <a:headEnd type="none" w="med" len="med"/>
+                      <a:tailEnd type="none" w="med" len="med"/>
+                    </a:lnT>
+                    <a:lnB w="12700" cap="flat" cmpd="sng" algn="ctr">
+                      <a:solidFill>
+                        <a:srgbClr val="FFFFFF"/>
+                      </a:solidFill>
+                      <a:prstDash val="solid"/>
+                      <a:round/>
+                      <a:headEnd type="none" w="med" len="med"/>
+                      <a:tailEnd type="none" w="med" len="med"/>
+                    </a:lnB>
+                    <a:lnTlToBr>
+                      <a:noFill/>
+                    </a:lnTlToBr>
+                    <a:lnBlToTr>
+                      <a:noFill/>
+                    </a:lnBlToTr>
+                    <a:solidFill>
+                      <a:srgbClr val="D9D9D9"/>
+                    </a:solidFill>
+                  </a:tcPr>
+                </a:tc>
+                <a:tc>
+                  <a:txBody>
+                    <a:bodyPr/>
+                    <a:lstStyle/>
+                    <a:p>
+                      <a:pPr marL="0" marR="0" lvl="0" indent="0" algn="ctr" defTabSz="914400" rtl="0" eaLnBrk="0" fontAlgn="base" latinLnBrk="1" hangingPunct="0">
+                        <a:lnSpc>
+                          <a:spcPct val="110000"/>
+                        </a:lnSpc>
+                        <a:spcBef>
+                          <a:spcPct val="20000"/>
+                        </a:spcBef>
+                        <a:spcAft>
+                          <a:spcPct val="0"/>
+                        </a:spcAft>
+                        <a:buClrTx/>
+                        <a:buSzTx/>
+                        <a:buFont typeface="산돌고딕 L" pitchFamily="18" charset="-127"/>
+                        <a:buNone/>
+                        <a:tabLst/>
+                      </a:pPr>
+                      <a:r>
+                        <a:rPr kumimoji="1" lang="ko-KR" altLang="en-US" sz="900" b="1" i="0" u="none" strike="noStrike" cap="none" normalizeH="0" baseline="0" dirty="0">
+                          <a:ln>
+                            <a:noFill/>
+                          </a:ln>
+                          <a:solidFill>
+                            <a:schemeClr val="tx1"/>
+                          </a:solidFill>
+                          <a:effectLst/>
+                          <a:latin typeface="맑은 고딕" pitchFamily="50" charset="-127"/>
+                          <a:ea typeface="맑은 고딕" pitchFamily="50" charset="-127"/>
+                          <a:sym typeface="Arial" charset="0"/>
+                        </a:rPr>
+                        <a:t>세부내용</a:t>
+                      </a:r>
+                    </a:p>
+                  </a:txBody>
+                  <a:tcPr marL="90000" marR="90000" marT="46800" marB="46800" anchor="ctr" horzOverflow="overflow">
+                    <a:lnL w="12700" cap="flat" cmpd="sng" algn="ctr">
+                      <a:solidFill>
+                        <a:srgbClr val="FFFFFF"/>
+                      </a:solidFill>
+                      <a:prstDash val="solid"/>
+                      <a:round/>
+                      <a:headEnd type="none" w="med" len="med"/>
+                      <a:tailEnd type="none" w="med" len="med"/>
+                    </a:lnL>
+                    <a:lnR w="12700" cap="flat" cmpd="sng" algn="ctr">
+                      <a:solidFill>
+                        <a:srgbClr val="FFFFFF"/>
+                      </a:solidFill>
+                      <a:prstDash val="solid"/>
+                      <a:round/>
+                      <a:headEnd type="none" w="med" len="med"/>
+                      <a:tailEnd type="none" w="med" len="med"/>
+                    </a:lnR>
+                    <a:lnT w="12700" cap="flat" cmpd="sng" algn="ctr">
+                      <a:solidFill>
+                        <a:srgbClr val="FFFFFF"/>
+                      </a:solidFill>
+                      <a:prstDash val="solid"/>
+                      <a:round/>
+                      <a:headEnd type="none" w="med" len="med"/>
+                      <a:tailEnd type="none" w="med" len="med"/>
+                    </a:lnT>
+                    <a:lnB w="12700" cap="flat" cmpd="sng" algn="ctr">
+                      <a:solidFill>
+                        <a:srgbClr val="FFFFFF"/>
+                      </a:solidFill>
+                      <a:prstDash val="solid"/>
+                      <a:round/>
+                      <a:headEnd type="none" w="med" len="med"/>
+                      <a:tailEnd type="none" w="med" len="med"/>
+                    </a:lnB>
+                    <a:lnTlToBr>
+                      <a:noFill/>
+                    </a:lnTlToBr>
+                    <a:lnBlToTr>
+                      <a:noFill/>
+                    </a:lnBlToTr>
+                    <a:solidFill>
+                      <a:srgbClr val="D9D9D9"/>
+                    </a:solidFill>
+                  </a:tcPr>
+                </a:tc>
+                <a:tc>
+                  <a:txBody>
+                    <a:bodyPr/>
+                    <a:lstStyle/>
+                    <a:p>
+                      <a:pPr marL="0" marR="0" lvl="0" indent="0" algn="ctr" defTabSz="914400" rtl="0" eaLnBrk="0" fontAlgn="base" latinLnBrk="1" hangingPunct="0">
+                        <a:lnSpc>
+                          <a:spcPct val="110000"/>
+                        </a:lnSpc>
+                        <a:spcBef>
+                          <a:spcPct val="20000"/>
+                        </a:spcBef>
+                        <a:spcAft>
+                          <a:spcPct val="0"/>
+                        </a:spcAft>
+                        <a:buClrTx/>
+                        <a:buSzTx/>
+                        <a:buFont typeface="산돌고딕 L" pitchFamily="18" charset="-127"/>
+                        <a:buNone/>
+                        <a:tabLst/>
+                      </a:pPr>
+                      <a:r>
+                        <a:rPr kumimoji="1" lang="ko-KR" altLang="en-US" sz="900" b="1" i="0" u="none" strike="noStrike" cap="none" normalizeH="0" baseline="0" dirty="0">
+                          <a:ln>
+                            <a:noFill/>
+                          </a:ln>
+                          <a:solidFill>
+                            <a:schemeClr val="tx1"/>
+                          </a:solidFill>
+                          <a:effectLst/>
+                          <a:latin typeface="맑은 고딕" pitchFamily="50" charset="-127"/>
+                          <a:ea typeface="맑은 고딕" pitchFamily="50" charset="-127"/>
+                          <a:sym typeface="Arial" charset="0"/>
+                        </a:rPr>
+                        <a:t>작성자</a:t>
+                      </a:r>
+                    </a:p>
+                  </a:txBody>
+                  <a:tcPr marL="90000" marR="90000" marT="46800" marB="46800" anchor="ctr" horzOverflow="overflow">
+                    <a:lnL w="12700" cap="flat" cmpd="sng" algn="ctr">
+                      <a:solidFill>
+                        <a:srgbClr val="FFFFFF"/>
+                      </a:solidFill>
+                      <a:prstDash val="solid"/>
+                      <a:round/>
+                      <a:headEnd type="none" w="med" len="med"/>
+                      <a:tailEnd type="none" w="med" len="med"/>
+                    </a:lnL>
+                    <a:lnR w="12700" cap="flat" cmpd="sng" algn="ctr">
+                      <a:solidFill>
+                        <a:srgbClr val="FFFFFF"/>
+                      </a:solidFill>
+                      <a:prstDash val="solid"/>
+                      <a:round/>
+                      <a:headEnd type="none" w="med" len="med"/>
+                      <a:tailEnd type="none" w="med" len="med"/>
+                    </a:lnR>
+                    <a:lnT w="12700" cap="flat" cmpd="sng" algn="ctr">
+                      <a:solidFill>
+                        <a:srgbClr val="FFFFFF"/>
+                      </a:solidFill>
+                      <a:prstDash val="solid"/>
+                      <a:round/>
+                      <a:headEnd type="none" w="med" len="med"/>
+                      <a:tailEnd type="none" w="med" len="med"/>
+                    </a:lnT>
+                    <a:lnB w="12700" cap="flat" cmpd="sng" algn="ctr">
+                      <a:solidFill>
+                        <a:srgbClr val="FFFFFF"/>
+                      </a:solidFill>
+                      <a:prstDash val="solid"/>
+                      <a:round/>
+                      <a:headEnd type="none" w="med" len="med"/>
+                      <a:tailEnd type="none" w="med" len="med"/>
+                    </a:lnB>
+                    <a:lnTlToBr>
+                      <a:noFill/>
+                    </a:lnTlToBr>
+                    <a:lnBlToTr>
+                      <a:noFill/>
+                    </a:lnBlToTr>
+                    <a:solidFill>
+                      <a:srgbClr val="D9D9D9"/>
+                    </a:solidFill>
+                  </a:tcPr>
+                </a:tc>
+                <a:extLst>
+                  <a:ext uri="{0D108BD9-81ED-4DB2-BD59-A6C34878D82A}">
+                    <a16:rowId xmlns:a16="http://schemas.microsoft.com/office/drawing/2014/main" val="10000"/>
+                  </a:ext>
+                </a:extLst>
+              </a:tr>
+              <a:tr h="144991">
+                <a:tc>
+                  <a:txBody>
+                    <a:bodyPr/>
+                    <a:lstStyle/>
+                    <a:p>
+                      <a:pPr marL="0" marR="0" lvl="0" indent="0" algn="ctr" defTabSz="914400" rtl="0" eaLnBrk="0" fontAlgn="base" latinLnBrk="1" hangingPunct="0">
+                        <a:lnSpc>
+                          <a:spcPct val="110000"/>
+                        </a:lnSpc>
+                        <a:spcBef>
+                          <a:spcPct val="20000"/>
+                        </a:spcBef>
+                        <a:spcAft>
+                          <a:spcPct val="0"/>
+                        </a:spcAft>
+                        <a:buClrTx/>
+                        <a:buSzTx/>
+                        <a:buFont typeface="산돌고딕 L" pitchFamily="18" charset="-127"/>
+                        <a:buNone/>
+                        <a:tabLst/>
+                      </a:pPr>
+                      <a:r>
+                        <a:rPr kumimoji="1" lang="en-US" altLang="ko-KR" sz="800" b="0" i="0" u="none" strike="noStrike" cap="none" normalizeH="0" baseline="0" dirty="0">
+                          <a:ln>
+                            <a:noFill/>
+                          </a:ln>
+                          <a:solidFill>
+                            <a:srgbClr val="000000"/>
+                          </a:solidFill>
+                          <a:effectLst/>
+                          <a:latin typeface="맑은 고딕" pitchFamily="50" charset="-127"/>
+                          <a:ea typeface="맑은 고딕" pitchFamily="50" charset="-127"/>
+                          <a:sym typeface="Arial" charset="0"/>
+                        </a:rPr>
+                        <a:t>260127</a:t>
+                      </a:r>
+                    </a:p>
+                  </a:txBody>
+                  <a:tcPr marL="90000" marR="90000" marT="46800" marB="46800" anchor="ctr" horzOverflow="overflow">
+                    <a:lnL w="12700" cap="flat" cmpd="sng" algn="ctr">
+                      <a:solidFill>
+                        <a:srgbClr val="FFFFFF"/>
+                      </a:solidFill>
+                      <a:prstDash val="solid"/>
+                      <a:round/>
+                      <a:headEnd type="none" w="med" len="med"/>
+                      <a:tailEnd type="none" w="med" len="med"/>
+                    </a:lnL>
+                    <a:lnR w="6350" cap="flat" cmpd="sng" algn="ctr">
+                      <a:noFill/>
+                      <a:prstDash val="solid"/>
+                      <a:round/>
+                      <a:headEnd type="none" w="med" len="med"/>
+                      <a:tailEnd type="none" w="med" len="med"/>
+                    </a:lnR>
+                    <a:lnT w="12700" cap="flat" cmpd="sng" algn="ctr">
+                      <a:solidFill>
+                        <a:srgbClr val="FFFFFF"/>
+                      </a:solidFill>
+                      <a:prstDash val="solid"/>
+                      <a:round/>
+                      <a:headEnd type="none" w="med" len="med"/>
+                      <a:tailEnd type="none" w="med" len="med"/>
+                    </a:lnT>
+                    <a:lnB w="6350" cap="flat" cmpd="sng" algn="ctr">
+                      <a:solidFill>
+                        <a:schemeClr val="bg1">
+                          <a:lumMod val="75000"/>
+                        </a:schemeClr>
+                      </a:solidFill>
+                      <a:prstDash val="solid"/>
+                      <a:round/>
+                      <a:headEnd type="none" w="med" len="med"/>
+                      <a:tailEnd type="none" w="med" len="med"/>
+                    </a:lnB>
+                    <a:lnTlToBr>
+                      <a:noFill/>
+                    </a:lnTlToBr>
+                    <a:lnBlToTr>
+                      <a:noFill/>
+                    </a:lnBlToTr>
+                    <a:noFill/>
+                  </a:tcPr>
+                </a:tc>
+                <a:tc>
+                  <a:txBody>
+                    <a:bodyPr/>
+                    <a:lstStyle/>
+                    <a:p>
+                      <a:pPr marL="0" marR="0" lvl="0" indent="0" algn="ctr" defTabSz="914400" rtl="0" eaLnBrk="0" fontAlgn="base" latinLnBrk="1" hangingPunct="0">
+                        <a:lnSpc>
+                          <a:spcPct val="110000"/>
+                        </a:lnSpc>
+                        <a:spcBef>
+                          <a:spcPct val="20000"/>
+                        </a:spcBef>
+                        <a:spcAft>
+                          <a:spcPct val="0"/>
+                        </a:spcAft>
+                        <a:buClrTx/>
+                        <a:buSzTx/>
+                        <a:buFont typeface="산돌고딕 L" pitchFamily="18" charset="-127"/>
+                        <a:buNone/>
+                        <a:tabLst/>
+                      </a:pPr>
+                      <a:r>
+                        <a:rPr kumimoji="1" lang="en-US" altLang="ko-KR" sz="800" b="0" i="0" u="none" strike="noStrike" cap="none" normalizeH="0" baseline="0" dirty="0">
+                          <a:ln>
+                            <a:noFill/>
+                          </a:ln>
+                          <a:solidFill>
+                            <a:srgbClr val="000000"/>
+                          </a:solidFill>
+                          <a:effectLst/>
+                          <a:latin typeface="맑은 고딕" pitchFamily="50" charset="-127"/>
+                          <a:ea typeface="맑은 고딕" pitchFamily="50" charset="-127"/>
+                          <a:sym typeface="Arial" charset="0"/>
+                        </a:rPr>
+                        <a:t>0.1</a:t>
+                      </a:r>
+                    </a:p>
+                  </a:txBody>
+                  <a:tcPr marL="90000" marR="90000" marT="46800" marB="46800" anchor="ctr" horzOverflow="overflow">
+                    <a:lnL w="6350" cap="flat" cmpd="sng" algn="ctr">
+                      <a:noFill/>
+                      <a:prstDash val="solid"/>
+                      <a:round/>
+                      <a:headEnd type="none" w="med" len="med"/>
+                      <a:tailEnd type="none" w="med" len="med"/>
+                    </a:lnL>
+                    <a:lnR w="6350" cap="flat" cmpd="sng" algn="ctr">
+                      <a:noFill/>
+                      <a:prstDash val="solid"/>
+                      <a:round/>
+                      <a:headEnd type="none" w="med" len="med"/>
+                      <a:tailEnd type="none" w="med" len="med"/>
+                    </a:lnR>
+                    <a:lnT w="12700" cap="flat" cmpd="sng" algn="ctr">
+                      <a:solidFill>
+                        <a:srgbClr val="FFFFFF"/>
+                      </a:solidFill>
+                      <a:prstDash val="solid"/>
+                      <a:round/>
+                      <a:headEnd type="none" w="med" len="med"/>
+                      <a:tailEnd type="none" w="med" len="med"/>
+                    </a:lnT>
+                    <a:lnB w="6350" cap="flat" cmpd="sng" algn="ctr">
+                      <a:solidFill>
+                        <a:schemeClr val="bg1">
+                          <a:lumMod val="75000"/>
+                        </a:schemeClr>
+                      </a:solidFill>
+                      <a:prstDash val="solid"/>
+                      <a:round/>
+                      <a:headEnd type="none" w="med" len="med"/>
+                      <a:tailEnd type="none" w="med" len="med"/>
+                    </a:lnB>
+                    <a:lnTlToBr>
+                      <a:noFill/>
+                    </a:lnTlToBr>
+                    <a:lnBlToTr>
+                      <a:noFill/>
+                    </a:lnBlToTr>
+                    <a:noFill/>
+                  </a:tcPr>
+                </a:tc>
+                <a:tc>
+                  <a:txBody>
+                    <a:bodyPr/>
+                    <a:lstStyle/>
+                    <a:p>
+                      <a:pPr marL="257175" marR="0" lvl="0" indent="-171450" algn="l" defTabSz="914400" rtl="0" eaLnBrk="1" fontAlgn="base" latinLnBrk="1" hangingPunct="1">
+                        <a:lnSpc>
+                          <a:spcPct val="110000"/>
+                        </a:lnSpc>
+                        <a:spcBef>
+                          <a:spcPct val="20000"/>
+                        </a:spcBef>
+                        <a:spcAft>
+                          <a:spcPct val="0"/>
+                        </a:spcAft>
+                        <a:buClrTx/>
+                        <a:buSzTx/>
+                        <a:buFont typeface="Arial" pitchFamily="34" charset="0"/>
+                        <a:buChar char="•"/>
+                        <a:tabLst/>
+                      </a:pPr>
+                      <a:r>
+                        <a:rPr kumimoji="1" lang="ko-KR" altLang="en-US" sz="800" b="0" i="0" u="none" strike="noStrike" cap="none" normalizeH="0" baseline="0" dirty="0">
+                          <a:ln>
+                            <a:noFill/>
+                          </a:ln>
+                          <a:solidFill>
+                            <a:srgbClr val="000000"/>
+                          </a:solidFill>
+                          <a:effectLst/>
+                          <a:latin typeface="맑은 고딕" pitchFamily="50" charset="-127"/>
+                          <a:ea typeface="맑은 고딕" pitchFamily="50" charset="-127"/>
+                          <a:sym typeface="Arial" charset="0"/>
+                        </a:rPr>
+                        <a:t>장애</a:t>
+                      </a:r>
+                      <a:r>
+                        <a:rPr kumimoji="1" lang="en-US" altLang="ko-KR" sz="800" b="0" i="0" u="none" strike="noStrike" cap="none" normalizeH="0" baseline="0" dirty="0">
+                          <a:ln>
+                            <a:noFill/>
+                          </a:ln>
+                          <a:solidFill>
+                            <a:srgbClr val="000000"/>
+                          </a:solidFill>
+                          <a:effectLst/>
+                          <a:latin typeface="맑은 고딕" pitchFamily="50" charset="-127"/>
+                          <a:ea typeface="맑은 고딕" pitchFamily="50" charset="-127"/>
+                          <a:sym typeface="Arial" charset="0"/>
+                        </a:rPr>
+                        <a:t>/</a:t>
+                      </a:r>
+                      <a:r>
+                        <a:rPr kumimoji="1" lang="ko-KR" altLang="en-US" sz="800" b="0" i="0" u="none" strike="noStrike" cap="none" normalizeH="0" baseline="0" dirty="0">
+                          <a:ln>
+                            <a:noFill/>
+                          </a:ln>
+                          <a:solidFill>
+                            <a:srgbClr val="000000"/>
+                          </a:solidFill>
+                          <a:effectLst/>
+                          <a:latin typeface="맑은 고딕" pitchFamily="50" charset="-127"/>
+                          <a:ea typeface="맑은 고딕" pitchFamily="50" charset="-127"/>
+                          <a:sym typeface="Arial" charset="0"/>
+                        </a:rPr>
+                        <a:t>발생 리스트 구상</a:t>
+                      </a:r>
+                      <a:endParaRPr kumimoji="1" lang="en-US" altLang="ko-KR" sz="800" b="0" i="0" u="none" strike="noStrike" cap="none" normalizeH="0" baseline="0" dirty="0">
+                        <a:ln>
+                          <a:noFill/>
+                        </a:ln>
+                        <a:solidFill>
+                          <a:srgbClr val="000000"/>
+                        </a:solidFill>
+                        <a:effectLst/>
+                        <a:latin typeface="맑은 고딕" pitchFamily="50" charset="-127"/>
+                        <a:ea typeface="맑은 고딕" pitchFamily="50" charset="-127"/>
+                        <a:sym typeface="Arial" charset="0"/>
+                      </a:endParaRPr>
+                    </a:p>
+                  </a:txBody>
+                  <a:tcPr marL="90000" marR="90000" marT="46800" marB="46800" anchor="ctr" horzOverflow="overflow">
+                    <a:lnL w="6350" cap="flat" cmpd="sng" algn="ctr">
+                      <a:noFill/>
+                      <a:prstDash val="solid"/>
+                      <a:round/>
+                      <a:headEnd type="none" w="med" len="med"/>
+                      <a:tailEnd type="none" w="med" len="med"/>
+                    </a:lnL>
+                    <a:lnR w="6350" cap="flat" cmpd="sng" algn="ctr">
+                      <a:noFill/>
+                      <a:prstDash val="solid"/>
+                      <a:round/>
+                      <a:headEnd type="none" w="med" len="med"/>
+                      <a:tailEnd type="none" w="med" len="med"/>
+                    </a:lnR>
+                    <a:lnT w="12700" cap="flat" cmpd="sng" algn="ctr">
+                      <a:solidFill>
+                        <a:srgbClr val="FFFFFF"/>
+                      </a:solidFill>
+                      <a:prstDash val="solid"/>
+                      <a:round/>
+                      <a:headEnd type="none" w="med" len="med"/>
+                      <a:tailEnd type="none" w="med" len="med"/>
+                    </a:lnT>
+                    <a:lnB w="6350" cap="flat" cmpd="sng" algn="ctr">
+                      <a:solidFill>
+                        <a:schemeClr val="bg1">
+                          <a:lumMod val="75000"/>
+                        </a:schemeClr>
+                      </a:solidFill>
+                      <a:prstDash val="solid"/>
+                      <a:round/>
+                      <a:headEnd type="none" w="med" len="med"/>
+                      <a:tailEnd type="none" w="med" len="med"/>
+                    </a:lnB>
+                    <a:lnTlToBr>
+                      <a:noFill/>
+                    </a:lnTlToBr>
+                    <a:lnBlToTr>
+                      <a:noFill/>
+                    </a:lnBlToTr>
+                    <a:noFill/>
+                  </a:tcPr>
+                </a:tc>
+                <a:tc>
+                  <a:txBody>
+                    <a:bodyPr/>
+                    <a:lstStyle/>
+                    <a:p>
+                      <a:pPr marL="0" marR="0" lvl="0" indent="0" algn="ctr" defTabSz="914400" rtl="0" eaLnBrk="0" fontAlgn="base" latinLnBrk="1" hangingPunct="0">
+                        <a:lnSpc>
+                          <a:spcPct val="110000"/>
+                        </a:lnSpc>
+                        <a:spcBef>
+                          <a:spcPct val="20000"/>
+                        </a:spcBef>
+                        <a:spcAft>
+                          <a:spcPct val="0"/>
+                        </a:spcAft>
+                        <a:buClrTx/>
+                        <a:buSzTx/>
+                        <a:buFont typeface="산돌고딕 L" pitchFamily="18" charset="-127"/>
                         <a:buNone/>
                         <a:tabLst/>
                         <a:defRPr/>
                       </a:pPr>
                       <a:r>
-                        <a:rPr lang="en-US" altLang="ko-KR" sz="900" b="1" dirty="0">
+                        <a:rPr kumimoji="1" lang="ko-KR" altLang="en-US" sz="800" b="0" i="0" u="none" strike="noStrike" kern="1200" cap="none" spc="0" normalizeH="0" baseline="0" noProof="0" dirty="0">
+                          <a:ln>
+                            <a:noFill/>
+                          </a:ln>
                           <a:solidFill>
-                            <a:srgbClr val="4E5263"/>
+                            <a:prstClr val="black"/>
                           </a:solidFill>
-                          <a:latin typeface="+mn-ea"/>
-                          <a:ea typeface="+mn-ea"/>
-                          <a:sym typeface="맑은 고딕"/>
+                          <a:effectLst/>
+                          <a:uLnTx/>
+                          <a:uFillTx/>
+                          <a:latin typeface="맑은 고딕" pitchFamily="50" charset="-127"/>
+                          <a:ea typeface="맑은 고딕" pitchFamily="50" charset="-127"/>
+                          <a:cs typeface="+mn-cs"/>
+                          <a:sym typeface="Arial" charset="0"/>
                         </a:rPr>
-                        <a:t>Summery.</a:t>
+                        <a:t>배영환</a:t>
                       </a:r>
-                      <a:endParaRPr lang="en" altLang="ko-KR" sz="900" b="1" dirty="0">
-                        <a:solidFill>
-                          <a:srgbClr val="4E5263"/>
-                        </a:solidFill>
-                        <a:latin typeface="+mn-ea"/>
-                        <a:ea typeface="+mn-ea"/>
-                        <a:sym typeface="맑은 고딕"/>
-                      </a:endParaRPr>
                     </a:p>
                   </a:txBody>
-                  <a:tcPr anchor="ctr">
-                    <a:lnL w="3175" cap="flat" cmpd="sng" algn="ctr">
+                  <a:tcPr marL="90000" marR="90000" marT="46800" marB="46800" anchor="ctr" horzOverflow="overflow">
+                    <a:lnL w="6350" cap="flat" cmpd="sng" algn="ctr">
                       <a:noFill/>
                       <a:prstDash val="solid"/>
                       <a:round/>
                       <a:headEnd type="none" w="med" len="med"/>
                       <a:tailEnd type="none" w="med" len="med"/>
                     </a:lnL>
-                    <a:lnR w="3175" cap="flat" cmpd="sng" algn="ctr">
-                      <a:noFill/>
+                    <a:lnR w="12700" cap="flat" cmpd="sng" algn="ctr">
+                      <a:solidFill>
+                        <a:srgbClr val="FFFFFF"/>
+                      </a:solidFill>
                       <a:prstDash val="solid"/>
                       <a:round/>
                       <a:headEnd type="none" w="med" len="med"/>
                       <a:tailEnd type="none" w="med" len="med"/>
                     </a:lnR>
-                    <a:lnT w="3175" cap="flat" cmpd="sng" algn="ctr">
-                      <a:noFill/>
+                    <a:lnT w="12700" cap="flat" cmpd="sng" algn="ctr">
+                      <a:solidFill>
+                        <a:srgbClr val="FFFFFF"/>
+                      </a:solidFill>
                       <a:prstDash val="solid"/>
                       <a:round/>
                       <a:headEnd type="none" w="med" len="med"/>
                       <a:tailEnd type="none" w="med" len="med"/>
                     </a:lnT>
-                    <a:lnB w="3175" cap="flat" cmpd="sng" algn="ctr">
-                      <a:solidFill>
-                        <a:schemeClr val="bg1">
-                          <a:lumMod val="65000"/>
+                    <a:lnB w="6350" cap="flat" cmpd="sng" algn="ctr">
+                      <a:solidFill>
+                        <a:schemeClr val="bg1">
+                          <a:lumMod val="75000"/>
                         </a:schemeClr>
                       </a:solidFill>
                       <a:prstDash val="solid"/>
@@ -3326,106 +5260,201 @@
                       <a:headEnd type="none" w="med" len="med"/>
                       <a:tailEnd type="none" w="med" len="med"/>
                     </a:lnB>
-                    <a:solidFill>
-                      <a:schemeClr val="bg1"/>
-                    </a:solidFill>
-                  </a:tcPr>
-                </a:tc>
-                <a:tc hMerge="1">
-                  <a:txBody>
-                    <a:bodyPr/>
-                    <a:lstStyle/>
-                    <a:p>
-                      <a:pPr marL="0" marR="0" lvl="0" indent="0" algn="l" defTabSz="914400" rtl="0" eaLnBrk="1" fontAlgn="auto" latinLnBrk="1" hangingPunct="1">
-                        <a:lnSpc>
-                          <a:spcPct val="100000"/>
-                        </a:lnSpc>
-                        <a:spcBef>
-                          <a:spcPts val="0"/>
-                        </a:spcBef>
-                        <a:spcAft>
-                          <a:spcPts val="0"/>
-                        </a:spcAft>
-                        <a:buClrTx/>
-                        <a:buSzTx/>
-                        <a:buFontTx/>
-                        <a:buNone/>
-                        <a:tabLst/>
-                        <a:defRPr/>
-                      </a:pPr>
-                      <a:endParaRPr lang="en" altLang="ko-KR" sz="900" b="1" dirty="0">
-                        <a:solidFill>
-                          <a:srgbClr val="4E5263"/>
-                        </a:solidFill>
-                        <a:latin typeface="SF Pro Text" pitchFamily="2" charset="0"/>
-                        <a:ea typeface="SF Pro Text" pitchFamily="2" charset="0"/>
-                        <a:sym typeface="맑은 고딕"/>
-                      </a:endParaRPr>
-                    </a:p>
-                  </a:txBody>
-                  <a:tcPr anchor="ctr">
-                    <a:lnL w="3175" cap="flat" cmpd="sng" algn="ctr">
-                      <a:solidFill>
-                        <a:schemeClr val="tx1">
-                          <a:lumMod val="50000"/>
-                          <a:lumOff val="50000"/>
-                        </a:schemeClr>
-                      </a:solidFill>
-                      <a:prstDash val="solid"/>
-                      <a:round/>
-                      <a:headEnd type="none" w="med" len="med"/>
-                      <a:tailEnd type="none" w="med" len="med"/>
-                    </a:lnL>
-                    <a:lnR w="3175" cap="flat" cmpd="sng" algn="ctr">
-                      <a:noFill/>
-                      <a:prstDash val="solid"/>
-                      <a:round/>
-                      <a:headEnd type="none" w="med" len="med"/>
-                      <a:tailEnd type="none" w="med" len="med"/>
-                    </a:lnR>
-                    <a:lnT w="3175" cap="flat" cmpd="sng" algn="ctr">
-                      <a:noFill/>
-                      <a:prstDash val="solid"/>
-                      <a:round/>
-                      <a:headEnd type="none" w="med" len="med"/>
-                      <a:tailEnd type="none" w="med" len="med"/>
-                    </a:lnT>
-                    <a:lnB w="3175" cap="flat" cmpd="sng" algn="ctr">
-                      <a:solidFill>
-                        <a:schemeClr val="tx1">
-                          <a:lumMod val="50000"/>
-                          <a:lumOff val="50000"/>
-                        </a:schemeClr>
-                      </a:solidFill>
-                      <a:prstDash val="solid"/>
-                      <a:round/>
-                      <a:headEnd type="none" w="med" len="med"/>
-                      <a:tailEnd type="none" w="med" len="med"/>
-                    </a:lnB>
+                    <a:lnTlToBr>
+                      <a:noFill/>
+                    </a:lnTlToBr>
+                    <a:lnBlToTr>
+                      <a:noFill/>
+                    </a:lnBlToTr>
                     <a:noFill/>
                   </a:tcPr>
                 </a:tc>
                 <a:extLst>
                   <a:ext uri="{0D108BD9-81ED-4DB2-BD59-A6C34878D82A}">
-                    <a16:rowId xmlns:a16="http://schemas.microsoft.com/office/drawing/2014/main" val="1283880267"/>
+                    <a16:rowId xmlns:a16="http://schemas.microsoft.com/office/drawing/2014/main" val="10001"/>
                   </a:ext>
                 </a:extLst>
               </a:tr>
-              <a:tr h="786307">
-                <a:tc gridSpan="2">
+              <a:tr h="137754">
+                <a:tc>
                   <a:txBody>
                     <a:bodyPr/>
                     <a:lstStyle/>
                     <a:p>
-                      <a:pPr marL="108000" marR="0" lvl="0" indent="-108000" algn="just" defTabSz="914400" rtl="0" eaLnBrk="1" fontAlgn="auto" latinLnBrk="1" hangingPunct="1">
+                      <a:pPr marL="0" marR="0" lvl="0" indent="0" algn="ctr" defTabSz="914400" rtl="0" eaLnBrk="0" fontAlgn="base" latinLnBrk="1" hangingPunct="0">
                         <a:lnSpc>
-                          <a:spcPct val="120000"/>
+                          <a:spcPct val="110000"/>
                         </a:lnSpc>
                         <a:spcBef>
-                          <a:spcPts val="0"/>
+                          <a:spcPct val="20000"/>
                         </a:spcBef>
                         <a:spcAft>
-                          <a:spcPts val="0"/>
+                          <a:spcPct val="0"/>
+                        </a:spcAft>
+                        <a:buClrTx/>
+                        <a:buSzTx/>
+                        <a:buFont typeface="산돌고딕 L" pitchFamily="18" charset="-127"/>
+                        <a:buNone/>
+                        <a:tabLst/>
+                        <a:defRPr/>
+                      </a:pPr>
+                      <a:endParaRPr kumimoji="1" lang="en-US" altLang="ko-KR" sz="800" b="0" i="0" u="none" strike="noStrike" cap="none" normalizeH="0" baseline="0" dirty="0">
+                        <a:ln>
+                          <a:noFill/>
+                        </a:ln>
+                        <a:solidFill>
+                          <a:srgbClr val="000000"/>
+                        </a:solidFill>
+                        <a:effectLst/>
+                        <a:latin typeface="맑은 고딕" pitchFamily="50" charset="-127"/>
+                        <a:ea typeface="맑은 고딕" pitchFamily="50" charset="-127"/>
+                        <a:sym typeface="Arial" charset="0"/>
+                      </a:endParaRPr>
+                    </a:p>
+                  </a:txBody>
+                  <a:tcPr marL="90000" marR="90000" marT="46800" marB="46800" anchor="ctr" horzOverflow="overflow">
+                    <a:lnL w="12700" cap="flat" cmpd="sng" algn="ctr">
+                      <a:solidFill>
+                        <a:srgbClr val="FFFFFF"/>
+                      </a:solidFill>
+                      <a:prstDash val="solid"/>
+                      <a:round/>
+                      <a:headEnd type="none" w="med" len="med"/>
+                      <a:tailEnd type="none" w="med" len="med"/>
+                    </a:lnL>
+                    <a:lnR w="6350" cap="flat" cmpd="sng" algn="ctr">
+                      <a:noFill/>
+                      <a:prstDash val="solid"/>
+                      <a:round/>
+                      <a:headEnd type="none" w="med" len="med"/>
+                      <a:tailEnd type="none" w="med" len="med"/>
+                    </a:lnR>
+                    <a:lnT w="6350" cap="flat" cmpd="sng" algn="ctr">
+                      <a:solidFill>
+                        <a:schemeClr val="bg1">
+                          <a:lumMod val="75000"/>
+                        </a:schemeClr>
+                      </a:solidFill>
+                      <a:prstDash val="solid"/>
+                      <a:round/>
+                      <a:headEnd type="none" w="med" len="med"/>
+                      <a:tailEnd type="none" w="med" len="med"/>
+                    </a:lnT>
+                    <a:lnB w="6350" cap="flat" cmpd="sng" algn="ctr">
+                      <a:solidFill>
+                        <a:schemeClr val="bg1">
+                          <a:lumMod val="75000"/>
+                        </a:schemeClr>
+                      </a:solidFill>
+                      <a:prstDash val="solid"/>
+                      <a:round/>
+                      <a:headEnd type="none" w="med" len="med"/>
+                      <a:tailEnd type="none" w="med" len="med"/>
+                    </a:lnB>
+                    <a:lnTlToBr>
+                      <a:noFill/>
+                    </a:lnTlToBr>
+                    <a:lnBlToTr>
+                      <a:noFill/>
+                    </a:lnBlToTr>
+                    <a:noFill/>
+                  </a:tcPr>
+                </a:tc>
+                <a:tc>
+                  <a:txBody>
+                    <a:bodyPr/>
+                    <a:lstStyle/>
+                    <a:p>
+                      <a:pPr marL="0" marR="0" lvl="0" indent="0" algn="ctr" defTabSz="914400" rtl="0" eaLnBrk="0" fontAlgn="base" latinLnBrk="1" hangingPunct="0">
+                        <a:lnSpc>
+                          <a:spcPct val="110000"/>
+                        </a:lnSpc>
+                        <a:spcBef>
+                          <a:spcPct val="20000"/>
+                        </a:spcBef>
+                        <a:spcAft>
+                          <a:spcPct val="0"/>
+                        </a:spcAft>
+                        <a:buClrTx/>
+                        <a:buSzTx/>
+                        <a:buFont typeface="산돌고딕 L" pitchFamily="18" charset="-127"/>
+                        <a:buNone/>
+                        <a:tabLst/>
+                      </a:pPr>
+                      <a:endParaRPr kumimoji="1" lang="en-US" altLang="ko-KR" sz="800" b="0" i="0" u="none" strike="noStrike" cap="none" normalizeH="0" baseline="0" dirty="0">
+                        <a:ln>
+                          <a:noFill/>
+                        </a:ln>
+                        <a:solidFill>
+                          <a:srgbClr val="000000"/>
+                        </a:solidFill>
+                        <a:effectLst/>
+                        <a:latin typeface="맑은 고딕" pitchFamily="50" charset="-127"/>
+                        <a:ea typeface="맑은 고딕" pitchFamily="50" charset="-127"/>
+                        <a:sym typeface="Arial" charset="0"/>
+                      </a:endParaRPr>
+                    </a:p>
+                  </a:txBody>
+                  <a:tcPr marL="90000" marR="90000" marT="46800" marB="46800" anchor="ctr" horzOverflow="overflow">
+                    <a:lnL w="6350" cap="flat" cmpd="sng" algn="ctr">
+                      <a:noFill/>
+                      <a:prstDash val="solid"/>
+                      <a:round/>
+                      <a:headEnd type="none" w="med" len="med"/>
+                      <a:tailEnd type="none" w="med" len="med"/>
+                    </a:lnL>
+                    <a:lnR w="6350" cap="flat" cmpd="sng" algn="ctr">
+                      <a:noFill/>
+                      <a:prstDash val="solid"/>
+                      <a:round/>
+                      <a:headEnd type="none" w="med" len="med"/>
+                      <a:tailEnd type="none" w="med" len="med"/>
+                    </a:lnR>
+                    <a:lnT w="6350" cap="flat" cmpd="sng" algn="ctr">
+                      <a:solidFill>
+                        <a:schemeClr val="bg1">
+                          <a:lumMod val="75000"/>
+                        </a:schemeClr>
+                      </a:solidFill>
+                      <a:prstDash val="solid"/>
+                      <a:round/>
+                      <a:headEnd type="none" w="med" len="med"/>
+                      <a:tailEnd type="none" w="med" len="med"/>
+                    </a:lnT>
+                    <a:lnB w="6350" cap="flat" cmpd="sng" algn="ctr">
+                      <a:solidFill>
+                        <a:schemeClr val="bg1">
+                          <a:lumMod val="75000"/>
+                        </a:schemeClr>
+                      </a:solidFill>
+                      <a:prstDash val="solid"/>
+                      <a:round/>
+                      <a:headEnd type="none" w="med" len="med"/>
+                      <a:tailEnd type="none" w="med" len="med"/>
+                    </a:lnB>
+                    <a:lnTlToBr>
+                      <a:noFill/>
+                    </a:lnTlToBr>
+                    <a:lnBlToTr>
+                      <a:noFill/>
+                    </a:lnBlToTr>
+                    <a:noFill/>
+                  </a:tcPr>
+                </a:tc>
+                <a:tc>
+                  <a:txBody>
+                    <a:bodyPr/>
+                    <a:lstStyle/>
+                    <a:p>
+                      <a:pPr marL="257175" marR="0" lvl="0" indent="-171450" algn="l" defTabSz="914400" rtl="0" eaLnBrk="1" fontAlgn="base" latinLnBrk="1" hangingPunct="1">
+                        <a:lnSpc>
+                          <a:spcPct val="110000"/>
+                        </a:lnSpc>
+                        <a:spcBef>
+                          <a:spcPct val="20000"/>
+                        </a:spcBef>
+                        <a:spcAft>
+                          <a:spcPct val="0"/>
                         </a:spcAft>
                         <a:buClrTx/>
                         <a:buSzTx/>
@@ -3434,244 +5463,39 @@
                         <a:tabLst/>
                         <a:defRPr/>
                       </a:pPr>
-                      <a:r>
-                        <a:rPr lang="en-US" altLang="ko-KR" sz="800" b="0" dirty="0">
-                          <a:solidFill>
-                            <a:schemeClr val="tx1"/>
-                          </a:solidFill>
-                          <a:latin typeface="+mn-ea"/>
-                          <a:ea typeface="+mn-ea"/>
-                          <a:sym typeface="맑은 고딕"/>
-                        </a:rPr>
-                        <a:t>Summery</a:t>
-                      </a:r>
-                      <a:r>
-                        <a:rPr lang="ko-KR" altLang="en-US" sz="800" b="0" dirty="0">
-                          <a:solidFill>
-                            <a:schemeClr val="tx1"/>
-                          </a:solidFill>
-                          <a:latin typeface="+mn-ea"/>
-                          <a:ea typeface="+mn-ea"/>
-                          <a:sym typeface="맑은 고딕"/>
-                        </a:rPr>
-                        <a:t>에는 해당 페이지와 관련된 요약사항을 정리해주세요</a:t>
-                      </a:r>
-                      <a:r>
-                        <a:rPr lang="en-US" altLang="ko-KR" sz="800" b="0" dirty="0">
-                          <a:solidFill>
-                            <a:schemeClr val="tx1"/>
-                          </a:solidFill>
-                          <a:latin typeface="+mn-ea"/>
-                          <a:ea typeface="+mn-ea"/>
-                          <a:sym typeface="맑은 고딕"/>
-                        </a:rPr>
-                        <a:t>.</a:t>
-                      </a:r>
-                    </a:p>
-                    <a:p>
-                      <a:pPr marL="108000" marR="0" lvl="0" indent="-108000" algn="just" defTabSz="914400" rtl="0" eaLnBrk="1" fontAlgn="auto" latinLnBrk="1" hangingPunct="1">
-                        <a:lnSpc>
-                          <a:spcPct val="120000"/>
-                        </a:lnSpc>
-                        <a:spcBef>
-                          <a:spcPts val="0"/>
-                        </a:spcBef>
-                        <a:spcAft>
-                          <a:spcPts val="0"/>
-                        </a:spcAft>
-                        <a:buClrTx/>
-                        <a:buSzTx/>
-                        <a:buFont typeface="Arial" panose="020B0604020202020204" pitchFamily="34" charset="0"/>
-                        <a:buChar char="•"/>
-                        <a:tabLst/>
-                        <a:defRPr/>
-                      </a:pPr>
-                      <a:r>
-                        <a:rPr lang="en-US" altLang="ko-KR" sz="800" b="0" dirty="0">
-                          <a:solidFill>
-                            <a:schemeClr val="tx1"/>
-                          </a:solidFill>
-                          <a:latin typeface="+mn-ea"/>
-                          <a:ea typeface="+mn-ea"/>
-                          <a:sym typeface="맑은 고딕"/>
-                        </a:rPr>
-                        <a:t>Content_#001</a:t>
-                      </a:r>
-                    </a:p>
-                    <a:p>
-                      <a:pPr marL="108000" marR="0" lvl="0" indent="-108000" algn="just" defTabSz="914400" rtl="0" eaLnBrk="1" fontAlgn="auto" latinLnBrk="1" hangingPunct="1">
-                        <a:lnSpc>
-                          <a:spcPct val="120000"/>
-                        </a:lnSpc>
-                        <a:spcBef>
-                          <a:spcPts val="0"/>
-                        </a:spcBef>
-                        <a:spcAft>
-                          <a:spcPts val="0"/>
-                        </a:spcAft>
-                        <a:buClrTx/>
-                        <a:buSzTx/>
-                        <a:buFont typeface="Arial" panose="020B0604020202020204" pitchFamily="34" charset="0"/>
-                        <a:buChar char="•"/>
-                        <a:tabLst/>
-                        <a:defRPr/>
-                      </a:pPr>
-                      <a:r>
-                        <a:rPr lang="en-US" altLang="ko-KR" sz="800" b="0" dirty="0">
-                          <a:solidFill>
-                            <a:schemeClr val="tx1"/>
-                          </a:solidFill>
-                          <a:latin typeface="+mn-ea"/>
-                          <a:ea typeface="+mn-ea"/>
-                          <a:sym typeface="맑은 고딕"/>
-                        </a:rPr>
-                        <a:t>Content_#002</a:t>
-                      </a:r>
-                    </a:p>
-                    <a:p>
-                      <a:pPr marL="108000" marR="0" lvl="0" indent="-108000" algn="just" defTabSz="914400" rtl="0" eaLnBrk="1" fontAlgn="auto" latinLnBrk="1" hangingPunct="1">
-                        <a:lnSpc>
-                          <a:spcPct val="120000"/>
-                        </a:lnSpc>
-                        <a:spcBef>
-                          <a:spcPts val="0"/>
-                        </a:spcBef>
-                        <a:spcAft>
-                          <a:spcPts val="0"/>
-                        </a:spcAft>
-                        <a:buClrTx/>
-                        <a:buSzTx/>
-                        <a:buFont typeface="Arial" panose="020B0604020202020204" pitchFamily="34" charset="0"/>
-                        <a:buChar char="•"/>
-                        <a:tabLst/>
-                        <a:defRPr/>
-                      </a:pPr>
-                      <a:r>
-                        <a:rPr lang="en-US" altLang="ko-KR" sz="800" b="0" dirty="0">
-                          <a:solidFill>
-                            <a:schemeClr val="tx1"/>
-                          </a:solidFill>
-                          <a:latin typeface="+mn-ea"/>
-                          <a:ea typeface="+mn-ea"/>
-                          <a:sym typeface="맑은 고딕"/>
-                        </a:rPr>
-                        <a:t>Content_#003</a:t>
-                      </a:r>
-                    </a:p>
-                  </a:txBody>
-                  <a:tcPr anchor="ctr">
-                    <a:lnL w="3175" cap="flat" cmpd="sng" algn="ctr">
-                      <a:noFill/>
-                      <a:prstDash val="solid"/>
-                      <a:round/>
-                      <a:headEnd type="none" w="med" len="med"/>
-                      <a:tailEnd type="none" w="med" len="med"/>
-                    </a:lnL>
-                    <a:lnR w="3175" cap="flat" cmpd="sng" algn="ctr">
-                      <a:noFill/>
-                      <a:prstDash val="solid"/>
-                      <a:round/>
-                      <a:headEnd type="none" w="med" len="med"/>
-                      <a:tailEnd type="none" w="med" len="med"/>
-                    </a:lnR>
-                    <a:lnT w="3175" cap="flat" cmpd="sng" algn="ctr">
-                      <a:solidFill>
-                        <a:schemeClr val="bg1">
-                          <a:lumMod val="65000"/>
-                        </a:schemeClr>
-                      </a:solidFill>
-                      <a:prstDash val="solid"/>
-                      <a:round/>
-                      <a:headEnd type="none" w="med" len="med"/>
-                      <a:tailEnd type="none" w="med" len="med"/>
-                    </a:lnT>
-                    <a:lnB w="3175" cap="flat" cmpd="sng" algn="ctr">
-                      <a:solidFill>
-                        <a:schemeClr val="tx1">
-                          <a:lumMod val="50000"/>
-                          <a:lumOff val="50000"/>
-                        </a:schemeClr>
-                      </a:solidFill>
-                      <a:prstDash val="solid"/>
-                      <a:round/>
-                      <a:headEnd type="none" w="med" len="med"/>
-                      <a:tailEnd type="none" w="med" len="med"/>
-                    </a:lnB>
-                    <a:noFill/>
-                  </a:tcPr>
-                </a:tc>
-                <a:tc hMerge="1">
-                  <a:txBody>
-                    <a:bodyPr/>
-                    <a:lstStyle/>
-                    <a:p>
-                      <a:pPr latinLnBrk="1"/>
-                      <a:endParaRPr lang="ko-KR" altLang="en-US"/>
-                    </a:p>
-                  </a:txBody>
-                  <a:tcPr/>
-                </a:tc>
-                <a:extLst>
-                  <a:ext uri="{0D108BD9-81ED-4DB2-BD59-A6C34878D82A}">
-                    <a16:rowId xmlns:a16="http://schemas.microsoft.com/office/drawing/2014/main" val="3072083066"/>
-                  </a:ext>
-                </a:extLst>
-              </a:tr>
-              <a:tr h="241592">
-                <a:tc>
-                  <a:txBody>
-                    <a:bodyPr/>
-                    <a:lstStyle/>
-                    <a:p>
-                      <a:pPr algn="ctr" latinLnBrk="1">
-                        <a:lnSpc>
-                          <a:spcPct val="120000"/>
-                        </a:lnSpc>
-                      </a:pPr>
-                      <a:r>
-                        <a:rPr lang="en-US" altLang="ko-KR" sz="850" b="0" dirty="0">
-                          <a:solidFill>
-                            <a:schemeClr val="tx1"/>
-                          </a:solidFill>
-                          <a:latin typeface="+mn-ea"/>
-                          <a:ea typeface="+mn-ea"/>
-                        </a:rPr>
-                        <a:t>1</a:t>
-                      </a:r>
-                      <a:endParaRPr lang="ko-KR" altLang="en-US" sz="850" b="0" dirty="0">
+                      <a:endParaRPr kumimoji="1" lang="en-US" altLang="ko-KR" sz="800" b="0" i="0" u="none" strike="noStrike" cap="none" normalizeH="0" baseline="0" dirty="0">
+                        <a:ln>
+                          <a:noFill/>
+                        </a:ln>
                         <a:solidFill>
-                          <a:schemeClr val="tx1"/>
+                          <a:srgbClr val="000000"/>
                         </a:solidFill>
-                        <a:latin typeface="+mn-ea"/>
+                        <a:effectLst/>
+                        <a:latin typeface="맑은 고딕" pitchFamily="50" charset="-127"/>
                         <a:ea typeface="+mn-ea"/>
+                        <a:sym typeface="Arial" charset="0"/>
                       </a:endParaRPr>
                     </a:p>
                   </a:txBody>
-                  <a:tcPr anchor="ctr">
-                    <a:lnL w="3175" cap="flat" cmpd="sng" algn="ctr">
+                  <a:tcPr marL="90000" marR="90000" marT="46800" marB="46800" anchor="ctr" horzOverflow="overflow">
+                    <a:lnL w="6350" cap="flat" cmpd="sng" algn="ctr">
                       <a:noFill/>
                       <a:prstDash val="solid"/>
                       <a:round/>
                       <a:headEnd type="none" w="med" len="med"/>
                       <a:tailEnd type="none" w="med" len="med"/>
                     </a:lnL>
-                    <a:lnR w="3175" cap="flat" cmpd="sng" algn="ctr">
-                      <a:solidFill>
-                        <a:schemeClr val="tx1">
-                          <a:lumMod val="50000"/>
-                          <a:lumOff val="50000"/>
-                        </a:schemeClr>
-                      </a:solidFill>
+                    <a:lnR w="6350" cap="flat" cmpd="sng" algn="ctr">
+                      <a:noFill/>
                       <a:prstDash val="solid"/>
                       <a:round/>
                       <a:headEnd type="none" w="med" len="med"/>
                       <a:tailEnd type="none" w="med" len="med"/>
                     </a:lnR>
-                    <a:lnT w="3175" cap="flat" cmpd="sng" algn="ctr">
-                      <a:solidFill>
-                        <a:schemeClr val="tx1">
-                          <a:lumMod val="50000"/>
-                          <a:lumOff val="50000"/>
+                    <a:lnT w="6350" cap="flat" cmpd="sng" algn="ctr">
+                      <a:solidFill>
+                        <a:schemeClr val="bg1">
+                          <a:lumMod val="75000"/>
                         </a:schemeClr>
                       </a:solidFill>
                       <a:prstDash val="solid"/>
@@ -3679,11 +5503,10 @@
                       <a:headEnd type="none" w="med" len="med"/>
                       <a:tailEnd type="none" w="med" len="med"/>
                     </a:lnT>
-                    <a:lnB w="3175" cap="flat" cmpd="sng" algn="ctr">
-                      <a:solidFill>
-                        <a:schemeClr val="tx1">
-                          <a:lumMod val="50000"/>
-                          <a:lumOff val="50000"/>
+                    <a:lnB w="6350" cap="flat" cmpd="sng" algn="ctr">
+                      <a:solidFill>
+                        <a:schemeClr val="bg1">
+                          <a:lumMod val="75000"/>
                         </a:schemeClr>
                       </a:solidFill>
                       <a:prstDash val="solid"/>
@@ -3691,6 +5514,12 @@
                       <a:headEnd type="none" w="med" len="med"/>
                       <a:tailEnd type="none" w="med" len="med"/>
                     </a:lnB>
+                    <a:lnTlToBr>
+                      <a:noFill/>
+                    </a:lnTlToBr>
+                    <a:lnBlToTr>
+                      <a:noFill/>
+                    </a:lnBlToTr>
                     <a:noFill/>
                   </a:tcPr>
                 </a:tc>
@@ -3699,42 +5528,61 @@
                     <a:bodyPr/>
                     <a:lstStyle/>
                     <a:p>
-                      <a:pPr algn="just" latinLnBrk="1">
+                      <a:pPr marL="0" marR="0" lvl="0" indent="0" algn="ctr" defTabSz="914400" rtl="0" eaLnBrk="0" fontAlgn="base" latinLnBrk="1" hangingPunct="0">
                         <a:lnSpc>
-                          <a:spcPct val="120000"/>
+                          <a:spcPct val="110000"/>
                         </a:lnSpc>
+                        <a:spcBef>
+                          <a:spcPct val="20000"/>
+                        </a:spcBef>
+                        <a:spcAft>
+                          <a:spcPct val="0"/>
+                        </a:spcAft>
+                        <a:buClrTx/>
+                        <a:buSzTx/>
+                        <a:buFont typeface="산돌고딕 L" pitchFamily="18" charset="-127"/>
+                        <a:buNone/>
+                        <a:tabLst/>
+                        <a:defRPr/>
                       </a:pPr>
-                      <a:endParaRPr lang="ko-KR" altLang="en-US" sz="850" b="0" dirty="0">
-                        <a:latin typeface="+mn-ea"/>
-                        <a:ea typeface="+mn-ea"/>
+                      <a:endParaRPr kumimoji="1" lang="ko-KR" altLang="en-US" sz="800" b="0" i="0" u="none" strike="noStrike" kern="1200" cap="none" spc="0" normalizeH="0" baseline="0" noProof="0" dirty="0">
+                        <a:ln>
+                          <a:noFill/>
+                        </a:ln>
+                        <a:solidFill>
+                          <a:prstClr val="black"/>
+                        </a:solidFill>
+                        <a:effectLst/>
+                        <a:uLnTx/>
+                        <a:uFillTx/>
+                        <a:latin typeface="맑은 고딕" pitchFamily="50" charset="-127"/>
+                        <a:ea typeface="맑은 고딕" pitchFamily="50" charset="-127"/>
+                        <a:cs typeface="+mn-cs"/>
+                        <a:sym typeface="Arial" charset="0"/>
                       </a:endParaRPr>
                     </a:p>
                   </a:txBody>
-                  <a:tcPr anchor="ctr">
-                    <a:lnL w="3175" cap="flat" cmpd="sng" algn="ctr">
-                      <a:solidFill>
-                        <a:schemeClr val="tx1">
-                          <a:lumMod val="50000"/>
-                          <a:lumOff val="50000"/>
-                        </a:schemeClr>
-                      </a:solidFill>
+                  <a:tcPr marL="90000" marR="90000" marT="46800" marB="46800" anchor="ctr" horzOverflow="overflow">
+                    <a:lnL w="6350" cap="flat" cmpd="sng" algn="ctr">
+                      <a:noFill/>
                       <a:prstDash val="solid"/>
                       <a:round/>
                       <a:headEnd type="none" w="med" len="med"/>
                       <a:tailEnd type="none" w="med" len="med"/>
                     </a:lnL>
-                    <a:lnR w="3175" cap="flat" cmpd="sng" algn="ctr">
-                      <a:noFill/>
+                    <a:lnR w="12700" cap="flat" cmpd="sng" algn="ctr">
+                      <a:solidFill>
+                        <a:srgbClr val="FFFFFF"/>
+                      </a:solidFill>
                       <a:prstDash val="solid"/>
                       <a:round/>
                       <a:headEnd type="none" w="med" len="med"/>
                       <a:tailEnd type="none" w="med" len="med"/>
                     </a:lnR>
-                    <a:lnT w="3175" cap="flat" cmpd="sng" algn="ctr">
-                      <a:solidFill>
-                        <a:schemeClr val="tx1">
-                          <a:lumMod val="50000"/>
-                          <a:lumOff val="50000"/>
+                    <a:lnT w="6350" cap="flat" cmpd="sng" algn="ctr">
+                      <a:solidFill>
+                        <a:schemeClr val="bg1">
+                          <a:lumMod val="75000"/>
                         </a:schemeClr>
                       </a:solidFill>
                       <a:prstDash val="solid"/>
@@ -3742,11 +5590,10 @@
                       <a:headEnd type="none" w="med" len="med"/>
                       <a:tailEnd type="none" w="med" len="med"/>
                     </a:lnT>
-                    <a:lnB w="3175" cap="flat" cmpd="sng" algn="ctr">
-                      <a:solidFill>
-                        <a:schemeClr val="tx1">
-                          <a:lumMod val="50000"/>
-                          <a:lumOff val="50000"/>
+                    <a:lnB w="6350" cap="flat" cmpd="sng" algn="ctr">
+                      <a:solidFill>
+                        <a:schemeClr val="bg1">
+                          <a:lumMod val="75000"/>
                         </a:schemeClr>
                       </a:solidFill>
                       <a:prstDash val="solid"/>
@@ -3754,64 +5601,78 @@
                       <a:headEnd type="none" w="med" len="med"/>
                       <a:tailEnd type="none" w="med" len="med"/>
                     </a:lnB>
+                    <a:lnTlToBr>
+                      <a:noFill/>
+                    </a:lnTlToBr>
+                    <a:lnBlToTr>
+                      <a:noFill/>
+                    </a:lnBlToTr>
                     <a:noFill/>
                   </a:tcPr>
                 </a:tc>
                 <a:extLst>
                   <a:ext uri="{0D108BD9-81ED-4DB2-BD59-A6C34878D82A}">
-                    <a16:rowId xmlns:a16="http://schemas.microsoft.com/office/drawing/2014/main" val="896699591"/>
+                    <a16:rowId xmlns:a16="http://schemas.microsoft.com/office/drawing/2014/main" val="10003"/>
                   </a:ext>
                 </a:extLst>
               </a:tr>
-              <a:tr h="241592">
+              <a:tr h="137754">
                 <a:tc>
                   <a:txBody>
                     <a:bodyPr/>
                     <a:lstStyle/>
                     <a:p>
-                      <a:pPr algn="ctr" latinLnBrk="1">
+                      <a:pPr marL="0" marR="0" lvl="0" indent="0" algn="ctr" defTabSz="914400" rtl="0" eaLnBrk="0" fontAlgn="base" latinLnBrk="1" hangingPunct="0">
                         <a:lnSpc>
-                          <a:spcPct val="120000"/>
+                          <a:spcPct val="110000"/>
                         </a:lnSpc>
+                        <a:spcBef>
+                          <a:spcPct val="20000"/>
+                        </a:spcBef>
+                        <a:spcAft>
+                          <a:spcPct val="0"/>
+                        </a:spcAft>
+                        <a:buClrTx/>
+                        <a:buSzTx/>
+                        <a:buFont typeface="산돌고딕 L" pitchFamily="18" charset="-127"/>
+                        <a:buNone/>
+                        <a:tabLst/>
                       </a:pPr>
-                      <a:r>
-                        <a:rPr lang="en-US" altLang="ko-KR" sz="850" b="0" dirty="0">
-                          <a:latin typeface="+mn-ea"/>
-                          <a:ea typeface="+mn-ea"/>
-                        </a:rPr>
-                        <a:t>2</a:t>
-                      </a:r>
-                      <a:endParaRPr lang="ko-KR" altLang="en-US" sz="850" b="0" dirty="0">
-                        <a:latin typeface="+mn-ea"/>
-                        <a:ea typeface="+mn-ea"/>
+                      <a:endParaRPr kumimoji="1" lang="en-US" altLang="ko-KR" sz="800" b="0" i="0" u="none" strike="noStrike" cap="none" normalizeH="0" baseline="0" dirty="0">
+                        <a:ln>
+                          <a:noFill/>
+                        </a:ln>
+                        <a:solidFill>
+                          <a:srgbClr val="000000"/>
+                        </a:solidFill>
+                        <a:effectLst/>
+                        <a:latin typeface="맑은 고딕" pitchFamily="50" charset="-127"/>
+                        <a:ea typeface="맑은 고딕" pitchFamily="50" charset="-127"/>
+                        <a:sym typeface="Arial" charset="0"/>
                       </a:endParaRPr>
                     </a:p>
                   </a:txBody>
-                  <a:tcPr anchor="ctr">
-                    <a:lnL w="3175" cap="flat" cmpd="sng" algn="ctr">
-                      <a:noFill/>
+                  <a:tcPr marL="90000" marR="90000" marT="46800" marB="46800" anchor="ctr" horzOverflow="overflow">
+                    <a:lnL w="12700" cap="flat" cmpd="sng" algn="ctr">
+                      <a:solidFill>
+                        <a:srgbClr val="FFFFFF"/>
+                      </a:solidFill>
                       <a:prstDash val="solid"/>
                       <a:round/>
                       <a:headEnd type="none" w="med" len="med"/>
                       <a:tailEnd type="none" w="med" len="med"/>
                     </a:lnL>
-                    <a:lnR w="3175" cap="flat" cmpd="sng" algn="ctr">
-                      <a:solidFill>
-                        <a:schemeClr val="tx1">
-                          <a:lumMod val="50000"/>
-                          <a:lumOff val="50000"/>
-                        </a:schemeClr>
-                      </a:solidFill>
+                    <a:lnR w="6350" cap="flat" cmpd="sng" algn="ctr">
+                      <a:noFill/>
                       <a:prstDash val="solid"/>
                       <a:round/>
                       <a:headEnd type="none" w="med" len="med"/>
                       <a:tailEnd type="none" w="med" len="med"/>
                     </a:lnR>
-                    <a:lnT w="3175" cap="flat" cmpd="sng" algn="ctr">
-                      <a:solidFill>
-                        <a:schemeClr val="tx1">
-                          <a:lumMod val="50000"/>
-                          <a:lumOff val="50000"/>
+                    <a:lnT w="6350" cap="flat" cmpd="sng" algn="ctr">
+                      <a:solidFill>
+                        <a:schemeClr val="bg1">
+                          <a:lumMod val="75000"/>
                         </a:schemeClr>
                       </a:solidFill>
                       <a:prstDash val="solid"/>
@@ -3819,11 +5680,10 @@
                       <a:headEnd type="none" w="med" len="med"/>
                       <a:tailEnd type="none" w="med" len="med"/>
                     </a:lnT>
-                    <a:lnB w="3175" cap="flat" cmpd="sng" algn="ctr">
-                      <a:solidFill>
-                        <a:schemeClr val="tx1">
-                          <a:lumMod val="50000"/>
-                          <a:lumOff val="50000"/>
+                    <a:lnB w="6350" cap="flat" cmpd="sng" algn="ctr">
+                      <a:solidFill>
+                        <a:schemeClr val="bg1">
+                          <a:lumMod val="75000"/>
                         </a:schemeClr>
                       </a:solidFill>
                       <a:prstDash val="solid"/>
@@ -3831,6 +5691,12 @@
                       <a:headEnd type="none" w="med" len="med"/>
                       <a:tailEnd type="none" w="med" len="med"/>
                     </a:lnB>
+                    <a:lnTlToBr>
+                      <a:noFill/>
+                    </a:lnTlToBr>
+                    <a:lnBlToTr>
+                      <a:noFill/>
+                    </a:lnBlToTr>
                     <a:noFill/>
                   </a:tcPr>
                 </a:tc>
@@ -3839,56 +5705,55 @@
                     <a:bodyPr/>
                     <a:lstStyle/>
                     <a:p>
-                      <a:pPr marL="0" marR="0" lvl="0" indent="0" algn="just" defTabSz="914400" rtl="0" eaLnBrk="1" fontAlgn="auto" latinLnBrk="1" hangingPunct="1">
+                      <a:pPr marL="0" marR="0" lvl="0" indent="0" algn="ctr" defTabSz="914400" rtl="0" eaLnBrk="0" fontAlgn="base" latinLnBrk="1" hangingPunct="0">
                         <a:lnSpc>
-                          <a:spcPct val="120000"/>
+                          <a:spcPct val="110000"/>
                         </a:lnSpc>
                         <a:spcBef>
-                          <a:spcPts val="0"/>
+                          <a:spcPct val="20000"/>
                         </a:spcBef>
                         <a:spcAft>
-                          <a:spcPts val="0"/>
+                          <a:spcPct val="0"/>
                         </a:spcAft>
                         <a:buClrTx/>
                         <a:buSzTx/>
-                        <a:buFontTx/>
+                        <a:buFont typeface="산돌고딕 L" pitchFamily="18" charset="-127"/>
                         <a:buNone/>
                         <a:tabLst/>
-                        <a:defRPr/>
                       </a:pPr>
-                      <a:endParaRPr kumimoji="1" lang="ko-KR" altLang="en-US" sz="850" dirty="0">
+                      <a:endParaRPr kumimoji="1" lang="en-US" altLang="ko-KR" sz="800" b="0" i="0" u="none" strike="noStrike" cap="none" normalizeH="0" baseline="0" dirty="0">
+                        <a:ln>
+                          <a:noFill/>
+                        </a:ln>
                         <a:solidFill>
-                          <a:schemeClr val="tx1"/>
+                          <a:srgbClr val="000000"/>
                         </a:solidFill>
-                        <a:latin typeface="+mn-ea"/>
+                        <a:effectLst/>
+                        <a:latin typeface="맑은 고딕" pitchFamily="50" charset="-127"/>
+                        <a:ea typeface="맑은 고딕" pitchFamily="50" charset="-127"/>
+                        <a:sym typeface="Arial" charset="0"/>
                       </a:endParaRPr>
                     </a:p>
                   </a:txBody>
-                  <a:tcPr anchor="ctr">
-                    <a:lnL w="3175" cap="flat" cmpd="sng" algn="ctr">
-                      <a:solidFill>
-                        <a:schemeClr val="tx1">
-                          <a:lumMod val="50000"/>
-                          <a:lumOff val="50000"/>
-                        </a:schemeClr>
-                      </a:solidFill>
+                  <a:tcPr marL="90000" marR="90000" marT="46800" marB="46800" anchor="ctr" horzOverflow="overflow">
+                    <a:lnL w="6350" cap="flat" cmpd="sng" algn="ctr">
+                      <a:noFill/>
                       <a:prstDash val="solid"/>
                       <a:round/>
                       <a:headEnd type="none" w="med" len="med"/>
                       <a:tailEnd type="none" w="med" len="med"/>
                     </a:lnL>
-                    <a:lnR w="3175" cap="flat" cmpd="sng" algn="ctr">
+                    <a:lnR w="6350" cap="flat" cmpd="sng" algn="ctr">
                       <a:noFill/>
                       <a:prstDash val="solid"/>
                       <a:round/>
                       <a:headEnd type="none" w="med" len="med"/>
                       <a:tailEnd type="none" w="med" len="med"/>
                     </a:lnR>
-                    <a:lnT w="3175" cap="flat" cmpd="sng" algn="ctr">
-                      <a:solidFill>
-                        <a:schemeClr val="tx1">
-                          <a:lumMod val="50000"/>
-                          <a:lumOff val="50000"/>
+                    <a:lnT w="6350" cap="flat" cmpd="sng" algn="ctr">
+                      <a:solidFill>
+                        <a:schemeClr val="bg1">
+                          <a:lumMod val="75000"/>
                         </a:schemeClr>
                       </a:solidFill>
                       <a:prstDash val="solid"/>
@@ -3896,11 +5761,10 @@
                       <a:headEnd type="none" w="med" len="med"/>
                       <a:tailEnd type="none" w="med" len="med"/>
                     </a:lnT>
-                    <a:lnB w="3175" cap="flat" cmpd="sng" algn="ctr">
-                      <a:solidFill>
-                        <a:schemeClr val="tx1">
-                          <a:lumMod val="50000"/>
-                          <a:lumOff val="50000"/>
+                    <a:lnB w="6350" cap="flat" cmpd="sng" algn="ctr">
+                      <a:solidFill>
+                        <a:schemeClr val="bg1">
+                          <a:lumMod val="75000"/>
                         </a:schemeClr>
                       </a:solidFill>
                       <a:prstDash val="solid"/>
@@ -3908,83 +5772,12 @@
                       <a:headEnd type="none" w="med" len="med"/>
                       <a:tailEnd type="none" w="med" len="med"/>
                     </a:lnB>
-                    <a:noFill/>
-                  </a:tcPr>
-                </a:tc>
-                <a:extLst>
-                  <a:ext uri="{0D108BD9-81ED-4DB2-BD59-A6C34878D82A}">
-                    <a16:rowId xmlns:a16="http://schemas.microsoft.com/office/drawing/2014/main" val="2972133637"/>
-                  </a:ext>
-                </a:extLst>
-              </a:tr>
-              <a:tr h="241592">
-                <a:tc>
-                  <a:txBody>
-                    <a:bodyPr/>
-                    <a:lstStyle/>
-                    <a:p>
-                      <a:pPr algn="ctr" latinLnBrk="1">
-                        <a:lnSpc>
-                          <a:spcPct val="120000"/>
-                        </a:lnSpc>
-                      </a:pPr>
-                      <a:r>
-                        <a:rPr lang="en-US" altLang="ko-KR" sz="850" b="0" dirty="0">
-                          <a:latin typeface="+mn-ea"/>
-                          <a:ea typeface="+mn-ea"/>
-                        </a:rPr>
-                        <a:t>3</a:t>
-                      </a:r>
-                      <a:endParaRPr lang="ko-KR" altLang="en-US" sz="850" b="0" dirty="0">
-                        <a:latin typeface="+mn-ea"/>
-                        <a:ea typeface="+mn-ea"/>
-                      </a:endParaRPr>
-                    </a:p>
-                  </a:txBody>
-                  <a:tcPr anchor="ctr">
-                    <a:lnL w="3175" cap="flat" cmpd="sng" algn="ctr">
-                      <a:noFill/>
-                      <a:prstDash val="solid"/>
-                      <a:round/>
-                      <a:headEnd type="none" w="med" len="med"/>
-                      <a:tailEnd type="none" w="med" len="med"/>
-                    </a:lnL>
-                    <a:lnR w="3175" cap="flat" cmpd="sng" algn="ctr">
-                      <a:solidFill>
-                        <a:schemeClr val="tx1">
-                          <a:lumMod val="50000"/>
-                          <a:lumOff val="50000"/>
-                        </a:schemeClr>
-                      </a:solidFill>
-                      <a:prstDash val="solid"/>
-                      <a:round/>
-                      <a:headEnd type="none" w="med" len="med"/>
-                      <a:tailEnd type="none" w="med" len="med"/>
-                    </a:lnR>
-                    <a:lnT w="3175" cap="flat" cmpd="sng" algn="ctr">
-                      <a:solidFill>
-                        <a:schemeClr val="tx1">
-                          <a:lumMod val="50000"/>
-                          <a:lumOff val="50000"/>
-                        </a:schemeClr>
-                      </a:solidFill>
-                      <a:prstDash val="solid"/>
-                      <a:round/>
-                      <a:headEnd type="none" w="med" len="med"/>
-                      <a:tailEnd type="none" w="med" len="med"/>
-                    </a:lnT>
-                    <a:lnB w="3175" cap="flat" cmpd="sng" algn="ctr">
-                      <a:solidFill>
-                        <a:schemeClr val="tx1">
-                          <a:lumMod val="50000"/>
-                          <a:lumOff val="50000"/>
-                        </a:schemeClr>
-                      </a:solidFill>
-                      <a:prstDash val="solid"/>
-                      <a:round/>
-                      <a:headEnd type="none" w="med" len="med"/>
-                      <a:tailEnd type="none" w="med" len="med"/>
-                    </a:lnB>
+                    <a:lnTlToBr>
+                      <a:noFill/>
+                    </a:lnTlToBr>
+                    <a:lnBlToTr>
+                      <a:noFill/>
+                    </a:lnBlToTr>
                     <a:noFill/>
                   </a:tcPr>
                 </a:tc>
@@ -3993,42 +5786,56 @@
                     <a:bodyPr/>
                     <a:lstStyle/>
                     <a:p>
-                      <a:pPr algn="just" latinLnBrk="1">
+                      <a:pPr marL="257175" marR="0" lvl="0" indent="-171450" algn="l" defTabSz="914400" rtl="0" eaLnBrk="1" fontAlgn="base" latinLnBrk="1" hangingPunct="1">
                         <a:lnSpc>
-                          <a:spcPct val="120000"/>
+                          <a:spcPct val="110000"/>
                         </a:lnSpc>
+                        <a:spcBef>
+                          <a:spcPct val="20000"/>
+                        </a:spcBef>
+                        <a:spcAft>
+                          <a:spcPct val="0"/>
+                        </a:spcAft>
+                        <a:buClrTx/>
+                        <a:buSzTx/>
+                        <a:buFont typeface="Arial" pitchFamily="34" charset="0"/>
+                        <a:buChar char="•"/>
+                        <a:tabLst/>
+                        <a:defRPr/>
                       </a:pPr>
-                      <a:endParaRPr lang="ko-KR" altLang="en-US" sz="850" b="0" dirty="0">
-                        <a:latin typeface="+mn-ea"/>
+                      <a:endParaRPr kumimoji="1" lang="en-US" altLang="ko-KR" sz="800" b="0" i="0" u="none" strike="noStrike" cap="none" normalizeH="0" baseline="0" dirty="0">
+                        <a:ln>
+                          <a:noFill/>
+                        </a:ln>
+                        <a:solidFill>
+                          <a:srgbClr val="000000"/>
+                        </a:solidFill>
+                        <a:effectLst/>
+                        <a:latin typeface="맑은 고딕" pitchFamily="50" charset="-127"/>
                         <a:ea typeface="+mn-ea"/>
+                        <a:sym typeface="Arial" charset="0"/>
                       </a:endParaRPr>
                     </a:p>
                   </a:txBody>
-                  <a:tcPr anchor="ctr">
-                    <a:lnL w="3175" cap="flat" cmpd="sng" algn="ctr">
-                      <a:solidFill>
-                        <a:schemeClr val="tx1">
-                          <a:lumMod val="50000"/>
-                          <a:lumOff val="50000"/>
-                        </a:schemeClr>
-                      </a:solidFill>
+                  <a:tcPr marL="90000" marR="90000" marT="46800" marB="46800" anchor="ctr" horzOverflow="overflow">
+                    <a:lnL w="6350" cap="flat" cmpd="sng" algn="ctr">
+                      <a:noFill/>
                       <a:prstDash val="solid"/>
                       <a:round/>
                       <a:headEnd type="none" w="med" len="med"/>
                       <a:tailEnd type="none" w="med" len="med"/>
                     </a:lnL>
-                    <a:lnR w="3175" cap="flat" cmpd="sng" algn="ctr">
+                    <a:lnR w="6350" cap="flat" cmpd="sng" algn="ctr">
                       <a:noFill/>
                       <a:prstDash val="solid"/>
                       <a:round/>
                       <a:headEnd type="none" w="med" len="med"/>
                       <a:tailEnd type="none" w="med" len="med"/>
                     </a:lnR>
-                    <a:lnT w="3175" cap="flat" cmpd="sng" algn="ctr">
-                      <a:solidFill>
-                        <a:schemeClr val="tx1">
-                          <a:lumMod val="50000"/>
-                          <a:lumOff val="50000"/>
+                    <a:lnT w="6350" cap="flat" cmpd="sng" algn="ctr">
+                      <a:solidFill>
+                        <a:schemeClr val="bg1">
+                          <a:lumMod val="75000"/>
                         </a:schemeClr>
                       </a:solidFill>
                       <a:prstDash val="solid"/>
@@ -4036,11 +5843,10 @@
                       <a:headEnd type="none" w="med" len="med"/>
                       <a:tailEnd type="none" w="med" len="med"/>
                     </a:lnT>
-                    <a:lnB w="3175" cap="flat" cmpd="sng" algn="ctr">
-                      <a:solidFill>
-                        <a:schemeClr val="tx1">
-                          <a:lumMod val="50000"/>
-                          <a:lumOff val="50000"/>
+                    <a:lnB w="6350" cap="flat" cmpd="sng" algn="ctr">
+                      <a:solidFill>
+                        <a:schemeClr val="bg1">
+                          <a:lumMod val="75000"/>
                         </a:schemeClr>
                       </a:solidFill>
                       <a:prstDash val="solid"/>
@@ -4048,83 +5854,12 @@
                       <a:headEnd type="none" w="med" len="med"/>
                       <a:tailEnd type="none" w="med" len="med"/>
                     </a:lnB>
-                    <a:noFill/>
-                  </a:tcPr>
-                </a:tc>
-                <a:extLst>
-                  <a:ext uri="{0D108BD9-81ED-4DB2-BD59-A6C34878D82A}">
-                    <a16:rowId xmlns:a16="http://schemas.microsoft.com/office/drawing/2014/main" val="2075783758"/>
-                  </a:ext>
-                </a:extLst>
-              </a:tr>
-              <a:tr h="241592">
-                <a:tc>
-                  <a:txBody>
-                    <a:bodyPr/>
-                    <a:lstStyle/>
-                    <a:p>
-                      <a:pPr algn="ctr" latinLnBrk="1">
-                        <a:lnSpc>
-                          <a:spcPct val="120000"/>
-                        </a:lnSpc>
-                      </a:pPr>
-                      <a:r>
-                        <a:rPr lang="en-US" altLang="ko-KR" sz="850" b="0" dirty="0">
-                          <a:latin typeface="+mn-ea"/>
-                          <a:ea typeface="+mn-ea"/>
-                        </a:rPr>
-                        <a:t>4</a:t>
-                      </a:r>
-                      <a:endParaRPr lang="ko-KR" altLang="en-US" sz="850" b="0" dirty="0">
-                        <a:latin typeface="+mn-ea"/>
-                        <a:ea typeface="+mn-ea"/>
-                      </a:endParaRPr>
-                    </a:p>
-                  </a:txBody>
-                  <a:tcPr anchor="ctr">
-                    <a:lnL w="3175" cap="flat" cmpd="sng" algn="ctr">
-                      <a:noFill/>
-                      <a:prstDash val="solid"/>
-                      <a:round/>
-                      <a:headEnd type="none" w="med" len="med"/>
-                      <a:tailEnd type="none" w="med" len="med"/>
-                    </a:lnL>
-                    <a:lnR w="3175" cap="flat" cmpd="sng" algn="ctr">
-                      <a:solidFill>
-                        <a:schemeClr val="tx1">
-                          <a:lumMod val="50000"/>
-                          <a:lumOff val="50000"/>
-                        </a:schemeClr>
-                      </a:solidFill>
-                      <a:prstDash val="solid"/>
-                      <a:round/>
-                      <a:headEnd type="none" w="med" len="med"/>
-                      <a:tailEnd type="none" w="med" len="med"/>
-                    </a:lnR>
-                    <a:lnT w="3175" cap="flat" cmpd="sng" algn="ctr">
-                      <a:solidFill>
-                        <a:schemeClr val="tx1">
-                          <a:lumMod val="50000"/>
-                          <a:lumOff val="50000"/>
-                        </a:schemeClr>
-                      </a:solidFill>
-                      <a:prstDash val="solid"/>
-                      <a:round/>
-                      <a:headEnd type="none" w="med" len="med"/>
-                      <a:tailEnd type="none" w="med" len="med"/>
-                    </a:lnT>
-                    <a:lnB w="3175" cap="flat" cmpd="sng" algn="ctr">
-                      <a:solidFill>
-                        <a:schemeClr val="tx1">
-                          <a:lumMod val="50000"/>
-                          <a:lumOff val="50000"/>
-                        </a:schemeClr>
-                      </a:solidFill>
-                      <a:prstDash val="solid"/>
-                      <a:round/>
-                      <a:headEnd type="none" w="med" len="med"/>
-                      <a:tailEnd type="none" w="med" len="med"/>
-                    </a:lnB>
+                    <a:lnTlToBr>
+                      <a:noFill/>
+                    </a:lnTlToBr>
+                    <a:lnBlToTr>
+                      <a:noFill/>
+                    </a:lnBlToTr>
                     <a:noFill/>
                   </a:tcPr>
                 </a:tc>
@@ -4133,56 +5868,61 @@
                     <a:bodyPr/>
                     <a:lstStyle/>
                     <a:p>
-                      <a:pPr marL="0" marR="0" lvl="0" indent="0" algn="just" defTabSz="914400" rtl="0" eaLnBrk="1" fontAlgn="auto" latinLnBrk="1" hangingPunct="1">
+                      <a:pPr marL="0" marR="0" lvl="0" indent="0" algn="ctr" defTabSz="914400" rtl="0" eaLnBrk="0" fontAlgn="base" latinLnBrk="1" hangingPunct="0">
                         <a:lnSpc>
-                          <a:spcPct val="120000"/>
+                          <a:spcPct val="110000"/>
                         </a:lnSpc>
                         <a:spcBef>
-                          <a:spcPts val="0"/>
+                          <a:spcPct val="20000"/>
                         </a:spcBef>
                         <a:spcAft>
-                          <a:spcPts val="0"/>
+                          <a:spcPct val="0"/>
                         </a:spcAft>
                         <a:buClrTx/>
                         <a:buSzTx/>
-                        <a:buFontTx/>
+                        <a:buFont typeface="산돌고딕 L" pitchFamily="18" charset="-127"/>
                         <a:buNone/>
                         <a:tabLst/>
                         <a:defRPr/>
                       </a:pPr>
-                      <a:endParaRPr kumimoji="1" lang="ko-KR" altLang="en-US" sz="850" dirty="0">
+                      <a:endParaRPr kumimoji="1" lang="ko-KR" altLang="en-US" sz="800" b="0" i="0" u="none" strike="noStrike" kern="1200" cap="none" spc="0" normalizeH="0" baseline="0" noProof="0" dirty="0">
+                        <a:ln>
+                          <a:noFill/>
+                        </a:ln>
                         <a:solidFill>
-                          <a:schemeClr val="tx1"/>
+                          <a:prstClr val="black"/>
                         </a:solidFill>
-                        <a:latin typeface="+mn-ea"/>
+                        <a:effectLst/>
+                        <a:uLnTx/>
+                        <a:uFillTx/>
+                        <a:latin typeface="맑은 고딕" pitchFamily="50" charset="-127"/>
+                        <a:ea typeface="맑은 고딕" pitchFamily="50" charset="-127"/>
+                        <a:cs typeface="+mn-cs"/>
+                        <a:sym typeface="Arial" charset="0"/>
                       </a:endParaRPr>
                     </a:p>
                   </a:txBody>
-                  <a:tcPr anchor="ctr">
-                    <a:lnL w="3175" cap="flat" cmpd="sng" algn="ctr">
-                      <a:solidFill>
-                        <a:schemeClr val="tx1">
-                          <a:lumMod val="50000"/>
-                          <a:lumOff val="50000"/>
-                        </a:schemeClr>
-                      </a:solidFill>
+                  <a:tcPr marL="90000" marR="90000" marT="46800" marB="46800" anchor="ctr" horzOverflow="overflow">
+                    <a:lnL w="6350" cap="flat" cmpd="sng" algn="ctr">
+                      <a:noFill/>
                       <a:prstDash val="solid"/>
                       <a:round/>
                       <a:headEnd type="none" w="med" len="med"/>
                       <a:tailEnd type="none" w="med" len="med"/>
                     </a:lnL>
-                    <a:lnR w="3175" cap="flat" cmpd="sng" algn="ctr">
-                      <a:noFill/>
+                    <a:lnR w="12700" cap="flat" cmpd="sng" algn="ctr">
+                      <a:solidFill>
+                        <a:srgbClr val="FFFFFF"/>
+                      </a:solidFill>
                       <a:prstDash val="solid"/>
                       <a:round/>
                       <a:headEnd type="none" w="med" len="med"/>
                       <a:tailEnd type="none" w="med" len="med"/>
                     </a:lnR>
-                    <a:lnT w="3175" cap="flat" cmpd="sng" algn="ctr">
-                      <a:solidFill>
-                        <a:schemeClr val="tx1">
-                          <a:lumMod val="50000"/>
-                          <a:lumOff val="50000"/>
+                    <a:lnT w="6350" cap="flat" cmpd="sng" algn="ctr">
+                      <a:solidFill>
+                        <a:schemeClr val="bg1">
+                          <a:lumMod val="75000"/>
                         </a:schemeClr>
                       </a:solidFill>
                       <a:prstDash val="solid"/>
@@ -4190,11 +5930,10 @@
                       <a:headEnd type="none" w="med" len="med"/>
                       <a:tailEnd type="none" w="med" len="med"/>
                     </a:lnT>
-                    <a:lnB w="3175" cap="flat" cmpd="sng" algn="ctr">
-                      <a:solidFill>
-                        <a:schemeClr val="tx1">
-                          <a:lumMod val="50000"/>
-                          <a:lumOff val="50000"/>
+                    <a:lnB w="6350" cap="flat" cmpd="sng" algn="ctr">
+                      <a:solidFill>
+                        <a:schemeClr val="bg1">
+                          <a:lumMod val="75000"/>
                         </a:schemeClr>
                       </a:solidFill>
                       <a:prstDash val="solid"/>
@@ -4202,64 +5941,78 @@
                       <a:headEnd type="none" w="med" len="med"/>
                       <a:tailEnd type="none" w="med" len="med"/>
                     </a:lnB>
+                    <a:lnTlToBr>
+                      <a:noFill/>
+                    </a:lnTlToBr>
+                    <a:lnBlToTr>
+                      <a:noFill/>
+                    </a:lnBlToTr>
                     <a:noFill/>
                   </a:tcPr>
                 </a:tc>
                 <a:extLst>
                   <a:ext uri="{0D108BD9-81ED-4DB2-BD59-A6C34878D82A}">
-                    <a16:rowId xmlns:a16="http://schemas.microsoft.com/office/drawing/2014/main" val="1068123190"/>
+                    <a16:rowId xmlns:a16="http://schemas.microsoft.com/office/drawing/2014/main" val="2716601120"/>
                   </a:ext>
                 </a:extLst>
               </a:tr>
-              <a:tr h="241592">
+              <a:tr h="137754">
                 <a:tc>
                   <a:txBody>
                     <a:bodyPr/>
                     <a:lstStyle/>
                     <a:p>
-                      <a:pPr algn="ctr" latinLnBrk="1">
+                      <a:pPr marL="0" marR="0" lvl="0" indent="0" algn="ctr" defTabSz="914400" rtl="0" eaLnBrk="0" fontAlgn="base" latinLnBrk="1" hangingPunct="0">
                         <a:lnSpc>
-                          <a:spcPct val="120000"/>
+                          <a:spcPct val="110000"/>
                         </a:lnSpc>
+                        <a:spcBef>
+                          <a:spcPct val="20000"/>
+                        </a:spcBef>
+                        <a:spcAft>
+                          <a:spcPct val="0"/>
+                        </a:spcAft>
+                        <a:buClrTx/>
+                        <a:buSzTx/>
+                        <a:buFont typeface="산돌고딕 L" pitchFamily="18" charset="-127"/>
+                        <a:buNone/>
+                        <a:tabLst/>
                       </a:pPr>
-                      <a:r>
-                        <a:rPr lang="en-US" altLang="ko-KR" sz="850" b="0" dirty="0">
-                          <a:latin typeface="+mn-ea"/>
-                          <a:ea typeface="+mn-ea"/>
-                        </a:rPr>
-                        <a:t>5</a:t>
-                      </a:r>
-                      <a:endParaRPr lang="ko-KR" altLang="en-US" sz="850" b="0" dirty="0">
-                        <a:latin typeface="+mn-ea"/>
-                        <a:ea typeface="+mn-ea"/>
+                      <a:endParaRPr kumimoji="1" lang="en-US" altLang="ko-KR" sz="800" b="0" i="0" u="none" strike="noStrike" cap="none" normalizeH="0" baseline="0" dirty="0">
+                        <a:ln>
+                          <a:noFill/>
+                        </a:ln>
+                        <a:solidFill>
+                          <a:srgbClr val="000000"/>
+                        </a:solidFill>
+                        <a:effectLst/>
+                        <a:latin typeface="맑은 고딕" pitchFamily="50" charset="-127"/>
+                        <a:ea typeface="맑은 고딕" pitchFamily="50" charset="-127"/>
+                        <a:sym typeface="Arial" charset="0"/>
                       </a:endParaRPr>
                     </a:p>
                   </a:txBody>
-                  <a:tcPr anchor="ctr">
-                    <a:lnL w="3175" cap="flat" cmpd="sng" algn="ctr">
-                      <a:noFill/>
+                  <a:tcPr marL="90000" marR="90000" marT="46800" marB="46800" anchor="ctr" horzOverflow="overflow">
+                    <a:lnL w="12700" cap="flat" cmpd="sng" algn="ctr">
+                      <a:solidFill>
+                        <a:srgbClr val="FFFFFF"/>
+                      </a:solidFill>
                       <a:prstDash val="solid"/>
                       <a:round/>
                       <a:headEnd type="none" w="med" len="med"/>
                       <a:tailEnd type="none" w="med" len="med"/>
                     </a:lnL>
-                    <a:lnR w="3175" cap="flat" cmpd="sng" algn="ctr">
-                      <a:solidFill>
-                        <a:schemeClr val="tx1">
-                          <a:lumMod val="50000"/>
-                          <a:lumOff val="50000"/>
-                        </a:schemeClr>
-                      </a:solidFill>
+                    <a:lnR w="6350" cap="flat" cmpd="sng" algn="ctr">
+                      <a:noFill/>
                       <a:prstDash val="solid"/>
                       <a:round/>
                       <a:headEnd type="none" w="med" len="med"/>
                       <a:tailEnd type="none" w="med" len="med"/>
                     </a:lnR>
-                    <a:lnT w="3175" cap="flat" cmpd="sng" algn="ctr">
-                      <a:solidFill>
-                        <a:schemeClr val="tx1">
-                          <a:lumMod val="50000"/>
-                          <a:lumOff val="50000"/>
+                    <a:lnT w="6350" cap="flat" cmpd="sng" algn="ctr">
+                      <a:solidFill>
+                        <a:schemeClr val="bg1">
+                          <a:lumMod val="75000"/>
                         </a:schemeClr>
                       </a:solidFill>
                       <a:prstDash val="solid"/>
@@ -4267,11 +6020,10 @@
                       <a:headEnd type="none" w="med" len="med"/>
                       <a:tailEnd type="none" w="med" len="med"/>
                     </a:lnT>
-                    <a:lnB w="3175" cap="flat" cmpd="sng" algn="ctr">
-                      <a:solidFill>
-                        <a:schemeClr val="tx1">
-                          <a:lumMod val="50000"/>
-                          <a:lumOff val="50000"/>
+                    <a:lnB w="6350" cap="flat" cmpd="sng" algn="ctr">
+                      <a:solidFill>
+                        <a:schemeClr val="bg1">
+                          <a:lumMod val="75000"/>
                         </a:schemeClr>
                       </a:solidFill>
                       <a:prstDash val="solid"/>
@@ -4279,6 +6031,12 @@
                       <a:headEnd type="none" w="med" len="med"/>
                       <a:tailEnd type="none" w="med" len="med"/>
                     </a:lnB>
+                    <a:lnTlToBr>
+                      <a:noFill/>
+                    </a:lnTlToBr>
+                    <a:lnBlToTr>
+                      <a:noFill/>
+                    </a:lnBlToTr>
                     <a:noFill/>
                   </a:tcPr>
                 </a:tc>
@@ -4287,42 +6045,55 @@
                     <a:bodyPr/>
                     <a:lstStyle/>
                     <a:p>
-                      <a:pPr algn="just" latinLnBrk="1">
+                      <a:pPr marL="0" marR="0" lvl="0" indent="0" algn="ctr" defTabSz="914400" rtl="0" eaLnBrk="0" fontAlgn="base" latinLnBrk="1" hangingPunct="0">
                         <a:lnSpc>
-                          <a:spcPct val="120000"/>
+                          <a:spcPct val="110000"/>
                         </a:lnSpc>
+                        <a:spcBef>
+                          <a:spcPct val="20000"/>
+                        </a:spcBef>
+                        <a:spcAft>
+                          <a:spcPct val="0"/>
+                        </a:spcAft>
+                        <a:buClrTx/>
+                        <a:buSzTx/>
+                        <a:buFont typeface="산돌고딕 L" pitchFamily="18" charset="-127"/>
+                        <a:buNone/>
+                        <a:tabLst/>
                       </a:pPr>
-                      <a:endParaRPr lang="ko-KR" altLang="en-US" sz="850" b="0" dirty="0">
-                        <a:latin typeface="+mn-ea"/>
-                        <a:ea typeface="+mn-ea"/>
+                      <a:endParaRPr kumimoji="1" lang="en-US" altLang="ko-KR" sz="800" b="0" i="0" u="none" strike="noStrike" cap="none" normalizeH="0" baseline="0" dirty="0">
+                        <a:ln>
+                          <a:noFill/>
+                        </a:ln>
+                        <a:solidFill>
+                          <a:srgbClr val="000000"/>
+                        </a:solidFill>
+                        <a:effectLst/>
+                        <a:latin typeface="맑은 고딕" pitchFamily="50" charset="-127"/>
+                        <a:ea typeface="맑은 고딕" pitchFamily="50" charset="-127"/>
+                        <a:sym typeface="Arial" charset="0"/>
                       </a:endParaRPr>
                     </a:p>
                   </a:txBody>
-                  <a:tcPr anchor="ctr">
-                    <a:lnL w="3175" cap="flat" cmpd="sng" algn="ctr">
-                      <a:solidFill>
-                        <a:schemeClr val="tx1">
-                          <a:lumMod val="50000"/>
-                          <a:lumOff val="50000"/>
-                        </a:schemeClr>
-                      </a:solidFill>
+                  <a:tcPr marL="90000" marR="90000" marT="46800" marB="46800" anchor="ctr" horzOverflow="overflow">
+                    <a:lnL w="6350" cap="flat" cmpd="sng" algn="ctr">
+                      <a:noFill/>
                       <a:prstDash val="solid"/>
                       <a:round/>
                       <a:headEnd type="none" w="med" len="med"/>
                       <a:tailEnd type="none" w="med" len="med"/>
                     </a:lnL>
-                    <a:lnR w="3175" cap="flat" cmpd="sng" algn="ctr">
+                    <a:lnR w="6350" cap="flat" cmpd="sng" algn="ctr">
                       <a:noFill/>
                       <a:prstDash val="solid"/>
                       <a:round/>
                       <a:headEnd type="none" w="med" len="med"/>
                       <a:tailEnd type="none" w="med" len="med"/>
                     </a:lnR>
-                    <a:lnT w="3175" cap="flat" cmpd="sng" algn="ctr">
-                      <a:solidFill>
-                        <a:schemeClr val="tx1">
-                          <a:lumMod val="50000"/>
-                          <a:lumOff val="50000"/>
+                    <a:lnT w="6350" cap="flat" cmpd="sng" algn="ctr">
+                      <a:solidFill>
+                        <a:schemeClr val="bg1">
+                          <a:lumMod val="75000"/>
                         </a:schemeClr>
                       </a:solidFill>
                       <a:prstDash val="solid"/>
@@ -4330,11 +6101,10 @@
                       <a:headEnd type="none" w="med" len="med"/>
                       <a:tailEnd type="none" w="med" len="med"/>
                     </a:lnT>
-                    <a:lnB w="3175" cap="flat" cmpd="sng" algn="ctr">
-                      <a:solidFill>
-                        <a:schemeClr val="tx1">
-                          <a:lumMod val="50000"/>
-                          <a:lumOff val="50000"/>
+                    <a:lnB w="6350" cap="flat" cmpd="sng" algn="ctr">
+                      <a:solidFill>
+                        <a:schemeClr val="bg1">
+                          <a:lumMod val="75000"/>
                         </a:schemeClr>
                       </a:solidFill>
                       <a:prstDash val="solid"/>
@@ -4342,83 +6112,12 @@
                       <a:headEnd type="none" w="med" len="med"/>
                       <a:tailEnd type="none" w="med" len="med"/>
                     </a:lnB>
-                    <a:noFill/>
-                  </a:tcPr>
-                </a:tc>
-                <a:extLst>
-                  <a:ext uri="{0D108BD9-81ED-4DB2-BD59-A6C34878D82A}">
-                    <a16:rowId xmlns:a16="http://schemas.microsoft.com/office/drawing/2014/main" val="1494350657"/>
-                  </a:ext>
-                </a:extLst>
-              </a:tr>
-              <a:tr h="241592">
-                <a:tc>
-                  <a:txBody>
-                    <a:bodyPr/>
-                    <a:lstStyle/>
-                    <a:p>
-                      <a:pPr algn="ctr" latinLnBrk="1">
-                        <a:lnSpc>
-                          <a:spcPct val="120000"/>
-                        </a:lnSpc>
-                      </a:pPr>
-                      <a:r>
-                        <a:rPr lang="en-US" altLang="ko-KR" sz="850" b="0" dirty="0">
-                          <a:latin typeface="+mn-ea"/>
-                          <a:ea typeface="+mn-ea"/>
-                        </a:rPr>
-                        <a:t>6</a:t>
-                      </a:r>
-                      <a:endParaRPr lang="ko-KR" altLang="en-US" sz="850" b="0" dirty="0">
-                        <a:latin typeface="+mn-ea"/>
-                        <a:ea typeface="+mn-ea"/>
-                      </a:endParaRPr>
-                    </a:p>
-                  </a:txBody>
-                  <a:tcPr anchor="ctr">
-                    <a:lnL w="3175" cap="flat" cmpd="sng" algn="ctr">
-                      <a:noFill/>
-                      <a:prstDash val="solid"/>
-                      <a:round/>
-                      <a:headEnd type="none" w="med" len="med"/>
-                      <a:tailEnd type="none" w="med" len="med"/>
-                    </a:lnL>
-                    <a:lnR w="3175" cap="flat" cmpd="sng" algn="ctr">
-                      <a:solidFill>
-                        <a:schemeClr val="tx1">
-                          <a:lumMod val="50000"/>
-                          <a:lumOff val="50000"/>
-                        </a:schemeClr>
-                      </a:solidFill>
-                      <a:prstDash val="solid"/>
-                      <a:round/>
-                      <a:headEnd type="none" w="med" len="med"/>
-                      <a:tailEnd type="none" w="med" len="med"/>
-                    </a:lnR>
-                    <a:lnT w="3175" cap="flat" cmpd="sng" algn="ctr">
-                      <a:solidFill>
-                        <a:schemeClr val="tx1">
-                          <a:lumMod val="50000"/>
-                          <a:lumOff val="50000"/>
-                        </a:schemeClr>
-                      </a:solidFill>
-                      <a:prstDash val="solid"/>
-                      <a:round/>
-                      <a:headEnd type="none" w="med" len="med"/>
-                      <a:tailEnd type="none" w="med" len="med"/>
-                    </a:lnT>
-                    <a:lnB w="3175" cap="flat" cmpd="sng" algn="ctr">
-                      <a:solidFill>
-                        <a:schemeClr val="tx1">
-                          <a:lumMod val="50000"/>
-                          <a:lumOff val="50000"/>
-                        </a:schemeClr>
-                      </a:solidFill>
-                      <a:prstDash val="solid"/>
-                      <a:round/>
-                      <a:headEnd type="none" w="med" len="med"/>
-                      <a:tailEnd type="none" w="med" len="med"/>
-                    </a:lnB>
+                    <a:lnTlToBr>
+                      <a:noFill/>
+                    </a:lnTlToBr>
+                    <a:lnBlToTr>
+                      <a:noFill/>
+                    </a:lnBlToTr>
                     <a:noFill/>
                   </a:tcPr>
                 </a:tc>
@@ -4427,42 +6126,56 @@
                     <a:bodyPr/>
                     <a:lstStyle/>
                     <a:p>
-                      <a:pPr algn="just" latinLnBrk="1">
+                      <a:pPr marL="257175" marR="0" lvl="0" indent="-171450" algn="l" defTabSz="914400" rtl="0" eaLnBrk="1" fontAlgn="base" latinLnBrk="1" hangingPunct="1">
                         <a:lnSpc>
-                          <a:spcPct val="120000"/>
+                          <a:spcPct val="110000"/>
                         </a:lnSpc>
+                        <a:spcBef>
+                          <a:spcPct val="20000"/>
+                        </a:spcBef>
+                        <a:spcAft>
+                          <a:spcPct val="0"/>
+                        </a:spcAft>
+                        <a:buClrTx/>
+                        <a:buSzTx/>
+                        <a:buFont typeface="Arial" pitchFamily="34" charset="0"/>
+                        <a:buChar char="•"/>
+                        <a:tabLst/>
+                        <a:defRPr/>
                       </a:pPr>
-                      <a:endParaRPr lang="ko-KR" altLang="en-US" sz="850" b="0" dirty="0">
-                        <a:latin typeface="+mn-ea"/>
+                      <a:endParaRPr kumimoji="1" lang="en-US" altLang="ko-KR" sz="800" b="0" i="0" u="none" strike="noStrike" cap="none" normalizeH="0" baseline="0" dirty="0">
+                        <a:ln>
+                          <a:noFill/>
+                        </a:ln>
+                        <a:solidFill>
+                          <a:srgbClr val="000000"/>
+                        </a:solidFill>
+                        <a:effectLst/>
+                        <a:latin typeface="맑은 고딕" pitchFamily="50" charset="-127"/>
                         <a:ea typeface="+mn-ea"/>
+                        <a:sym typeface="Arial" charset="0"/>
                       </a:endParaRPr>
                     </a:p>
                   </a:txBody>
-                  <a:tcPr anchor="ctr">
-                    <a:lnL w="3175" cap="flat" cmpd="sng" algn="ctr">
-                      <a:solidFill>
-                        <a:schemeClr val="tx1">
-                          <a:lumMod val="50000"/>
-                          <a:lumOff val="50000"/>
-                        </a:schemeClr>
-                      </a:solidFill>
+                  <a:tcPr marL="90000" marR="90000" marT="46800" marB="46800" anchor="ctr" horzOverflow="overflow">
+                    <a:lnL w="6350" cap="flat" cmpd="sng" algn="ctr">
+                      <a:noFill/>
                       <a:prstDash val="solid"/>
                       <a:round/>
                       <a:headEnd type="none" w="med" len="med"/>
                       <a:tailEnd type="none" w="med" len="med"/>
                     </a:lnL>
-                    <a:lnR w="3175" cap="flat" cmpd="sng" algn="ctr">
+                    <a:lnR w="6350" cap="flat" cmpd="sng" algn="ctr">
                       <a:noFill/>
                       <a:prstDash val="solid"/>
                       <a:round/>
                       <a:headEnd type="none" w="med" len="med"/>
                       <a:tailEnd type="none" w="med" len="med"/>
                     </a:lnR>
-                    <a:lnT w="3175" cap="flat" cmpd="sng" algn="ctr">
-                      <a:solidFill>
-                        <a:schemeClr val="tx1">
-                          <a:lumMod val="50000"/>
-                          <a:lumOff val="50000"/>
+                    <a:lnT w="6350" cap="flat" cmpd="sng" algn="ctr">
+                      <a:solidFill>
+                        <a:schemeClr val="bg1">
+                          <a:lumMod val="75000"/>
                         </a:schemeClr>
                       </a:solidFill>
                       <a:prstDash val="solid"/>
@@ -4470,11 +6183,10 @@
                       <a:headEnd type="none" w="med" len="med"/>
                       <a:tailEnd type="none" w="med" len="med"/>
                     </a:lnT>
-                    <a:lnB w="3175" cap="flat" cmpd="sng" algn="ctr">
-                      <a:solidFill>
-                        <a:schemeClr val="tx1">
-                          <a:lumMod val="50000"/>
-                          <a:lumOff val="50000"/>
+                    <a:lnB w="6350" cap="flat" cmpd="sng" algn="ctr">
+                      <a:solidFill>
+                        <a:schemeClr val="bg1">
+                          <a:lumMod val="75000"/>
                         </a:schemeClr>
                       </a:solidFill>
                       <a:prstDash val="solid"/>
@@ -4482,83 +6194,12 @@
                       <a:headEnd type="none" w="med" len="med"/>
                       <a:tailEnd type="none" w="med" len="med"/>
                     </a:lnB>
-                    <a:noFill/>
-                  </a:tcPr>
-                </a:tc>
-                <a:extLst>
-                  <a:ext uri="{0D108BD9-81ED-4DB2-BD59-A6C34878D82A}">
-                    <a16:rowId xmlns:a16="http://schemas.microsoft.com/office/drawing/2014/main" val="1839284551"/>
-                  </a:ext>
-                </a:extLst>
-              </a:tr>
-              <a:tr h="241592">
-                <a:tc>
-                  <a:txBody>
-                    <a:bodyPr/>
-                    <a:lstStyle/>
-                    <a:p>
-                      <a:pPr algn="ctr" latinLnBrk="1">
-                        <a:lnSpc>
-                          <a:spcPct val="120000"/>
-                        </a:lnSpc>
-                      </a:pPr>
-                      <a:r>
-                        <a:rPr lang="en-US" altLang="ko-KR" sz="850" b="0" dirty="0">
-                          <a:latin typeface="+mn-ea"/>
-                          <a:ea typeface="+mn-ea"/>
-                        </a:rPr>
-                        <a:t>7</a:t>
-                      </a:r>
-                      <a:endParaRPr lang="ko-KR" altLang="en-US" sz="850" b="0" dirty="0">
-                        <a:latin typeface="+mn-ea"/>
-                        <a:ea typeface="+mn-ea"/>
-                      </a:endParaRPr>
-                    </a:p>
-                  </a:txBody>
-                  <a:tcPr anchor="ctr">
-                    <a:lnL w="3175" cap="flat" cmpd="sng" algn="ctr">
-                      <a:noFill/>
-                      <a:prstDash val="solid"/>
-                      <a:round/>
-                      <a:headEnd type="none" w="med" len="med"/>
-                      <a:tailEnd type="none" w="med" len="med"/>
-                    </a:lnL>
-                    <a:lnR w="3175" cap="flat" cmpd="sng" algn="ctr">
-                      <a:solidFill>
-                        <a:schemeClr val="tx1">
-                          <a:lumMod val="50000"/>
-                          <a:lumOff val="50000"/>
-                        </a:schemeClr>
-                      </a:solidFill>
-                      <a:prstDash val="solid"/>
-                      <a:round/>
-                      <a:headEnd type="none" w="med" len="med"/>
-                      <a:tailEnd type="none" w="med" len="med"/>
-                    </a:lnR>
-                    <a:lnT w="3175" cap="flat" cmpd="sng" algn="ctr">
-                      <a:solidFill>
-                        <a:schemeClr val="tx1">
-                          <a:lumMod val="50000"/>
-                          <a:lumOff val="50000"/>
-                        </a:schemeClr>
-                      </a:solidFill>
-                      <a:prstDash val="solid"/>
-                      <a:round/>
-                      <a:headEnd type="none" w="med" len="med"/>
-                      <a:tailEnd type="none" w="med" len="med"/>
-                    </a:lnT>
-                    <a:lnB w="3175" cap="flat" cmpd="sng" algn="ctr">
-                      <a:solidFill>
-                        <a:schemeClr val="tx1">
-                          <a:lumMod val="50000"/>
-                          <a:lumOff val="50000"/>
-                        </a:schemeClr>
-                      </a:solidFill>
-                      <a:prstDash val="solid"/>
-                      <a:round/>
-                      <a:headEnd type="none" w="med" len="med"/>
-                      <a:tailEnd type="none" w="med" len="med"/>
-                    </a:lnB>
+                    <a:lnTlToBr>
+                      <a:noFill/>
+                    </a:lnTlToBr>
+                    <a:lnBlToTr>
+                      <a:noFill/>
+                    </a:lnBlToTr>
                     <a:noFill/>
                   </a:tcPr>
                 </a:tc>
@@ -4567,42 +6208,61 @@
                     <a:bodyPr/>
                     <a:lstStyle/>
                     <a:p>
-                      <a:pPr algn="just" latinLnBrk="1">
+                      <a:pPr marL="0" marR="0" lvl="0" indent="0" algn="ctr" defTabSz="914400" rtl="0" eaLnBrk="0" fontAlgn="base" latinLnBrk="1" hangingPunct="0">
                         <a:lnSpc>
-                          <a:spcPct val="120000"/>
+                          <a:spcPct val="110000"/>
                         </a:lnSpc>
+                        <a:spcBef>
+                          <a:spcPct val="20000"/>
+                        </a:spcBef>
+                        <a:spcAft>
+                          <a:spcPct val="0"/>
+                        </a:spcAft>
+                        <a:buClrTx/>
+                        <a:buSzTx/>
+                        <a:buFont typeface="산돌고딕 L" pitchFamily="18" charset="-127"/>
+                        <a:buNone/>
+                        <a:tabLst/>
+                        <a:defRPr/>
                       </a:pPr>
-                      <a:endParaRPr lang="ko-KR" altLang="en-US" sz="850" b="0" dirty="0">
-                        <a:latin typeface="+mn-ea"/>
-                        <a:ea typeface="+mn-ea"/>
+                      <a:endParaRPr kumimoji="1" lang="ko-KR" altLang="en-US" sz="800" b="0" i="0" u="none" strike="noStrike" kern="1200" cap="none" spc="0" normalizeH="0" baseline="0" noProof="0" dirty="0">
+                        <a:ln>
+                          <a:noFill/>
+                        </a:ln>
+                        <a:solidFill>
+                          <a:prstClr val="black"/>
+                        </a:solidFill>
+                        <a:effectLst/>
+                        <a:uLnTx/>
+                        <a:uFillTx/>
+                        <a:latin typeface="맑은 고딕" pitchFamily="50" charset="-127"/>
+                        <a:ea typeface="맑은 고딕" pitchFamily="50" charset="-127"/>
+                        <a:cs typeface="+mn-cs"/>
+                        <a:sym typeface="Arial" charset="0"/>
                       </a:endParaRPr>
                     </a:p>
                   </a:txBody>
-                  <a:tcPr anchor="ctr">
-                    <a:lnL w="3175" cap="flat" cmpd="sng" algn="ctr">
-                      <a:solidFill>
-                        <a:schemeClr val="tx1">
-                          <a:lumMod val="50000"/>
-                          <a:lumOff val="50000"/>
-                        </a:schemeClr>
-                      </a:solidFill>
+                  <a:tcPr marL="90000" marR="90000" marT="46800" marB="46800" anchor="ctr" horzOverflow="overflow">
+                    <a:lnL w="6350" cap="flat" cmpd="sng" algn="ctr">
+                      <a:noFill/>
                       <a:prstDash val="solid"/>
                       <a:round/>
                       <a:headEnd type="none" w="med" len="med"/>
                       <a:tailEnd type="none" w="med" len="med"/>
                     </a:lnL>
-                    <a:lnR w="3175" cap="flat" cmpd="sng" algn="ctr">
-                      <a:noFill/>
+                    <a:lnR w="12700" cap="flat" cmpd="sng" algn="ctr">
+                      <a:solidFill>
+                        <a:srgbClr val="FFFFFF"/>
+                      </a:solidFill>
                       <a:prstDash val="solid"/>
                       <a:round/>
                       <a:headEnd type="none" w="med" len="med"/>
                       <a:tailEnd type="none" w="med" len="med"/>
                     </a:lnR>
-                    <a:lnT w="3175" cap="flat" cmpd="sng" algn="ctr">
-                      <a:solidFill>
-                        <a:schemeClr val="tx1">
-                          <a:lumMod val="50000"/>
-                          <a:lumOff val="50000"/>
+                    <a:lnT w="6350" cap="flat" cmpd="sng" algn="ctr">
+                      <a:solidFill>
+                        <a:schemeClr val="bg1">
+                          <a:lumMod val="75000"/>
                         </a:schemeClr>
                       </a:solidFill>
                       <a:prstDash val="solid"/>
@@ -4610,11 +6270,10 @@
                       <a:headEnd type="none" w="med" len="med"/>
                       <a:tailEnd type="none" w="med" len="med"/>
                     </a:lnT>
-                    <a:lnB w="3175" cap="flat" cmpd="sng" algn="ctr">
-                      <a:solidFill>
-                        <a:schemeClr val="tx1">
-                          <a:lumMod val="50000"/>
-                          <a:lumOff val="50000"/>
+                    <a:lnB w="6350" cap="flat" cmpd="sng" algn="ctr">
+                      <a:solidFill>
+                        <a:schemeClr val="bg1">
+                          <a:lumMod val="75000"/>
                         </a:schemeClr>
                       </a:solidFill>
                       <a:prstDash val="solid"/>
@@ -4622,12 +6281,3418 @@
                       <a:headEnd type="none" w="med" len="med"/>
                       <a:tailEnd type="none" w="med" len="med"/>
                     </a:lnB>
+                    <a:lnTlToBr>
+                      <a:noFill/>
+                    </a:lnTlToBr>
+                    <a:lnBlToTr>
+                      <a:noFill/>
+                    </a:lnBlToTr>
                     <a:noFill/>
                   </a:tcPr>
                 </a:tc>
                 <a:extLst>
                   <a:ext uri="{0D108BD9-81ED-4DB2-BD59-A6C34878D82A}">
-                    <a16:rowId xmlns:a16="http://schemas.microsoft.com/office/drawing/2014/main" val="1199453169"/>
+                    <a16:rowId xmlns:a16="http://schemas.microsoft.com/office/drawing/2014/main" val="3338242764"/>
+                  </a:ext>
+                </a:extLst>
+              </a:tr>
+              <a:tr h="137754">
+                <a:tc>
+                  <a:txBody>
+                    <a:bodyPr/>
+                    <a:lstStyle/>
+                    <a:p>
+                      <a:pPr marL="0" marR="0" lvl="0" indent="0" algn="ctr" defTabSz="914400" rtl="0" eaLnBrk="0" fontAlgn="base" latinLnBrk="1" hangingPunct="0">
+                        <a:lnSpc>
+                          <a:spcPct val="110000"/>
+                        </a:lnSpc>
+                        <a:spcBef>
+                          <a:spcPct val="20000"/>
+                        </a:spcBef>
+                        <a:spcAft>
+                          <a:spcPct val="0"/>
+                        </a:spcAft>
+                        <a:buClrTx/>
+                        <a:buSzTx/>
+                        <a:buFont typeface="산돌고딕 L" pitchFamily="18" charset="-127"/>
+                        <a:buNone/>
+                        <a:tabLst/>
+                      </a:pPr>
+                      <a:endParaRPr kumimoji="1" lang="en-US" altLang="ko-KR" sz="800" b="0" i="0" u="none" strike="noStrike" cap="none" normalizeH="0" baseline="0" dirty="0">
+                        <a:ln>
+                          <a:noFill/>
+                        </a:ln>
+                        <a:solidFill>
+                          <a:srgbClr val="000000"/>
+                        </a:solidFill>
+                        <a:effectLst/>
+                        <a:latin typeface="맑은 고딕" pitchFamily="50" charset="-127"/>
+                        <a:ea typeface="맑은 고딕" pitchFamily="50" charset="-127"/>
+                        <a:sym typeface="Arial" charset="0"/>
+                      </a:endParaRPr>
+                    </a:p>
+                  </a:txBody>
+                  <a:tcPr marL="90000" marR="90000" marT="46800" marB="46800" anchor="ctr" horzOverflow="overflow">
+                    <a:lnL w="12700" cap="flat" cmpd="sng" algn="ctr">
+                      <a:solidFill>
+                        <a:srgbClr val="FFFFFF"/>
+                      </a:solidFill>
+                      <a:prstDash val="solid"/>
+                      <a:round/>
+                      <a:headEnd type="none" w="med" len="med"/>
+                      <a:tailEnd type="none" w="med" len="med"/>
+                    </a:lnL>
+                    <a:lnR w="6350" cap="flat" cmpd="sng" algn="ctr">
+                      <a:noFill/>
+                      <a:prstDash val="solid"/>
+                      <a:round/>
+                      <a:headEnd type="none" w="med" len="med"/>
+                      <a:tailEnd type="none" w="med" len="med"/>
+                    </a:lnR>
+                    <a:lnT w="6350" cap="flat" cmpd="sng" algn="ctr">
+                      <a:solidFill>
+                        <a:schemeClr val="bg1">
+                          <a:lumMod val="75000"/>
+                        </a:schemeClr>
+                      </a:solidFill>
+                      <a:prstDash val="solid"/>
+                      <a:round/>
+                      <a:headEnd type="none" w="med" len="med"/>
+                      <a:tailEnd type="none" w="med" len="med"/>
+                    </a:lnT>
+                    <a:lnB w="6350" cap="flat" cmpd="sng" algn="ctr">
+                      <a:solidFill>
+                        <a:schemeClr val="bg1">
+                          <a:lumMod val="75000"/>
+                        </a:schemeClr>
+                      </a:solidFill>
+                      <a:prstDash val="solid"/>
+                      <a:round/>
+                      <a:headEnd type="none" w="med" len="med"/>
+                      <a:tailEnd type="none" w="med" len="med"/>
+                    </a:lnB>
+                    <a:lnTlToBr>
+                      <a:noFill/>
+                    </a:lnTlToBr>
+                    <a:lnBlToTr>
+                      <a:noFill/>
+                    </a:lnBlToTr>
+                    <a:noFill/>
+                  </a:tcPr>
+                </a:tc>
+                <a:tc>
+                  <a:txBody>
+                    <a:bodyPr/>
+                    <a:lstStyle/>
+                    <a:p>
+                      <a:pPr marL="0" marR="0" lvl="0" indent="0" algn="ctr" defTabSz="914400" rtl="0" eaLnBrk="0" fontAlgn="base" latinLnBrk="1" hangingPunct="0">
+                        <a:lnSpc>
+                          <a:spcPct val="110000"/>
+                        </a:lnSpc>
+                        <a:spcBef>
+                          <a:spcPct val="20000"/>
+                        </a:spcBef>
+                        <a:spcAft>
+                          <a:spcPct val="0"/>
+                        </a:spcAft>
+                        <a:buClrTx/>
+                        <a:buSzTx/>
+                        <a:buFont typeface="산돌고딕 L" pitchFamily="18" charset="-127"/>
+                        <a:buNone/>
+                        <a:tabLst/>
+                      </a:pPr>
+                      <a:endParaRPr kumimoji="1" lang="en-US" altLang="ko-KR" sz="800" b="0" i="0" u="none" strike="noStrike" cap="none" normalizeH="0" baseline="0" dirty="0">
+                        <a:ln>
+                          <a:noFill/>
+                        </a:ln>
+                        <a:solidFill>
+                          <a:srgbClr val="000000"/>
+                        </a:solidFill>
+                        <a:effectLst/>
+                        <a:latin typeface="맑은 고딕" pitchFamily="50" charset="-127"/>
+                        <a:ea typeface="맑은 고딕" pitchFamily="50" charset="-127"/>
+                        <a:sym typeface="Arial" charset="0"/>
+                      </a:endParaRPr>
+                    </a:p>
+                  </a:txBody>
+                  <a:tcPr marL="90000" marR="90000" marT="46800" marB="46800" anchor="ctr" horzOverflow="overflow">
+                    <a:lnL w="6350" cap="flat" cmpd="sng" algn="ctr">
+                      <a:noFill/>
+                      <a:prstDash val="solid"/>
+                      <a:round/>
+                      <a:headEnd type="none" w="med" len="med"/>
+                      <a:tailEnd type="none" w="med" len="med"/>
+                    </a:lnL>
+                    <a:lnR w="6350" cap="flat" cmpd="sng" algn="ctr">
+                      <a:noFill/>
+                      <a:prstDash val="solid"/>
+                      <a:round/>
+                      <a:headEnd type="none" w="med" len="med"/>
+                      <a:tailEnd type="none" w="med" len="med"/>
+                    </a:lnR>
+                    <a:lnT w="6350" cap="flat" cmpd="sng" algn="ctr">
+                      <a:solidFill>
+                        <a:schemeClr val="bg1">
+                          <a:lumMod val="75000"/>
+                        </a:schemeClr>
+                      </a:solidFill>
+                      <a:prstDash val="solid"/>
+                      <a:round/>
+                      <a:headEnd type="none" w="med" len="med"/>
+                      <a:tailEnd type="none" w="med" len="med"/>
+                    </a:lnT>
+                    <a:lnB w="6350" cap="flat" cmpd="sng" algn="ctr">
+                      <a:solidFill>
+                        <a:schemeClr val="bg1">
+                          <a:lumMod val="75000"/>
+                        </a:schemeClr>
+                      </a:solidFill>
+                      <a:prstDash val="solid"/>
+                      <a:round/>
+                      <a:headEnd type="none" w="med" len="med"/>
+                      <a:tailEnd type="none" w="med" len="med"/>
+                    </a:lnB>
+                    <a:lnTlToBr>
+                      <a:noFill/>
+                    </a:lnTlToBr>
+                    <a:lnBlToTr>
+                      <a:noFill/>
+                    </a:lnBlToTr>
+                    <a:noFill/>
+                  </a:tcPr>
+                </a:tc>
+                <a:tc>
+                  <a:txBody>
+                    <a:bodyPr/>
+                    <a:lstStyle/>
+                    <a:p>
+                      <a:pPr marL="257175" marR="0" lvl="0" indent="-171450" algn="l" defTabSz="914400" rtl="0" eaLnBrk="1" fontAlgn="base" latinLnBrk="1" hangingPunct="1">
+                        <a:lnSpc>
+                          <a:spcPct val="110000"/>
+                        </a:lnSpc>
+                        <a:spcBef>
+                          <a:spcPct val="20000"/>
+                        </a:spcBef>
+                        <a:spcAft>
+                          <a:spcPct val="0"/>
+                        </a:spcAft>
+                        <a:buClrTx/>
+                        <a:buSzTx/>
+                        <a:buFont typeface="Arial" pitchFamily="34" charset="0"/>
+                        <a:buChar char="•"/>
+                        <a:tabLst/>
+                        <a:defRPr/>
+                      </a:pPr>
+                      <a:endParaRPr kumimoji="1" lang="en-US" altLang="ko-KR" sz="800" b="0" i="0" u="none" strike="noStrike" cap="none" normalizeH="0" baseline="0" dirty="0">
+                        <a:ln>
+                          <a:noFill/>
+                        </a:ln>
+                        <a:solidFill>
+                          <a:srgbClr val="000000"/>
+                        </a:solidFill>
+                        <a:effectLst/>
+                        <a:latin typeface="맑은 고딕" pitchFamily="50" charset="-127"/>
+                        <a:ea typeface="+mn-ea"/>
+                        <a:sym typeface="Arial" charset="0"/>
+                      </a:endParaRPr>
+                    </a:p>
+                  </a:txBody>
+                  <a:tcPr marL="90000" marR="90000" marT="46800" marB="46800" anchor="ctr" horzOverflow="overflow">
+                    <a:lnL w="6350" cap="flat" cmpd="sng" algn="ctr">
+                      <a:noFill/>
+                      <a:prstDash val="solid"/>
+                      <a:round/>
+                      <a:headEnd type="none" w="med" len="med"/>
+                      <a:tailEnd type="none" w="med" len="med"/>
+                    </a:lnL>
+                    <a:lnR w="6350" cap="flat" cmpd="sng" algn="ctr">
+                      <a:noFill/>
+                      <a:prstDash val="solid"/>
+                      <a:round/>
+                      <a:headEnd type="none" w="med" len="med"/>
+                      <a:tailEnd type="none" w="med" len="med"/>
+                    </a:lnR>
+                    <a:lnT w="6350" cap="flat" cmpd="sng" algn="ctr">
+                      <a:solidFill>
+                        <a:schemeClr val="bg1">
+                          <a:lumMod val="75000"/>
+                        </a:schemeClr>
+                      </a:solidFill>
+                      <a:prstDash val="solid"/>
+                      <a:round/>
+                      <a:headEnd type="none" w="med" len="med"/>
+                      <a:tailEnd type="none" w="med" len="med"/>
+                    </a:lnT>
+                    <a:lnB w="6350" cap="flat" cmpd="sng" algn="ctr">
+                      <a:solidFill>
+                        <a:schemeClr val="bg1">
+                          <a:lumMod val="75000"/>
+                        </a:schemeClr>
+                      </a:solidFill>
+                      <a:prstDash val="solid"/>
+                      <a:round/>
+                      <a:headEnd type="none" w="med" len="med"/>
+                      <a:tailEnd type="none" w="med" len="med"/>
+                    </a:lnB>
+                    <a:lnTlToBr>
+                      <a:noFill/>
+                    </a:lnTlToBr>
+                    <a:lnBlToTr>
+                      <a:noFill/>
+                    </a:lnBlToTr>
+                    <a:noFill/>
+                  </a:tcPr>
+                </a:tc>
+                <a:tc>
+                  <a:txBody>
+                    <a:bodyPr/>
+                    <a:lstStyle/>
+                    <a:p>
+                      <a:pPr marL="0" marR="0" lvl="0" indent="0" algn="ctr" defTabSz="914400" rtl="0" eaLnBrk="0" fontAlgn="base" latinLnBrk="1" hangingPunct="0">
+                        <a:lnSpc>
+                          <a:spcPct val="110000"/>
+                        </a:lnSpc>
+                        <a:spcBef>
+                          <a:spcPct val="20000"/>
+                        </a:spcBef>
+                        <a:spcAft>
+                          <a:spcPct val="0"/>
+                        </a:spcAft>
+                        <a:buClrTx/>
+                        <a:buSzTx/>
+                        <a:buFont typeface="산돌고딕 L" pitchFamily="18" charset="-127"/>
+                        <a:buNone/>
+                        <a:tabLst/>
+                        <a:defRPr/>
+                      </a:pPr>
+                      <a:endParaRPr kumimoji="1" lang="ko-KR" altLang="en-US" sz="800" b="0" i="0" u="none" strike="noStrike" kern="1200" cap="none" spc="0" normalizeH="0" baseline="0" noProof="0" dirty="0">
+                        <a:ln>
+                          <a:noFill/>
+                        </a:ln>
+                        <a:solidFill>
+                          <a:prstClr val="black"/>
+                        </a:solidFill>
+                        <a:effectLst/>
+                        <a:uLnTx/>
+                        <a:uFillTx/>
+                        <a:latin typeface="맑은 고딕" pitchFamily="50" charset="-127"/>
+                        <a:ea typeface="맑은 고딕" pitchFamily="50" charset="-127"/>
+                        <a:cs typeface="+mn-cs"/>
+                        <a:sym typeface="Arial" charset="0"/>
+                      </a:endParaRPr>
+                    </a:p>
+                  </a:txBody>
+                  <a:tcPr marL="90000" marR="90000" marT="46800" marB="46800" anchor="ctr" horzOverflow="overflow">
+                    <a:lnL w="6350" cap="flat" cmpd="sng" algn="ctr">
+                      <a:noFill/>
+                      <a:prstDash val="solid"/>
+                      <a:round/>
+                      <a:headEnd type="none" w="med" len="med"/>
+                      <a:tailEnd type="none" w="med" len="med"/>
+                    </a:lnL>
+                    <a:lnR w="12700" cap="flat" cmpd="sng" algn="ctr">
+                      <a:solidFill>
+                        <a:srgbClr val="FFFFFF"/>
+                      </a:solidFill>
+                      <a:prstDash val="solid"/>
+                      <a:round/>
+                      <a:headEnd type="none" w="med" len="med"/>
+                      <a:tailEnd type="none" w="med" len="med"/>
+                    </a:lnR>
+                    <a:lnT w="6350" cap="flat" cmpd="sng" algn="ctr">
+                      <a:solidFill>
+                        <a:schemeClr val="bg1">
+                          <a:lumMod val="75000"/>
+                        </a:schemeClr>
+                      </a:solidFill>
+                      <a:prstDash val="solid"/>
+                      <a:round/>
+                      <a:headEnd type="none" w="med" len="med"/>
+                      <a:tailEnd type="none" w="med" len="med"/>
+                    </a:lnT>
+                    <a:lnB w="6350" cap="flat" cmpd="sng" algn="ctr">
+                      <a:solidFill>
+                        <a:schemeClr val="bg1">
+                          <a:lumMod val="75000"/>
+                        </a:schemeClr>
+                      </a:solidFill>
+                      <a:prstDash val="solid"/>
+                      <a:round/>
+                      <a:headEnd type="none" w="med" len="med"/>
+                      <a:tailEnd type="none" w="med" len="med"/>
+                    </a:lnB>
+                    <a:lnTlToBr>
+                      <a:noFill/>
+                    </a:lnTlToBr>
+                    <a:lnBlToTr>
+                      <a:noFill/>
+                    </a:lnBlToTr>
+                    <a:noFill/>
+                  </a:tcPr>
+                </a:tc>
+                <a:extLst>
+                  <a:ext uri="{0D108BD9-81ED-4DB2-BD59-A6C34878D82A}">
+                    <a16:rowId xmlns:a16="http://schemas.microsoft.com/office/drawing/2014/main" val="406087654"/>
+                  </a:ext>
+                </a:extLst>
+              </a:tr>
+              <a:tr h="137754">
+                <a:tc>
+                  <a:txBody>
+                    <a:bodyPr/>
+                    <a:lstStyle/>
+                    <a:p>
+                      <a:pPr marL="0" marR="0" lvl="0" indent="0" algn="ctr" defTabSz="914400" rtl="0" eaLnBrk="0" fontAlgn="base" latinLnBrk="1" hangingPunct="0">
+                        <a:lnSpc>
+                          <a:spcPct val="110000"/>
+                        </a:lnSpc>
+                        <a:spcBef>
+                          <a:spcPct val="20000"/>
+                        </a:spcBef>
+                        <a:spcAft>
+                          <a:spcPct val="0"/>
+                        </a:spcAft>
+                        <a:buClrTx/>
+                        <a:buSzTx/>
+                        <a:buFont typeface="산돌고딕 L" pitchFamily="18" charset="-127"/>
+                        <a:buNone/>
+                        <a:tabLst/>
+                      </a:pPr>
+                      <a:endParaRPr kumimoji="1" lang="en-US" altLang="ko-KR" sz="800" b="0" i="0" u="none" strike="noStrike" cap="none" normalizeH="0" baseline="0" dirty="0">
+                        <a:ln>
+                          <a:noFill/>
+                        </a:ln>
+                        <a:solidFill>
+                          <a:srgbClr val="000000"/>
+                        </a:solidFill>
+                        <a:effectLst/>
+                        <a:latin typeface="맑은 고딕" pitchFamily="50" charset="-127"/>
+                        <a:ea typeface="맑은 고딕" pitchFamily="50" charset="-127"/>
+                        <a:sym typeface="Arial" charset="0"/>
+                      </a:endParaRPr>
+                    </a:p>
+                  </a:txBody>
+                  <a:tcPr marL="90000" marR="90000" marT="46800" marB="46800" anchor="ctr" horzOverflow="overflow">
+                    <a:lnL w="12700" cap="flat" cmpd="sng" algn="ctr">
+                      <a:solidFill>
+                        <a:srgbClr val="FFFFFF"/>
+                      </a:solidFill>
+                      <a:prstDash val="solid"/>
+                      <a:round/>
+                      <a:headEnd type="none" w="med" len="med"/>
+                      <a:tailEnd type="none" w="med" len="med"/>
+                    </a:lnL>
+                    <a:lnR w="6350" cap="flat" cmpd="sng" algn="ctr">
+                      <a:noFill/>
+                      <a:prstDash val="solid"/>
+                      <a:round/>
+                      <a:headEnd type="none" w="med" len="med"/>
+                      <a:tailEnd type="none" w="med" len="med"/>
+                    </a:lnR>
+                    <a:lnT w="6350" cap="flat" cmpd="sng" algn="ctr">
+                      <a:solidFill>
+                        <a:schemeClr val="bg1">
+                          <a:lumMod val="75000"/>
+                        </a:schemeClr>
+                      </a:solidFill>
+                      <a:prstDash val="solid"/>
+                      <a:round/>
+                      <a:headEnd type="none" w="med" len="med"/>
+                      <a:tailEnd type="none" w="med" len="med"/>
+                    </a:lnT>
+                    <a:lnB w="6350" cap="flat" cmpd="sng" algn="ctr">
+                      <a:solidFill>
+                        <a:schemeClr val="bg1">
+                          <a:lumMod val="75000"/>
+                        </a:schemeClr>
+                      </a:solidFill>
+                      <a:prstDash val="solid"/>
+                      <a:round/>
+                      <a:headEnd type="none" w="med" len="med"/>
+                      <a:tailEnd type="none" w="med" len="med"/>
+                    </a:lnB>
+                    <a:lnTlToBr>
+                      <a:noFill/>
+                    </a:lnTlToBr>
+                    <a:lnBlToTr>
+                      <a:noFill/>
+                    </a:lnBlToTr>
+                    <a:noFill/>
+                  </a:tcPr>
+                </a:tc>
+                <a:tc>
+                  <a:txBody>
+                    <a:bodyPr/>
+                    <a:lstStyle/>
+                    <a:p>
+                      <a:pPr marL="0" marR="0" lvl="0" indent="0" algn="ctr" defTabSz="914400" rtl="0" eaLnBrk="0" fontAlgn="base" latinLnBrk="1" hangingPunct="0">
+                        <a:lnSpc>
+                          <a:spcPct val="110000"/>
+                        </a:lnSpc>
+                        <a:spcBef>
+                          <a:spcPct val="20000"/>
+                        </a:spcBef>
+                        <a:spcAft>
+                          <a:spcPct val="0"/>
+                        </a:spcAft>
+                        <a:buClrTx/>
+                        <a:buSzTx/>
+                        <a:buFont typeface="산돌고딕 L" pitchFamily="18" charset="-127"/>
+                        <a:buNone/>
+                        <a:tabLst/>
+                      </a:pPr>
+                      <a:endParaRPr kumimoji="1" lang="en-US" altLang="ko-KR" sz="800" b="0" i="0" u="none" strike="noStrike" cap="none" normalizeH="0" baseline="0" dirty="0">
+                        <a:ln>
+                          <a:noFill/>
+                        </a:ln>
+                        <a:solidFill>
+                          <a:srgbClr val="000000"/>
+                        </a:solidFill>
+                        <a:effectLst/>
+                        <a:latin typeface="맑은 고딕" pitchFamily="50" charset="-127"/>
+                        <a:ea typeface="맑은 고딕" pitchFamily="50" charset="-127"/>
+                        <a:sym typeface="Arial" charset="0"/>
+                      </a:endParaRPr>
+                    </a:p>
+                  </a:txBody>
+                  <a:tcPr marL="90000" marR="90000" marT="46800" marB="46800" anchor="ctr" horzOverflow="overflow">
+                    <a:lnL w="6350" cap="flat" cmpd="sng" algn="ctr">
+                      <a:noFill/>
+                      <a:prstDash val="solid"/>
+                      <a:round/>
+                      <a:headEnd type="none" w="med" len="med"/>
+                      <a:tailEnd type="none" w="med" len="med"/>
+                    </a:lnL>
+                    <a:lnR w="6350" cap="flat" cmpd="sng" algn="ctr">
+                      <a:noFill/>
+                      <a:prstDash val="solid"/>
+                      <a:round/>
+                      <a:headEnd type="none" w="med" len="med"/>
+                      <a:tailEnd type="none" w="med" len="med"/>
+                    </a:lnR>
+                    <a:lnT w="6350" cap="flat" cmpd="sng" algn="ctr">
+                      <a:solidFill>
+                        <a:schemeClr val="bg1">
+                          <a:lumMod val="75000"/>
+                        </a:schemeClr>
+                      </a:solidFill>
+                      <a:prstDash val="solid"/>
+                      <a:round/>
+                      <a:headEnd type="none" w="med" len="med"/>
+                      <a:tailEnd type="none" w="med" len="med"/>
+                    </a:lnT>
+                    <a:lnB w="6350" cap="flat" cmpd="sng" algn="ctr">
+                      <a:solidFill>
+                        <a:schemeClr val="bg1">
+                          <a:lumMod val="75000"/>
+                        </a:schemeClr>
+                      </a:solidFill>
+                      <a:prstDash val="solid"/>
+                      <a:round/>
+                      <a:headEnd type="none" w="med" len="med"/>
+                      <a:tailEnd type="none" w="med" len="med"/>
+                    </a:lnB>
+                    <a:lnTlToBr>
+                      <a:noFill/>
+                    </a:lnTlToBr>
+                    <a:lnBlToTr>
+                      <a:noFill/>
+                    </a:lnBlToTr>
+                    <a:noFill/>
+                  </a:tcPr>
+                </a:tc>
+                <a:tc>
+                  <a:txBody>
+                    <a:bodyPr/>
+                    <a:lstStyle/>
+                    <a:p>
+                      <a:pPr marL="257175" marR="0" lvl="0" indent="-171450" algn="l" defTabSz="914400" rtl="0" eaLnBrk="1" fontAlgn="base" latinLnBrk="1" hangingPunct="1">
+                        <a:lnSpc>
+                          <a:spcPct val="110000"/>
+                        </a:lnSpc>
+                        <a:spcBef>
+                          <a:spcPct val="20000"/>
+                        </a:spcBef>
+                        <a:spcAft>
+                          <a:spcPct val="0"/>
+                        </a:spcAft>
+                        <a:buClrTx/>
+                        <a:buSzTx/>
+                        <a:buFont typeface="Arial" pitchFamily="34" charset="0"/>
+                        <a:buChar char="•"/>
+                        <a:tabLst/>
+                        <a:defRPr/>
+                      </a:pPr>
+                      <a:endParaRPr kumimoji="1" lang="en-US" altLang="ko-KR" sz="800" b="0" i="0" u="none" strike="noStrike" cap="none" normalizeH="0" baseline="0" dirty="0">
+                        <a:ln>
+                          <a:noFill/>
+                        </a:ln>
+                        <a:solidFill>
+                          <a:srgbClr val="000000"/>
+                        </a:solidFill>
+                        <a:effectLst/>
+                        <a:latin typeface="맑은 고딕" pitchFamily="50" charset="-127"/>
+                        <a:ea typeface="+mn-ea"/>
+                        <a:sym typeface="Arial" charset="0"/>
+                      </a:endParaRPr>
+                    </a:p>
+                  </a:txBody>
+                  <a:tcPr marL="90000" marR="90000" marT="46800" marB="46800" anchor="ctr" horzOverflow="overflow">
+                    <a:lnL w="6350" cap="flat" cmpd="sng" algn="ctr">
+                      <a:noFill/>
+                      <a:prstDash val="solid"/>
+                      <a:round/>
+                      <a:headEnd type="none" w="med" len="med"/>
+                      <a:tailEnd type="none" w="med" len="med"/>
+                    </a:lnL>
+                    <a:lnR w="6350" cap="flat" cmpd="sng" algn="ctr">
+                      <a:noFill/>
+                      <a:prstDash val="solid"/>
+                      <a:round/>
+                      <a:headEnd type="none" w="med" len="med"/>
+                      <a:tailEnd type="none" w="med" len="med"/>
+                    </a:lnR>
+                    <a:lnT w="6350" cap="flat" cmpd="sng" algn="ctr">
+                      <a:solidFill>
+                        <a:schemeClr val="bg1">
+                          <a:lumMod val="75000"/>
+                        </a:schemeClr>
+                      </a:solidFill>
+                      <a:prstDash val="solid"/>
+                      <a:round/>
+                      <a:headEnd type="none" w="med" len="med"/>
+                      <a:tailEnd type="none" w="med" len="med"/>
+                    </a:lnT>
+                    <a:lnB w="6350" cap="flat" cmpd="sng" algn="ctr">
+                      <a:solidFill>
+                        <a:schemeClr val="bg1">
+                          <a:lumMod val="75000"/>
+                        </a:schemeClr>
+                      </a:solidFill>
+                      <a:prstDash val="solid"/>
+                      <a:round/>
+                      <a:headEnd type="none" w="med" len="med"/>
+                      <a:tailEnd type="none" w="med" len="med"/>
+                    </a:lnB>
+                    <a:lnTlToBr>
+                      <a:noFill/>
+                    </a:lnTlToBr>
+                    <a:lnBlToTr>
+                      <a:noFill/>
+                    </a:lnBlToTr>
+                    <a:noFill/>
+                  </a:tcPr>
+                </a:tc>
+                <a:tc>
+                  <a:txBody>
+                    <a:bodyPr/>
+                    <a:lstStyle/>
+                    <a:p>
+                      <a:pPr marL="0" marR="0" lvl="0" indent="0" algn="ctr" defTabSz="914400" rtl="0" eaLnBrk="0" fontAlgn="base" latinLnBrk="1" hangingPunct="0">
+                        <a:lnSpc>
+                          <a:spcPct val="110000"/>
+                        </a:lnSpc>
+                        <a:spcBef>
+                          <a:spcPct val="20000"/>
+                        </a:spcBef>
+                        <a:spcAft>
+                          <a:spcPct val="0"/>
+                        </a:spcAft>
+                        <a:buClrTx/>
+                        <a:buSzTx/>
+                        <a:buFont typeface="산돌고딕 L" pitchFamily="18" charset="-127"/>
+                        <a:buNone/>
+                        <a:tabLst/>
+                        <a:defRPr/>
+                      </a:pPr>
+                      <a:endParaRPr kumimoji="1" lang="ko-KR" altLang="en-US" sz="800" b="0" i="0" u="none" strike="noStrike" kern="1200" cap="none" spc="0" normalizeH="0" baseline="0" noProof="0" dirty="0">
+                        <a:ln>
+                          <a:noFill/>
+                        </a:ln>
+                        <a:solidFill>
+                          <a:prstClr val="black"/>
+                        </a:solidFill>
+                        <a:effectLst/>
+                        <a:uLnTx/>
+                        <a:uFillTx/>
+                        <a:latin typeface="맑은 고딕" pitchFamily="50" charset="-127"/>
+                        <a:ea typeface="맑은 고딕" pitchFamily="50" charset="-127"/>
+                        <a:cs typeface="+mn-cs"/>
+                        <a:sym typeface="Arial" charset="0"/>
+                      </a:endParaRPr>
+                    </a:p>
+                  </a:txBody>
+                  <a:tcPr marL="90000" marR="90000" marT="46800" marB="46800" anchor="ctr" horzOverflow="overflow">
+                    <a:lnL w="6350" cap="flat" cmpd="sng" algn="ctr">
+                      <a:noFill/>
+                      <a:prstDash val="solid"/>
+                      <a:round/>
+                      <a:headEnd type="none" w="med" len="med"/>
+                      <a:tailEnd type="none" w="med" len="med"/>
+                    </a:lnL>
+                    <a:lnR w="12700" cap="flat" cmpd="sng" algn="ctr">
+                      <a:solidFill>
+                        <a:srgbClr val="FFFFFF"/>
+                      </a:solidFill>
+                      <a:prstDash val="solid"/>
+                      <a:round/>
+                      <a:headEnd type="none" w="med" len="med"/>
+                      <a:tailEnd type="none" w="med" len="med"/>
+                    </a:lnR>
+                    <a:lnT w="6350" cap="flat" cmpd="sng" algn="ctr">
+                      <a:solidFill>
+                        <a:schemeClr val="bg1">
+                          <a:lumMod val="75000"/>
+                        </a:schemeClr>
+                      </a:solidFill>
+                      <a:prstDash val="solid"/>
+                      <a:round/>
+                      <a:headEnd type="none" w="med" len="med"/>
+                      <a:tailEnd type="none" w="med" len="med"/>
+                    </a:lnT>
+                    <a:lnB w="6350" cap="flat" cmpd="sng" algn="ctr">
+                      <a:solidFill>
+                        <a:schemeClr val="bg1">
+                          <a:lumMod val="75000"/>
+                        </a:schemeClr>
+                      </a:solidFill>
+                      <a:prstDash val="solid"/>
+                      <a:round/>
+                      <a:headEnd type="none" w="med" len="med"/>
+                      <a:tailEnd type="none" w="med" len="med"/>
+                    </a:lnB>
+                    <a:lnTlToBr>
+                      <a:noFill/>
+                    </a:lnTlToBr>
+                    <a:lnBlToTr>
+                      <a:noFill/>
+                    </a:lnBlToTr>
+                    <a:noFill/>
+                  </a:tcPr>
+                </a:tc>
+                <a:extLst>
+                  <a:ext uri="{0D108BD9-81ED-4DB2-BD59-A6C34878D82A}">
+                    <a16:rowId xmlns:a16="http://schemas.microsoft.com/office/drawing/2014/main" val="449259811"/>
+                  </a:ext>
+                </a:extLst>
+              </a:tr>
+              <a:tr h="137754">
+                <a:tc>
+                  <a:txBody>
+                    <a:bodyPr/>
+                    <a:lstStyle/>
+                    <a:p>
+                      <a:pPr marL="0" marR="0" lvl="0" indent="0" algn="ctr" defTabSz="914400" rtl="0" eaLnBrk="0" fontAlgn="base" latinLnBrk="1" hangingPunct="0">
+                        <a:lnSpc>
+                          <a:spcPct val="110000"/>
+                        </a:lnSpc>
+                        <a:spcBef>
+                          <a:spcPct val="20000"/>
+                        </a:spcBef>
+                        <a:spcAft>
+                          <a:spcPct val="0"/>
+                        </a:spcAft>
+                        <a:buClrTx/>
+                        <a:buSzTx/>
+                        <a:buFont typeface="산돌고딕 L" pitchFamily="18" charset="-127"/>
+                        <a:buNone/>
+                        <a:tabLst/>
+                      </a:pPr>
+                      <a:endParaRPr kumimoji="1" lang="en-US" altLang="ko-KR" sz="800" b="0" i="0" u="none" strike="noStrike" cap="none" normalizeH="0" baseline="0" dirty="0">
+                        <a:ln>
+                          <a:noFill/>
+                        </a:ln>
+                        <a:solidFill>
+                          <a:srgbClr val="000000"/>
+                        </a:solidFill>
+                        <a:effectLst/>
+                        <a:latin typeface="맑은 고딕" pitchFamily="50" charset="-127"/>
+                        <a:ea typeface="맑은 고딕" pitchFamily="50" charset="-127"/>
+                        <a:sym typeface="Arial" charset="0"/>
+                      </a:endParaRPr>
+                    </a:p>
+                  </a:txBody>
+                  <a:tcPr marL="90000" marR="90000" marT="46800" marB="46800" anchor="ctr" horzOverflow="overflow">
+                    <a:lnL w="12700" cap="flat" cmpd="sng" algn="ctr">
+                      <a:solidFill>
+                        <a:srgbClr val="FFFFFF"/>
+                      </a:solidFill>
+                      <a:prstDash val="solid"/>
+                      <a:round/>
+                      <a:headEnd type="none" w="med" len="med"/>
+                      <a:tailEnd type="none" w="med" len="med"/>
+                    </a:lnL>
+                    <a:lnR w="6350" cap="flat" cmpd="sng" algn="ctr">
+                      <a:noFill/>
+                      <a:prstDash val="solid"/>
+                      <a:round/>
+                      <a:headEnd type="none" w="med" len="med"/>
+                      <a:tailEnd type="none" w="med" len="med"/>
+                    </a:lnR>
+                    <a:lnT w="6350" cap="flat" cmpd="sng" algn="ctr">
+                      <a:solidFill>
+                        <a:schemeClr val="bg1">
+                          <a:lumMod val="75000"/>
+                        </a:schemeClr>
+                      </a:solidFill>
+                      <a:prstDash val="solid"/>
+                      <a:round/>
+                      <a:headEnd type="none" w="med" len="med"/>
+                      <a:tailEnd type="none" w="med" len="med"/>
+                    </a:lnT>
+                    <a:lnB w="6350" cap="flat" cmpd="sng" algn="ctr">
+                      <a:solidFill>
+                        <a:schemeClr val="bg1">
+                          <a:lumMod val="75000"/>
+                        </a:schemeClr>
+                      </a:solidFill>
+                      <a:prstDash val="solid"/>
+                      <a:round/>
+                      <a:headEnd type="none" w="med" len="med"/>
+                      <a:tailEnd type="none" w="med" len="med"/>
+                    </a:lnB>
+                    <a:lnTlToBr>
+                      <a:noFill/>
+                    </a:lnTlToBr>
+                    <a:lnBlToTr>
+                      <a:noFill/>
+                    </a:lnBlToTr>
+                    <a:noFill/>
+                  </a:tcPr>
+                </a:tc>
+                <a:tc>
+                  <a:txBody>
+                    <a:bodyPr/>
+                    <a:lstStyle/>
+                    <a:p>
+                      <a:pPr marL="0" marR="0" lvl="0" indent="0" algn="ctr" defTabSz="914400" rtl="0" eaLnBrk="0" fontAlgn="base" latinLnBrk="1" hangingPunct="0">
+                        <a:lnSpc>
+                          <a:spcPct val="110000"/>
+                        </a:lnSpc>
+                        <a:spcBef>
+                          <a:spcPct val="20000"/>
+                        </a:spcBef>
+                        <a:spcAft>
+                          <a:spcPct val="0"/>
+                        </a:spcAft>
+                        <a:buClrTx/>
+                        <a:buSzTx/>
+                        <a:buFont typeface="산돌고딕 L" pitchFamily="18" charset="-127"/>
+                        <a:buNone/>
+                        <a:tabLst/>
+                      </a:pPr>
+                      <a:endParaRPr kumimoji="1" lang="en-US" altLang="ko-KR" sz="800" b="0" i="0" u="none" strike="noStrike" cap="none" normalizeH="0" baseline="0" dirty="0">
+                        <a:ln>
+                          <a:noFill/>
+                        </a:ln>
+                        <a:solidFill>
+                          <a:srgbClr val="000000"/>
+                        </a:solidFill>
+                        <a:effectLst/>
+                        <a:latin typeface="맑은 고딕" pitchFamily="50" charset="-127"/>
+                        <a:ea typeface="맑은 고딕" pitchFamily="50" charset="-127"/>
+                        <a:sym typeface="Arial" charset="0"/>
+                      </a:endParaRPr>
+                    </a:p>
+                  </a:txBody>
+                  <a:tcPr marL="90000" marR="90000" marT="46800" marB="46800" anchor="ctr" horzOverflow="overflow">
+                    <a:lnL w="6350" cap="flat" cmpd="sng" algn="ctr">
+                      <a:noFill/>
+                      <a:prstDash val="solid"/>
+                      <a:round/>
+                      <a:headEnd type="none" w="med" len="med"/>
+                      <a:tailEnd type="none" w="med" len="med"/>
+                    </a:lnL>
+                    <a:lnR w="6350" cap="flat" cmpd="sng" algn="ctr">
+                      <a:noFill/>
+                      <a:prstDash val="solid"/>
+                      <a:round/>
+                      <a:headEnd type="none" w="med" len="med"/>
+                      <a:tailEnd type="none" w="med" len="med"/>
+                    </a:lnR>
+                    <a:lnT w="6350" cap="flat" cmpd="sng" algn="ctr">
+                      <a:solidFill>
+                        <a:schemeClr val="bg1">
+                          <a:lumMod val="75000"/>
+                        </a:schemeClr>
+                      </a:solidFill>
+                      <a:prstDash val="solid"/>
+                      <a:round/>
+                      <a:headEnd type="none" w="med" len="med"/>
+                      <a:tailEnd type="none" w="med" len="med"/>
+                    </a:lnT>
+                    <a:lnB w="6350" cap="flat" cmpd="sng" algn="ctr">
+                      <a:solidFill>
+                        <a:schemeClr val="bg1">
+                          <a:lumMod val="75000"/>
+                        </a:schemeClr>
+                      </a:solidFill>
+                      <a:prstDash val="solid"/>
+                      <a:round/>
+                      <a:headEnd type="none" w="med" len="med"/>
+                      <a:tailEnd type="none" w="med" len="med"/>
+                    </a:lnB>
+                    <a:lnTlToBr>
+                      <a:noFill/>
+                    </a:lnTlToBr>
+                    <a:lnBlToTr>
+                      <a:noFill/>
+                    </a:lnBlToTr>
+                    <a:noFill/>
+                  </a:tcPr>
+                </a:tc>
+                <a:tc>
+                  <a:txBody>
+                    <a:bodyPr/>
+                    <a:lstStyle/>
+                    <a:p>
+                      <a:pPr marL="257175" marR="0" lvl="0" indent="-171450" algn="l" defTabSz="914400" rtl="0" eaLnBrk="1" fontAlgn="base" latinLnBrk="1" hangingPunct="1">
+                        <a:lnSpc>
+                          <a:spcPct val="110000"/>
+                        </a:lnSpc>
+                        <a:spcBef>
+                          <a:spcPct val="20000"/>
+                        </a:spcBef>
+                        <a:spcAft>
+                          <a:spcPct val="0"/>
+                        </a:spcAft>
+                        <a:buClrTx/>
+                        <a:buSzTx/>
+                        <a:buFont typeface="Arial" pitchFamily="34" charset="0"/>
+                        <a:buChar char="•"/>
+                        <a:tabLst/>
+                        <a:defRPr/>
+                      </a:pPr>
+                      <a:endParaRPr kumimoji="1" lang="en-US" altLang="ko-KR" sz="800" b="0" i="0" u="none" strike="noStrike" cap="none" normalizeH="0" baseline="0" dirty="0">
+                        <a:ln>
+                          <a:noFill/>
+                        </a:ln>
+                        <a:solidFill>
+                          <a:srgbClr val="000000"/>
+                        </a:solidFill>
+                        <a:effectLst/>
+                        <a:latin typeface="맑은 고딕" pitchFamily="50" charset="-127"/>
+                        <a:ea typeface="+mn-ea"/>
+                        <a:sym typeface="Arial" charset="0"/>
+                      </a:endParaRPr>
+                    </a:p>
+                  </a:txBody>
+                  <a:tcPr marL="90000" marR="90000" marT="46800" marB="46800" anchor="ctr" horzOverflow="overflow">
+                    <a:lnL w="6350" cap="flat" cmpd="sng" algn="ctr">
+                      <a:noFill/>
+                      <a:prstDash val="solid"/>
+                      <a:round/>
+                      <a:headEnd type="none" w="med" len="med"/>
+                      <a:tailEnd type="none" w="med" len="med"/>
+                    </a:lnL>
+                    <a:lnR w="6350" cap="flat" cmpd="sng" algn="ctr">
+                      <a:noFill/>
+                      <a:prstDash val="solid"/>
+                      <a:round/>
+                      <a:headEnd type="none" w="med" len="med"/>
+                      <a:tailEnd type="none" w="med" len="med"/>
+                    </a:lnR>
+                    <a:lnT w="6350" cap="flat" cmpd="sng" algn="ctr">
+                      <a:solidFill>
+                        <a:schemeClr val="bg1">
+                          <a:lumMod val="75000"/>
+                        </a:schemeClr>
+                      </a:solidFill>
+                      <a:prstDash val="solid"/>
+                      <a:round/>
+                      <a:headEnd type="none" w="med" len="med"/>
+                      <a:tailEnd type="none" w="med" len="med"/>
+                    </a:lnT>
+                    <a:lnB w="6350" cap="flat" cmpd="sng" algn="ctr">
+                      <a:solidFill>
+                        <a:schemeClr val="bg1">
+                          <a:lumMod val="75000"/>
+                        </a:schemeClr>
+                      </a:solidFill>
+                      <a:prstDash val="solid"/>
+                      <a:round/>
+                      <a:headEnd type="none" w="med" len="med"/>
+                      <a:tailEnd type="none" w="med" len="med"/>
+                    </a:lnB>
+                    <a:lnTlToBr>
+                      <a:noFill/>
+                    </a:lnTlToBr>
+                    <a:lnBlToTr>
+                      <a:noFill/>
+                    </a:lnBlToTr>
+                    <a:noFill/>
+                  </a:tcPr>
+                </a:tc>
+                <a:tc>
+                  <a:txBody>
+                    <a:bodyPr/>
+                    <a:lstStyle/>
+                    <a:p>
+                      <a:pPr marL="0" marR="0" lvl="0" indent="0" algn="ctr" defTabSz="914400" rtl="0" eaLnBrk="0" fontAlgn="base" latinLnBrk="1" hangingPunct="0">
+                        <a:lnSpc>
+                          <a:spcPct val="110000"/>
+                        </a:lnSpc>
+                        <a:spcBef>
+                          <a:spcPct val="20000"/>
+                        </a:spcBef>
+                        <a:spcAft>
+                          <a:spcPct val="0"/>
+                        </a:spcAft>
+                        <a:buClrTx/>
+                        <a:buSzTx/>
+                        <a:buFont typeface="산돌고딕 L" pitchFamily="18" charset="-127"/>
+                        <a:buNone/>
+                        <a:tabLst/>
+                        <a:defRPr/>
+                      </a:pPr>
+                      <a:endParaRPr kumimoji="1" lang="ko-KR" altLang="en-US" sz="800" b="0" i="0" u="none" strike="noStrike" kern="1200" cap="none" spc="0" normalizeH="0" baseline="0" noProof="0" dirty="0">
+                        <a:ln>
+                          <a:noFill/>
+                        </a:ln>
+                        <a:solidFill>
+                          <a:prstClr val="black"/>
+                        </a:solidFill>
+                        <a:effectLst/>
+                        <a:uLnTx/>
+                        <a:uFillTx/>
+                        <a:latin typeface="맑은 고딕" pitchFamily="50" charset="-127"/>
+                        <a:ea typeface="맑은 고딕" pitchFamily="50" charset="-127"/>
+                        <a:cs typeface="+mn-cs"/>
+                        <a:sym typeface="Arial" charset="0"/>
+                      </a:endParaRPr>
+                    </a:p>
+                  </a:txBody>
+                  <a:tcPr marL="90000" marR="90000" marT="46800" marB="46800" anchor="ctr" horzOverflow="overflow">
+                    <a:lnL w="6350" cap="flat" cmpd="sng" algn="ctr">
+                      <a:noFill/>
+                      <a:prstDash val="solid"/>
+                      <a:round/>
+                      <a:headEnd type="none" w="med" len="med"/>
+                      <a:tailEnd type="none" w="med" len="med"/>
+                    </a:lnL>
+                    <a:lnR w="12700" cap="flat" cmpd="sng" algn="ctr">
+                      <a:solidFill>
+                        <a:srgbClr val="FFFFFF"/>
+                      </a:solidFill>
+                      <a:prstDash val="solid"/>
+                      <a:round/>
+                      <a:headEnd type="none" w="med" len="med"/>
+                      <a:tailEnd type="none" w="med" len="med"/>
+                    </a:lnR>
+                    <a:lnT w="6350" cap="flat" cmpd="sng" algn="ctr">
+                      <a:solidFill>
+                        <a:schemeClr val="bg1">
+                          <a:lumMod val="75000"/>
+                        </a:schemeClr>
+                      </a:solidFill>
+                      <a:prstDash val="solid"/>
+                      <a:round/>
+                      <a:headEnd type="none" w="med" len="med"/>
+                      <a:tailEnd type="none" w="med" len="med"/>
+                    </a:lnT>
+                    <a:lnB w="6350" cap="flat" cmpd="sng" algn="ctr">
+                      <a:solidFill>
+                        <a:schemeClr val="bg1">
+                          <a:lumMod val="75000"/>
+                        </a:schemeClr>
+                      </a:solidFill>
+                      <a:prstDash val="solid"/>
+                      <a:round/>
+                      <a:headEnd type="none" w="med" len="med"/>
+                      <a:tailEnd type="none" w="med" len="med"/>
+                    </a:lnB>
+                    <a:lnTlToBr>
+                      <a:noFill/>
+                    </a:lnTlToBr>
+                    <a:lnBlToTr>
+                      <a:noFill/>
+                    </a:lnBlToTr>
+                    <a:noFill/>
+                  </a:tcPr>
+                </a:tc>
+                <a:extLst>
+                  <a:ext uri="{0D108BD9-81ED-4DB2-BD59-A6C34878D82A}">
+                    <a16:rowId xmlns:a16="http://schemas.microsoft.com/office/drawing/2014/main" val="3275046358"/>
+                  </a:ext>
+                </a:extLst>
+              </a:tr>
+              <a:tr h="137754">
+                <a:tc>
+                  <a:txBody>
+                    <a:bodyPr/>
+                    <a:lstStyle/>
+                    <a:p>
+                      <a:pPr marL="0" marR="0" lvl="0" indent="0" algn="ctr" defTabSz="914400" rtl="0" eaLnBrk="0" fontAlgn="base" latinLnBrk="1" hangingPunct="0">
+                        <a:lnSpc>
+                          <a:spcPct val="110000"/>
+                        </a:lnSpc>
+                        <a:spcBef>
+                          <a:spcPct val="20000"/>
+                        </a:spcBef>
+                        <a:spcAft>
+                          <a:spcPct val="0"/>
+                        </a:spcAft>
+                        <a:buClrTx/>
+                        <a:buSzTx/>
+                        <a:buFont typeface="산돌고딕 L" pitchFamily="18" charset="-127"/>
+                        <a:buNone/>
+                        <a:tabLst/>
+                      </a:pPr>
+                      <a:endParaRPr kumimoji="1" lang="en-US" altLang="ko-KR" sz="800" b="0" i="0" u="none" strike="noStrike" cap="none" normalizeH="0" baseline="0" dirty="0">
+                        <a:ln>
+                          <a:noFill/>
+                        </a:ln>
+                        <a:solidFill>
+                          <a:srgbClr val="000000"/>
+                        </a:solidFill>
+                        <a:effectLst/>
+                        <a:latin typeface="맑은 고딕" pitchFamily="50" charset="-127"/>
+                        <a:ea typeface="맑은 고딕" pitchFamily="50" charset="-127"/>
+                        <a:sym typeface="Arial" charset="0"/>
+                      </a:endParaRPr>
+                    </a:p>
+                  </a:txBody>
+                  <a:tcPr marL="90000" marR="90000" marT="46800" marB="46800" anchor="ctr" horzOverflow="overflow">
+                    <a:lnL w="12700" cap="flat" cmpd="sng" algn="ctr">
+                      <a:solidFill>
+                        <a:srgbClr val="FFFFFF"/>
+                      </a:solidFill>
+                      <a:prstDash val="solid"/>
+                      <a:round/>
+                      <a:headEnd type="none" w="med" len="med"/>
+                      <a:tailEnd type="none" w="med" len="med"/>
+                    </a:lnL>
+                    <a:lnR w="6350" cap="flat" cmpd="sng" algn="ctr">
+                      <a:noFill/>
+                      <a:prstDash val="solid"/>
+                      <a:round/>
+                      <a:headEnd type="none" w="med" len="med"/>
+                      <a:tailEnd type="none" w="med" len="med"/>
+                    </a:lnR>
+                    <a:lnT w="6350" cap="flat" cmpd="sng" algn="ctr">
+                      <a:solidFill>
+                        <a:schemeClr val="bg1">
+                          <a:lumMod val="75000"/>
+                        </a:schemeClr>
+                      </a:solidFill>
+                      <a:prstDash val="solid"/>
+                      <a:round/>
+                      <a:headEnd type="none" w="med" len="med"/>
+                      <a:tailEnd type="none" w="med" len="med"/>
+                    </a:lnT>
+                    <a:lnB w="6350" cap="flat" cmpd="sng" algn="ctr">
+                      <a:solidFill>
+                        <a:schemeClr val="bg1">
+                          <a:lumMod val="75000"/>
+                        </a:schemeClr>
+                      </a:solidFill>
+                      <a:prstDash val="solid"/>
+                      <a:round/>
+                      <a:headEnd type="none" w="med" len="med"/>
+                      <a:tailEnd type="none" w="med" len="med"/>
+                    </a:lnB>
+                    <a:lnTlToBr>
+                      <a:noFill/>
+                    </a:lnTlToBr>
+                    <a:lnBlToTr>
+                      <a:noFill/>
+                    </a:lnBlToTr>
+                    <a:noFill/>
+                  </a:tcPr>
+                </a:tc>
+                <a:tc>
+                  <a:txBody>
+                    <a:bodyPr/>
+                    <a:lstStyle/>
+                    <a:p>
+                      <a:pPr marL="0" marR="0" lvl="0" indent="0" algn="ctr" defTabSz="914400" rtl="0" eaLnBrk="0" fontAlgn="base" latinLnBrk="1" hangingPunct="0">
+                        <a:lnSpc>
+                          <a:spcPct val="110000"/>
+                        </a:lnSpc>
+                        <a:spcBef>
+                          <a:spcPct val="20000"/>
+                        </a:spcBef>
+                        <a:spcAft>
+                          <a:spcPct val="0"/>
+                        </a:spcAft>
+                        <a:buClrTx/>
+                        <a:buSzTx/>
+                        <a:buFont typeface="산돌고딕 L" pitchFamily="18" charset="-127"/>
+                        <a:buNone/>
+                        <a:tabLst/>
+                      </a:pPr>
+                      <a:endParaRPr kumimoji="1" lang="en-US" altLang="ko-KR" sz="800" b="0" i="0" u="none" strike="noStrike" cap="none" normalizeH="0" baseline="0" dirty="0">
+                        <a:ln>
+                          <a:noFill/>
+                        </a:ln>
+                        <a:solidFill>
+                          <a:srgbClr val="000000"/>
+                        </a:solidFill>
+                        <a:effectLst/>
+                        <a:latin typeface="맑은 고딕" pitchFamily="50" charset="-127"/>
+                        <a:ea typeface="맑은 고딕" pitchFamily="50" charset="-127"/>
+                        <a:sym typeface="Arial" charset="0"/>
+                      </a:endParaRPr>
+                    </a:p>
+                  </a:txBody>
+                  <a:tcPr marL="90000" marR="90000" marT="46800" marB="46800" anchor="ctr" horzOverflow="overflow">
+                    <a:lnL w="6350" cap="flat" cmpd="sng" algn="ctr">
+                      <a:noFill/>
+                      <a:prstDash val="solid"/>
+                      <a:round/>
+                      <a:headEnd type="none" w="med" len="med"/>
+                      <a:tailEnd type="none" w="med" len="med"/>
+                    </a:lnL>
+                    <a:lnR w="6350" cap="flat" cmpd="sng" algn="ctr">
+                      <a:noFill/>
+                      <a:prstDash val="solid"/>
+                      <a:round/>
+                      <a:headEnd type="none" w="med" len="med"/>
+                      <a:tailEnd type="none" w="med" len="med"/>
+                    </a:lnR>
+                    <a:lnT w="6350" cap="flat" cmpd="sng" algn="ctr">
+                      <a:solidFill>
+                        <a:schemeClr val="bg1">
+                          <a:lumMod val="75000"/>
+                        </a:schemeClr>
+                      </a:solidFill>
+                      <a:prstDash val="solid"/>
+                      <a:round/>
+                      <a:headEnd type="none" w="med" len="med"/>
+                      <a:tailEnd type="none" w="med" len="med"/>
+                    </a:lnT>
+                    <a:lnB w="6350" cap="flat" cmpd="sng" algn="ctr">
+                      <a:solidFill>
+                        <a:schemeClr val="bg1">
+                          <a:lumMod val="75000"/>
+                        </a:schemeClr>
+                      </a:solidFill>
+                      <a:prstDash val="solid"/>
+                      <a:round/>
+                      <a:headEnd type="none" w="med" len="med"/>
+                      <a:tailEnd type="none" w="med" len="med"/>
+                    </a:lnB>
+                    <a:lnTlToBr>
+                      <a:noFill/>
+                    </a:lnTlToBr>
+                    <a:lnBlToTr>
+                      <a:noFill/>
+                    </a:lnBlToTr>
+                    <a:noFill/>
+                  </a:tcPr>
+                </a:tc>
+                <a:tc>
+                  <a:txBody>
+                    <a:bodyPr/>
+                    <a:lstStyle/>
+                    <a:p>
+                      <a:pPr marL="257175" marR="0" lvl="0" indent="-171450" algn="l" defTabSz="914400" rtl="0" eaLnBrk="1" fontAlgn="base" latinLnBrk="1" hangingPunct="1">
+                        <a:lnSpc>
+                          <a:spcPct val="110000"/>
+                        </a:lnSpc>
+                        <a:spcBef>
+                          <a:spcPct val="20000"/>
+                        </a:spcBef>
+                        <a:spcAft>
+                          <a:spcPct val="0"/>
+                        </a:spcAft>
+                        <a:buClrTx/>
+                        <a:buSzTx/>
+                        <a:buFont typeface="Arial" pitchFamily="34" charset="0"/>
+                        <a:buChar char="•"/>
+                        <a:tabLst/>
+                        <a:defRPr/>
+                      </a:pPr>
+                      <a:endParaRPr kumimoji="1" lang="en-US" altLang="ko-KR" sz="800" b="0" i="0" u="none" strike="noStrike" cap="none" normalizeH="0" baseline="0" dirty="0">
+                        <a:ln>
+                          <a:noFill/>
+                        </a:ln>
+                        <a:solidFill>
+                          <a:srgbClr val="000000"/>
+                        </a:solidFill>
+                        <a:effectLst/>
+                        <a:latin typeface="맑은 고딕" pitchFamily="50" charset="-127"/>
+                        <a:ea typeface="+mn-ea"/>
+                        <a:sym typeface="Arial" charset="0"/>
+                      </a:endParaRPr>
+                    </a:p>
+                  </a:txBody>
+                  <a:tcPr marL="90000" marR="90000" marT="46800" marB="46800" anchor="ctr" horzOverflow="overflow">
+                    <a:lnL w="6350" cap="flat" cmpd="sng" algn="ctr">
+                      <a:noFill/>
+                      <a:prstDash val="solid"/>
+                      <a:round/>
+                      <a:headEnd type="none" w="med" len="med"/>
+                      <a:tailEnd type="none" w="med" len="med"/>
+                    </a:lnL>
+                    <a:lnR w="6350" cap="flat" cmpd="sng" algn="ctr">
+                      <a:noFill/>
+                      <a:prstDash val="solid"/>
+                      <a:round/>
+                      <a:headEnd type="none" w="med" len="med"/>
+                      <a:tailEnd type="none" w="med" len="med"/>
+                    </a:lnR>
+                    <a:lnT w="6350" cap="flat" cmpd="sng" algn="ctr">
+                      <a:solidFill>
+                        <a:schemeClr val="bg1">
+                          <a:lumMod val="75000"/>
+                        </a:schemeClr>
+                      </a:solidFill>
+                      <a:prstDash val="solid"/>
+                      <a:round/>
+                      <a:headEnd type="none" w="med" len="med"/>
+                      <a:tailEnd type="none" w="med" len="med"/>
+                    </a:lnT>
+                    <a:lnB w="6350" cap="flat" cmpd="sng" algn="ctr">
+                      <a:solidFill>
+                        <a:schemeClr val="bg1">
+                          <a:lumMod val="75000"/>
+                        </a:schemeClr>
+                      </a:solidFill>
+                      <a:prstDash val="solid"/>
+                      <a:round/>
+                      <a:headEnd type="none" w="med" len="med"/>
+                      <a:tailEnd type="none" w="med" len="med"/>
+                    </a:lnB>
+                    <a:lnTlToBr>
+                      <a:noFill/>
+                    </a:lnTlToBr>
+                    <a:lnBlToTr>
+                      <a:noFill/>
+                    </a:lnBlToTr>
+                    <a:noFill/>
+                  </a:tcPr>
+                </a:tc>
+                <a:tc>
+                  <a:txBody>
+                    <a:bodyPr/>
+                    <a:lstStyle/>
+                    <a:p>
+                      <a:pPr marL="0" marR="0" lvl="0" indent="0" algn="ctr" defTabSz="914400" rtl="0" eaLnBrk="0" fontAlgn="base" latinLnBrk="1" hangingPunct="0">
+                        <a:lnSpc>
+                          <a:spcPct val="110000"/>
+                        </a:lnSpc>
+                        <a:spcBef>
+                          <a:spcPct val="20000"/>
+                        </a:spcBef>
+                        <a:spcAft>
+                          <a:spcPct val="0"/>
+                        </a:spcAft>
+                        <a:buClrTx/>
+                        <a:buSzTx/>
+                        <a:buFont typeface="산돌고딕 L" pitchFamily="18" charset="-127"/>
+                        <a:buNone/>
+                        <a:tabLst/>
+                        <a:defRPr/>
+                      </a:pPr>
+                      <a:endParaRPr kumimoji="1" lang="ko-KR" altLang="en-US" sz="800" b="0" i="0" u="none" strike="noStrike" kern="1200" cap="none" spc="0" normalizeH="0" baseline="0" noProof="0" dirty="0">
+                        <a:ln>
+                          <a:noFill/>
+                        </a:ln>
+                        <a:solidFill>
+                          <a:prstClr val="black"/>
+                        </a:solidFill>
+                        <a:effectLst/>
+                        <a:uLnTx/>
+                        <a:uFillTx/>
+                        <a:latin typeface="맑은 고딕" pitchFamily="50" charset="-127"/>
+                        <a:ea typeface="맑은 고딕" pitchFamily="50" charset="-127"/>
+                        <a:cs typeface="+mn-cs"/>
+                        <a:sym typeface="Arial" charset="0"/>
+                      </a:endParaRPr>
+                    </a:p>
+                  </a:txBody>
+                  <a:tcPr marL="90000" marR="90000" marT="46800" marB="46800" anchor="ctr" horzOverflow="overflow">
+                    <a:lnL w="6350" cap="flat" cmpd="sng" algn="ctr">
+                      <a:noFill/>
+                      <a:prstDash val="solid"/>
+                      <a:round/>
+                      <a:headEnd type="none" w="med" len="med"/>
+                      <a:tailEnd type="none" w="med" len="med"/>
+                    </a:lnL>
+                    <a:lnR w="12700" cap="flat" cmpd="sng" algn="ctr">
+                      <a:solidFill>
+                        <a:srgbClr val="FFFFFF"/>
+                      </a:solidFill>
+                      <a:prstDash val="solid"/>
+                      <a:round/>
+                      <a:headEnd type="none" w="med" len="med"/>
+                      <a:tailEnd type="none" w="med" len="med"/>
+                    </a:lnR>
+                    <a:lnT w="6350" cap="flat" cmpd="sng" algn="ctr">
+                      <a:solidFill>
+                        <a:schemeClr val="bg1">
+                          <a:lumMod val="75000"/>
+                        </a:schemeClr>
+                      </a:solidFill>
+                      <a:prstDash val="solid"/>
+                      <a:round/>
+                      <a:headEnd type="none" w="med" len="med"/>
+                      <a:tailEnd type="none" w="med" len="med"/>
+                    </a:lnT>
+                    <a:lnB w="6350" cap="flat" cmpd="sng" algn="ctr">
+                      <a:solidFill>
+                        <a:schemeClr val="bg1">
+                          <a:lumMod val="75000"/>
+                        </a:schemeClr>
+                      </a:solidFill>
+                      <a:prstDash val="solid"/>
+                      <a:round/>
+                      <a:headEnd type="none" w="med" len="med"/>
+                      <a:tailEnd type="none" w="med" len="med"/>
+                    </a:lnB>
+                    <a:lnTlToBr>
+                      <a:noFill/>
+                    </a:lnTlToBr>
+                    <a:lnBlToTr>
+                      <a:noFill/>
+                    </a:lnBlToTr>
+                    <a:noFill/>
+                  </a:tcPr>
+                </a:tc>
+                <a:extLst>
+                  <a:ext uri="{0D108BD9-81ED-4DB2-BD59-A6C34878D82A}">
+                    <a16:rowId xmlns:a16="http://schemas.microsoft.com/office/drawing/2014/main" val="825368511"/>
+                  </a:ext>
+                </a:extLst>
+              </a:tr>
+              <a:tr h="137754">
+                <a:tc>
+                  <a:txBody>
+                    <a:bodyPr/>
+                    <a:lstStyle/>
+                    <a:p>
+                      <a:pPr marL="0" marR="0" lvl="0" indent="0" algn="ctr" defTabSz="914400" rtl="0" eaLnBrk="0" fontAlgn="base" latinLnBrk="1" hangingPunct="0">
+                        <a:lnSpc>
+                          <a:spcPct val="110000"/>
+                        </a:lnSpc>
+                        <a:spcBef>
+                          <a:spcPct val="20000"/>
+                        </a:spcBef>
+                        <a:spcAft>
+                          <a:spcPct val="0"/>
+                        </a:spcAft>
+                        <a:buClrTx/>
+                        <a:buSzTx/>
+                        <a:buFont typeface="산돌고딕 L" pitchFamily="18" charset="-127"/>
+                        <a:buNone/>
+                        <a:tabLst/>
+                      </a:pPr>
+                      <a:endParaRPr kumimoji="1" lang="en-US" altLang="ko-KR" sz="800" b="0" i="0" u="none" strike="noStrike" cap="none" normalizeH="0" baseline="0" dirty="0">
+                        <a:ln>
+                          <a:noFill/>
+                        </a:ln>
+                        <a:solidFill>
+                          <a:srgbClr val="000000"/>
+                        </a:solidFill>
+                        <a:effectLst/>
+                        <a:latin typeface="맑은 고딕" pitchFamily="50" charset="-127"/>
+                        <a:ea typeface="맑은 고딕" pitchFamily="50" charset="-127"/>
+                        <a:sym typeface="Arial" charset="0"/>
+                      </a:endParaRPr>
+                    </a:p>
+                  </a:txBody>
+                  <a:tcPr marL="90000" marR="90000" marT="46800" marB="46800" anchor="ctr" horzOverflow="overflow">
+                    <a:lnL w="12700" cap="flat" cmpd="sng" algn="ctr">
+                      <a:solidFill>
+                        <a:srgbClr val="FFFFFF"/>
+                      </a:solidFill>
+                      <a:prstDash val="solid"/>
+                      <a:round/>
+                      <a:headEnd type="none" w="med" len="med"/>
+                      <a:tailEnd type="none" w="med" len="med"/>
+                    </a:lnL>
+                    <a:lnR w="6350" cap="flat" cmpd="sng" algn="ctr">
+                      <a:noFill/>
+                      <a:prstDash val="solid"/>
+                      <a:round/>
+                      <a:headEnd type="none" w="med" len="med"/>
+                      <a:tailEnd type="none" w="med" len="med"/>
+                    </a:lnR>
+                    <a:lnT w="6350" cap="flat" cmpd="sng" algn="ctr">
+                      <a:solidFill>
+                        <a:schemeClr val="bg1">
+                          <a:lumMod val="75000"/>
+                        </a:schemeClr>
+                      </a:solidFill>
+                      <a:prstDash val="solid"/>
+                      <a:round/>
+                      <a:headEnd type="none" w="med" len="med"/>
+                      <a:tailEnd type="none" w="med" len="med"/>
+                    </a:lnT>
+                    <a:lnB w="6350" cap="flat" cmpd="sng" algn="ctr">
+                      <a:solidFill>
+                        <a:schemeClr val="bg1">
+                          <a:lumMod val="75000"/>
+                        </a:schemeClr>
+                      </a:solidFill>
+                      <a:prstDash val="solid"/>
+                      <a:round/>
+                      <a:headEnd type="none" w="med" len="med"/>
+                      <a:tailEnd type="none" w="med" len="med"/>
+                    </a:lnB>
+                    <a:lnTlToBr>
+                      <a:noFill/>
+                    </a:lnTlToBr>
+                    <a:lnBlToTr>
+                      <a:noFill/>
+                    </a:lnBlToTr>
+                    <a:noFill/>
+                  </a:tcPr>
+                </a:tc>
+                <a:tc>
+                  <a:txBody>
+                    <a:bodyPr/>
+                    <a:lstStyle/>
+                    <a:p>
+                      <a:pPr marL="0" marR="0" lvl="0" indent="0" algn="ctr" defTabSz="914400" rtl="0" eaLnBrk="0" fontAlgn="base" latinLnBrk="1" hangingPunct="0">
+                        <a:lnSpc>
+                          <a:spcPct val="110000"/>
+                        </a:lnSpc>
+                        <a:spcBef>
+                          <a:spcPct val="20000"/>
+                        </a:spcBef>
+                        <a:spcAft>
+                          <a:spcPct val="0"/>
+                        </a:spcAft>
+                        <a:buClrTx/>
+                        <a:buSzTx/>
+                        <a:buFont typeface="산돌고딕 L" pitchFamily="18" charset="-127"/>
+                        <a:buNone/>
+                        <a:tabLst/>
+                      </a:pPr>
+                      <a:endParaRPr kumimoji="1" lang="en-US" altLang="ko-KR" sz="800" b="0" i="0" u="none" strike="noStrike" cap="none" normalizeH="0" baseline="0" dirty="0">
+                        <a:ln>
+                          <a:noFill/>
+                        </a:ln>
+                        <a:solidFill>
+                          <a:srgbClr val="000000"/>
+                        </a:solidFill>
+                        <a:effectLst/>
+                        <a:latin typeface="맑은 고딕" pitchFamily="50" charset="-127"/>
+                        <a:ea typeface="맑은 고딕" pitchFamily="50" charset="-127"/>
+                        <a:sym typeface="Arial" charset="0"/>
+                      </a:endParaRPr>
+                    </a:p>
+                  </a:txBody>
+                  <a:tcPr marL="90000" marR="90000" marT="46800" marB="46800" anchor="ctr" horzOverflow="overflow">
+                    <a:lnL w="6350" cap="flat" cmpd="sng" algn="ctr">
+                      <a:noFill/>
+                      <a:prstDash val="solid"/>
+                      <a:round/>
+                      <a:headEnd type="none" w="med" len="med"/>
+                      <a:tailEnd type="none" w="med" len="med"/>
+                    </a:lnL>
+                    <a:lnR w="6350" cap="flat" cmpd="sng" algn="ctr">
+                      <a:noFill/>
+                      <a:prstDash val="solid"/>
+                      <a:round/>
+                      <a:headEnd type="none" w="med" len="med"/>
+                      <a:tailEnd type="none" w="med" len="med"/>
+                    </a:lnR>
+                    <a:lnT w="6350" cap="flat" cmpd="sng" algn="ctr">
+                      <a:solidFill>
+                        <a:schemeClr val="bg1">
+                          <a:lumMod val="75000"/>
+                        </a:schemeClr>
+                      </a:solidFill>
+                      <a:prstDash val="solid"/>
+                      <a:round/>
+                      <a:headEnd type="none" w="med" len="med"/>
+                      <a:tailEnd type="none" w="med" len="med"/>
+                    </a:lnT>
+                    <a:lnB w="6350" cap="flat" cmpd="sng" algn="ctr">
+                      <a:solidFill>
+                        <a:schemeClr val="bg1">
+                          <a:lumMod val="75000"/>
+                        </a:schemeClr>
+                      </a:solidFill>
+                      <a:prstDash val="solid"/>
+                      <a:round/>
+                      <a:headEnd type="none" w="med" len="med"/>
+                      <a:tailEnd type="none" w="med" len="med"/>
+                    </a:lnB>
+                    <a:lnTlToBr>
+                      <a:noFill/>
+                    </a:lnTlToBr>
+                    <a:lnBlToTr>
+                      <a:noFill/>
+                    </a:lnBlToTr>
+                    <a:noFill/>
+                  </a:tcPr>
+                </a:tc>
+                <a:tc>
+                  <a:txBody>
+                    <a:bodyPr/>
+                    <a:lstStyle/>
+                    <a:p>
+                      <a:pPr marL="257175" marR="0" lvl="0" indent="-171450" algn="l" defTabSz="914400" rtl="0" eaLnBrk="1" fontAlgn="base" latinLnBrk="1" hangingPunct="1">
+                        <a:lnSpc>
+                          <a:spcPct val="110000"/>
+                        </a:lnSpc>
+                        <a:spcBef>
+                          <a:spcPct val="20000"/>
+                        </a:spcBef>
+                        <a:spcAft>
+                          <a:spcPct val="0"/>
+                        </a:spcAft>
+                        <a:buClrTx/>
+                        <a:buSzTx/>
+                        <a:buFont typeface="Arial" pitchFamily="34" charset="0"/>
+                        <a:buChar char="•"/>
+                        <a:tabLst/>
+                        <a:defRPr/>
+                      </a:pPr>
+                      <a:endParaRPr kumimoji="1" lang="en-US" altLang="ko-KR" sz="800" b="0" i="0" u="none" strike="noStrike" cap="none" normalizeH="0" baseline="0" dirty="0">
+                        <a:ln>
+                          <a:noFill/>
+                        </a:ln>
+                        <a:solidFill>
+                          <a:srgbClr val="000000"/>
+                        </a:solidFill>
+                        <a:effectLst/>
+                        <a:latin typeface="맑은 고딕" pitchFamily="50" charset="-127"/>
+                        <a:ea typeface="+mn-ea"/>
+                        <a:sym typeface="Arial" charset="0"/>
+                      </a:endParaRPr>
+                    </a:p>
+                  </a:txBody>
+                  <a:tcPr marL="90000" marR="90000" marT="46800" marB="46800" anchor="ctr" horzOverflow="overflow">
+                    <a:lnL w="6350" cap="flat" cmpd="sng" algn="ctr">
+                      <a:noFill/>
+                      <a:prstDash val="solid"/>
+                      <a:round/>
+                      <a:headEnd type="none" w="med" len="med"/>
+                      <a:tailEnd type="none" w="med" len="med"/>
+                    </a:lnL>
+                    <a:lnR w="6350" cap="flat" cmpd="sng" algn="ctr">
+                      <a:noFill/>
+                      <a:prstDash val="solid"/>
+                      <a:round/>
+                      <a:headEnd type="none" w="med" len="med"/>
+                      <a:tailEnd type="none" w="med" len="med"/>
+                    </a:lnR>
+                    <a:lnT w="6350" cap="flat" cmpd="sng" algn="ctr">
+                      <a:solidFill>
+                        <a:schemeClr val="bg1">
+                          <a:lumMod val="75000"/>
+                        </a:schemeClr>
+                      </a:solidFill>
+                      <a:prstDash val="solid"/>
+                      <a:round/>
+                      <a:headEnd type="none" w="med" len="med"/>
+                      <a:tailEnd type="none" w="med" len="med"/>
+                    </a:lnT>
+                    <a:lnB w="6350" cap="flat" cmpd="sng" algn="ctr">
+                      <a:solidFill>
+                        <a:schemeClr val="bg1">
+                          <a:lumMod val="75000"/>
+                        </a:schemeClr>
+                      </a:solidFill>
+                      <a:prstDash val="solid"/>
+                      <a:round/>
+                      <a:headEnd type="none" w="med" len="med"/>
+                      <a:tailEnd type="none" w="med" len="med"/>
+                    </a:lnB>
+                    <a:lnTlToBr>
+                      <a:noFill/>
+                    </a:lnTlToBr>
+                    <a:lnBlToTr>
+                      <a:noFill/>
+                    </a:lnBlToTr>
+                    <a:noFill/>
+                  </a:tcPr>
+                </a:tc>
+                <a:tc>
+                  <a:txBody>
+                    <a:bodyPr/>
+                    <a:lstStyle/>
+                    <a:p>
+                      <a:pPr marL="0" marR="0" lvl="0" indent="0" algn="ctr" defTabSz="914400" rtl="0" eaLnBrk="0" fontAlgn="base" latinLnBrk="1" hangingPunct="0">
+                        <a:lnSpc>
+                          <a:spcPct val="110000"/>
+                        </a:lnSpc>
+                        <a:spcBef>
+                          <a:spcPct val="20000"/>
+                        </a:spcBef>
+                        <a:spcAft>
+                          <a:spcPct val="0"/>
+                        </a:spcAft>
+                        <a:buClrTx/>
+                        <a:buSzTx/>
+                        <a:buFont typeface="산돌고딕 L" pitchFamily="18" charset="-127"/>
+                        <a:buNone/>
+                        <a:tabLst/>
+                        <a:defRPr/>
+                      </a:pPr>
+                      <a:endParaRPr kumimoji="1" lang="ko-KR" altLang="en-US" sz="800" b="0" i="0" u="none" strike="noStrike" kern="1200" cap="none" spc="0" normalizeH="0" baseline="0" noProof="0" dirty="0">
+                        <a:ln>
+                          <a:noFill/>
+                        </a:ln>
+                        <a:solidFill>
+                          <a:prstClr val="black"/>
+                        </a:solidFill>
+                        <a:effectLst/>
+                        <a:uLnTx/>
+                        <a:uFillTx/>
+                        <a:latin typeface="맑은 고딕" pitchFamily="50" charset="-127"/>
+                        <a:ea typeface="맑은 고딕" pitchFamily="50" charset="-127"/>
+                        <a:cs typeface="+mn-cs"/>
+                        <a:sym typeface="Arial" charset="0"/>
+                      </a:endParaRPr>
+                    </a:p>
+                  </a:txBody>
+                  <a:tcPr marL="90000" marR="90000" marT="46800" marB="46800" anchor="ctr" horzOverflow="overflow">
+                    <a:lnL w="6350" cap="flat" cmpd="sng" algn="ctr">
+                      <a:noFill/>
+                      <a:prstDash val="solid"/>
+                      <a:round/>
+                      <a:headEnd type="none" w="med" len="med"/>
+                      <a:tailEnd type="none" w="med" len="med"/>
+                    </a:lnL>
+                    <a:lnR w="12700" cap="flat" cmpd="sng" algn="ctr">
+                      <a:solidFill>
+                        <a:srgbClr val="FFFFFF"/>
+                      </a:solidFill>
+                      <a:prstDash val="solid"/>
+                      <a:round/>
+                      <a:headEnd type="none" w="med" len="med"/>
+                      <a:tailEnd type="none" w="med" len="med"/>
+                    </a:lnR>
+                    <a:lnT w="6350" cap="flat" cmpd="sng" algn="ctr">
+                      <a:solidFill>
+                        <a:schemeClr val="bg1">
+                          <a:lumMod val="75000"/>
+                        </a:schemeClr>
+                      </a:solidFill>
+                      <a:prstDash val="solid"/>
+                      <a:round/>
+                      <a:headEnd type="none" w="med" len="med"/>
+                      <a:tailEnd type="none" w="med" len="med"/>
+                    </a:lnT>
+                    <a:lnB w="6350" cap="flat" cmpd="sng" algn="ctr">
+                      <a:solidFill>
+                        <a:schemeClr val="bg1">
+                          <a:lumMod val="75000"/>
+                        </a:schemeClr>
+                      </a:solidFill>
+                      <a:prstDash val="solid"/>
+                      <a:round/>
+                      <a:headEnd type="none" w="med" len="med"/>
+                      <a:tailEnd type="none" w="med" len="med"/>
+                    </a:lnB>
+                    <a:lnTlToBr>
+                      <a:noFill/>
+                    </a:lnTlToBr>
+                    <a:lnBlToTr>
+                      <a:noFill/>
+                    </a:lnBlToTr>
+                    <a:noFill/>
+                  </a:tcPr>
+                </a:tc>
+                <a:extLst>
+                  <a:ext uri="{0D108BD9-81ED-4DB2-BD59-A6C34878D82A}">
+                    <a16:rowId xmlns:a16="http://schemas.microsoft.com/office/drawing/2014/main" val="1852430847"/>
+                  </a:ext>
+                </a:extLst>
+              </a:tr>
+              <a:tr h="137754">
+                <a:tc>
+                  <a:txBody>
+                    <a:bodyPr/>
+                    <a:lstStyle/>
+                    <a:p>
+                      <a:pPr marL="0" marR="0" lvl="0" indent="0" algn="ctr" defTabSz="914400" rtl="0" eaLnBrk="0" fontAlgn="base" latinLnBrk="1" hangingPunct="0">
+                        <a:lnSpc>
+                          <a:spcPct val="110000"/>
+                        </a:lnSpc>
+                        <a:spcBef>
+                          <a:spcPct val="20000"/>
+                        </a:spcBef>
+                        <a:spcAft>
+                          <a:spcPct val="0"/>
+                        </a:spcAft>
+                        <a:buClrTx/>
+                        <a:buSzTx/>
+                        <a:buFont typeface="산돌고딕 L" pitchFamily="18" charset="-127"/>
+                        <a:buNone/>
+                        <a:tabLst/>
+                      </a:pPr>
+                      <a:endParaRPr kumimoji="1" lang="en-US" altLang="ko-KR" sz="800" b="0" i="0" u="none" strike="noStrike" cap="none" normalizeH="0" baseline="0" dirty="0">
+                        <a:ln>
+                          <a:noFill/>
+                        </a:ln>
+                        <a:solidFill>
+                          <a:srgbClr val="000000"/>
+                        </a:solidFill>
+                        <a:effectLst/>
+                        <a:latin typeface="맑은 고딕" pitchFamily="50" charset="-127"/>
+                        <a:ea typeface="맑은 고딕" pitchFamily="50" charset="-127"/>
+                        <a:sym typeface="Arial" charset="0"/>
+                      </a:endParaRPr>
+                    </a:p>
+                  </a:txBody>
+                  <a:tcPr marL="90000" marR="90000" marT="46800" marB="46800" anchor="ctr" horzOverflow="overflow">
+                    <a:lnL w="12700" cap="flat" cmpd="sng" algn="ctr">
+                      <a:solidFill>
+                        <a:srgbClr val="FFFFFF"/>
+                      </a:solidFill>
+                      <a:prstDash val="solid"/>
+                      <a:round/>
+                      <a:headEnd type="none" w="med" len="med"/>
+                      <a:tailEnd type="none" w="med" len="med"/>
+                    </a:lnL>
+                    <a:lnR w="6350" cap="flat" cmpd="sng" algn="ctr">
+                      <a:noFill/>
+                      <a:prstDash val="solid"/>
+                      <a:round/>
+                      <a:headEnd type="none" w="med" len="med"/>
+                      <a:tailEnd type="none" w="med" len="med"/>
+                    </a:lnR>
+                    <a:lnT w="6350" cap="flat" cmpd="sng" algn="ctr">
+                      <a:solidFill>
+                        <a:schemeClr val="bg1">
+                          <a:lumMod val="75000"/>
+                        </a:schemeClr>
+                      </a:solidFill>
+                      <a:prstDash val="solid"/>
+                      <a:round/>
+                      <a:headEnd type="none" w="med" len="med"/>
+                      <a:tailEnd type="none" w="med" len="med"/>
+                    </a:lnT>
+                    <a:lnB w="6350" cap="flat" cmpd="sng" algn="ctr">
+                      <a:solidFill>
+                        <a:schemeClr val="bg1">
+                          <a:lumMod val="75000"/>
+                        </a:schemeClr>
+                      </a:solidFill>
+                      <a:prstDash val="solid"/>
+                      <a:round/>
+                      <a:headEnd type="none" w="med" len="med"/>
+                      <a:tailEnd type="none" w="med" len="med"/>
+                    </a:lnB>
+                    <a:lnTlToBr>
+                      <a:noFill/>
+                    </a:lnTlToBr>
+                    <a:lnBlToTr>
+                      <a:noFill/>
+                    </a:lnBlToTr>
+                    <a:noFill/>
+                  </a:tcPr>
+                </a:tc>
+                <a:tc>
+                  <a:txBody>
+                    <a:bodyPr/>
+                    <a:lstStyle/>
+                    <a:p>
+                      <a:pPr marL="0" marR="0" lvl="0" indent="0" algn="ctr" defTabSz="914400" rtl="0" eaLnBrk="0" fontAlgn="base" latinLnBrk="1" hangingPunct="0">
+                        <a:lnSpc>
+                          <a:spcPct val="110000"/>
+                        </a:lnSpc>
+                        <a:spcBef>
+                          <a:spcPct val="20000"/>
+                        </a:spcBef>
+                        <a:spcAft>
+                          <a:spcPct val="0"/>
+                        </a:spcAft>
+                        <a:buClrTx/>
+                        <a:buSzTx/>
+                        <a:buFont typeface="산돌고딕 L" pitchFamily="18" charset="-127"/>
+                        <a:buNone/>
+                        <a:tabLst/>
+                      </a:pPr>
+                      <a:endParaRPr kumimoji="1" lang="en-US" altLang="ko-KR" sz="800" b="0" i="0" u="none" strike="noStrike" cap="none" normalizeH="0" baseline="0" dirty="0">
+                        <a:ln>
+                          <a:noFill/>
+                        </a:ln>
+                        <a:solidFill>
+                          <a:srgbClr val="000000"/>
+                        </a:solidFill>
+                        <a:effectLst/>
+                        <a:latin typeface="맑은 고딕" pitchFamily="50" charset="-127"/>
+                        <a:ea typeface="맑은 고딕" pitchFamily="50" charset="-127"/>
+                        <a:sym typeface="Arial" charset="0"/>
+                      </a:endParaRPr>
+                    </a:p>
+                  </a:txBody>
+                  <a:tcPr marL="90000" marR="90000" marT="46800" marB="46800" anchor="ctr" horzOverflow="overflow">
+                    <a:lnL w="6350" cap="flat" cmpd="sng" algn="ctr">
+                      <a:noFill/>
+                      <a:prstDash val="solid"/>
+                      <a:round/>
+                      <a:headEnd type="none" w="med" len="med"/>
+                      <a:tailEnd type="none" w="med" len="med"/>
+                    </a:lnL>
+                    <a:lnR w="6350" cap="flat" cmpd="sng" algn="ctr">
+                      <a:noFill/>
+                      <a:prstDash val="solid"/>
+                      <a:round/>
+                      <a:headEnd type="none" w="med" len="med"/>
+                      <a:tailEnd type="none" w="med" len="med"/>
+                    </a:lnR>
+                    <a:lnT w="6350" cap="flat" cmpd="sng" algn="ctr">
+                      <a:solidFill>
+                        <a:schemeClr val="bg1">
+                          <a:lumMod val="75000"/>
+                        </a:schemeClr>
+                      </a:solidFill>
+                      <a:prstDash val="solid"/>
+                      <a:round/>
+                      <a:headEnd type="none" w="med" len="med"/>
+                      <a:tailEnd type="none" w="med" len="med"/>
+                    </a:lnT>
+                    <a:lnB w="6350" cap="flat" cmpd="sng" algn="ctr">
+                      <a:solidFill>
+                        <a:schemeClr val="bg1">
+                          <a:lumMod val="75000"/>
+                        </a:schemeClr>
+                      </a:solidFill>
+                      <a:prstDash val="solid"/>
+                      <a:round/>
+                      <a:headEnd type="none" w="med" len="med"/>
+                      <a:tailEnd type="none" w="med" len="med"/>
+                    </a:lnB>
+                    <a:lnTlToBr>
+                      <a:noFill/>
+                    </a:lnTlToBr>
+                    <a:lnBlToTr>
+                      <a:noFill/>
+                    </a:lnBlToTr>
+                    <a:noFill/>
+                  </a:tcPr>
+                </a:tc>
+                <a:tc>
+                  <a:txBody>
+                    <a:bodyPr/>
+                    <a:lstStyle/>
+                    <a:p>
+                      <a:pPr marL="257175" marR="0" lvl="0" indent="-171450" algn="l" defTabSz="914400" rtl="0" eaLnBrk="1" fontAlgn="base" latinLnBrk="1" hangingPunct="1">
+                        <a:lnSpc>
+                          <a:spcPct val="110000"/>
+                        </a:lnSpc>
+                        <a:spcBef>
+                          <a:spcPct val="20000"/>
+                        </a:spcBef>
+                        <a:spcAft>
+                          <a:spcPct val="0"/>
+                        </a:spcAft>
+                        <a:buClrTx/>
+                        <a:buSzTx/>
+                        <a:buFont typeface="Arial" pitchFamily="34" charset="0"/>
+                        <a:buChar char="•"/>
+                        <a:tabLst/>
+                        <a:defRPr/>
+                      </a:pPr>
+                      <a:endParaRPr kumimoji="1" lang="en-US" altLang="ko-KR" sz="800" b="0" i="0" u="none" strike="noStrike" cap="none" normalizeH="0" baseline="0" dirty="0">
+                        <a:ln>
+                          <a:noFill/>
+                        </a:ln>
+                        <a:solidFill>
+                          <a:srgbClr val="000000"/>
+                        </a:solidFill>
+                        <a:effectLst/>
+                        <a:latin typeface="맑은 고딕" pitchFamily="50" charset="-127"/>
+                        <a:ea typeface="+mn-ea"/>
+                        <a:sym typeface="Arial" charset="0"/>
+                      </a:endParaRPr>
+                    </a:p>
+                  </a:txBody>
+                  <a:tcPr marL="90000" marR="90000" marT="46800" marB="46800" anchor="ctr" horzOverflow="overflow">
+                    <a:lnL w="6350" cap="flat" cmpd="sng" algn="ctr">
+                      <a:noFill/>
+                      <a:prstDash val="solid"/>
+                      <a:round/>
+                      <a:headEnd type="none" w="med" len="med"/>
+                      <a:tailEnd type="none" w="med" len="med"/>
+                    </a:lnL>
+                    <a:lnR w="6350" cap="flat" cmpd="sng" algn="ctr">
+                      <a:noFill/>
+                      <a:prstDash val="solid"/>
+                      <a:round/>
+                      <a:headEnd type="none" w="med" len="med"/>
+                      <a:tailEnd type="none" w="med" len="med"/>
+                    </a:lnR>
+                    <a:lnT w="6350" cap="flat" cmpd="sng" algn="ctr">
+                      <a:solidFill>
+                        <a:schemeClr val="bg1">
+                          <a:lumMod val="75000"/>
+                        </a:schemeClr>
+                      </a:solidFill>
+                      <a:prstDash val="solid"/>
+                      <a:round/>
+                      <a:headEnd type="none" w="med" len="med"/>
+                      <a:tailEnd type="none" w="med" len="med"/>
+                    </a:lnT>
+                    <a:lnB w="6350" cap="flat" cmpd="sng" algn="ctr">
+                      <a:solidFill>
+                        <a:schemeClr val="bg1">
+                          <a:lumMod val="75000"/>
+                        </a:schemeClr>
+                      </a:solidFill>
+                      <a:prstDash val="solid"/>
+                      <a:round/>
+                      <a:headEnd type="none" w="med" len="med"/>
+                      <a:tailEnd type="none" w="med" len="med"/>
+                    </a:lnB>
+                    <a:lnTlToBr>
+                      <a:noFill/>
+                    </a:lnTlToBr>
+                    <a:lnBlToTr>
+                      <a:noFill/>
+                    </a:lnBlToTr>
+                    <a:noFill/>
+                  </a:tcPr>
+                </a:tc>
+                <a:tc>
+                  <a:txBody>
+                    <a:bodyPr/>
+                    <a:lstStyle/>
+                    <a:p>
+                      <a:pPr marL="0" marR="0" lvl="0" indent="0" algn="ctr" defTabSz="914400" rtl="0" eaLnBrk="0" fontAlgn="base" latinLnBrk="1" hangingPunct="0">
+                        <a:lnSpc>
+                          <a:spcPct val="110000"/>
+                        </a:lnSpc>
+                        <a:spcBef>
+                          <a:spcPct val="20000"/>
+                        </a:spcBef>
+                        <a:spcAft>
+                          <a:spcPct val="0"/>
+                        </a:spcAft>
+                        <a:buClrTx/>
+                        <a:buSzTx/>
+                        <a:buFont typeface="산돌고딕 L" pitchFamily="18" charset="-127"/>
+                        <a:buNone/>
+                        <a:tabLst/>
+                        <a:defRPr/>
+                      </a:pPr>
+                      <a:endParaRPr kumimoji="1" lang="ko-KR" altLang="en-US" sz="800" b="0" i="0" u="none" strike="noStrike" kern="1200" cap="none" spc="0" normalizeH="0" baseline="0" noProof="0" dirty="0">
+                        <a:ln>
+                          <a:noFill/>
+                        </a:ln>
+                        <a:solidFill>
+                          <a:prstClr val="black"/>
+                        </a:solidFill>
+                        <a:effectLst/>
+                        <a:uLnTx/>
+                        <a:uFillTx/>
+                        <a:latin typeface="맑은 고딕" pitchFamily="50" charset="-127"/>
+                        <a:ea typeface="맑은 고딕" pitchFamily="50" charset="-127"/>
+                        <a:cs typeface="+mn-cs"/>
+                        <a:sym typeface="Arial" charset="0"/>
+                      </a:endParaRPr>
+                    </a:p>
+                  </a:txBody>
+                  <a:tcPr marL="90000" marR="90000" marT="46800" marB="46800" anchor="ctr" horzOverflow="overflow">
+                    <a:lnL w="6350" cap="flat" cmpd="sng" algn="ctr">
+                      <a:noFill/>
+                      <a:prstDash val="solid"/>
+                      <a:round/>
+                      <a:headEnd type="none" w="med" len="med"/>
+                      <a:tailEnd type="none" w="med" len="med"/>
+                    </a:lnL>
+                    <a:lnR w="12700" cap="flat" cmpd="sng" algn="ctr">
+                      <a:solidFill>
+                        <a:srgbClr val="FFFFFF"/>
+                      </a:solidFill>
+                      <a:prstDash val="solid"/>
+                      <a:round/>
+                      <a:headEnd type="none" w="med" len="med"/>
+                      <a:tailEnd type="none" w="med" len="med"/>
+                    </a:lnR>
+                    <a:lnT w="6350" cap="flat" cmpd="sng" algn="ctr">
+                      <a:solidFill>
+                        <a:schemeClr val="bg1">
+                          <a:lumMod val="75000"/>
+                        </a:schemeClr>
+                      </a:solidFill>
+                      <a:prstDash val="solid"/>
+                      <a:round/>
+                      <a:headEnd type="none" w="med" len="med"/>
+                      <a:tailEnd type="none" w="med" len="med"/>
+                    </a:lnT>
+                    <a:lnB w="6350" cap="flat" cmpd="sng" algn="ctr">
+                      <a:solidFill>
+                        <a:schemeClr val="bg1">
+                          <a:lumMod val="75000"/>
+                        </a:schemeClr>
+                      </a:solidFill>
+                      <a:prstDash val="solid"/>
+                      <a:round/>
+                      <a:headEnd type="none" w="med" len="med"/>
+                      <a:tailEnd type="none" w="med" len="med"/>
+                    </a:lnB>
+                    <a:lnTlToBr>
+                      <a:noFill/>
+                    </a:lnTlToBr>
+                    <a:lnBlToTr>
+                      <a:noFill/>
+                    </a:lnBlToTr>
+                    <a:noFill/>
+                  </a:tcPr>
+                </a:tc>
+                <a:extLst>
+                  <a:ext uri="{0D108BD9-81ED-4DB2-BD59-A6C34878D82A}">
+                    <a16:rowId xmlns:a16="http://schemas.microsoft.com/office/drawing/2014/main" val="422482958"/>
+                  </a:ext>
+                </a:extLst>
+              </a:tr>
+              <a:tr h="137754">
+                <a:tc>
+                  <a:txBody>
+                    <a:bodyPr/>
+                    <a:lstStyle/>
+                    <a:p>
+                      <a:pPr marL="0" marR="0" lvl="0" indent="0" algn="ctr" defTabSz="914400" rtl="0" eaLnBrk="0" fontAlgn="base" latinLnBrk="1" hangingPunct="0">
+                        <a:lnSpc>
+                          <a:spcPct val="110000"/>
+                        </a:lnSpc>
+                        <a:spcBef>
+                          <a:spcPct val="20000"/>
+                        </a:spcBef>
+                        <a:spcAft>
+                          <a:spcPct val="0"/>
+                        </a:spcAft>
+                        <a:buClrTx/>
+                        <a:buSzTx/>
+                        <a:buFont typeface="산돌고딕 L" pitchFamily="18" charset="-127"/>
+                        <a:buNone/>
+                        <a:tabLst/>
+                      </a:pPr>
+                      <a:endParaRPr kumimoji="1" lang="en-US" altLang="ko-KR" sz="800" b="0" i="0" u="none" strike="noStrike" cap="none" normalizeH="0" baseline="0" dirty="0">
+                        <a:ln>
+                          <a:noFill/>
+                        </a:ln>
+                        <a:solidFill>
+                          <a:srgbClr val="000000"/>
+                        </a:solidFill>
+                        <a:effectLst/>
+                        <a:latin typeface="맑은 고딕" pitchFamily="50" charset="-127"/>
+                        <a:ea typeface="맑은 고딕" pitchFamily="50" charset="-127"/>
+                        <a:sym typeface="Arial" charset="0"/>
+                      </a:endParaRPr>
+                    </a:p>
+                  </a:txBody>
+                  <a:tcPr marL="90000" marR="90000" marT="46800" marB="46800" anchor="ctr" horzOverflow="overflow">
+                    <a:lnL w="12700" cap="flat" cmpd="sng" algn="ctr">
+                      <a:solidFill>
+                        <a:srgbClr val="FFFFFF"/>
+                      </a:solidFill>
+                      <a:prstDash val="solid"/>
+                      <a:round/>
+                      <a:headEnd type="none" w="med" len="med"/>
+                      <a:tailEnd type="none" w="med" len="med"/>
+                    </a:lnL>
+                    <a:lnR w="6350" cap="flat" cmpd="sng" algn="ctr">
+                      <a:noFill/>
+                      <a:prstDash val="solid"/>
+                      <a:round/>
+                      <a:headEnd type="none" w="med" len="med"/>
+                      <a:tailEnd type="none" w="med" len="med"/>
+                    </a:lnR>
+                    <a:lnT w="6350" cap="flat" cmpd="sng" algn="ctr">
+                      <a:solidFill>
+                        <a:schemeClr val="bg1">
+                          <a:lumMod val="75000"/>
+                        </a:schemeClr>
+                      </a:solidFill>
+                      <a:prstDash val="solid"/>
+                      <a:round/>
+                      <a:headEnd type="none" w="med" len="med"/>
+                      <a:tailEnd type="none" w="med" len="med"/>
+                    </a:lnT>
+                    <a:lnB w="6350" cap="flat" cmpd="sng" algn="ctr">
+                      <a:solidFill>
+                        <a:schemeClr val="bg1">
+                          <a:lumMod val="75000"/>
+                        </a:schemeClr>
+                      </a:solidFill>
+                      <a:prstDash val="solid"/>
+                      <a:round/>
+                      <a:headEnd type="none" w="med" len="med"/>
+                      <a:tailEnd type="none" w="med" len="med"/>
+                    </a:lnB>
+                    <a:lnTlToBr>
+                      <a:noFill/>
+                    </a:lnTlToBr>
+                    <a:lnBlToTr>
+                      <a:noFill/>
+                    </a:lnBlToTr>
+                    <a:noFill/>
+                  </a:tcPr>
+                </a:tc>
+                <a:tc>
+                  <a:txBody>
+                    <a:bodyPr/>
+                    <a:lstStyle/>
+                    <a:p>
+                      <a:pPr marL="0" marR="0" lvl="0" indent="0" algn="ctr" defTabSz="914400" rtl="0" eaLnBrk="0" fontAlgn="base" latinLnBrk="1" hangingPunct="0">
+                        <a:lnSpc>
+                          <a:spcPct val="110000"/>
+                        </a:lnSpc>
+                        <a:spcBef>
+                          <a:spcPct val="20000"/>
+                        </a:spcBef>
+                        <a:spcAft>
+                          <a:spcPct val="0"/>
+                        </a:spcAft>
+                        <a:buClrTx/>
+                        <a:buSzTx/>
+                        <a:buFont typeface="산돌고딕 L" pitchFamily="18" charset="-127"/>
+                        <a:buNone/>
+                        <a:tabLst/>
+                      </a:pPr>
+                      <a:endParaRPr kumimoji="1" lang="en-US" altLang="ko-KR" sz="800" b="0" i="0" u="none" strike="noStrike" cap="none" normalizeH="0" baseline="0" dirty="0">
+                        <a:ln>
+                          <a:noFill/>
+                        </a:ln>
+                        <a:solidFill>
+                          <a:srgbClr val="000000"/>
+                        </a:solidFill>
+                        <a:effectLst/>
+                        <a:latin typeface="맑은 고딕" pitchFamily="50" charset="-127"/>
+                        <a:ea typeface="맑은 고딕" pitchFamily="50" charset="-127"/>
+                        <a:sym typeface="Arial" charset="0"/>
+                      </a:endParaRPr>
+                    </a:p>
+                  </a:txBody>
+                  <a:tcPr marL="90000" marR="90000" marT="46800" marB="46800" anchor="ctr" horzOverflow="overflow">
+                    <a:lnL w="6350" cap="flat" cmpd="sng" algn="ctr">
+                      <a:noFill/>
+                      <a:prstDash val="solid"/>
+                      <a:round/>
+                      <a:headEnd type="none" w="med" len="med"/>
+                      <a:tailEnd type="none" w="med" len="med"/>
+                    </a:lnL>
+                    <a:lnR w="6350" cap="flat" cmpd="sng" algn="ctr">
+                      <a:noFill/>
+                      <a:prstDash val="solid"/>
+                      <a:round/>
+                      <a:headEnd type="none" w="med" len="med"/>
+                      <a:tailEnd type="none" w="med" len="med"/>
+                    </a:lnR>
+                    <a:lnT w="6350" cap="flat" cmpd="sng" algn="ctr">
+                      <a:solidFill>
+                        <a:schemeClr val="bg1">
+                          <a:lumMod val="75000"/>
+                        </a:schemeClr>
+                      </a:solidFill>
+                      <a:prstDash val="solid"/>
+                      <a:round/>
+                      <a:headEnd type="none" w="med" len="med"/>
+                      <a:tailEnd type="none" w="med" len="med"/>
+                    </a:lnT>
+                    <a:lnB w="6350" cap="flat" cmpd="sng" algn="ctr">
+                      <a:solidFill>
+                        <a:schemeClr val="bg1">
+                          <a:lumMod val="75000"/>
+                        </a:schemeClr>
+                      </a:solidFill>
+                      <a:prstDash val="solid"/>
+                      <a:round/>
+                      <a:headEnd type="none" w="med" len="med"/>
+                      <a:tailEnd type="none" w="med" len="med"/>
+                    </a:lnB>
+                    <a:lnTlToBr>
+                      <a:noFill/>
+                    </a:lnTlToBr>
+                    <a:lnBlToTr>
+                      <a:noFill/>
+                    </a:lnBlToTr>
+                    <a:noFill/>
+                  </a:tcPr>
+                </a:tc>
+                <a:tc>
+                  <a:txBody>
+                    <a:bodyPr/>
+                    <a:lstStyle/>
+                    <a:p>
+                      <a:pPr marL="257175" marR="0" lvl="0" indent="-171450" algn="l" defTabSz="914400" rtl="0" eaLnBrk="1" fontAlgn="base" latinLnBrk="1" hangingPunct="1">
+                        <a:lnSpc>
+                          <a:spcPct val="110000"/>
+                        </a:lnSpc>
+                        <a:spcBef>
+                          <a:spcPct val="20000"/>
+                        </a:spcBef>
+                        <a:spcAft>
+                          <a:spcPct val="0"/>
+                        </a:spcAft>
+                        <a:buClrTx/>
+                        <a:buSzTx/>
+                        <a:buFont typeface="Arial" pitchFamily="34" charset="0"/>
+                        <a:buChar char="•"/>
+                        <a:tabLst/>
+                        <a:defRPr/>
+                      </a:pPr>
+                      <a:endParaRPr kumimoji="1" lang="en-US" altLang="ko-KR" sz="800" b="0" i="0" u="none" strike="noStrike" cap="none" normalizeH="0" baseline="0" dirty="0">
+                        <a:ln>
+                          <a:noFill/>
+                        </a:ln>
+                        <a:solidFill>
+                          <a:srgbClr val="000000"/>
+                        </a:solidFill>
+                        <a:effectLst/>
+                        <a:latin typeface="맑은 고딕" pitchFamily="50" charset="-127"/>
+                        <a:ea typeface="+mn-ea"/>
+                        <a:sym typeface="Arial" charset="0"/>
+                      </a:endParaRPr>
+                    </a:p>
+                  </a:txBody>
+                  <a:tcPr marL="90000" marR="90000" marT="46800" marB="46800" anchor="ctr" horzOverflow="overflow">
+                    <a:lnL w="6350" cap="flat" cmpd="sng" algn="ctr">
+                      <a:noFill/>
+                      <a:prstDash val="solid"/>
+                      <a:round/>
+                      <a:headEnd type="none" w="med" len="med"/>
+                      <a:tailEnd type="none" w="med" len="med"/>
+                    </a:lnL>
+                    <a:lnR w="6350" cap="flat" cmpd="sng" algn="ctr">
+                      <a:noFill/>
+                      <a:prstDash val="solid"/>
+                      <a:round/>
+                      <a:headEnd type="none" w="med" len="med"/>
+                      <a:tailEnd type="none" w="med" len="med"/>
+                    </a:lnR>
+                    <a:lnT w="6350" cap="flat" cmpd="sng" algn="ctr">
+                      <a:solidFill>
+                        <a:schemeClr val="bg1">
+                          <a:lumMod val="75000"/>
+                        </a:schemeClr>
+                      </a:solidFill>
+                      <a:prstDash val="solid"/>
+                      <a:round/>
+                      <a:headEnd type="none" w="med" len="med"/>
+                      <a:tailEnd type="none" w="med" len="med"/>
+                    </a:lnT>
+                    <a:lnB w="6350" cap="flat" cmpd="sng" algn="ctr">
+                      <a:solidFill>
+                        <a:schemeClr val="bg1">
+                          <a:lumMod val="75000"/>
+                        </a:schemeClr>
+                      </a:solidFill>
+                      <a:prstDash val="solid"/>
+                      <a:round/>
+                      <a:headEnd type="none" w="med" len="med"/>
+                      <a:tailEnd type="none" w="med" len="med"/>
+                    </a:lnB>
+                    <a:lnTlToBr>
+                      <a:noFill/>
+                    </a:lnTlToBr>
+                    <a:lnBlToTr>
+                      <a:noFill/>
+                    </a:lnBlToTr>
+                    <a:noFill/>
+                  </a:tcPr>
+                </a:tc>
+                <a:tc>
+                  <a:txBody>
+                    <a:bodyPr/>
+                    <a:lstStyle/>
+                    <a:p>
+                      <a:pPr marL="0" marR="0" lvl="0" indent="0" algn="ctr" defTabSz="914400" rtl="0" eaLnBrk="0" fontAlgn="base" latinLnBrk="1" hangingPunct="0">
+                        <a:lnSpc>
+                          <a:spcPct val="110000"/>
+                        </a:lnSpc>
+                        <a:spcBef>
+                          <a:spcPct val="20000"/>
+                        </a:spcBef>
+                        <a:spcAft>
+                          <a:spcPct val="0"/>
+                        </a:spcAft>
+                        <a:buClrTx/>
+                        <a:buSzTx/>
+                        <a:buFont typeface="산돌고딕 L" pitchFamily="18" charset="-127"/>
+                        <a:buNone/>
+                        <a:tabLst/>
+                        <a:defRPr/>
+                      </a:pPr>
+                      <a:endParaRPr kumimoji="1" lang="ko-KR" altLang="en-US" sz="800" b="0" i="0" u="none" strike="noStrike" kern="1200" cap="none" spc="0" normalizeH="0" baseline="0" noProof="0" dirty="0">
+                        <a:ln>
+                          <a:noFill/>
+                        </a:ln>
+                        <a:solidFill>
+                          <a:prstClr val="black"/>
+                        </a:solidFill>
+                        <a:effectLst/>
+                        <a:uLnTx/>
+                        <a:uFillTx/>
+                        <a:latin typeface="맑은 고딕" pitchFamily="50" charset="-127"/>
+                        <a:ea typeface="맑은 고딕" pitchFamily="50" charset="-127"/>
+                        <a:cs typeface="+mn-cs"/>
+                        <a:sym typeface="Arial" charset="0"/>
+                      </a:endParaRPr>
+                    </a:p>
+                  </a:txBody>
+                  <a:tcPr marL="90000" marR="90000" marT="46800" marB="46800" anchor="ctr" horzOverflow="overflow">
+                    <a:lnL w="6350" cap="flat" cmpd="sng" algn="ctr">
+                      <a:noFill/>
+                      <a:prstDash val="solid"/>
+                      <a:round/>
+                      <a:headEnd type="none" w="med" len="med"/>
+                      <a:tailEnd type="none" w="med" len="med"/>
+                    </a:lnL>
+                    <a:lnR w="12700" cap="flat" cmpd="sng" algn="ctr">
+                      <a:solidFill>
+                        <a:srgbClr val="FFFFFF"/>
+                      </a:solidFill>
+                      <a:prstDash val="solid"/>
+                      <a:round/>
+                      <a:headEnd type="none" w="med" len="med"/>
+                      <a:tailEnd type="none" w="med" len="med"/>
+                    </a:lnR>
+                    <a:lnT w="6350" cap="flat" cmpd="sng" algn="ctr">
+                      <a:solidFill>
+                        <a:schemeClr val="bg1">
+                          <a:lumMod val="75000"/>
+                        </a:schemeClr>
+                      </a:solidFill>
+                      <a:prstDash val="solid"/>
+                      <a:round/>
+                      <a:headEnd type="none" w="med" len="med"/>
+                      <a:tailEnd type="none" w="med" len="med"/>
+                    </a:lnT>
+                    <a:lnB w="6350" cap="flat" cmpd="sng" algn="ctr">
+                      <a:solidFill>
+                        <a:schemeClr val="bg1">
+                          <a:lumMod val="75000"/>
+                        </a:schemeClr>
+                      </a:solidFill>
+                      <a:prstDash val="solid"/>
+                      <a:round/>
+                      <a:headEnd type="none" w="med" len="med"/>
+                      <a:tailEnd type="none" w="med" len="med"/>
+                    </a:lnB>
+                    <a:lnTlToBr>
+                      <a:noFill/>
+                    </a:lnTlToBr>
+                    <a:lnBlToTr>
+                      <a:noFill/>
+                    </a:lnBlToTr>
+                    <a:noFill/>
+                  </a:tcPr>
+                </a:tc>
+                <a:extLst>
+                  <a:ext uri="{0D108BD9-81ED-4DB2-BD59-A6C34878D82A}">
+                    <a16:rowId xmlns:a16="http://schemas.microsoft.com/office/drawing/2014/main" val="2977964462"/>
+                  </a:ext>
+                </a:extLst>
+              </a:tr>
+              <a:tr h="137754">
+                <a:tc>
+                  <a:txBody>
+                    <a:bodyPr/>
+                    <a:lstStyle/>
+                    <a:p>
+                      <a:pPr marL="0" marR="0" lvl="0" indent="0" algn="ctr" defTabSz="914400" rtl="0" eaLnBrk="0" fontAlgn="base" latinLnBrk="1" hangingPunct="0">
+                        <a:lnSpc>
+                          <a:spcPct val="110000"/>
+                        </a:lnSpc>
+                        <a:spcBef>
+                          <a:spcPct val="20000"/>
+                        </a:spcBef>
+                        <a:spcAft>
+                          <a:spcPct val="0"/>
+                        </a:spcAft>
+                        <a:buClrTx/>
+                        <a:buSzTx/>
+                        <a:buFont typeface="산돌고딕 L" pitchFamily="18" charset="-127"/>
+                        <a:buNone/>
+                        <a:tabLst/>
+                      </a:pPr>
+                      <a:endParaRPr kumimoji="1" lang="en-US" altLang="ko-KR" sz="800" b="0" i="0" u="none" strike="noStrike" cap="none" normalizeH="0" baseline="0" dirty="0">
+                        <a:ln>
+                          <a:noFill/>
+                        </a:ln>
+                        <a:solidFill>
+                          <a:srgbClr val="000000"/>
+                        </a:solidFill>
+                        <a:effectLst/>
+                        <a:latin typeface="맑은 고딕" pitchFamily="50" charset="-127"/>
+                        <a:ea typeface="맑은 고딕" pitchFamily="50" charset="-127"/>
+                        <a:sym typeface="Arial" charset="0"/>
+                      </a:endParaRPr>
+                    </a:p>
+                  </a:txBody>
+                  <a:tcPr marL="90000" marR="90000" marT="46800" marB="46800" anchor="ctr" horzOverflow="overflow">
+                    <a:lnL w="12700" cap="flat" cmpd="sng" algn="ctr">
+                      <a:solidFill>
+                        <a:srgbClr val="FFFFFF"/>
+                      </a:solidFill>
+                      <a:prstDash val="solid"/>
+                      <a:round/>
+                      <a:headEnd type="none" w="med" len="med"/>
+                      <a:tailEnd type="none" w="med" len="med"/>
+                    </a:lnL>
+                    <a:lnR w="6350" cap="flat" cmpd="sng" algn="ctr">
+                      <a:noFill/>
+                      <a:prstDash val="solid"/>
+                      <a:round/>
+                      <a:headEnd type="none" w="med" len="med"/>
+                      <a:tailEnd type="none" w="med" len="med"/>
+                    </a:lnR>
+                    <a:lnT w="6350" cap="flat" cmpd="sng" algn="ctr">
+                      <a:solidFill>
+                        <a:schemeClr val="bg1">
+                          <a:lumMod val="75000"/>
+                        </a:schemeClr>
+                      </a:solidFill>
+                      <a:prstDash val="solid"/>
+                      <a:round/>
+                      <a:headEnd type="none" w="med" len="med"/>
+                      <a:tailEnd type="none" w="med" len="med"/>
+                    </a:lnT>
+                    <a:lnB w="6350" cap="flat" cmpd="sng" algn="ctr">
+                      <a:solidFill>
+                        <a:schemeClr val="bg1">
+                          <a:lumMod val="75000"/>
+                        </a:schemeClr>
+                      </a:solidFill>
+                      <a:prstDash val="solid"/>
+                      <a:round/>
+                      <a:headEnd type="none" w="med" len="med"/>
+                      <a:tailEnd type="none" w="med" len="med"/>
+                    </a:lnB>
+                    <a:lnTlToBr>
+                      <a:noFill/>
+                    </a:lnTlToBr>
+                    <a:lnBlToTr>
+                      <a:noFill/>
+                    </a:lnBlToTr>
+                    <a:noFill/>
+                  </a:tcPr>
+                </a:tc>
+                <a:tc>
+                  <a:txBody>
+                    <a:bodyPr/>
+                    <a:lstStyle/>
+                    <a:p>
+                      <a:pPr marL="0" marR="0" lvl="0" indent="0" algn="ctr" defTabSz="914400" rtl="0" eaLnBrk="0" fontAlgn="base" latinLnBrk="1" hangingPunct="0">
+                        <a:lnSpc>
+                          <a:spcPct val="110000"/>
+                        </a:lnSpc>
+                        <a:spcBef>
+                          <a:spcPct val="20000"/>
+                        </a:spcBef>
+                        <a:spcAft>
+                          <a:spcPct val="0"/>
+                        </a:spcAft>
+                        <a:buClrTx/>
+                        <a:buSzTx/>
+                        <a:buFont typeface="산돌고딕 L" pitchFamily="18" charset="-127"/>
+                        <a:buNone/>
+                        <a:tabLst/>
+                      </a:pPr>
+                      <a:endParaRPr kumimoji="1" lang="en-US" altLang="ko-KR" sz="800" b="0" i="0" u="none" strike="noStrike" cap="none" normalizeH="0" baseline="0" dirty="0">
+                        <a:ln>
+                          <a:noFill/>
+                        </a:ln>
+                        <a:solidFill>
+                          <a:srgbClr val="000000"/>
+                        </a:solidFill>
+                        <a:effectLst/>
+                        <a:latin typeface="맑은 고딕" pitchFamily="50" charset="-127"/>
+                        <a:ea typeface="맑은 고딕" pitchFamily="50" charset="-127"/>
+                        <a:sym typeface="Arial" charset="0"/>
+                      </a:endParaRPr>
+                    </a:p>
+                  </a:txBody>
+                  <a:tcPr marL="90000" marR="90000" marT="46800" marB="46800" anchor="ctr" horzOverflow="overflow">
+                    <a:lnL w="6350" cap="flat" cmpd="sng" algn="ctr">
+                      <a:noFill/>
+                      <a:prstDash val="solid"/>
+                      <a:round/>
+                      <a:headEnd type="none" w="med" len="med"/>
+                      <a:tailEnd type="none" w="med" len="med"/>
+                    </a:lnL>
+                    <a:lnR w="6350" cap="flat" cmpd="sng" algn="ctr">
+                      <a:noFill/>
+                      <a:prstDash val="solid"/>
+                      <a:round/>
+                      <a:headEnd type="none" w="med" len="med"/>
+                      <a:tailEnd type="none" w="med" len="med"/>
+                    </a:lnR>
+                    <a:lnT w="6350" cap="flat" cmpd="sng" algn="ctr">
+                      <a:solidFill>
+                        <a:schemeClr val="bg1">
+                          <a:lumMod val="75000"/>
+                        </a:schemeClr>
+                      </a:solidFill>
+                      <a:prstDash val="solid"/>
+                      <a:round/>
+                      <a:headEnd type="none" w="med" len="med"/>
+                      <a:tailEnd type="none" w="med" len="med"/>
+                    </a:lnT>
+                    <a:lnB w="6350" cap="flat" cmpd="sng" algn="ctr">
+                      <a:solidFill>
+                        <a:schemeClr val="bg1">
+                          <a:lumMod val="75000"/>
+                        </a:schemeClr>
+                      </a:solidFill>
+                      <a:prstDash val="solid"/>
+                      <a:round/>
+                      <a:headEnd type="none" w="med" len="med"/>
+                      <a:tailEnd type="none" w="med" len="med"/>
+                    </a:lnB>
+                    <a:lnTlToBr>
+                      <a:noFill/>
+                    </a:lnTlToBr>
+                    <a:lnBlToTr>
+                      <a:noFill/>
+                    </a:lnBlToTr>
+                    <a:noFill/>
+                  </a:tcPr>
+                </a:tc>
+                <a:tc>
+                  <a:txBody>
+                    <a:bodyPr/>
+                    <a:lstStyle/>
+                    <a:p>
+                      <a:pPr marL="257175" marR="0" lvl="0" indent="-171450" algn="l" defTabSz="914400" rtl="0" eaLnBrk="1" fontAlgn="base" latinLnBrk="1" hangingPunct="1">
+                        <a:lnSpc>
+                          <a:spcPct val="110000"/>
+                        </a:lnSpc>
+                        <a:spcBef>
+                          <a:spcPct val="20000"/>
+                        </a:spcBef>
+                        <a:spcAft>
+                          <a:spcPct val="0"/>
+                        </a:spcAft>
+                        <a:buClrTx/>
+                        <a:buSzTx/>
+                        <a:buFont typeface="Arial" pitchFamily="34" charset="0"/>
+                        <a:buChar char="•"/>
+                        <a:tabLst/>
+                        <a:defRPr/>
+                      </a:pPr>
+                      <a:endParaRPr kumimoji="1" lang="en-US" altLang="ko-KR" sz="800" b="0" i="0" u="none" strike="noStrike" cap="none" normalizeH="0" baseline="0" dirty="0">
+                        <a:ln>
+                          <a:noFill/>
+                        </a:ln>
+                        <a:solidFill>
+                          <a:srgbClr val="000000"/>
+                        </a:solidFill>
+                        <a:effectLst/>
+                        <a:latin typeface="맑은 고딕" pitchFamily="50" charset="-127"/>
+                        <a:ea typeface="+mn-ea"/>
+                        <a:sym typeface="Arial" charset="0"/>
+                      </a:endParaRPr>
+                    </a:p>
+                  </a:txBody>
+                  <a:tcPr marL="90000" marR="90000" marT="46800" marB="46800" anchor="ctr" horzOverflow="overflow">
+                    <a:lnL w="6350" cap="flat" cmpd="sng" algn="ctr">
+                      <a:noFill/>
+                      <a:prstDash val="solid"/>
+                      <a:round/>
+                      <a:headEnd type="none" w="med" len="med"/>
+                      <a:tailEnd type="none" w="med" len="med"/>
+                    </a:lnL>
+                    <a:lnR w="6350" cap="flat" cmpd="sng" algn="ctr">
+                      <a:noFill/>
+                      <a:prstDash val="solid"/>
+                      <a:round/>
+                      <a:headEnd type="none" w="med" len="med"/>
+                      <a:tailEnd type="none" w="med" len="med"/>
+                    </a:lnR>
+                    <a:lnT w="6350" cap="flat" cmpd="sng" algn="ctr">
+                      <a:solidFill>
+                        <a:schemeClr val="bg1">
+                          <a:lumMod val="75000"/>
+                        </a:schemeClr>
+                      </a:solidFill>
+                      <a:prstDash val="solid"/>
+                      <a:round/>
+                      <a:headEnd type="none" w="med" len="med"/>
+                      <a:tailEnd type="none" w="med" len="med"/>
+                    </a:lnT>
+                    <a:lnB w="6350" cap="flat" cmpd="sng" algn="ctr">
+                      <a:solidFill>
+                        <a:schemeClr val="bg1">
+                          <a:lumMod val="75000"/>
+                        </a:schemeClr>
+                      </a:solidFill>
+                      <a:prstDash val="solid"/>
+                      <a:round/>
+                      <a:headEnd type="none" w="med" len="med"/>
+                      <a:tailEnd type="none" w="med" len="med"/>
+                    </a:lnB>
+                    <a:lnTlToBr>
+                      <a:noFill/>
+                    </a:lnTlToBr>
+                    <a:lnBlToTr>
+                      <a:noFill/>
+                    </a:lnBlToTr>
+                    <a:noFill/>
+                  </a:tcPr>
+                </a:tc>
+                <a:tc>
+                  <a:txBody>
+                    <a:bodyPr/>
+                    <a:lstStyle/>
+                    <a:p>
+                      <a:pPr marL="0" marR="0" lvl="0" indent="0" algn="ctr" defTabSz="914400" rtl="0" eaLnBrk="0" fontAlgn="base" latinLnBrk="1" hangingPunct="0">
+                        <a:lnSpc>
+                          <a:spcPct val="110000"/>
+                        </a:lnSpc>
+                        <a:spcBef>
+                          <a:spcPct val="20000"/>
+                        </a:spcBef>
+                        <a:spcAft>
+                          <a:spcPct val="0"/>
+                        </a:spcAft>
+                        <a:buClrTx/>
+                        <a:buSzTx/>
+                        <a:buFont typeface="산돌고딕 L" pitchFamily="18" charset="-127"/>
+                        <a:buNone/>
+                        <a:tabLst/>
+                        <a:defRPr/>
+                      </a:pPr>
+                      <a:endParaRPr kumimoji="1" lang="ko-KR" altLang="en-US" sz="800" b="0" i="0" u="none" strike="noStrike" kern="1200" cap="none" spc="0" normalizeH="0" baseline="0" noProof="0" dirty="0">
+                        <a:ln>
+                          <a:noFill/>
+                        </a:ln>
+                        <a:solidFill>
+                          <a:prstClr val="black"/>
+                        </a:solidFill>
+                        <a:effectLst/>
+                        <a:uLnTx/>
+                        <a:uFillTx/>
+                        <a:latin typeface="맑은 고딕" pitchFamily="50" charset="-127"/>
+                        <a:ea typeface="맑은 고딕" pitchFamily="50" charset="-127"/>
+                        <a:cs typeface="+mn-cs"/>
+                        <a:sym typeface="Arial" charset="0"/>
+                      </a:endParaRPr>
+                    </a:p>
+                  </a:txBody>
+                  <a:tcPr marL="90000" marR="90000" marT="46800" marB="46800" anchor="ctr" horzOverflow="overflow">
+                    <a:lnL w="6350" cap="flat" cmpd="sng" algn="ctr">
+                      <a:noFill/>
+                      <a:prstDash val="solid"/>
+                      <a:round/>
+                      <a:headEnd type="none" w="med" len="med"/>
+                      <a:tailEnd type="none" w="med" len="med"/>
+                    </a:lnL>
+                    <a:lnR w="12700" cap="flat" cmpd="sng" algn="ctr">
+                      <a:solidFill>
+                        <a:srgbClr val="FFFFFF"/>
+                      </a:solidFill>
+                      <a:prstDash val="solid"/>
+                      <a:round/>
+                      <a:headEnd type="none" w="med" len="med"/>
+                      <a:tailEnd type="none" w="med" len="med"/>
+                    </a:lnR>
+                    <a:lnT w="6350" cap="flat" cmpd="sng" algn="ctr">
+                      <a:solidFill>
+                        <a:schemeClr val="bg1">
+                          <a:lumMod val="75000"/>
+                        </a:schemeClr>
+                      </a:solidFill>
+                      <a:prstDash val="solid"/>
+                      <a:round/>
+                      <a:headEnd type="none" w="med" len="med"/>
+                      <a:tailEnd type="none" w="med" len="med"/>
+                    </a:lnT>
+                    <a:lnB w="6350" cap="flat" cmpd="sng" algn="ctr">
+                      <a:solidFill>
+                        <a:schemeClr val="bg1">
+                          <a:lumMod val="75000"/>
+                        </a:schemeClr>
+                      </a:solidFill>
+                      <a:prstDash val="solid"/>
+                      <a:round/>
+                      <a:headEnd type="none" w="med" len="med"/>
+                      <a:tailEnd type="none" w="med" len="med"/>
+                    </a:lnB>
+                    <a:lnTlToBr>
+                      <a:noFill/>
+                    </a:lnTlToBr>
+                    <a:lnBlToTr>
+                      <a:noFill/>
+                    </a:lnBlToTr>
+                    <a:noFill/>
+                  </a:tcPr>
+                </a:tc>
+                <a:extLst>
+                  <a:ext uri="{0D108BD9-81ED-4DB2-BD59-A6C34878D82A}">
+                    <a16:rowId xmlns:a16="http://schemas.microsoft.com/office/drawing/2014/main" val="3792032567"/>
+                  </a:ext>
+                </a:extLst>
+              </a:tr>
+              <a:tr h="137754">
+                <a:tc>
+                  <a:txBody>
+                    <a:bodyPr/>
+                    <a:lstStyle/>
+                    <a:p>
+                      <a:pPr marL="0" marR="0" lvl="0" indent="0" algn="ctr" defTabSz="914400" rtl="0" eaLnBrk="0" fontAlgn="base" latinLnBrk="1" hangingPunct="0">
+                        <a:lnSpc>
+                          <a:spcPct val="110000"/>
+                        </a:lnSpc>
+                        <a:spcBef>
+                          <a:spcPct val="20000"/>
+                        </a:spcBef>
+                        <a:spcAft>
+                          <a:spcPct val="0"/>
+                        </a:spcAft>
+                        <a:buClrTx/>
+                        <a:buSzTx/>
+                        <a:buFont typeface="산돌고딕 L" pitchFamily="18" charset="-127"/>
+                        <a:buNone/>
+                        <a:tabLst/>
+                      </a:pPr>
+                      <a:endParaRPr kumimoji="1" lang="en-US" altLang="ko-KR" sz="800" b="0" i="0" u="none" strike="noStrike" cap="none" normalizeH="0" baseline="0" dirty="0">
+                        <a:ln>
+                          <a:noFill/>
+                        </a:ln>
+                        <a:solidFill>
+                          <a:srgbClr val="000000"/>
+                        </a:solidFill>
+                        <a:effectLst/>
+                        <a:latin typeface="맑은 고딕" pitchFamily="50" charset="-127"/>
+                        <a:ea typeface="맑은 고딕" pitchFamily="50" charset="-127"/>
+                        <a:sym typeface="Arial" charset="0"/>
+                      </a:endParaRPr>
+                    </a:p>
+                  </a:txBody>
+                  <a:tcPr marL="90000" marR="90000" marT="46800" marB="46800" anchor="ctr" horzOverflow="overflow">
+                    <a:lnL w="12700" cap="flat" cmpd="sng" algn="ctr">
+                      <a:solidFill>
+                        <a:srgbClr val="FFFFFF"/>
+                      </a:solidFill>
+                      <a:prstDash val="solid"/>
+                      <a:round/>
+                      <a:headEnd type="none" w="med" len="med"/>
+                      <a:tailEnd type="none" w="med" len="med"/>
+                    </a:lnL>
+                    <a:lnR w="6350" cap="flat" cmpd="sng" algn="ctr">
+                      <a:noFill/>
+                      <a:prstDash val="solid"/>
+                      <a:round/>
+                      <a:headEnd type="none" w="med" len="med"/>
+                      <a:tailEnd type="none" w="med" len="med"/>
+                    </a:lnR>
+                    <a:lnT w="6350" cap="flat" cmpd="sng" algn="ctr">
+                      <a:solidFill>
+                        <a:schemeClr val="bg1">
+                          <a:lumMod val="75000"/>
+                        </a:schemeClr>
+                      </a:solidFill>
+                      <a:prstDash val="solid"/>
+                      <a:round/>
+                      <a:headEnd type="none" w="med" len="med"/>
+                      <a:tailEnd type="none" w="med" len="med"/>
+                    </a:lnT>
+                    <a:lnB w="6350" cap="flat" cmpd="sng" algn="ctr">
+                      <a:solidFill>
+                        <a:schemeClr val="bg1">
+                          <a:lumMod val="75000"/>
+                        </a:schemeClr>
+                      </a:solidFill>
+                      <a:prstDash val="solid"/>
+                      <a:round/>
+                      <a:headEnd type="none" w="med" len="med"/>
+                      <a:tailEnd type="none" w="med" len="med"/>
+                    </a:lnB>
+                    <a:lnTlToBr>
+                      <a:noFill/>
+                    </a:lnTlToBr>
+                    <a:lnBlToTr>
+                      <a:noFill/>
+                    </a:lnBlToTr>
+                    <a:noFill/>
+                  </a:tcPr>
+                </a:tc>
+                <a:tc>
+                  <a:txBody>
+                    <a:bodyPr/>
+                    <a:lstStyle/>
+                    <a:p>
+                      <a:pPr marL="0" marR="0" lvl="0" indent="0" algn="ctr" defTabSz="914400" rtl="0" eaLnBrk="0" fontAlgn="base" latinLnBrk="1" hangingPunct="0">
+                        <a:lnSpc>
+                          <a:spcPct val="110000"/>
+                        </a:lnSpc>
+                        <a:spcBef>
+                          <a:spcPct val="20000"/>
+                        </a:spcBef>
+                        <a:spcAft>
+                          <a:spcPct val="0"/>
+                        </a:spcAft>
+                        <a:buClrTx/>
+                        <a:buSzTx/>
+                        <a:buFont typeface="산돌고딕 L" pitchFamily="18" charset="-127"/>
+                        <a:buNone/>
+                        <a:tabLst/>
+                      </a:pPr>
+                      <a:endParaRPr kumimoji="1" lang="en-US" altLang="ko-KR" sz="800" b="0" i="0" u="none" strike="noStrike" cap="none" normalizeH="0" baseline="0" dirty="0">
+                        <a:ln>
+                          <a:noFill/>
+                        </a:ln>
+                        <a:solidFill>
+                          <a:srgbClr val="000000"/>
+                        </a:solidFill>
+                        <a:effectLst/>
+                        <a:latin typeface="맑은 고딕" pitchFamily="50" charset="-127"/>
+                        <a:ea typeface="맑은 고딕" pitchFamily="50" charset="-127"/>
+                        <a:sym typeface="Arial" charset="0"/>
+                      </a:endParaRPr>
+                    </a:p>
+                  </a:txBody>
+                  <a:tcPr marL="90000" marR="90000" marT="46800" marB="46800" anchor="ctr" horzOverflow="overflow">
+                    <a:lnL w="6350" cap="flat" cmpd="sng" algn="ctr">
+                      <a:noFill/>
+                      <a:prstDash val="solid"/>
+                      <a:round/>
+                      <a:headEnd type="none" w="med" len="med"/>
+                      <a:tailEnd type="none" w="med" len="med"/>
+                    </a:lnL>
+                    <a:lnR w="6350" cap="flat" cmpd="sng" algn="ctr">
+                      <a:noFill/>
+                      <a:prstDash val="solid"/>
+                      <a:round/>
+                      <a:headEnd type="none" w="med" len="med"/>
+                      <a:tailEnd type="none" w="med" len="med"/>
+                    </a:lnR>
+                    <a:lnT w="6350" cap="flat" cmpd="sng" algn="ctr">
+                      <a:solidFill>
+                        <a:schemeClr val="bg1">
+                          <a:lumMod val="75000"/>
+                        </a:schemeClr>
+                      </a:solidFill>
+                      <a:prstDash val="solid"/>
+                      <a:round/>
+                      <a:headEnd type="none" w="med" len="med"/>
+                      <a:tailEnd type="none" w="med" len="med"/>
+                    </a:lnT>
+                    <a:lnB w="6350" cap="flat" cmpd="sng" algn="ctr">
+                      <a:solidFill>
+                        <a:schemeClr val="bg1">
+                          <a:lumMod val="75000"/>
+                        </a:schemeClr>
+                      </a:solidFill>
+                      <a:prstDash val="solid"/>
+                      <a:round/>
+                      <a:headEnd type="none" w="med" len="med"/>
+                      <a:tailEnd type="none" w="med" len="med"/>
+                    </a:lnB>
+                    <a:lnTlToBr>
+                      <a:noFill/>
+                    </a:lnTlToBr>
+                    <a:lnBlToTr>
+                      <a:noFill/>
+                    </a:lnBlToTr>
+                    <a:noFill/>
+                  </a:tcPr>
+                </a:tc>
+                <a:tc>
+                  <a:txBody>
+                    <a:bodyPr/>
+                    <a:lstStyle/>
+                    <a:p>
+                      <a:pPr marL="257175" marR="0" lvl="0" indent="-171450" algn="l" defTabSz="914400" rtl="0" eaLnBrk="1" fontAlgn="base" latinLnBrk="1" hangingPunct="1">
+                        <a:lnSpc>
+                          <a:spcPct val="110000"/>
+                        </a:lnSpc>
+                        <a:spcBef>
+                          <a:spcPct val="20000"/>
+                        </a:spcBef>
+                        <a:spcAft>
+                          <a:spcPct val="0"/>
+                        </a:spcAft>
+                        <a:buClrTx/>
+                        <a:buSzTx/>
+                        <a:buFont typeface="Arial" pitchFamily="34" charset="0"/>
+                        <a:buChar char="•"/>
+                        <a:tabLst/>
+                        <a:defRPr/>
+                      </a:pPr>
+                      <a:endParaRPr kumimoji="1" lang="en-US" altLang="ko-KR" sz="800" b="0" i="0" u="none" strike="noStrike" cap="none" normalizeH="0" baseline="0" dirty="0">
+                        <a:ln>
+                          <a:noFill/>
+                        </a:ln>
+                        <a:solidFill>
+                          <a:srgbClr val="000000"/>
+                        </a:solidFill>
+                        <a:effectLst/>
+                        <a:latin typeface="맑은 고딕" pitchFamily="50" charset="-127"/>
+                        <a:ea typeface="+mn-ea"/>
+                        <a:sym typeface="Arial" charset="0"/>
+                      </a:endParaRPr>
+                    </a:p>
+                  </a:txBody>
+                  <a:tcPr marL="90000" marR="90000" marT="46800" marB="46800" anchor="ctr" horzOverflow="overflow">
+                    <a:lnL w="6350" cap="flat" cmpd="sng" algn="ctr">
+                      <a:noFill/>
+                      <a:prstDash val="solid"/>
+                      <a:round/>
+                      <a:headEnd type="none" w="med" len="med"/>
+                      <a:tailEnd type="none" w="med" len="med"/>
+                    </a:lnL>
+                    <a:lnR w="6350" cap="flat" cmpd="sng" algn="ctr">
+                      <a:noFill/>
+                      <a:prstDash val="solid"/>
+                      <a:round/>
+                      <a:headEnd type="none" w="med" len="med"/>
+                      <a:tailEnd type="none" w="med" len="med"/>
+                    </a:lnR>
+                    <a:lnT w="6350" cap="flat" cmpd="sng" algn="ctr">
+                      <a:solidFill>
+                        <a:schemeClr val="bg1">
+                          <a:lumMod val="75000"/>
+                        </a:schemeClr>
+                      </a:solidFill>
+                      <a:prstDash val="solid"/>
+                      <a:round/>
+                      <a:headEnd type="none" w="med" len="med"/>
+                      <a:tailEnd type="none" w="med" len="med"/>
+                    </a:lnT>
+                    <a:lnB w="6350" cap="flat" cmpd="sng" algn="ctr">
+                      <a:solidFill>
+                        <a:schemeClr val="bg1">
+                          <a:lumMod val="75000"/>
+                        </a:schemeClr>
+                      </a:solidFill>
+                      <a:prstDash val="solid"/>
+                      <a:round/>
+                      <a:headEnd type="none" w="med" len="med"/>
+                      <a:tailEnd type="none" w="med" len="med"/>
+                    </a:lnB>
+                    <a:lnTlToBr>
+                      <a:noFill/>
+                    </a:lnTlToBr>
+                    <a:lnBlToTr>
+                      <a:noFill/>
+                    </a:lnBlToTr>
+                    <a:noFill/>
+                  </a:tcPr>
+                </a:tc>
+                <a:tc>
+                  <a:txBody>
+                    <a:bodyPr/>
+                    <a:lstStyle/>
+                    <a:p>
+                      <a:pPr marL="0" marR="0" lvl="0" indent="0" algn="ctr" defTabSz="914400" rtl="0" eaLnBrk="0" fontAlgn="base" latinLnBrk="1" hangingPunct="0">
+                        <a:lnSpc>
+                          <a:spcPct val="110000"/>
+                        </a:lnSpc>
+                        <a:spcBef>
+                          <a:spcPct val="20000"/>
+                        </a:spcBef>
+                        <a:spcAft>
+                          <a:spcPct val="0"/>
+                        </a:spcAft>
+                        <a:buClrTx/>
+                        <a:buSzTx/>
+                        <a:buFont typeface="산돌고딕 L" pitchFamily="18" charset="-127"/>
+                        <a:buNone/>
+                        <a:tabLst/>
+                        <a:defRPr/>
+                      </a:pPr>
+                      <a:endParaRPr kumimoji="1" lang="ko-KR" altLang="en-US" sz="800" b="0" i="0" u="none" strike="noStrike" kern="1200" cap="none" spc="0" normalizeH="0" baseline="0" noProof="0" dirty="0">
+                        <a:ln>
+                          <a:noFill/>
+                        </a:ln>
+                        <a:solidFill>
+                          <a:prstClr val="black"/>
+                        </a:solidFill>
+                        <a:effectLst/>
+                        <a:uLnTx/>
+                        <a:uFillTx/>
+                        <a:latin typeface="맑은 고딕" pitchFamily="50" charset="-127"/>
+                        <a:ea typeface="맑은 고딕" pitchFamily="50" charset="-127"/>
+                        <a:cs typeface="+mn-cs"/>
+                        <a:sym typeface="Arial" charset="0"/>
+                      </a:endParaRPr>
+                    </a:p>
+                  </a:txBody>
+                  <a:tcPr marL="90000" marR="90000" marT="46800" marB="46800" anchor="ctr" horzOverflow="overflow">
+                    <a:lnL w="6350" cap="flat" cmpd="sng" algn="ctr">
+                      <a:noFill/>
+                      <a:prstDash val="solid"/>
+                      <a:round/>
+                      <a:headEnd type="none" w="med" len="med"/>
+                      <a:tailEnd type="none" w="med" len="med"/>
+                    </a:lnL>
+                    <a:lnR w="12700" cap="flat" cmpd="sng" algn="ctr">
+                      <a:solidFill>
+                        <a:srgbClr val="FFFFFF"/>
+                      </a:solidFill>
+                      <a:prstDash val="solid"/>
+                      <a:round/>
+                      <a:headEnd type="none" w="med" len="med"/>
+                      <a:tailEnd type="none" w="med" len="med"/>
+                    </a:lnR>
+                    <a:lnT w="6350" cap="flat" cmpd="sng" algn="ctr">
+                      <a:solidFill>
+                        <a:schemeClr val="bg1">
+                          <a:lumMod val="75000"/>
+                        </a:schemeClr>
+                      </a:solidFill>
+                      <a:prstDash val="solid"/>
+                      <a:round/>
+                      <a:headEnd type="none" w="med" len="med"/>
+                      <a:tailEnd type="none" w="med" len="med"/>
+                    </a:lnT>
+                    <a:lnB w="6350" cap="flat" cmpd="sng" algn="ctr">
+                      <a:solidFill>
+                        <a:schemeClr val="bg1">
+                          <a:lumMod val="75000"/>
+                        </a:schemeClr>
+                      </a:solidFill>
+                      <a:prstDash val="solid"/>
+                      <a:round/>
+                      <a:headEnd type="none" w="med" len="med"/>
+                      <a:tailEnd type="none" w="med" len="med"/>
+                    </a:lnB>
+                    <a:lnTlToBr>
+                      <a:noFill/>
+                    </a:lnTlToBr>
+                    <a:lnBlToTr>
+                      <a:noFill/>
+                    </a:lnBlToTr>
+                    <a:noFill/>
+                  </a:tcPr>
+                </a:tc>
+                <a:extLst>
+                  <a:ext uri="{0D108BD9-81ED-4DB2-BD59-A6C34878D82A}">
+                    <a16:rowId xmlns:a16="http://schemas.microsoft.com/office/drawing/2014/main" val="1839671410"/>
+                  </a:ext>
+                </a:extLst>
+              </a:tr>
+              <a:tr h="137754">
+                <a:tc>
+                  <a:txBody>
+                    <a:bodyPr/>
+                    <a:lstStyle/>
+                    <a:p>
+                      <a:pPr marL="0" marR="0" lvl="0" indent="0" algn="ctr" defTabSz="914400" rtl="0" eaLnBrk="0" fontAlgn="base" latinLnBrk="1" hangingPunct="0">
+                        <a:lnSpc>
+                          <a:spcPct val="110000"/>
+                        </a:lnSpc>
+                        <a:spcBef>
+                          <a:spcPct val="20000"/>
+                        </a:spcBef>
+                        <a:spcAft>
+                          <a:spcPct val="0"/>
+                        </a:spcAft>
+                        <a:buClrTx/>
+                        <a:buSzTx/>
+                        <a:buFont typeface="산돌고딕 L" pitchFamily="18" charset="-127"/>
+                        <a:buNone/>
+                        <a:tabLst/>
+                      </a:pPr>
+                      <a:endParaRPr kumimoji="1" lang="en-US" altLang="ko-KR" sz="800" b="0" i="0" u="none" strike="noStrike" cap="none" normalizeH="0" baseline="0" dirty="0">
+                        <a:ln>
+                          <a:noFill/>
+                        </a:ln>
+                        <a:solidFill>
+                          <a:srgbClr val="000000"/>
+                        </a:solidFill>
+                        <a:effectLst/>
+                        <a:latin typeface="맑은 고딕" pitchFamily="50" charset="-127"/>
+                        <a:ea typeface="맑은 고딕" pitchFamily="50" charset="-127"/>
+                        <a:sym typeface="Arial" charset="0"/>
+                      </a:endParaRPr>
+                    </a:p>
+                  </a:txBody>
+                  <a:tcPr marL="90000" marR="90000" marT="46800" marB="46800" anchor="ctr" horzOverflow="overflow">
+                    <a:lnL w="12700" cap="flat" cmpd="sng" algn="ctr">
+                      <a:solidFill>
+                        <a:srgbClr val="FFFFFF"/>
+                      </a:solidFill>
+                      <a:prstDash val="solid"/>
+                      <a:round/>
+                      <a:headEnd type="none" w="med" len="med"/>
+                      <a:tailEnd type="none" w="med" len="med"/>
+                    </a:lnL>
+                    <a:lnR w="6350" cap="flat" cmpd="sng" algn="ctr">
+                      <a:noFill/>
+                      <a:prstDash val="solid"/>
+                      <a:round/>
+                      <a:headEnd type="none" w="med" len="med"/>
+                      <a:tailEnd type="none" w="med" len="med"/>
+                    </a:lnR>
+                    <a:lnT w="6350" cap="flat" cmpd="sng" algn="ctr">
+                      <a:solidFill>
+                        <a:schemeClr val="bg1">
+                          <a:lumMod val="75000"/>
+                        </a:schemeClr>
+                      </a:solidFill>
+                      <a:prstDash val="solid"/>
+                      <a:round/>
+                      <a:headEnd type="none" w="med" len="med"/>
+                      <a:tailEnd type="none" w="med" len="med"/>
+                    </a:lnT>
+                    <a:lnB w="6350" cap="flat" cmpd="sng" algn="ctr">
+                      <a:solidFill>
+                        <a:schemeClr val="bg1">
+                          <a:lumMod val="75000"/>
+                        </a:schemeClr>
+                      </a:solidFill>
+                      <a:prstDash val="solid"/>
+                      <a:round/>
+                      <a:headEnd type="none" w="med" len="med"/>
+                      <a:tailEnd type="none" w="med" len="med"/>
+                    </a:lnB>
+                    <a:lnTlToBr>
+                      <a:noFill/>
+                    </a:lnTlToBr>
+                    <a:lnBlToTr>
+                      <a:noFill/>
+                    </a:lnBlToTr>
+                    <a:noFill/>
+                  </a:tcPr>
+                </a:tc>
+                <a:tc>
+                  <a:txBody>
+                    <a:bodyPr/>
+                    <a:lstStyle/>
+                    <a:p>
+                      <a:pPr marL="0" marR="0" lvl="0" indent="0" algn="ctr" defTabSz="914400" rtl="0" eaLnBrk="0" fontAlgn="base" latinLnBrk="1" hangingPunct="0">
+                        <a:lnSpc>
+                          <a:spcPct val="110000"/>
+                        </a:lnSpc>
+                        <a:spcBef>
+                          <a:spcPct val="20000"/>
+                        </a:spcBef>
+                        <a:spcAft>
+                          <a:spcPct val="0"/>
+                        </a:spcAft>
+                        <a:buClrTx/>
+                        <a:buSzTx/>
+                        <a:buFont typeface="산돌고딕 L" pitchFamily="18" charset="-127"/>
+                        <a:buNone/>
+                        <a:tabLst/>
+                      </a:pPr>
+                      <a:endParaRPr kumimoji="1" lang="en-US" altLang="ko-KR" sz="800" b="0" i="0" u="none" strike="noStrike" cap="none" normalizeH="0" baseline="0" dirty="0">
+                        <a:ln>
+                          <a:noFill/>
+                        </a:ln>
+                        <a:solidFill>
+                          <a:srgbClr val="000000"/>
+                        </a:solidFill>
+                        <a:effectLst/>
+                        <a:latin typeface="맑은 고딕" pitchFamily="50" charset="-127"/>
+                        <a:ea typeface="맑은 고딕" pitchFamily="50" charset="-127"/>
+                        <a:sym typeface="Arial" charset="0"/>
+                      </a:endParaRPr>
+                    </a:p>
+                  </a:txBody>
+                  <a:tcPr marL="90000" marR="90000" marT="46800" marB="46800" anchor="ctr" horzOverflow="overflow">
+                    <a:lnL w="6350" cap="flat" cmpd="sng" algn="ctr">
+                      <a:noFill/>
+                      <a:prstDash val="solid"/>
+                      <a:round/>
+                      <a:headEnd type="none" w="med" len="med"/>
+                      <a:tailEnd type="none" w="med" len="med"/>
+                    </a:lnL>
+                    <a:lnR w="6350" cap="flat" cmpd="sng" algn="ctr">
+                      <a:noFill/>
+                      <a:prstDash val="solid"/>
+                      <a:round/>
+                      <a:headEnd type="none" w="med" len="med"/>
+                      <a:tailEnd type="none" w="med" len="med"/>
+                    </a:lnR>
+                    <a:lnT w="6350" cap="flat" cmpd="sng" algn="ctr">
+                      <a:solidFill>
+                        <a:schemeClr val="bg1">
+                          <a:lumMod val="75000"/>
+                        </a:schemeClr>
+                      </a:solidFill>
+                      <a:prstDash val="solid"/>
+                      <a:round/>
+                      <a:headEnd type="none" w="med" len="med"/>
+                      <a:tailEnd type="none" w="med" len="med"/>
+                    </a:lnT>
+                    <a:lnB w="6350" cap="flat" cmpd="sng" algn="ctr">
+                      <a:solidFill>
+                        <a:schemeClr val="bg1">
+                          <a:lumMod val="75000"/>
+                        </a:schemeClr>
+                      </a:solidFill>
+                      <a:prstDash val="solid"/>
+                      <a:round/>
+                      <a:headEnd type="none" w="med" len="med"/>
+                      <a:tailEnd type="none" w="med" len="med"/>
+                    </a:lnB>
+                    <a:lnTlToBr>
+                      <a:noFill/>
+                    </a:lnTlToBr>
+                    <a:lnBlToTr>
+                      <a:noFill/>
+                    </a:lnBlToTr>
+                    <a:noFill/>
+                  </a:tcPr>
+                </a:tc>
+                <a:tc>
+                  <a:txBody>
+                    <a:bodyPr/>
+                    <a:lstStyle/>
+                    <a:p>
+                      <a:pPr marL="257175" marR="0" lvl="0" indent="-171450" algn="l" defTabSz="914400" rtl="0" eaLnBrk="1" fontAlgn="base" latinLnBrk="1" hangingPunct="1">
+                        <a:lnSpc>
+                          <a:spcPct val="110000"/>
+                        </a:lnSpc>
+                        <a:spcBef>
+                          <a:spcPct val="20000"/>
+                        </a:spcBef>
+                        <a:spcAft>
+                          <a:spcPct val="0"/>
+                        </a:spcAft>
+                        <a:buClrTx/>
+                        <a:buSzTx/>
+                        <a:buFont typeface="Arial" pitchFamily="34" charset="0"/>
+                        <a:buChar char="•"/>
+                        <a:tabLst/>
+                        <a:defRPr/>
+                      </a:pPr>
+                      <a:endParaRPr kumimoji="1" lang="en-US" altLang="ko-KR" sz="800" b="0" i="0" u="none" strike="noStrike" cap="none" normalizeH="0" baseline="0" dirty="0">
+                        <a:ln>
+                          <a:noFill/>
+                        </a:ln>
+                        <a:solidFill>
+                          <a:srgbClr val="000000"/>
+                        </a:solidFill>
+                        <a:effectLst/>
+                        <a:latin typeface="맑은 고딕" pitchFamily="50" charset="-127"/>
+                        <a:ea typeface="+mn-ea"/>
+                        <a:sym typeface="Arial" charset="0"/>
+                      </a:endParaRPr>
+                    </a:p>
+                  </a:txBody>
+                  <a:tcPr marL="90000" marR="90000" marT="46800" marB="46800" anchor="ctr" horzOverflow="overflow">
+                    <a:lnL w="6350" cap="flat" cmpd="sng" algn="ctr">
+                      <a:noFill/>
+                      <a:prstDash val="solid"/>
+                      <a:round/>
+                      <a:headEnd type="none" w="med" len="med"/>
+                      <a:tailEnd type="none" w="med" len="med"/>
+                    </a:lnL>
+                    <a:lnR w="6350" cap="flat" cmpd="sng" algn="ctr">
+                      <a:noFill/>
+                      <a:prstDash val="solid"/>
+                      <a:round/>
+                      <a:headEnd type="none" w="med" len="med"/>
+                      <a:tailEnd type="none" w="med" len="med"/>
+                    </a:lnR>
+                    <a:lnT w="6350" cap="flat" cmpd="sng" algn="ctr">
+                      <a:solidFill>
+                        <a:schemeClr val="bg1">
+                          <a:lumMod val="75000"/>
+                        </a:schemeClr>
+                      </a:solidFill>
+                      <a:prstDash val="solid"/>
+                      <a:round/>
+                      <a:headEnd type="none" w="med" len="med"/>
+                      <a:tailEnd type="none" w="med" len="med"/>
+                    </a:lnT>
+                    <a:lnB w="6350" cap="flat" cmpd="sng" algn="ctr">
+                      <a:solidFill>
+                        <a:schemeClr val="bg1">
+                          <a:lumMod val="75000"/>
+                        </a:schemeClr>
+                      </a:solidFill>
+                      <a:prstDash val="solid"/>
+                      <a:round/>
+                      <a:headEnd type="none" w="med" len="med"/>
+                      <a:tailEnd type="none" w="med" len="med"/>
+                    </a:lnB>
+                    <a:lnTlToBr>
+                      <a:noFill/>
+                    </a:lnTlToBr>
+                    <a:lnBlToTr>
+                      <a:noFill/>
+                    </a:lnBlToTr>
+                    <a:noFill/>
+                  </a:tcPr>
+                </a:tc>
+                <a:tc>
+                  <a:txBody>
+                    <a:bodyPr/>
+                    <a:lstStyle/>
+                    <a:p>
+                      <a:pPr marL="0" marR="0" lvl="0" indent="0" algn="ctr" defTabSz="914400" rtl="0" eaLnBrk="0" fontAlgn="base" latinLnBrk="1" hangingPunct="0">
+                        <a:lnSpc>
+                          <a:spcPct val="110000"/>
+                        </a:lnSpc>
+                        <a:spcBef>
+                          <a:spcPct val="20000"/>
+                        </a:spcBef>
+                        <a:spcAft>
+                          <a:spcPct val="0"/>
+                        </a:spcAft>
+                        <a:buClrTx/>
+                        <a:buSzTx/>
+                        <a:buFont typeface="산돌고딕 L" pitchFamily="18" charset="-127"/>
+                        <a:buNone/>
+                        <a:tabLst/>
+                        <a:defRPr/>
+                      </a:pPr>
+                      <a:endParaRPr kumimoji="1" lang="ko-KR" altLang="en-US" sz="800" b="0" i="0" u="none" strike="noStrike" kern="1200" cap="none" spc="0" normalizeH="0" baseline="0" noProof="0" dirty="0">
+                        <a:ln>
+                          <a:noFill/>
+                        </a:ln>
+                        <a:solidFill>
+                          <a:prstClr val="black"/>
+                        </a:solidFill>
+                        <a:effectLst/>
+                        <a:uLnTx/>
+                        <a:uFillTx/>
+                        <a:latin typeface="맑은 고딕" pitchFamily="50" charset="-127"/>
+                        <a:ea typeface="맑은 고딕" pitchFamily="50" charset="-127"/>
+                        <a:cs typeface="+mn-cs"/>
+                        <a:sym typeface="Arial" charset="0"/>
+                      </a:endParaRPr>
+                    </a:p>
+                  </a:txBody>
+                  <a:tcPr marL="90000" marR="90000" marT="46800" marB="46800" anchor="ctr" horzOverflow="overflow">
+                    <a:lnL w="6350" cap="flat" cmpd="sng" algn="ctr">
+                      <a:noFill/>
+                      <a:prstDash val="solid"/>
+                      <a:round/>
+                      <a:headEnd type="none" w="med" len="med"/>
+                      <a:tailEnd type="none" w="med" len="med"/>
+                    </a:lnL>
+                    <a:lnR w="12700" cap="flat" cmpd="sng" algn="ctr">
+                      <a:solidFill>
+                        <a:srgbClr val="FFFFFF"/>
+                      </a:solidFill>
+                      <a:prstDash val="solid"/>
+                      <a:round/>
+                      <a:headEnd type="none" w="med" len="med"/>
+                      <a:tailEnd type="none" w="med" len="med"/>
+                    </a:lnR>
+                    <a:lnT w="6350" cap="flat" cmpd="sng" algn="ctr">
+                      <a:solidFill>
+                        <a:schemeClr val="bg1">
+                          <a:lumMod val="75000"/>
+                        </a:schemeClr>
+                      </a:solidFill>
+                      <a:prstDash val="solid"/>
+                      <a:round/>
+                      <a:headEnd type="none" w="med" len="med"/>
+                      <a:tailEnd type="none" w="med" len="med"/>
+                    </a:lnT>
+                    <a:lnB w="6350" cap="flat" cmpd="sng" algn="ctr">
+                      <a:solidFill>
+                        <a:schemeClr val="bg1">
+                          <a:lumMod val="75000"/>
+                        </a:schemeClr>
+                      </a:solidFill>
+                      <a:prstDash val="solid"/>
+                      <a:round/>
+                      <a:headEnd type="none" w="med" len="med"/>
+                      <a:tailEnd type="none" w="med" len="med"/>
+                    </a:lnB>
+                    <a:lnTlToBr>
+                      <a:noFill/>
+                    </a:lnTlToBr>
+                    <a:lnBlToTr>
+                      <a:noFill/>
+                    </a:lnBlToTr>
+                    <a:noFill/>
+                  </a:tcPr>
+                </a:tc>
+                <a:extLst>
+                  <a:ext uri="{0D108BD9-81ED-4DB2-BD59-A6C34878D82A}">
+                    <a16:rowId xmlns:a16="http://schemas.microsoft.com/office/drawing/2014/main" val="1171365368"/>
                   </a:ext>
                 </a:extLst>
               </a:tr>
@@ -4635,12 +9700,246 @@
           </a:graphicData>
         </a:graphic>
       </p:graphicFrame>
+    </p:spTree>
+    <p:extLst>
+      <p:ext uri="{BB962C8B-B14F-4D97-AF65-F5344CB8AC3E}">
+        <p14:creationId xmlns:p14="http://schemas.microsoft.com/office/powerpoint/2010/main" val="2564897504"/>
+      </p:ext>
+    </p:extLst>
+  </p:cSld>
+  <p:clrMapOvr>
+    <a:masterClrMapping/>
+  </p:clrMapOvr>
+</p:sld>
+</file>
+
+<file path=ppt/slides/slide2.xml><?xml version="1.0" encoding="utf-8"?>
+<p:sld xmlns:a="http://schemas.openxmlformats.org/drawingml/2006/main" xmlns:r="http://schemas.openxmlformats.org/officeDocument/2006/relationships" xmlns:p="http://schemas.openxmlformats.org/presentationml/2006/main">
+  <p:cSld>
+    <p:spTree>
+      <p:nvGrpSpPr>
+        <p:cNvPr id="1" name=""/>
+        <p:cNvGrpSpPr/>
+        <p:nvPr/>
+      </p:nvGrpSpPr>
+      <p:grpSpPr>
+        <a:xfrm>
+          <a:off x="0" y="0"/>
+          <a:ext cx="0" cy="0"/>
+          <a:chOff x="0" y="0"/>
+          <a:chExt cx="0" cy="0"/>
+        </a:xfrm>
+      </p:grpSpPr>
+      <p:pic>
+        <p:nvPicPr>
+          <p:cNvPr id="11" name="내용 개체 틀 10">
+            <a:extLst>
+              <a:ext uri="{FF2B5EF4-FFF2-40B4-BE49-F238E27FC236}">
+                <a16:creationId xmlns:a16="http://schemas.microsoft.com/office/drawing/2014/main" id="{31615A55-A983-D98C-3AD6-67A1A03B4552}"/>
+              </a:ext>
+            </a:extLst>
+          </p:cNvPr>
+          <p:cNvPicPr>
+            <a:picLocks noGrp="1" noChangeAspect="1"/>
+          </p:cNvPicPr>
+          <p:nvPr>
+            <p:ph sz="half" idx="10"/>
+          </p:nvPr>
+        </p:nvPicPr>
+        <p:blipFill>
+          <a:blip r:embed="rId2" cstate="print">
+            <a:extLst>
+              <a:ext uri="{28A0092B-C50C-407E-A947-70E740481C1C}">
+                <a14:useLocalDpi xmlns:a14="http://schemas.microsoft.com/office/drawing/2010/main" val="0"/>
+              </a:ext>
+            </a:extLst>
+          </a:blip>
+          <a:stretch>
+            <a:fillRect/>
+          </a:stretch>
+        </p:blipFill>
+        <p:spPr>
+          <a:xfrm>
+            <a:off x="7824192" y="2811747"/>
+            <a:ext cx="3387725" cy="1680594"/>
+          </a:xfrm>
+        </p:spPr>
+      </p:pic>
       <p:sp>
         <p:nvSpPr>
-          <p:cNvPr id="8" name="TextBox 7">
+          <p:cNvPr id="3" name="텍스트 개체 틀 2">
             <a:extLst>
               <a:ext uri="{FF2B5EF4-FFF2-40B4-BE49-F238E27FC236}">
-                <a16:creationId xmlns:a16="http://schemas.microsoft.com/office/drawing/2014/main" id="{DDF58C48-5157-4FFA-B714-C02B198B9885}"/>
+                <a16:creationId xmlns:a16="http://schemas.microsoft.com/office/drawing/2014/main" id="{84A348E7-3545-6C45-88AE-D7D2B1D5A4E2}"/>
+              </a:ext>
+            </a:extLst>
+          </p:cNvPr>
+          <p:cNvSpPr>
+            <a:spLocks noGrp="1"/>
+          </p:cNvSpPr>
+          <p:nvPr>
+            <p:ph type="body" idx="1"/>
+          </p:nvPr>
+        </p:nvSpPr>
+        <p:spPr/>
+        <p:txBody>
+          <a:bodyPr>
+            <a:normAutofit lnSpcReduction="10000"/>
+          </a:bodyPr>
+          <a:lstStyle/>
+          <a:p>
+            <a:endParaRPr lang="ko-KR" altLang="en-US" dirty="0"/>
+          </a:p>
+        </p:txBody>
+      </p:sp>
+      <p:sp>
+        <p:nvSpPr>
+          <p:cNvPr id="4" name="제목 3">
+            <a:extLst>
+              <a:ext uri="{FF2B5EF4-FFF2-40B4-BE49-F238E27FC236}">
+                <a16:creationId xmlns:a16="http://schemas.microsoft.com/office/drawing/2014/main" id="{70D42D4F-F266-087B-1A2E-C88F1FD286CB}"/>
+              </a:ext>
+            </a:extLst>
+          </p:cNvPr>
+          <p:cNvSpPr>
+            <a:spLocks noGrp="1"/>
+          </p:cNvSpPr>
+          <p:nvPr>
+            <p:ph type="title"/>
+          </p:nvPr>
+        </p:nvSpPr>
+        <p:spPr/>
+        <p:txBody>
+          <a:bodyPr/>
+          <a:lstStyle/>
+          <a:p>
+            <a:r>
+              <a:rPr lang="en-US" altLang="ko-KR" dirty="0"/>
+              <a:t>SAP(Subway Amenities Project) </a:t>
+            </a:r>
+            <a:r>
+              <a:rPr lang="ko-KR" altLang="en-US" dirty="0"/>
+              <a:t>장애</a:t>
+            </a:r>
+            <a:r>
+              <a:rPr lang="en-US" altLang="ko-KR" dirty="0"/>
+              <a:t>/</a:t>
+            </a:r>
+            <a:r>
+              <a:rPr lang="ko-KR" altLang="en-US" dirty="0"/>
+              <a:t>이슈 </a:t>
+            </a:r>
+          </a:p>
+        </p:txBody>
+      </p:sp>
+      <p:pic>
+        <p:nvPicPr>
+          <p:cNvPr id="13" name="그림 12">
+            <a:extLst>
+              <a:ext uri="{FF2B5EF4-FFF2-40B4-BE49-F238E27FC236}">
+                <a16:creationId xmlns:a16="http://schemas.microsoft.com/office/drawing/2014/main" id="{492811B4-2EE3-03DF-AB44-6991563D3B1D}"/>
+              </a:ext>
+            </a:extLst>
+          </p:cNvPr>
+          <p:cNvPicPr>
+            <a:picLocks noChangeAspect="1"/>
+          </p:cNvPicPr>
+          <p:nvPr/>
+        </p:nvPicPr>
+        <p:blipFill>
+          <a:blip r:embed="rId3">
+            <a:extLst>
+              <a:ext uri="{28A0092B-C50C-407E-A947-70E740481C1C}">
+                <a14:useLocalDpi xmlns:a14="http://schemas.microsoft.com/office/drawing/2010/main" val="0"/>
+              </a:ext>
+            </a:extLst>
+          </a:blip>
+          <a:stretch>
+            <a:fillRect/>
+          </a:stretch>
+        </p:blipFill>
+        <p:spPr>
+          <a:xfrm>
+            <a:off x="133824" y="692696"/>
+            <a:ext cx="7978400" cy="4536504"/>
+          </a:xfrm>
+          <a:prstGeom prst="rect">
+            <a:avLst/>
+          </a:prstGeom>
+        </p:spPr>
+      </p:pic>
+      <p:pic>
+        <p:nvPicPr>
+          <p:cNvPr id="7" name="그림 6">
+            <a:extLst>
+              <a:ext uri="{FF2B5EF4-FFF2-40B4-BE49-F238E27FC236}">
+                <a16:creationId xmlns:a16="http://schemas.microsoft.com/office/drawing/2014/main" id="{C34C741A-7EBB-DAE2-569A-8B36A3EBAEF9}"/>
+              </a:ext>
+            </a:extLst>
+          </p:cNvPr>
+          <p:cNvPicPr>
+            <a:picLocks noChangeAspect="1"/>
+          </p:cNvPicPr>
+          <p:nvPr/>
+        </p:nvPicPr>
+        <p:blipFill>
+          <a:blip r:embed="rId4" cstate="print">
+            <a:extLst>
+              <a:ext uri="{28A0092B-C50C-407E-A947-70E740481C1C}">
+                <a14:useLocalDpi xmlns:a14="http://schemas.microsoft.com/office/drawing/2010/main" val="0"/>
+              </a:ext>
+            </a:extLst>
+          </a:blip>
+          <a:stretch>
+            <a:fillRect/>
+          </a:stretch>
+        </p:blipFill>
+        <p:spPr>
+          <a:xfrm>
+            <a:off x="1954313" y="1956348"/>
+            <a:ext cx="4049391" cy="2945304"/>
+          </a:xfrm>
+          <a:prstGeom prst="rect">
+            <a:avLst/>
+          </a:prstGeom>
+        </p:spPr>
+      </p:pic>
+      <p:pic>
+        <p:nvPicPr>
+          <p:cNvPr id="12" name="그림 11">
+            <a:extLst>
+              <a:ext uri="{FF2B5EF4-FFF2-40B4-BE49-F238E27FC236}">
+                <a16:creationId xmlns:a16="http://schemas.microsoft.com/office/drawing/2014/main" id="{3DDB98F9-A4C8-D2B6-C843-0C5C45B6D678}"/>
+              </a:ext>
+            </a:extLst>
+          </p:cNvPr>
+          <p:cNvPicPr>
+            <a:picLocks noChangeAspect="1"/>
+          </p:cNvPicPr>
+          <p:nvPr/>
+        </p:nvPicPr>
+        <p:blipFill>
+          <a:blip r:embed="rId5"/>
+          <a:stretch>
+            <a:fillRect/>
+          </a:stretch>
+        </p:blipFill>
+        <p:spPr>
+          <a:xfrm>
+            <a:off x="1271464" y="1561967"/>
+            <a:ext cx="6096000" cy="325625"/>
+          </a:xfrm>
+          <a:prstGeom prst="rect">
+            <a:avLst/>
+          </a:prstGeom>
+        </p:spPr>
+      </p:pic>
+      <p:sp>
+        <p:nvSpPr>
+          <p:cNvPr id="14" name="TextBox 13">
+            <a:extLst>
+              <a:ext uri="{FF2B5EF4-FFF2-40B4-BE49-F238E27FC236}">
+                <a16:creationId xmlns:a16="http://schemas.microsoft.com/office/drawing/2014/main" id="{A8264214-9791-5634-DA42-A30EC6F80966}"/>
               </a:ext>
             </a:extLst>
           </p:cNvPr>
@@ -4649,8 +9948,8 @@
         </p:nvSpPr>
         <p:spPr>
           <a:xfrm>
-            <a:off x="11780252" y="106980"/>
-            <a:ext cx="248786" cy="230832"/>
+            <a:off x="8689366" y="2054697"/>
+            <a:ext cx="3559055" cy="892552"/>
           </a:xfrm>
           <a:prstGeom prst="rect">
             <a:avLst/>
@@ -4658,25 +9957,134 @@
           <a:noFill/>
         </p:spPr>
         <p:txBody>
-          <a:bodyPr wrap="none" rtlCol="0">
+          <a:bodyPr wrap="square" rtlCol="0">
             <a:spAutoFit/>
           </a:bodyPr>
           <a:lstStyle/>
           <a:p>
-            <a:fld id="{944918D1-1C8F-48E6-92D4-4089F97E8793}" type="slidenum">
-              <a:rPr lang="ko-KR" altLang="en-US" sz="900" smtClean="0"/>
-              <a:t>1</a:t>
-            </a:fld>
-            <a:endParaRPr lang="ko-KR" altLang="en-US" sz="900" dirty="0"/>
+            <a:r>
+              <a:rPr lang="en-US" altLang="ko-KR" sz="1300" dirty="0">
+                <a:latin typeface="나눔"/>
+              </a:rPr>
+              <a:t>3. </a:t>
+            </a:r>
+            <a:r>
+              <a:rPr lang="ko-KR" altLang="en-US" sz="1300" dirty="0">
+                <a:latin typeface="나눔"/>
+              </a:rPr>
+              <a:t>버튼</a:t>
+            </a:r>
+            <a:endParaRPr lang="en-US" altLang="ko-KR" sz="1300" dirty="0">
+              <a:latin typeface="나눔"/>
+            </a:endParaRPr>
+          </a:p>
+          <a:p>
+            <a:r>
+              <a:rPr lang="en-US" altLang="ko-KR" sz="1300" dirty="0">
+                <a:latin typeface="나눔"/>
+              </a:rPr>
+              <a:t>-</a:t>
+            </a:r>
+            <a:r>
+              <a:rPr lang="ko-KR" altLang="en-US" sz="1300" dirty="0">
+                <a:latin typeface="나눔"/>
+              </a:rPr>
+              <a:t>생성</a:t>
+            </a:r>
+            <a:endParaRPr lang="en-US" altLang="ko-KR" sz="1300" dirty="0">
+              <a:latin typeface="나눔"/>
+            </a:endParaRPr>
+          </a:p>
+          <a:p>
+            <a:r>
+              <a:rPr lang="en-US" altLang="ko-KR" sz="1300" dirty="0">
+                <a:latin typeface="나눔"/>
+              </a:rPr>
+              <a:t>-</a:t>
+            </a:r>
+            <a:r>
+              <a:rPr lang="ko-KR" altLang="en-US" sz="1300" dirty="0">
+                <a:latin typeface="나눔"/>
+              </a:rPr>
+              <a:t>삭제</a:t>
+            </a:r>
+            <a:endParaRPr lang="en-US" altLang="ko-KR" sz="1300" dirty="0">
+              <a:latin typeface="나눔"/>
+            </a:endParaRPr>
+          </a:p>
+          <a:p>
+            <a:r>
+              <a:rPr lang="en-US" altLang="ko-KR" sz="1300" dirty="0">
+                <a:latin typeface="나눔"/>
+              </a:rPr>
+              <a:t>-</a:t>
+            </a:r>
+            <a:r>
+              <a:rPr lang="ko-KR" altLang="en-US" sz="1300" dirty="0" err="1">
+                <a:latin typeface="나눔"/>
+              </a:rPr>
+              <a:t>상태값</a:t>
+            </a:r>
+            <a:r>
+              <a:rPr lang="ko-KR" altLang="en-US" sz="1300" dirty="0">
+                <a:latin typeface="나눔"/>
+              </a:rPr>
+              <a:t> 변경</a:t>
+            </a:r>
+            <a:r>
+              <a:rPr lang="en-US" altLang="ko-KR" sz="1300" dirty="0">
+                <a:latin typeface="나눔"/>
+              </a:rPr>
+              <a:t>(</a:t>
+            </a:r>
+            <a:r>
+              <a:rPr lang="ko-KR" altLang="en-US" sz="1300" dirty="0">
+                <a:latin typeface="나눔"/>
+              </a:rPr>
+              <a:t>오픈</a:t>
+            </a:r>
+            <a:r>
+              <a:rPr lang="en-US" altLang="ko-KR" sz="1300" dirty="0">
+                <a:latin typeface="나눔"/>
+              </a:rPr>
+              <a:t>,</a:t>
+            </a:r>
+            <a:r>
+              <a:rPr lang="ko-KR" altLang="en-US" sz="1300" dirty="0" err="1">
+                <a:latin typeface="나눔"/>
+              </a:rPr>
+              <a:t>해결중</a:t>
+            </a:r>
+            <a:r>
+              <a:rPr lang="en-US" altLang="ko-KR" sz="1300" dirty="0">
+                <a:latin typeface="나눔"/>
+              </a:rPr>
+              <a:t>,</a:t>
+            </a:r>
+            <a:r>
+              <a:rPr lang="ko-KR" altLang="en-US" sz="1300" dirty="0">
+                <a:latin typeface="나눔"/>
+              </a:rPr>
+              <a:t>완료</a:t>
+            </a:r>
+            <a:r>
+              <a:rPr lang="en-US" altLang="ko-KR" sz="1300" dirty="0">
+                <a:latin typeface="나눔"/>
+              </a:rPr>
+              <a:t>)</a:t>
+            </a:r>
+            <a:endParaRPr lang="ko-KR" altLang="en-US" sz="1300" dirty="0">
+              <a:latin typeface="나눔"/>
+            </a:endParaRPr>
           </a:p>
         </p:txBody>
       </p:sp>
       <p:sp>
         <p:nvSpPr>
-          <p:cNvPr id="3" name="TextBox 2">
+          <p:cNvPr id="15" name="TextBox 14">
             <a:extLst>
               <a:ext uri="{FF2B5EF4-FFF2-40B4-BE49-F238E27FC236}">
-                <a16:creationId xmlns:a16="http://schemas.microsoft.com/office/drawing/2014/main" id="{AFFB7AC1-4F4D-81D4-E249-A85C2E3D2518}"/>
+                <a16:creationId xmlns:a16="http://schemas.microsoft.com/office/drawing/2014/main" id="{E57B2C14-61BF-E33C-FFBE-374D401DF1D5}"/>
               </a:ext>
             </a:extLst>
           </p:cNvPr>
@@ -4685,8 +10093,8 @@
         </p:nvSpPr>
         <p:spPr>
           <a:xfrm>
-            <a:off x="1415480" y="1844822"/>
-            <a:ext cx="6097554" cy="369332"/>
+            <a:off x="8669590" y="1025450"/>
+            <a:ext cx="3559055" cy="292388"/>
           </a:xfrm>
           <a:prstGeom prst="rect">
             <a:avLst/>
@@ -4694,22 +10102,1102 @@
           <a:noFill/>
         </p:spPr>
         <p:txBody>
-          <a:bodyPr wrap="square">
+          <a:bodyPr wrap="square" rtlCol="0">
             <a:spAutoFit/>
           </a:bodyPr>
           <a:lstStyle/>
           <a:p>
             <a:r>
+              <a:rPr lang="en-US" altLang="ko-KR" sz="1300" dirty="0">
+                <a:latin typeface="나눔"/>
+              </a:rPr>
+              <a:t>1. </a:t>
+            </a:r>
+            <a:r>
+              <a:rPr lang="ko-KR" altLang="en-US" sz="1300" dirty="0">
+                <a:latin typeface="나눔"/>
+              </a:rPr>
+              <a:t>검색 필터 </a:t>
+            </a:r>
+            <a:r>
+              <a:rPr lang="en-US" altLang="ko-KR" sz="1300" dirty="0">
+                <a:latin typeface="나눔"/>
+              </a:rPr>
+              <a:t>value</a:t>
+            </a:r>
+            <a:r>
+              <a:rPr lang="ko-KR" altLang="en-US" sz="1300" dirty="0">
+                <a:latin typeface="나눔"/>
+              </a:rPr>
+              <a:t>에 </a:t>
+            </a:r>
+            <a:r>
+              <a:rPr lang="en-US" altLang="ko-KR" sz="1300" dirty="0">
+                <a:latin typeface="나눔"/>
+              </a:rPr>
+              <a:t>title</a:t>
+            </a:r>
+            <a:r>
+              <a:rPr lang="ko-KR" altLang="en-US" sz="1300" dirty="0">
+                <a:latin typeface="나눔"/>
+              </a:rPr>
+              <a:t>을 입력하여  </a:t>
+            </a:r>
+            <a:r>
+              <a:rPr lang="en-US" altLang="ko-KR" sz="1300" dirty="0">
+                <a:latin typeface="나눔"/>
+              </a:rPr>
+              <a:t>search</a:t>
+            </a:r>
+            <a:endParaRPr lang="ko-KR" altLang="en-US" sz="1300" dirty="0">
+              <a:latin typeface="나눔"/>
+            </a:endParaRPr>
+          </a:p>
+        </p:txBody>
+      </p:sp>
+      <p:sp>
+        <p:nvSpPr>
+          <p:cNvPr id="16" name="TextBox 15">
+            <a:extLst>
+              <a:ext uri="{FF2B5EF4-FFF2-40B4-BE49-F238E27FC236}">
+                <a16:creationId xmlns:a16="http://schemas.microsoft.com/office/drawing/2014/main" id="{22B5536C-DB45-0FD5-1F50-2A651B9638DB}"/>
+              </a:ext>
+            </a:extLst>
+          </p:cNvPr>
+          <p:cNvSpPr txBox="1"/>
+          <p:nvPr/>
+        </p:nvSpPr>
+        <p:spPr>
+          <a:xfrm>
+            <a:off x="8698431" y="1458645"/>
+            <a:ext cx="4886401" cy="292388"/>
+          </a:xfrm>
+          <a:prstGeom prst="rect">
+            <a:avLst/>
+          </a:prstGeom>
+          <a:noFill/>
+        </p:spPr>
+        <p:txBody>
+          <a:bodyPr wrap="square" rtlCol="0">
+            <a:spAutoFit/>
+          </a:bodyPr>
+          <a:lstStyle/>
+          <a:p>
+            <a:r>
+              <a:rPr lang="en-US" altLang="ko-KR" sz="1300" dirty="0">
+                <a:latin typeface="나눔"/>
+              </a:rPr>
+              <a:t>2. Open</a:t>
+            </a:r>
+            <a:r>
+              <a:rPr lang="ko-KR" altLang="en-US" sz="1300" dirty="0">
+                <a:latin typeface="나눔"/>
+              </a:rPr>
+              <a:t> </a:t>
+            </a:r>
+            <a:r>
+              <a:rPr lang="en-US" altLang="ko-KR" sz="1300" dirty="0">
+                <a:latin typeface="나눔"/>
+              </a:rPr>
+              <a:t>/ Close</a:t>
+            </a:r>
+            <a:endParaRPr lang="ko-KR" altLang="en-US" sz="1300" dirty="0">
+              <a:latin typeface="나눔"/>
+            </a:endParaRPr>
+          </a:p>
+        </p:txBody>
+      </p:sp>
+      <p:sp>
+        <p:nvSpPr>
+          <p:cNvPr id="17" name="TextBox 16">
+            <a:extLst>
+              <a:ext uri="{FF2B5EF4-FFF2-40B4-BE49-F238E27FC236}">
+                <a16:creationId xmlns:a16="http://schemas.microsoft.com/office/drawing/2014/main" id="{32FD4E38-8725-4283-B530-7BBCFC0FEE32}"/>
+              </a:ext>
+            </a:extLst>
+          </p:cNvPr>
+          <p:cNvSpPr txBox="1"/>
+          <p:nvPr/>
+        </p:nvSpPr>
+        <p:spPr>
+          <a:xfrm>
+            <a:off x="8683100" y="3082751"/>
+            <a:ext cx="3067156" cy="692497"/>
+          </a:xfrm>
+          <a:prstGeom prst="rect">
+            <a:avLst/>
+          </a:prstGeom>
+          <a:noFill/>
+        </p:spPr>
+        <p:txBody>
+          <a:bodyPr wrap="square" rtlCol="0">
+            <a:spAutoFit/>
+          </a:bodyPr>
+          <a:lstStyle/>
+          <a:p>
+            <a:r>
+              <a:rPr lang="en-US" altLang="ko-KR" sz="1300" dirty="0">
+                <a:latin typeface="나눔"/>
+              </a:rPr>
+              <a:t>4. </a:t>
+            </a:r>
+            <a:r>
+              <a:rPr lang="ko-KR" altLang="en-US" sz="1300" dirty="0">
+                <a:latin typeface="나눔"/>
+              </a:rPr>
+              <a:t>총 </a:t>
+            </a:r>
+            <a:r>
+              <a:rPr lang="en-US" altLang="ko-KR" sz="1300" dirty="0">
+                <a:latin typeface="나눔"/>
+              </a:rPr>
+              <a:t>4</a:t>
+            </a:r>
+            <a:r>
+              <a:rPr lang="ko-KR" altLang="en-US" sz="1300" dirty="0">
+                <a:latin typeface="나눔"/>
+              </a:rPr>
+              <a:t>가지 </a:t>
+            </a:r>
+            <a:r>
+              <a:rPr lang="ko-KR" altLang="en-US" sz="1300" dirty="0" err="1">
+                <a:latin typeface="나눔"/>
+              </a:rPr>
+              <a:t>상태값</a:t>
+            </a:r>
+            <a:r>
+              <a:rPr lang="ko-KR" altLang="en-US" sz="1300" dirty="0">
+                <a:latin typeface="나눔"/>
+              </a:rPr>
+              <a:t> 아이콘으로 표출</a:t>
+            </a:r>
+            <a:endParaRPr lang="en-US" altLang="ko-KR" sz="1300" dirty="0">
+              <a:latin typeface="나눔"/>
+            </a:endParaRPr>
+          </a:p>
+          <a:p>
+            <a:r>
+              <a:rPr lang="ko-KR" altLang="en-US" sz="1300" dirty="0">
+                <a:latin typeface="나눔"/>
+              </a:rPr>
+              <a:t>계획되지 않음</a:t>
+            </a:r>
+            <a:r>
+              <a:rPr lang="en-US" altLang="ko-KR" sz="1300" dirty="0">
+                <a:latin typeface="나눔"/>
+              </a:rPr>
+              <a:t> / </a:t>
+            </a:r>
+            <a:r>
+              <a:rPr lang="ko-KR" altLang="en-US" sz="1300" dirty="0" err="1">
+                <a:latin typeface="나눔"/>
+              </a:rPr>
+              <a:t>해결중</a:t>
+            </a:r>
+            <a:r>
+              <a:rPr lang="ko-KR" altLang="en-US" sz="1300" dirty="0">
+                <a:latin typeface="나눔"/>
+              </a:rPr>
+              <a:t> </a:t>
+            </a:r>
+            <a:r>
+              <a:rPr lang="en-US" altLang="ko-KR" sz="1300" dirty="0">
+                <a:latin typeface="나눔"/>
+              </a:rPr>
+              <a:t>/ </a:t>
+            </a:r>
+            <a:r>
+              <a:rPr lang="ko-KR" altLang="en-US" sz="1300" dirty="0">
+                <a:latin typeface="나눔"/>
+              </a:rPr>
+              <a:t>완료 </a:t>
+            </a:r>
+            <a:r>
+              <a:rPr lang="en-US" altLang="ko-KR" sz="1300" dirty="0">
+                <a:latin typeface="나눔"/>
+              </a:rPr>
+              <a:t>/ </a:t>
+            </a:r>
+            <a:r>
+              <a:rPr lang="ko-KR" altLang="en-US" sz="1300" dirty="0">
+                <a:latin typeface="나눔"/>
+              </a:rPr>
+              <a:t>삭제</a:t>
+            </a:r>
+            <a:endParaRPr lang="en-US" altLang="ko-KR" sz="1300" dirty="0">
+              <a:latin typeface="나눔"/>
+            </a:endParaRPr>
+          </a:p>
+          <a:p>
+            <a:r>
+              <a:rPr lang="ko-KR" altLang="en-US" sz="1300" dirty="0">
+                <a:latin typeface="나눔"/>
+              </a:rPr>
+              <a:t> </a:t>
+            </a:r>
+          </a:p>
+        </p:txBody>
+      </p:sp>
+      <p:sp>
+        <p:nvSpPr>
+          <p:cNvPr id="19" name="십각형 18">
+            <a:extLst>
+              <a:ext uri="{FF2B5EF4-FFF2-40B4-BE49-F238E27FC236}">
+                <a16:creationId xmlns:a16="http://schemas.microsoft.com/office/drawing/2014/main" id="{FC57A1AD-D793-C482-CB2D-F2F7A304E766}"/>
+              </a:ext>
+            </a:extLst>
+          </p:cNvPr>
+          <p:cNvSpPr/>
+          <p:nvPr/>
+        </p:nvSpPr>
+        <p:spPr>
+          <a:xfrm>
+            <a:off x="1271464" y="1453341"/>
+            <a:ext cx="216024" cy="175459"/>
+          </a:xfrm>
+          <a:prstGeom prst="decagon">
+            <a:avLst/>
+          </a:prstGeom>
+        </p:spPr>
+        <p:style>
+          <a:lnRef idx="2">
+            <a:schemeClr val="accent1">
+              <a:shade val="15000"/>
+            </a:schemeClr>
+          </a:lnRef>
+          <a:fillRef idx="1">
+            <a:schemeClr val="accent1"/>
+          </a:fillRef>
+          <a:effectRef idx="0">
+            <a:schemeClr val="accent1"/>
+          </a:effectRef>
+          <a:fontRef idx="minor">
+            <a:schemeClr val="lt1"/>
+          </a:fontRef>
+        </p:style>
+        <p:txBody>
+          <a:bodyPr rtlCol="0" anchor="ctr"/>
+          <a:lstStyle/>
+          <a:p>
+            <a:pPr algn="ctr"/>
+            <a:r>
+              <a:rPr lang="en-US" altLang="ko-KR" dirty="0"/>
+              <a:t>1</a:t>
+            </a:r>
+            <a:endParaRPr lang="ko-KR" altLang="en-US" dirty="0"/>
+          </a:p>
+        </p:txBody>
+      </p:sp>
+      <p:sp>
+        <p:nvSpPr>
+          <p:cNvPr id="21" name="십각형 20">
+            <a:extLst>
+              <a:ext uri="{FF2B5EF4-FFF2-40B4-BE49-F238E27FC236}">
+                <a16:creationId xmlns:a16="http://schemas.microsoft.com/office/drawing/2014/main" id="{B523762A-9A10-0C26-676E-47508D34345B}"/>
+              </a:ext>
+            </a:extLst>
+          </p:cNvPr>
+          <p:cNvSpPr/>
+          <p:nvPr/>
+        </p:nvSpPr>
+        <p:spPr>
+          <a:xfrm>
+            <a:off x="5787680" y="1503198"/>
+            <a:ext cx="216024" cy="175459"/>
+          </a:xfrm>
+          <a:prstGeom prst="decagon">
+            <a:avLst/>
+          </a:prstGeom>
+        </p:spPr>
+        <p:style>
+          <a:lnRef idx="2">
+            <a:schemeClr val="accent1">
+              <a:shade val="15000"/>
+            </a:schemeClr>
+          </a:lnRef>
+          <a:fillRef idx="1">
+            <a:schemeClr val="accent1"/>
+          </a:fillRef>
+          <a:effectRef idx="0">
+            <a:schemeClr val="accent1"/>
+          </a:effectRef>
+          <a:fontRef idx="minor">
+            <a:schemeClr val="lt1"/>
+          </a:fontRef>
+        </p:style>
+        <p:txBody>
+          <a:bodyPr rtlCol="0" anchor="ctr"/>
+          <a:lstStyle/>
+          <a:p>
+            <a:pPr algn="ctr"/>
+            <a:r>
+              <a:rPr lang="en-US" altLang="ko-KR" dirty="0"/>
+              <a:t>3</a:t>
+            </a:r>
+            <a:endParaRPr lang="ko-KR" altLang="en-US" dirty="0"/>
+          </a:p>
+        </p:txBody>
+      </p:sp>
+      <p:sp>
+        <p:nvSpPr>
+          <p:cNvPr id="22" name="십각형 21">
+            <a:extLst>
+              <a:ext uri="{FF2B5EF4-FFF2-40B4-BE49-F238E27FC236}">
+                <a16:creationId xmlns:a16="http://schemas.microsoft.com/office/drawing/2014/main" id="{40955F29-124A-2E8E-6410-32F148FF9EFA}"/>
+              </a:ext>
+            </a:extLst>
+          </p:cNvPr>
+          <p:cNvSpPr/>
+          <p:nvPr/>
+        </p:nvSpPr>
+        <p:spPr>
+          <a:xfrm>
+            <a:off x="1954313" y="2111160"/>
+            <a:ext cx="216024" cy="175459"/>
+          </a:xfrm>
+          <a:prstGeom prst="decagon">
+            <a:avLst/>
+          </a:prstGeom>
+        </p:spPr>
+        <p:style>
+          <a:lnRef idx="2">
+            <a:schemeClr val="accent1">
+              <a:shade val="15000"/>
+            </a:schemeClr>
+          </a:lnRef>
+          <a:fillRef idx="1">
+            <a:schemeClr val="accent1"/>
+          </a:fillRef>
+          <a:effectRef idx="0">
+            <a:schemeClr val="accent1"/>
+          </a:effectRef>
+          <a:fontRef idx="minor">
+            <a:schemeClr val="lt1"/>
+          </a:fontRef>
+        </p:style>
+        <p:txBody>
+          <a:bodyPr rtlCol="0" anchor="ctr"/>
+          <a:lstStyle/>
+          <a:p>
+            <a:pPr algn="ctr"/>
+            <a:r>
+              <a:rPr lang="en-US" altLang="ko-KR" dirty="0"/>
+              <a:t>4</a:t>
+            </a:r>
+            <a:endParaRPr lang="ko-KR" altLang="en-US" dirty="0"/>
+          </a:p>
+        </p:txBody>
+      </p:sp>
+      <p:sp>
+        <p:nvSpPr>
+          <p:cNvPr id="23" name="십각형 22">
+            <a:extLst>
+              <a:ext uri="{FF2B5EF4-FFF2-40B4-BE49-F238E27FC236}">
+                <a16:creationId xmlns:a16="http://schemas.microsoft.com/office/drawing/2014/main" id="{F78B6F77-6D78-5021-DEB3-47F1A5A64783}"/>
+              </a:ext>
+            </a:extLst>
+          </p:cNvPr>
+          <p:cNvSpPr/>
+          <p:nvPr/>
+        </p:nvSpPr>
+        <p:spPr>
+          <a:xfrm>
+            <a:off x="1954313" y="1844958"/>
+            <a:ext cx="216024" cy="175459"/>
+          </a:xfrm>
+          <a:prstGeom prst="decagon">
+            <a:avLst/>
+          </a:prstGeom>
+        </p:spPr>
+        <p:style>
+          <a:lnRef idx="2">
+            <a:schemeClr val="accent1">
+              <a:shade val="15000"/>
+            </a:schemeClr>
+          </a:lnRef>
+          <a:fillRef idx="1">
+            <a:schemeClr val="accent1"/>
+          </a:fillRef>
+          <a:effectRef idx="0">
+            <a:schemeClr val="accent1"/>
+          </a:effectRef>
+          <a:fontRef idx="minor">
+            <a:schemeClr val="lt1"/>
+          </a:fontRef>
+        </p:style>
+        <p:txBody>
+          <a:bodyPr rtlCol="0" anchor="ctr"/>
+          <a:lstStyle/>
+          <a:p>
+            <a:pPr algn="ctr"/>
+            <a:r>
+              <a:rPr lang="en-US" altLang="ko-KR" dirty="0"/>
+              <a:t>2</a:t>
+            </a:r>
+            <a:endParaRPr lang="ko-KR" altLang="en-US" dirty="0"/>
+          </a:p>
+        </p:txBody>
+      </p:sp>
+      <p:pic>
+        <p:nvPicPr>
+          <p:cNvPr id="25" name="그림 24">
+            <a:extLst>
+              <a:ext uri="{FF2B5EF4-FFF2-40B4-BE49-F238E27FC236}">
+                <a16:creationId xmlns:a16="http://schemas.microsoft.com/office/drawing/2014/main" id="{269C1D76-6DD1-84F6-BBA4-8EA0C7F79AAC}"/>
+              </a:ext>
+            </a:extLst>
+          </p:cNvPr>
+          <p:cNvPicPr>
+            <a:picLocks noChangeAspect="1"/>
+          </p:cNvPicPr>
+          <p:nvPr/>
+        </p:nvPicPr>
+        <p:blipFill>
+          <a:blip r:embed="rId6">
+            <a:extLst>
+              <a:ext uri="{28A0092B-C50C-407E-A947-70E740481C1C}">
+                <a14:useLocalDpi xmlns:a14="http://schemas.microsoft.com/office/drawing/2010/main" val="0"/>
+              </a:ext>
+            </a:extLst>
+          </a:blip>
+          <a:stretch>
+            <a:fillRect/>
+          </a:stretch>
+        </p:blipFill>
+        <p:spPr>
+          <a:xfrm>
+            <a:off x="8751955" y="3684108"/>
+            <a:ext cx="1966130" cy="1044030"/>
+          </a:xfrm>
+          <a:prstGeom prst="rect">
+            <a:avLst/>
+          </a:prstGeom>
+        </p:spPr>
+      </p:pic>
+    </p:spTree>
+    <p:extLst>
+      <p:ext uri="{BB962C8B-B14F-4D97-AF65-F5344CB8AC3E}">
+        <p14:creationId xmlns:p14="http://schemas.microsoft.com/office/powerpoint/2010/main" val="1375508264"/>
+      </p:ext>
+    </p:extLst>
+  </p:cSld>
+  <p:clrMapOvr>
+    <a:masterClrMapping/>
+  </p:clrMapOvr>
+</p:sld>
+</file>
+
+<file path=ppt/slides/slide3.xml><?xml version="1.0" encoding="utf-8"?>
+<p:sld xmlns:a="http://schemas.openxmlformats.org/drawingml/2006/main" xmlns:r="http://schemas.openxmlformats.org/officeDocument/2006/relationships" xmlns:p="http://schemas.openxmlformats.org/presentationml/2006/main">
+  <p:cSld>
+    <p:spTree>
+      <p:nvGrpSpPr>
+        <p:cNvPr id="1" name="">
+          <a:extLst>
+            <a:ext uri="{FF2B5EF4-FFF2-40B4-BE49-F238E27FC236}">
+              <a16:creationId xmlns:a16="http://schemas.microsoft.com/office/drawing/2014/main" id="{D5BD55D6-A4CC-23AB-F1B8-2465A0D8E8D6}"/>
+            </a:ext>
+          </a:extLst>
+        </p:cNvPr>
+        <p:cNvGrpSpPr/>
+        <p:nvPr/>
+      </p:nvGrpSpPr>
+      <p:grpSpPr>
+        <a:xfrm>
+          <a:off x="0" y="0"/>
+          <a:ext cx="0" cy="0"/>
+          <a:chOff x="0" y="0"/>
+          <a:chExt cx="0" cy="0"/>
+        </a:xfrm>
+      </p:grpSpPr>
+      <p:pic>
+        <p:nvPicPr>
+          <p:cNvPr id="11" name="내용 개체 틀 10">
+            <a:extLst>
+              <a:ext uri="{FF2B5EF4-FFF2-40B4-BE49-F238E27FC236}">
+                <a16:creationId xmlns:a16="http://schemas.microsoft.com/office/drawing/2014/main" id="{13E49B4F-EB21-0843-F1C4-CCAEA23BE1B8}"/>
+              </a:ext>
+            </a:extLst>
+          </p:cNvPr>
+          <p:cNvPicPr>
+            <a:picLocks noGrp="1" noChangeAspect="1"/>
+          </p:cNvPicPr>
+          <p:nvPr>
+            <p:ph sz="half" idx="10"/>
+          </p:nvPr>
+        </p:nvPicPr>
+        <p:blipFill>
+          <a:blip r:embed="rId2" cstate="print">
+            <a:extLst>
+              <a:ext uri="{28A0092B-C50C-407E-A947-70E740481C1C}">
+                <a14:useLocalDpi xmlns:a14="http://schemas.microsoft.com/office/drawing/2010/main" val="0"/>
+              </a:ext>
+            </a:extLst>
+          </a:blip>
+          <a:stretch>
+            <a:fillRect/>
+          </a:stretch>
+        </p:blipFill>
+        <p:spPr>
+          <a:xfrm>
+            <a:off x="7824192" y="2811747"/>
+            <a:ext cx="3387725" cy="1680594"/>
+          </a:xfrm>
+        </p:spPr>
+      </p:pic>
+      <p:sp>
+        <p:nvSpPr>
+          <p:cNvPr id="3" name="텍스트 개체 틀 2">
+            <a:extLst>
+              <a:ext uri="{FF2B5EF4-FFF2-40B4-BE49-F238E27FC236}">
+                <a16:creationId xmlns:a16="http://schemas.microsoft.com/office/drawing/2014/main" id="{5869AB62-BBD9-BEB5-549E-676116F876C8}"/>
+              </a:ext>
+            </a:extLst>
+          </p:cNvPr>
+          <p:cNvSpPr>
+            <a:spLocks noGrp="1"/>
+          </p:cNvSpPr>
+          <p:nvPr>
+            <p:ph type="body" idx="1"/>
+          </p:nvPr>
+        </p:nvSpPr>
+        <p:spPr/>
+        <p:txBody>
+          <a:bodyPr>
+            <a:normAutofit lnSpcReduction="10000"/>
+          </a:bodyPr>
+          <a:lstStyle/>
+          <a:p>
+            <a:endParaRPr lang="ko-KR" altLang="en-US" dirty="0"/>
+          </a:p>
+        </p:txBody>
+      </p:sp>
+      <p:sp>
+        <p:nvSpPr>
+          <p:cNvPr id="4" name="제목 3">
+            <a:extLst>
+              <a:ext uri="{FF2B5EF4-FFF2-40B4-BE49-F238E27FC236}">
+                <a16:creationId xmlns:a16="http://schemas.microsoft.com/office/drawing/2014/main" id="{E5AB6087-1B9E-3E13-580F-317F045BB40D}"/>
+              </a:ext>
+            </a:extLst>
+          </p:cNvPr>
+          <p:cNvSpPr>
+            <a:spLocks noGrp="1"/>
+          </p:cNvSpPr>
+          <p:nvPr>
+            <p:ph type="title"/>
+          </p:nvPr>
+        </p:nvSpPr>
+        <p:spPr/>
+        <p:txBody>
+          <a:bodyPr/>
+          <a:lstStyle/>
+          <a:p>
+            <a:r>
+              <a:rPr lang="en-US" altLang="ko-KR" dirty="0"/>
+              <a:t>SAP(Subway Amenities Project) </a:t>
+            </a:r>
+            <a:r>
               <a:rPr lang="ko-KR" altLang="en-US" dirty="0"/>
-              <a:t>https://m.blog.naver.com/soomichip_/223128859692</a:t>
-            </a:r>
+              <a:t>장애</a:t>
+            </a:r>
+            <a:r>
+              <a:rPr lang="en-US" altLang="ko-KR" dirty="0"/>
+              <a:t>/</a:t>
+            </a:r>
+            <a:r>
+              <a:rPr lang="ko-KR" altLang="en-US" dirty="0"/>
+              <a:t>이슈 글쓰기</a:t>
+            </a:r>
+          </a:p>
+        </p:txBody>
+      </p:sp>
+      <p:pic>
+        <p:nvPicPr>
+          <p:cNvPr id="13" name="그림 12">
+            <a:extLst>
+              <a:ext uri="{FF2B5EF4-FFF2-40B4-BE49-F238E27FC236}">
+                <a16:creationId xmlns:a16="http://schemas.microsoft.com/office/drawing/2014/main" id="{8A495674-59AB-74A9-0656-EDCC30F428C7}"/>
+              </a:ext>
+            </a:extLst>
+          </p:cNvPr>
+          <p:cNvPicPr>
+            <a:picLocks noChangeAspect="1"/>
+          </p:cNvPicPr>
+          <p:nvPr/>
+        </p:nvPicPr>
+        <p:blipFill>
+          <a:blip r:embed="rId3">
+            <a:extLst>
+              <a:ext uri="{28A0092B-C50C-407E-A947-70E740481C1C}">
+                <a14:useLocalDpi xmlns:a14="http://schemas.microsoft.com/office/drawing/2010/main" val="0"/>
+              </a:ext>
+            </a:extLst>
+          </a:blip>
+          <a:stretch>
+            <a:fillRect/>
+          </a:stretch>
+        </p:blipFill>
+        <p:spPr>
+          <a:xfrm>
+            <a:off x="133824" y="692696"/>
+            <a:ext cx="7978400" cy="4536504"/>
+          </a:xfrm>
+          <a:prstGeom prst="rect">
+            <a:avLst/>
+          </a:prstGeom>
+        </p:spPr>
+      </p:pic>
+      <p:pic>
+        <p:nvPicPr>
+          <p:cNvPr id="5" name="그림 4">
+            <a:extLst>
+              <a:ext uri="{FF2B5EF4-FFF2-40B4-BE49-F238E27FC236}">
+                <a16:creationId xmlns:a16="http://schemas.microsoft.com/office/drawing/2014/main" id="{84EF577B-D3FF-1AAF-4D96-981E0EACDC0C}"/>
+              </a:ext>
+            </a:extLst>
+          </p:cNvPr>
+          <p:cNvPicPr>
+            <a:picLocks noChangeAspect="1"/>
+          </p:cNvPicPr>
+          <p:nvPr/>
+        </p:nvPicPr>
+        <p:blipFill>
+          <a:blip r:embed="rId4" cstate="print">
+            <a:extLst>
+              <a:ext uri="{28A0092B-C50C-407E-A947-70E740481C1C}">
+                <a14:useLocalDpi xmlns:a14="http://schemas.microsoft.com/office/drawing/2010/main" val="0"/>
+              </a:ext>
+            </a:extLst>
+          </a:blip>
+          <a:stretch>
+            <a:fillRect/>
+          </a:stretch>
+        </p:blipFill>
+        <p:spPr>
+          <a:xfrm>
+            <a:off x="1267692" y="1627664"/>
+            <a:ext cx="6556500" cy="3242920"/>
+          </a:xfrm>
+          <a:prstGeom prst="rect">
+            <a:avLst/>
+          </a:prstGeom>
+        </p:spPr>
+      </p:pic>
+      <p:sp>
+        <p:nvSpPr>
+          <p:cNvPr id="6" name="십각형 5">
+            <a:extLst>
+              <a:ext uri="{FF2B5EF4-FFF2-40B4-BE49-F238E27FC236}">
+                <a16:creationId xmlns:a16="http://schemas.microsoft.com/office/drawing/2014/main" id="{A343029A-1C57-903E-B807-6A55D9B03DE8}"/>
+              </a:ext>
+            </a:extLst>
+          </p:cNvPr>
+          <p:cNvSpPr/>
+          <p:nvPr/>
+        </p:nvSpPr>
+        <p:spPr>
+          <a:xfrm>
+            <a:off x="1415480" y="1844824"/>
+            <a:ext cx="216024" cy="175459"/>
+          </a:xfrm>
+          <a:prstGeom prst="decagon">
+            <a:avLst/>
+          </a:prstGeom>
+        </p:spPr>
+        <p:style>
+          <a:lnRef idx="2">
+            <a:schemeClr val="accent1">
+              <a:shade val="15000"/>
+            </a:schemeClr>
+          </a:lnRef>
+          <a:fillRef idx="1">
+            <a:schemeClr val="accent1"/>
+          </a:fillRef>
+          <a:effectRef idx="0">
+            <a:schemeClr val="accent1"/>
+          </a:effectRef>
+          <a:fontRef idx="minor">
+            <a:schemeClr val="lt1"/>
+          </a:fontRef>
+        </p:style>
+        <p:txBody>
+          <a:bodyPr rtlCol="0" anchor="ctr"/>
+          <a:lstStyle/>
+          <a:p>
+            <a:pPr algn="ctr"/>
+            <a:r>
+              <a:rPr lang="en-US" altLang="ko-KR" dirty="0"/>
+              <a:t>1</a:t>
+            </a:r>
+            <a:endParaRPr lang="ko-KR" altLang="en-US" dirty="0"/>
+          </a:p>
+        </p:txBody>
+      </p:sp>
+      <p:sp>
+        <p:nvSpPr>
+          <p:cNvPr id="8" name="TextBox 7">
+            <a:extLst>
+              <a:ext uri="{FF2B5EF4-FFF2-40B4-BE49-F238E27FC236}">
+                <a16:creationId xmlns:a16="http://schemas.microsoft.com/office/drawing/2014/main" id="{B4A4B4F5-C9EA-AC34-F9F2-1063318156A0}"/>
+              </a:ext>
+            </a:extLst>
+          </p:cNvPr>
+          <p:cNvSpPr txBox="1"/>
+          <p:nvPr/>
+        </p:nvSpPr>
+        <p:spPr>
+          <a:xfrm>
+            <a:off x="8669590" y="1025450"/>
+            <a:ext cx="3559055" cy="2292935"/>
+          </a:xfrm>
+          <a:prstGeom prst="rect">
+            <a:avLst/>
+          </a:prstGeom>
+          <a:noFill/>
+        </p:spPr>
+        <p:txBody>
+          <a:bodyPr wrap="square" rtlCol="0">
+            <a:spAutoFit/>
+          </a:bodyPr>
+          <a:lstStyle/>
+          <a:p>
+            <a:pPr marL="342900" indent="-342900">
+              <a:buAutoNum type="arabicPeriod"/>
+            </a:pPr>
+            <a:r>
+              <a:rPr lang="ko-KR" altLang="en-US" sz="1300" dirty="0">
+                <a:latin typeface="나눔"/>
+              </a:rPr>
+              <a:t>제목 적는 란 </a:t>
+            </a:r>
+            <a:br>
+              <a:rPr lang="en-US" altLang="ko-KR" sz="1300" dirty="0">
+                <a:latin typeface="나눔"/>
+              </a:rPr>
+            </a:br>
+            <a:r>
+              <a:rPr lang="en-US" altLang="ko-KR" sz="1300" dirty="0" err="1">
+                <a:latin typeface="나눔"/>
+              </a:rPr>
+              <a:t>incident.incident_title</a:t>
+            </a:r>
+            <a:endParaRPr lang="en-US" altLang="ko-KR" sz="1300" dirty="0">
+              <a:latin typeface="나눔"/>
+            </a:endParaRPr>
+          </a:p>
+          <a:p>
+            <a:pPr marL="342900" indent="-342900">
+              <a:buAutoNum type="arabicPeriod"/>
+            </a:pPr>
+            <a:endParaRPr lang="en-US" altLang="ko-KR" sz="1300" dirty="0">
+              <a:latin typeface="나눔"/>
+            </a:endParaRPr>
+          </a:p>
+          <a:p>
+            <a:pPr marL="342900" indent="-342900">
+              <a:buAutoNum type="arabicPeriod"/>
+            </a:pPr>
+            <a:r>
+              <a:rPr lang="ko-KR" altLang="en-US" sz="1300" dirty="0">
+                <a:latin typeface="나눔"/>
+              </a:rPr>
+              <a:t>내용 적는 란 </a:t>
+            </a:r>
+            <a:br>
+              <a:rPr lang="en-US" altLang="ko-KR" sz="1300" dirty="0">
+                <a:latin typeface="나눔"/>
+              </a:rPr>
+            </a:br>
+            <a:r>
+              <a:rPr lang="en-US" altLang="ko-KR" sz="1300" dirty="0" err="1">
+                <a:latin typeface="나눔"/>
+              </a:rPr>
+              <a:t>insident.incident_content</a:t>
+            </a:r>
+            <a:endParaRPr lang="en-US" altLang="ko-KR" sz="1300" dirty="0">
+              <a:latin typeface="나눔"/>
+            </a:endParaRPr>
+          </a:p>
+          <a:p>
+            <a:pPr marL="342900" indent="-342900">
+              <a:buAutoNum type="arabicPeriod"/>
+            </a:pPr>
+            <a:endParaRPr lang="en-US" altLang="ko-KR" sz="1300" dirty="0">
+              <a:latin typeface="나눔"/>
+            </a:endParaRPr>
+          </a:p>
+          <a:p>
+            <a:pPr marL="342900" indent="-342900">
+              <a:buAutoNum type="arabicPeriod"/>
+            </a:pPr>
+            <a:r>
+              <a:rPr lang="ko-KR" altLang="en-US" sz="1300" dirty="0">
+                <a:latin typeface="나눔"/>
+              </a:rPr>
+              <a:t>호선 및 </a:t>
+            </a:r>
+            <a:r>
+              <a:rPr lang="ko-KR" altLang="en-US" sz="1300" dirty="0" err="1">
+                <a:latin typeface="나눔"/>
+              </a:rPr>
+              <a:t>인시던트</a:t>
+            </a:r>
+            <a:r>
+              <a:rPr lang="ko-KR" altLang="en-US" sz="1300" dirty="0">
+                <a:latin typeface="나눔"/>
+              </a:rPr>
+              <a:t> 역명 </a:t>
+            </a:r>
+            <a:r>
+              <a:rPr lang="ko-KR" altLang="en-US" sz="1300" dirty="0" err="1">
+                <a:latin typeface="나눔"/>
+              </a:rPr>
+              <a:t>발생역</a:t>
+            </a:r>
+            <a:r>
+              <a:rPr lang="ko-KR" altLang="en-US" sz="1300" dirty="0">
+                <a:latin typeface="나눔"/>
+              </a:rPr>
+              <a:t> 이름</a:t>
+            </a:r>
+            <a:endParaRPr lang="en-US" altLang="ko-KR" sz="1300" dirty="0">
+              <a:latin typeface="나눔"/>
+            </a:endParaRPr>
+          </a:p>
+          <a:p>
+            <a:r>
+              <a:rPr lang="en-US" altLang="ko-KR" sz="1300" dirty="0" err="1">
+                <a:latin typeface="나눔"/>
+              </a:rPr>
+              <a:t>Incident.Incident_line_name</a:t>
+            </a:r>
+            <a:r>
+              <a:rPr lang="en-US" altLang="ko-KR" sz="1300" dirty="0">
+                <a:latin typeface="나눔"/>
+              </a:rPr>
+              <a:t> : </a:t>
+            </a:r>
+            <a:r>
+              <a:rPr lang="ko-KR" altLang="en-US" sz="1300" dirty="0">
+                <a:latin typeface="나눔"/>
+              </a:rPr>
+              <a:t>호선</a:t>
+            </a:r>
+            <a:endParaRPr lang="en-US" altLang="ko-KR" sz="1300" dirty="0">
+              <a:latin typeface="나눔"/>
+            </a:endParaRPr>
+          </a:p>
+          <a:p>
+            <a:r>
+              <a:rPr lang="en-US" altLang="ko-KR" sz="1300" dirty="0" err="1">
+                <a:latin typeface="나눔"/>
+              </a:rPr>
+              <a:t>Incident.Incident_station_name</a:t>
+            </a:r>
+            <a:r>
+              <a:rPr lang="en-US" altLang="ko-KR" sz="1300" dirty="0">
+                <a:latin typeface="나눔"/>
+              </a:rPr>
+              <a:t> : </a:t>
+            </a:r>
+            <a:r>
+              <a:rPr lang="ko-KR" altLang="en-US" sz="1300" dirty="0" err="1">
+                <a:latin typeface="나눔"/>
+              </a:rPr>
+              <a:t>발생역</a:t>
+            </a:r>
+            <a:r>
+              <a:rPr lang="ko-KR" altLang="en-US" sz="1300" dirty="0">
+                <a:latin typeface="나눔"/>
+              </a:rPr>
+              <a:t> 이름</a:t>
+            </a:r>
+            <a:endParaRPr lang="en-US" altLang="ko-KR" sz="1300" dirty="0">
+              <a:latin typeface="나눔"/>
+            </a:endParaRPr>
+          </a:p>
+          <a:p>
+            <a:endParaRPr lang="en-US" altLang="ko-KR" sz="1300" dirty="0">
+              <a:latin typeface="나눔"/>
+            </a:endParaRPr>
+          </a:p>
+          <a:p>
+            <a:r>
+              <a:rPr lang="en-US" altLang="ko-KR" sz="1300" dirty="0">
+                <a:latin typeface="나눔"/>
+              </a:rPr>
+              <a:t>4. Create </a:t>
+            </a:r>
+            <a:r>
+              <a:rPr lang="ko-KR" altLang="en-US" sz="1300" dirty="0">
+                <a:latin typeface="나눔"/>
+              </a:rPr>
+              <a:t>글 쓰기</a:t>
+            </a:r>
+            <a:r>
+              <a:rPr lang="en-US" altLang="ko-KR" sz="1300" dirty="0">
+                <a:latin typeface="나눔"/>
+              </a:rPr>
+              <a:t>. </a:t>
+            </a:r>
+          </a:p>
+        </p:txBody>
+      </p:sp>
+      <p:sp>
+        <p:nvSpPr>
+          <p:cNvPr id="10" name="십각형 9">
+            <a:extLst>
+              <a:ext uri="{FF2B5EF4-FFF2-40B4-BE49-F238E27FC236}">
+                <a16:creationId xmlns:a16="http://schemas.microsoft.com/office/drawing/2014/main" id="{51215E11-6484-2C43-1B10-93B982A58EBE}"/>
+              </a:ext>
+            </a:extLst>
+          </p:cNvPr>
+          <p:cNvSpPr/>
+          <p:nvPr/>
+        </p:nvSpPr>
+        <p:spPr>
+          <a:xfrm>
+            <a:off x="1415480" y="2492896"/>
+            <a:ext cx="216024" cy="175459"/>
+          </a:xfrm>
+          <a:prstGeom prst="decagon">
+            <a:avLst/>
+          </a:prstGeom>
+        </p:spPr>
+        <p:style>
+          <a:lnRef idx="2">
+            <a:schemeClr val="accent1">
+              <a:shade val="15000"/>
+            </a:schemeClr>
+          </a:lnRef>
+          <a:fillRef idx="1">
+            <a:schemeClr val="accent1"/>
+          </a:fillRef>
+          <a:effectRef idx="0">
+            <a:schemeClr val="accent1"/>
+          </a:effectRef>
+          <a:fontRef idx="minor">
+            <a:schemeClr val="lt1"/>
+          </a:fontRef>
+        </p:style>
+        <p:txBody>
+          <a:bodyPr rtlCol="0" anchor="ctr"/>
+          <a:lstStyle/>
+          <a:p>
+            <a:pPr algn="ctr"/>
+            <a:r>
+              <a:rPr lang="en-US" altLang="ko-KR" dirty="0"/>
+              <a:t>2</a:t>
+            </a:r>
+            <a:endParaRPr lang="ko-KR" altLang="en-US" dirty="0"/>
+          </a:p>
+        </p:txBody>
+      </p:sp>
+      <p:sp>
+        <p:nvSpPr>
+          <p:cNvPr id="18" name="십각형 17">
+            <a:extLst>
+              <a:ext uri="{FF2B5EF4-FFF2-40B4-BE49-F238E27FC236}">
+                <a16:creationId xmlns:a16="http://schemas.microsoft.com/office/drawing/2014/main" id="{A0554B63-4248-3FD6-6E16-F5552EDD4153}"/>
+              </a:ext>
+            </a:extLst>
+          </p:cNvPr>
+          <p:cNvSpPr/>
+          <p:nvPr/>
+        </p:nvSpPr>
+        <p:spPr>
+          <a:xfrm>
+            <a:off x="7032104" y="1707087"/>
+            <a:ext cx="216024" cy="175459"/>
+          </a:xfrm>
+          <a:prstGeom prst="decagon">
+            <a:avLst/>
+          </a:prstGeom>
+        </p:spPr>
+        <p:style>
+          <a:lnRef idx="2">
+            <a:schemeClr val="accent1">
+              <a:shade val="15000"/>
+            </a:schemeClr>
+          </a:lnRef>
+          <a:fillRef idx="1">
+            <a:schemeClr val="accent1"/>
+          </a:fillRef>
+          <a:effectRef idx="0">
+            <a:schemeClr val="accent1"/>
+          </a:effectRef>
+          <a:fontRef idx="minor">
+            <a:schemeClr val="lt1"/>
+          </a:fontRef>
+        </p:style>
+        <p:txBody>
+          <a:bodyPr rtlCol="0" anchor="ctr"/>
+          <a:lstStyle/>
+          <a:p>
+            <a:pPr algn="ctr"/>
+            <a:r>
+              <a:rPr lang="en-US" altLang="ko-KR" dirty="0"/>
+              <a:t>3</a:t>
+            </a:r>
+            <a:endParaRPr lang="ko-KR" altLang="en-US" dirty="0"/>
+          </a:p>
+        </p:txBody>
+      </p:sp>
+      <p:sp>
+        <p:nvSpPr>
+          <p:cNvPr id="20" name="십각형 19">
+            <a:extLst>
+              <a:ext uri="{FF2B5EF4-FFF2-40B4-BE49-F238E27FC236}">
+                <a16:creationId xmlns:a16="http://schemas.microsoft.com/office/drawing/2014/main" id="{A288F369-9F80-0111-E869-7A3858572EEA}"/>
+              </a:ext>
+            </a:extLst>
+          </p:cNvPr>
+          <p:cNvSpPr/>
+          <p:nvPr/>
+        </p:nvSpPr>
+        <p:spPr>
+          <a:xfrm>
+            <a:off x="6435740" y="4449466"/>
+            <a:ext cx="216024" cy="175459"/>
+          </a:xfrm>
+          <a:prstGeom prst="decagon">
+            <a:avLst/>
+          </a:prstGeom>
+        </p:spPr>
+        <p:style>
+          <a:lnRef idx="2">
+            <a:schemeClr val="accent1">
+              <a:shade val="15000"/>
+            </a:schemeClr>
+          </a:lnRef>
+          <a:fillRef idx="1">
+            <a:schemeClr val="accent1"/>
+          </a:fillRef>
+          <a:effectRef idx="0">
+            <a:schemeClr val="accent1"/>
+          </a:effectRef>
+          <a:fontRef idx="minor">
+            <a:schemeClr val="lt1"/>
+          </a:fontRef>
+        </p:style>
+        <p:txBody>
+          <a:bodyPr rtlCol="0" anchor="ctr"/>
+          <a:lstStyle/>
+          <a:p>
+            <a:pPr algn="ctr"/>
+            <a:r>
+              <a:rPr lang="en-US" altLang="ko-KR" dirty="0"/>
+              <a:t>4</a:t>
+            </a:r>
+            <a:endParaRPr lang="ko-KR" altLang="en-US" dirty="0"/>
           </a:p>
         </p:txBody>
       </p:sp>
     </p:spTree>
     <p:extLst>
       <p:ext uri="{BB962C8B-B14F-4D97-AF65-F5344CB8AC3E}">
-        <p14:creationId xmlns:p14="http://schemas.microsoft.com/office/powerpoint/2010/main" val="3759879480"/>
+        <p14:creationId xmlns:p14="http://schemas.microsoft.com/office/powerpoint/2010/main" val="1500891582"/>
       </p:ext>
     </p:extLst>
   </p:cSld>
